--- a/Java For Beginer Lession.pptx
+++ b/Java For Beginer Lession.pptx
@@ -5,7 +5,7 @@
     <p:sldMasterId id="2147483648" r:id="rId1"/>
   </p:sldMasterIdLst>
   <p:notesMasterIdLst>
-    <p:notesMasterId r:id="rId31"/>
+    <p:notesMasterId r:id="rId34"/>
   </p:notesMasterIdLst>
   <p:sldIdLst>
     <p:sldId id="257" r:id="rId2"/>
@@ -37,6 +37,9 @@
     <p:sldId id="281" r:id="rId28"/>
     <p:sldId id="282" r:id="rId29"/>
     <p:sldId id="283" r:id="rId30"/>
+    <p:sldId id="286" r:id="rId31"/>
+    <p:sldId id="287" r:id="rId32"/>
+    <p:sldId id="288" r:id="rId33"/>
   </p:sldIdLst>
   <p:sldSz cx="12192000" cy="6858000"/>
   <p:notesSz cx="6858000" cy="9144000"/>
@@ -23263,7 +23266,7 @@
                 <a:latin typeface="Khmer OS Battambang" panose="02000500000000020004" pitchFamily="2" charset="77"/>
                 <a:cs typeface="Khmer OS Battambang" panose="02000500000000020004" pitchFamily="2" charset="77"/>
               </a:rPr>
-              <a:t>ទៅតាមចំនួនដងដែលបានកំណត់ទុកជាមុន</a:t>
+              <a:t>ម្តងហើយម្តងទៀតទៅតាមចំនួនដងដែលបានកំណត់ទុកជាមុន</a:t>
             </a:r>
             <a:r>
               <a:rPr lang="en-US" dirty="0">
@@ -25041,6 +25044,2467 @@
       </p:par>
     </p:tnLst>
   </p:timing>
+</p:sld>
+</file>
+
+<file path=ppt/slides/slide30.xml><?xml version="1.0" encoding="utf-8"?>
+<p:sld xmlns:a="http://schemas.openxmlformats.org/drawingml/2006/main" xmlns:r="http://schemas.openxmlformats.org/officeDocument/2006/relationships" xmlns:p="http://schemas.openxmlformats.org/presentationml/2006/main">
+  <p:cSld>
+    <p:bg>
+      <p:bgPr>
+        <a:solidFill>
+          <a:schemeClr val="bg1"/>
+        </a:solidFill>
+        <a:effectLst/>
+      </p:bgPr>
+    </p:bg>
+    <p:spTree>
+      <p:nvGrpSpPr>
+        <p:cNvPr id="1" name="">
+          <a:extLst>
+            <a:ext uri="{FF2B5EF4-FFF2-40B4-BE49-F238E27FC236}">
+              <a16:creationId xmlns:a16="http://schemas.microsoft.com/office/drawing/2014/main" id="{50589B37-8474-87E1-061A-F1BA6605B770}"/>
+            </a:ext>
+          </a:extLst>
+        </p:cNvPr>
+        <p:cNvGrpSpPr/>
+        <p:nvPr/>
+      </p:nvGrpSpPr>
+      <p:grpSpPr>
+        <a:xfrm>
+          <a:off x="0" y="0"/>
+          <a:ext cx="0" cy="0"/>
+          <a:chOff x="0" y="0"/>
+          <a:chExt cx="0" cy="0"/>
+        </a:xfrm>
+      </p:grpSpPr>
+      <p:sp>
+        <p:nvSpPr>
+          <p:cNvPr id="2" name="Title 1">
+            <a:extLst>
+              <a:ext uri="{FF2B5EF4-FFF2-40B4-BE49-F238E27FC236}">
+                <a16:creationId xmlns:a16="http://schemas.microsoft.com/office/drawing/2014/main" id="{70D66497-FDDF-B04B-BACA-2F5E183E68CB}"/>
+              </a:ext>
+            </a:extLst>
+          </p:cNvPr>
+          <p:cNvSpPr>
+            <a:spLocks noGrp="1"/>
+          </p:cNvSpPr>
+          <p:nvPr>
+            <p:ph type="ctrTitle"/>
+          </p:nvPr>
+        </p:nvSpPr>
+        <p:spPr>
+          <a:xfrm>
+            <a:off x="1701800" y="119781"/>
+            <a:ext cx="9144000" cy="789373"/>
+          </a:xfrm>
+        </p:spPr>
+        <p:txBody>
+          <a:bodyPr>
+            <a:normAutofit/>
+          </a:bodyPr>
+          <a:lstStyle/>
+          <a:p>
+            <a:pPr algn="l"/>
+            <a:r>
+              <a:rPr lang="en-US" sz="3600" dirty="0">
+                <a:solidFill>
+                  <a:srgbClr val="002060"/>
+                </a:solidFill>
+                <a:latin typeface="Khmer OS Battambang" panose="02000500000000020004" pitchFamily="2" charset="77"/>
+                <a:cs typeface="Khmer OS Battambang" panose="02000500000000020004" pitchFamily="2" charset="77"/>
+              </a:rPr>
+              <a:t>for-each loop</a:t>
+            </a:r>
+            <a:endParaRPr lang="en-KH" sz="3600" dirty="0">
+              <a:solidFill>
+                <a:srgbClr val="002060"/>
+              </a:solidFill>
+              <a:latin typeface="Khmer OS Battambang" panose="02000500000000020004" pitchFamily="2" charset="77"/>
+              <a:cs typeface="Khmer OS Battambang" panose="02000500000000020004" pitchFamily="2" charset="77"/>
+            </a:endParaRPr>
+          </a:p>
+        </p:txBody>
+      </p:sp>
+      <p:cxnSp>
+        <p:nvCxnSpPr>
+          <p:cNvPr id="8" name="Straight Connector 7">
+            <a:extLst>
+              <a:ext uri="{FF2B5EF4-FFF2-40B4-BE49-F238E27FC236}">
+                <a16:creationId xmlns:a16="http://schemas.microsoft.com/office/drawing/2014/main" id="{141CEE8E-9E00-D260-9E85-973C0D3516AB}"/>
+              </a:ext>
+            </a:extLst>
+          </p:cNvPr>
+          <p:cNvCxnSpPr/>
+          <p:nvPr/>
+        </p:nvCxnSpPr>
+        <p:spPr>
+          <a:xfrm>
+            <a:off x="0" y="1050468"/>
+            <a:ext cx="12192000" cy="0"/>
+          </a:xfrm>
+          <a:prstGeom prst="line">
+            <a:avLst/>
+          </a:prstGeom>
+          <a:ln w="57150">
+            <a:solidFill>
+              <a:srgbClr val="D49B06"/>
+            </a:solidFill>
+          </a:ln>
+        </p:spPr>
+        <p:style>
+          <a:lnRef idx="2">
+            <a:schemeClr val="accent1"/>
+          </a:lnRef>
+          <a:fillRef idx="0">
+            <a:schemeClr val="accent1"/>
+          </a:fillRef>
+          <a:effectRef idx="1">
+            <a:schemeClr val="accent1"/>
+          </a:effectRef>
+          <a:fontRef idx="minor">
+            <a:schemeClr val="tx1"/>
+          </a:fontRef>
+        </p:style>
+      </p:cxnSp>
+      <p:cxnSp>
+        <p:nvCxnSpPr>
+          <p:cNvPr id="10" name="Straight Connector 9">
+            <a:extLst>
+              <a:ext uri="{FF2B5EF4-FFF2-40B4-BE49-F238E27FC236}">
+                <a16:creationId xmlns:a16="http://schemas.microsoft.com/office/drawing/2014/main" id="{A4B1D4DB-8192-E865-D591-C0438B501157}"/>
+              </a:ext>
+            </a:extLst>
+          </p:cNvPr>
+          <p:cNvCxnSpPr>
+            <a:cxnSpLocks/>
+          </p:cNvCxnSpPr>
+          <p:nvPr/>
+        </p:nvCxnSpPr>
+        <p:spPr>
+          <a:xfrm>
+            <a:off x="0" y="979812"/>
+            <a:ext cx="12192000" cy="0"/>
+          </a:xfrm>
+          <a:prstGeom prst="line">
+            <a:avLst/>
+          </a:prstGeom>
+          <a:ln w="57150">
+            <a:solidFill>
+              <a:srgbClr val="1C27CF"/>
+            </a:solidFill>
+          </a:ln>
+        </p:spPr>
+        <p:style>
+          <a:lnRef idx="2">
+            <a:schemeClr val="accent1"/>
+          </a:lnRef>
+          <a:fillRef idx="0">
+            <a:schemeClr val="accent1"/>
+          </a:fillRef>
+          <a:effectRef idx="1">
+            <a:schemeClr val="accent1"/>
+          </a:effectRef>
+          <a:fontRef idx="minor">
+            <a:schemeClr val="tx1"/>
+          </a:fontRef>
+        </p:style>
+      </p:cxnSp>
+      <p:pic>
+        <p:nvPicPr>
+          <p:cNvPr id="47" name="Picture 46" descr="A blue circle with a yellow and white bird in it&#10;&#10;AI-generated content may be incorrect.">
+            <a:extLst>
+              <a:ext uri="{FF2B5EF4-FFF2-40B4-BE49-F238E27FC236}">
+                <a16:creationId xmlns:a16="http://schemas.microsoft.com/office/drawing/2014/main" id="{0700F2F2-840A-38D7-A702-B26BABF55D65}"/>
+              </a:ext>
+            </a:extLst>
+          </p:cNvPr>
+          <p:cNvPicPr>
+            <a:picLocks noChangeAspect="1"/>
+          </p:cNvPicPr>
+          <p:nvPr/>
+        </p:nvPicPr>
+        <p:blipFill>
+          <a:blip r:embed="rId2"/>
+          <a:stretch>
+            <a:fillRect/>
+          </a:stretch>
+        </p:blipFill>
+        <p:spPr>
+          <a:xfrm>
+            <a:off x="325438" y="219712"/>
+            <a:ext cx="606500" cy="606500"/>
+          </a:xfrm>
+          <a:prstGeom prst="rect">
+            <a:avLst/>
+          </a:prstGeom>
+        </p:spPr>
+      </p:pic>
+      <p:sp>
+        <p:nvSpPr>
+          <p:cNvPr id="7" name="Subtitle 2">
+            <a:extLst>
+              <a:ext uri="{FF2B5EF4-FFF2-40B4-BE49-F238E27FC236}">
+                <a16:creationId xmlns:a16="http://schemas.microsoft.com/office/drawing/2014/main" id="{9E50E9FE-384C-0869-652E-2E2E928CC83E}"/>
+              </a:ext>
+            </a:extLst>
+          </p:cNvPr>
+          <p:cNvSpPr>
+            <a:spLocks noGrp="1"/>
+          </p:cNvSpPr>
+          <p:nvPr>
+            <p:ph type="subTitle" idx="1"/>
+          </p:nvPr>
+        </p:nvSpPr>
+        <p:spPr>
+          <a:xfrm>
+            <a:off x="624192" y="1219212"/>
+            <a:ext cx="10954536" cy="5306275"/>
+          </a:xfrm>
+        </p:spPr>
+        <p:txBody>
+          <a:bodyPr>
+            <a:noAutofit/>
+          </a:bodyPr>
+          <a:lstStyle/>
+          <a:p>
+            <a:pPr algn="l">
+              <a:lnSpc>
+                <a:spcPct val="160000"/>
+              </a:lnSpc>
+            </a:pPr>
+            <a:r>
+              <a:rPr lang="en-US" sz="1800" dirty="0">
+                <a:solidFill>
+                  <a:srgbClr val="002060"/>
+                </a:solidFill>
+                <a:latin typeface="Khmer OS Battambang" panose="02000500000000020004" pitchFamily="2" charset="77"/>
+                <a:cs typeface="Khmer OS Battambang" panose="02000500000000020004" pitchFamily="2" charset="77"/>
+              </a:rPr>
+              <a:t>	</a:t>
+            </a:r>
+            <a:r>
+              <a:rPr lang="en-US" sz="2000" dirty="0">
+                <a:solidFill>
+                  <a:srgbClr val="002060"/>
+                </a:solidFill>
+                <a:latin typeface="Khmer OS Battambang" panose="02000500000000020004" pitchFamily="2" charset="77"/>
+                <a:cs typeface="Khmer OS Battambang" panose="02000500000000020004" pitchFamily="2" charset="77"/>
+              </a:rPr>
+              <a:t>for-each loop: </a:t>
+            </a:r>
+            <a:r>
+              <a:rPr lang="en-US" sz="2000" dirty="0" err="1">
+                <a:solidFill>
+                  <a:srgbClr val="0070C0"/>
+                </a:solidFill>
+                <a:latin typeface="Khmer OS Battambang" panose="02000500000000020004" pitchFamily="2" charset="77"/>
+                <a:cs typeface="Khmer OS Battambang" panose="02000500000000020004" pitchFamily="2" charset="77"/>
+              </a:rPr>
+              <a:t>គឺជាប្រយោគ</a:t>
+            </a:r>
+            <a:r>
+              <a:rPr lang="en-US" sz="2000" dirty="0">
+                <a:solidFill>
+                  <a:srgbClr val="0070C0"/>
+                </a:solidFill>
+                <a:latin typeface="Khmer OS Battambang" panose="02000500000000020004" pitchFamily="2" charset="77"/>
+                <a:cs typeface="Khmer OS Battambang" panose="02000500000000020004" pitchFamily="2" charset="77"/>
+              </a:rPr>
+              <a:t> Control flow </a:t>
+            </a:r>
+            <a:r>
+              <a:rPr lang="en-US" sz="2000" dirty="0" err="1">
+                <a:solidFill>
+                  <a:srgbClr val="0070C0"/>
+                </a:solidFill>
+                <a:latin typeface="Khmer OS Battambang" panose="02000500000000020004" pitchFamily="2" charset="77"/>
+                <a:cs typeface="Khmer OS Battambang" panose="02000500000000020004" pitchFamily="2" charset="77"/>
+              </a:rPr>
+              <a:t>ដែលប្រើប្រាស់ដើម្បីប្រតិបត្តិ</a:t>
+            </a:r>
+            <a:r>
+              <a:rPr lang="en-US" sz="2000" dirty="0">
+                <a:solidFill>
+                  <a:srgbClr val="0070C0"/>
+                </a:solidFill>
+                <a:latin typeface="Khmer OS Battambang" panose="02000500000000020004" pitchFamily="2" charset="77"/>
+                <a:cs typeface="Khmer OS Battambang" panose="02000500000000020004" pitchFamily="2" charset="77"/>
+              </a:rPr>
+              <a:t>(execute) </a:t>
+            </a:r>
+            <a:r>
+              <a:rPr lang="en-US" sz="2000" dirty="0" err="1">
+                <a:solidFill>
+                  <a:srgbClr val="0070C0"/>
+                </a:solidFill>
+                <a:latin typeface="Khmer OS Battambang" panose="02000500000000020004" pitchFamily="2" charset="77"/>
+                <a:cs typeface="Khmer OS Battambang" panose="02000500000000020004" pitchFamily="2" charset="77"/>
+              </a:rPr>
+              <a:t>ប្លុក</a:t>
+            </a:r>
+            <a:r>
+              <a:rPr lang="en-US" sz="2000" dirty="0">
+                <a:solidFill>
+                  <a:srgbClr val="0070C0"/>
+                </a:solidFill>
+                <a:latin typeface="Khmer OS Battambang" panose="02000500000000020004" pitchFamily="2" charset="77"/>
+                <a:cs typeface="Khmer OS Battambang" panose="02000500000000020004" pitchFamily="2" charset="77"/>
+              </a:rPr>
+              <a:t> code </a:t>
+            </a:r>
+            <a:r>
+              <a:rPr lang="en-US" sz="2000" dirty="0" err="1">
+                <a:solidFill>
+                  <a:srgbClr val="0070C0"/>
+                </a:solidFill>
+                <a:latin typeface="Khmer OS Battambang" panose="02000500000000020004" pitchFamily="2" charset="77"/>
+                <a:cs typeface="Khmer OS Battambang" panose="02000500000000020004" pitchFamily="2" charset="77"/>
+              </a:rPr>
+              <a:t>ម្តងហើយម្តងទៀតទៅតាមចំនួនធាតុនៃ</a:t>
+            </a:r>
+            <a:r>
+              <a:rPr lang="en-US" sz="2000" dirty="0">
+                <a:solidFill>
+                  <a:srgbClr val="0070C0"/>
+                </a:solidFill>
+                <a:latin typeface="Khmer OS Battambang" panose="02000500000000020004" pitchFamily="2" charset="77"/>
+                <a:cs typeface="Khmer OS Battambang" panose="02000500000000020004" pitchFamily="2" charset="77"/>
+              </a:rPr>
+              <a:t> Arrays​ </a:t>
+            </a:r>
+            <a:r>
+              <a:rPr lang="en-US" sz="2000" dirty="0" err="1">
+                <a:solidFill>
+                  <a:srgbClr val="0070C0"/>
+                </a:solidFill>
+                <a:latin typeface="Khmer OS Battambang" panose="02000500000000020004" pitchFamily="2" charset="77"/>
+                <a:cs typeface="Khmer OS Battambang" panose="02000500000000020004" pitchFamily="2" charset="77"/>
+              </a:rPr>
+              <a:t>និងត្រូវបានណែនាំឲ្យប្រើប្រាស់ចាប់ពី</a:t>
+            </a:r>
+            <a:r>
+              <a:rPr lang="en-US" sz="2000" dirty="0">
+                <a:solidFill>
+                  <a:srgbClr val="0070C0"/>
+                </a:solidFill>
+                <a:latin typeface="Khmer OS Battambang" panose="02000500000000020004" pitchFamily="2" charset="77"/>
+                <a:cs typeface="Khmer OS Battambang" panose="02000500000000020004" pitchFamily="2" charset="77"/>
+              </a:rPr>
+              <a:t> Java 1.5 </a:t>
+            </a:r>
+            <a:r>
+              <a:rPr lang="en-US" sz="2000" dirty="0" err="1">
+                <a:solidFill>
+                  <a:srgbClr val="0070C0"/>
+                </a:solidFill>
+                <a:latin typeface="Khmer OS Battambang" panose="02000500000000020004" pitchFamily="2" charset="77"/>
+                <a:cs typeface="Khmer OS Battambang" panose="02000500000000020004" pitchFamily="2" charset="77"/>
+              </a:rPr>
+              <a:t>មក</a:t>
+            </a:r>
+            <a:r>
+              <a:rPr lang="en-US" sz="2000" dirty="0">
+                <a:solidFill>
+                  <a:srgbClr val="0070C0"/>
+                </a:solidFill>
+                <a:latin typeface="Khmer OS Battambang" panose="02000500000000020004" pitchFamily="2" charset="77"/>
+                <a:cs typeface="Khmer OS Battambang" panose="02000500000000020004" pitchFamily="2" charset="77"/>
+              </a:rPr>
+              <a:t>។</a:t>
+            </a:r>
+            <a:br>
+              <a:rPr lang="en-US" dirty="0">
+                <a:solidFill>
+                  <a:srgbClr val="002060"/>
+                </a:solidFill>
+                <a:latin typeface="Khmer OS Battambang" panose="02000500000000020004" pitchFamily="2" charset="77"/>
+                <a:cs typeface="Khmer OS Battambang" panose="02000500000000020004" pitchFamily="2" charset="77"/>
+              </a:rPr>
+            </a:br>
+            <a:r>
+              <a:rPr lang="en-KH" dirty="0"/>
+              <a:t>👉 </a:t>
+            </a:r>
+            <a:r>
+              <a:rPr lang="en-US" sz="2000" dirty="0" err="1">
+                <a:solidFill>
+                  <a:srgbClr val="002060"/>
+                </a:solidFill>
+                <a:latin typeface="Khmer OS Battambang" panose="02000500000000020004" pitchFamily="2" charset="77"/>
+                <a:cs typeface="Khmer OS Battambang" panose="02000500000000020004" pitchFamily="2" charset="77"/>
+              </a:rPr>
+              <a:t>ទម្រង់នៃការប្រើប្រាស</a:t>
+            </a:r>
+            <a:r>
+              <a:rPr lang="en-US" sz="2000" dirty="0">
+                <a:solidFill>
+                  <a:srgbClr val="002060"/>
+                </a:solidFill>
+                <a:latin typeface="Khmer OS Battambang" panose="02000500000000020004" pitchFamily="2" charset="77"/>
+                <a:cs typeface="Khmer OS Battambang" panose="02000500000000020004" pitchFamily="2" charset="77"/>
+              </a:rPr>
+              <a:t>់(Syntax)៖</a:t>
+            </a:r>
+          </a:p>
+          <a:p>
+            <a:pPr algn="l">
+              <a:lnSpc>
+                <a:spcPct val="100000"/>
+              </a:lnSpc>
+            </a:pPr>
+            <a:r>
+              <a:rPr lang="en-US" sz="2000" dirty="0">
+                <a:solidFill>
+                  <a:srgbClr val="0070C0"/>
+                </a:solidFill>
+                <a:latin typeface="Khmer OS Battambang" panose="02000500000000020004" pitchFamily="2" charset="77"/>
+                <a:cs typeface="Khmer OS Battambang" panose="02000500000000020004" pitchFamily="2" charset="77"/>
+              </a:rPr>
+              <a:t>     for (</a:t>
+            </a:r>
+            <a:r>
+              <a:rPr lang="en-US" sz="2000" dirty="0" err="1">
+                <a:solidFill>
+                  <a:srgbClr val="FF0000"/>
+                </a:solidFill>
+                <a:latin typeface="Khmer OS Battambang" panose="02000500000000020004" pitchFamily="2" charset="77"/>
+                <a:cs typeface="Khmer OS Battambang" panose="02000500000000020004" pitchFamily="2" charset="77"/>
+              </a:rPr>
+              <a:t>ប្រភេទទិន្នន័យ</a:t>
+            </a:r>
+            <a:r>
+              <a:rPr lang="en-US" sz="2000" dirty="0">
+                <a:solidFill>
+                  <a:srgbClr val="002060"/>
+                </a:solidFill>
+                <a:latin typeface="Khmer OS Battambang" panose="02000500000000020004" pitchFamily="2" charset="77"/>
+                <a:cs typeface="Khmer OS Battambang" panose="02000500000000020004" pitchFamily="2" charset="77"/>
+              </a:rPr>
+              <a:t> variable</a:t>
+            </a:r>
+            <a:r>
+              <a:rPr lang="en-US" sz="2000" dirty="0">
+                <a:solidFill>
+                  <a:srgbClr val="0070C0"/>
+                </a:solidFill>
+                <a:latin typeface="Khmer OS Battambang" panose="02000500000000020004" pitchFamily="2" charset="77"/>
+                <a:cs typeface="Khmer OS Battambang" panose="02000500000000020004" pitchFamily="2" charset="77"/>
+              </a:rPr>
+              <a:t>; </a:t>
+            </a:r>
+            <a:r>
+              <a:rPr lang="en-US" sz="2000" dirty="0">
+                <a:solidFill>
+                  <a:srgbClr val="FF0000"/>
+                </a:solidFill>
+                <a:latin typeface="Khmer OS Battambang" panose="02000500000000020004" pitchFamily="2" charset="77"/>
+                <a:cs typeface="Khmer OS Battambang" panose="02000500000000020004" pitchFamily="2" charset="77"/>
+              </a:rPr>
+              <a:t>arrays/collection</a:t>
+            </a:r>
+            <a:r>
+              <a:rPr lang="en-US" sz="2000" dirty="0">
+                <a:solidFill>
+                  <a:srgbClr val="0070C0"/>
+                </a:solidFill>
+                <a:latin typeface="Khmer OS Battambang" panose="02000500000000020004" pitchFamily="2" charset="77"/>
+                <a:cs typeface="Khmer OS Battambang" panose="02000500000000020004" pitchFamily="2" charset="77"/>
+              </a:rPr>
+              <a:t>) {</a:t>
+            </a:r>
+          </a:p>
+          <a:p>
+            <a:pPr algn="l">
+              <a:lnSpc>
+                <a:spcPct val="100000"/>
+              </a:lnSpc>
+            </a:pPr>
+            <a:r>
+              <a:rPr lang="en-US" sz="2000" dirty="0">
+                <a:solidFill>
+                  <a:srgbClr val="0070C0"/>
+                </a:solidFill>
+                <a:latin typeface="Khmer OS Battambang" panose="02000500000000020004" pitchFamily="2" charset="77"/>
+                <a:cs typeface="Khmer OS Battambang" panose="02000500000000020004" pitchFamily="2" charset="77"/>
+              </a:rPr>
+              <a:t>          // Code </a:t>
+            </a:r>
+            <a:r>
+              <a:rPr lang="en-US" sz="2000" dirty="0" err="1">
+                <a:solidFill>
+                  <a:srgbClr val="0070C0"/>
+                </a:solidFill>
+                <a:latin typeface="Khmer OS Battambang" panose="02000500000000020004" pitchFamily="2" charset="77"/>
+                <a:cs typeface="Khmer OS Battambang" panose="02000500000000020004" pitchFamily="2" charset="77"/>
+              </a:rPr>
+              <a:t>ដើម្បីប្រតិបត្តិ</a:t>
+            </a:r>
+            <a:r>
+              <a:rPr lang="en-US" sz="2000" dirty="0">
+                <a:solidFill>
+                  <a:srgbClr val="0070C0"/>
+                </a:solidFill>
+                <a:latin typeface="Khmer OS Battambang" panose="02000500000000020004" pitchFamily="2" charset="77"/>
+                <a:cs typeface="Khmer OS Battambang" panose="02000500000000020004" pitchFamily="2" charset="77"/>
+              </a:rPr>
+              <a:t>(execute) </a:t>
+            </a:r>
+            <a:r>
+              <a:rPr lang="en-US" sz="2000" dirty="0" err="1">
+                <a:solidFill>
+                  <a:srgbClr val="0070C0"/>
+                </a:solidFill>
+                <a:latin typeface="Khmer OS Battambang" panose="02000500000000020004" pitchFamily="2" charset="77"/>
+                <a:cs typeface="Khmer OS Battambang" panose="02000500000000020004" pitchFamily="2" charset="77"/>
+              </a:rPr>
+              <a:t>ការធ្វើឡើងវិញសម្រាប់ធាតុនីមួយ</a:t>
+            </a:r>
+            <a:r>
+              <a:rPr lang="en-US" sz="2000" dirty="0">
+                <a:solidFill>
+                  <a:srgbClr val="0070C0"/>
+                </a:solidFill>
+                <a:latin typeface="Khmer OS Battambang" panose="02000500000000020004" pitchFamily="2" charset="77"/>
+                <a:cs typeface="Khmer OS Battambang" panose="02000500000000020004" pitchFamily="2" charset="77"/>
+              </a:rPr>
+              <a:t>ៗ</a:t>
+            </a:r>
+          </a:p>
+          <a:p>
+            <a:pPr algn="l">
+              <a:lnSpc>
+                <a:spcPct val="100000"/>
+              </a:lnSpc>
+            </a:pPr>
+            <a:r>
+              <a:rPr lang="en-US" sz="2000" dirty="0">
+                <a:solidFill>
+                  <a:srgbClr val="0070C0"/>
+                </a:solidFill>
+                <a:latin typeface="Khmer OS Battambang" panose="02000500000000020004" pitchFamily="2" charset="77"/>
+                <a:cs typeface="Khmer OS Battambang" panose="02000500000000020004" pitchFamily="2" charset="77"/>
+              </a:rPr>
+              <a:t>     }</a:t>
+            </a:r>
+          </a:p>
+          <a:p>
+            <a:pPr algn="l">
+              <a:lnSpc>
+                <a:spcPct val="100000"/>
+              </a:lnSpc>
+            </a:pPr>
+            <a:r>
+              <a:rPr lang="en-US" sz="1800" dirty="0">
+                <a:solidFill>
+                  <a:srgbClr val="002060"/>
+                </a:solidFill>
+                <a:latin typeface="Khmer OS Battambang" panose="02000500000000020004" pitchFamily="2" charset="77"/>
+                <a:cs typeface="Khmer OS Battambang" panose="02000500000000020004" pitchFamily="2" charset="77"/>
+              </a:rPr>
+              <a:t>     </a:t>
+            </a:r>
+            <a:r>
+              <a:rPr lang="en-US" sz="2000" dirty="0" err="1">
+                <a:solidFill>
+                  <a:srgbClr val="002060"/>
+                </a:solidFill>
+                <a:latin typeface="Khmer OS Battambang" panose="02000500000000020004" pitchFamily="2" charset="77"/>
+                <a:cs typeface="Khmer OS Battambang" panose="02000500000000020004" pitchFamily="2" charset="77"/>
+              </a:rPr>
+              <a:t>ឧទាហរណ</a:t>
+            </a:r>
+            <a:r>
+              <a:rPr lang="en-US" sz="2000" dirty="0">
+                <a:solidFill>
+                  <a:srgbClr val="002060"/>
+                </a:solidFill>
+                <a:latin typeface="Khmer OS Battambang" panose="02000500000000020004" pitchFamily="2" charset="77"/>
+                <a:cs typeface="Khmer OS Battambang" panose="02000500000000020004" pitchFamily="2" charset="77"/>
+              </a:rPr>
+              <a:t>៍៖</a:t>
+            </a:r>
+          </a:p>
+          <a:p>
+            <a:pPr algn="l">
+              <a:lnSpc>
+                <a:spcPct val="100000"/>
+              </a:lnSpc>
+            </a:pPr>
+            <a:r>
+              <a:rPr lang="en-US" sz="2000" dirty="0">
+                <a:solidFill>
+                  <a:srgbClr val="002060"/>
+                </a:solidFill>
+                <a:latin typeface="Khmer OS Battambang" panose="02000500000000020004" pitchFamily="2" charset="77"/>
+                <a:cs typeface="Khmer OS Battambang" panose="02000500000000020004" pitchFamily="2" charset="77"/>
+              </a:rPr>
+              <a:t>	</a:t>
+            </a:r>
+            <a:r>
+              <a:rPr lang="en-US" sz="2000" dirty="0">
+                <a:solidFill>
+                  <a:srgbClr val="FF0000"/>
+                </a:solidFill>
+                <a:latin typeface="Khmer OS Battambang" panose="02000500000000020004" pitchFamily="2" charset="77"/>
+                <a:cs typeface="Khmer OS Battambang" panose="02000500000000020004" pitchFamily="2" charset="77"/>
+              </a:rPr>
+              <a:t>String[] </a:t>
+            </a:r>
+            <a:r>
+              <a:rPr lang="en-US" sz="2000" dirty="0" err="1">
+                <a:solidFill>
+                  <a:srgbClr val="002060"/>
+                </a:solidFill>
+                <a:latin typeface="Khmer OS Battambang" panose="02000500000000020004" pitchFamily="2" charset="77"/>
+                <a:cs typeface="Khmer OS Battambang" panose="02000500000000020004" pitchFamily="2" charset="77"/>
+              </a:rPr>
+              <a:t>capitalLetters</a:t>
+            </a:r>
+            <a:r>
+              <a:rPr lang="en-US" sz="2000" dirty="0">
+                <a:solidFill>
+                  <a:srgbClr val="0070C0"/>
+                </a:solidFill>
+                <a:latin typeface="Khmer OS Battambang" panose="02000500000000020004" pitchFamily="2" charset="77"/>
+                <a:cs typeface="Khmer OS Battambang" panose="02000500000000020004" pitchFamily="2" charset="77"/>
+              </a:rPr>
+              <a:t> = {“A”,”B”,”C”,”D”};</a:t>
+            </a:r>
+          </a:p>
+          <a:p>
+            <a:pPr algn="l">
+              <a:lnSpc>
+                <a:spcPct val="100000"/>
+              </a:lnSpc>
+            </a:pPr>
+            <a:r>
+              <a:rPr lang="en-US" sz="2000" dirty="0">
+                <a:solidFill>
+                  <a:srgbClr val="002060"/>
+                </a:solidFill>
+                <a:latin typeface="Khmer OS Battambang" panose="02000500000000020004" pitchFamily="2" charset="77"/>
+                <a:cs typeface="Khmer OS Battambang" panose="02000500000000020004" pitchFamily="2" charset="77"/>
+              </a:rPr>
+              <a:t>	</a:t>
+            </a:r>
+            <a:r>
+              <a:rPr lang="en-US" sz="2000" dirty="0">
+                <a:solidFill>
+                  <a:srgbClr val="0070C0"/>
+                </a:solidFill>
+                <a:latin typeface="Khmer OS Battambang" panose="02000500000000020004" pitchFamily="2" charset="77"/>
+                <a:cs typeface="Khmer OS Battambang" panose="02000500000000020004" pitchFamily="2" charset="77"/>
+              </a:rPr>
+              <a:t>for(</a:t>
+            </a:r>
+            <a:r>
+              <a:rPr lang="en-US" sz="2000" dirty="0">
+                <a:solidFill>
+                  <a:srgbClr val="FF0000"/>
+                </a:solidFill>
+                <a:latin typeface="Khmer OS Battambang" panose="02000500000000020004" pitchFamily="2" charset="77"/>
+                <a:cs typeface="Khmer OS Battambang" panose="02000500000000020004" pitchFamily="2" charset="77"/>
+              </a:rPr>
+              <a:t>String</a:t>
+            </a:r>
+            <a:r>
+              <a:rPr lang="en-US" sz="2000" dirty="0">
+                <a:solidFill>
+                  <a:srgbClr val="0070C0"/>
+                </a:solidFill>
+                <a:latin typeface="Khmer OS Battambang" panose="02000500000000020004" pitchFamily="2" charset="77"/>
+                <a:cs typeface="Khmer OS Battambang" panose="02000500000000020004" pitchFamily="2" charset="77"/>
+              </a:rPr>
+              <a:t> </a:t>
+            </a:r>
+            <a:r>
+              <a:rPr lang="en-US" sz="2000" dirty="0" err="1">
+                <a:solidFill>
+                  <a:srgbClr val="002060"/>
+                </a:solidFill>
+                <a:latin typeface="Khmer OS Battambang" panose="02000500000000020004" pitchFamily="2" charset="77"/>
+                <a:cs typeface="Khmer OS Battambang" panose="02000500000000020004" pitchFamily="2" charset="77"/>
+              </a:rPr>
+              <a:t>capitalLetter</a:t>
+            </a:r>
+            <a:r>
+              <a:rPr lang="en-US" sz="2000" dirty="0">
+                <a:solidFill>
+                  <a:srgbClr val="0070C0"/>
+                </a:solidFill>
+                <a:latin typeface="Khmer OS Battambang" panose="02000500000000020004" pitchFamily="2" charset="77"/>
+                <a:cs typeface="Khmer OS Battambang" panose="02000500000000020004" pitchFamily="2" charset="77"/>
+              </a:rPr>
+              <a:t>: </a:t>
+            </a:r>
+            <a:r>
+              <a:rPr lang="en-US" sz="2000" dirty="0" err="1">
+                <a:solidFill>
+                  <a:srgbClr val="FF0000"/>
+                </a:solidFill>
+                <a:latin typeface="Khmer OS Battambang" panose="02000500000000020004" pitchFamily="2" charset="77"/>
+                <a:cs typeface="Khmer OS Battambang" panose="02000500000000020004" pitchFamily="2" charset="77"/>
+              </a:rPr>
+              <a:t>capitalLetters</a:t>
+            </a:r>
+            <a:r>
+              <a:rPr lang="en-US" sz="2000" dirty="0">
+                <a:solidFill>
+                  <a:srgbClr val="0070C0"/>
+                </a:solidFill>
+                <a:latin typeface="Khmer OS Battambang" panose="02000500000000020004" pitchFamily="2" charset="77"/>
+                <a:cs typeface="Khmer OS Battambang" panose="02000500000000020004" pitchFamily="2" charset="77"/>
+              </a:rPr>
+              <a:t>){</a:t>
+            </a:r>
+          </a:p>
+          <a:p>
+            <a:pPr algn="l">
+              <a:lnSpc>
+                <a:spcPct val="100000"/>
+              </a:lnSpc>
+            </a:pPr>
+            <a:r>
+              <a:rPr lang="en-US" sz="2000" dirty="0">
+                <a:solidFill>
+                  <a:srgbClr val="0070C0"/>
+                </a:solidFill>
+                <a:latin typeface="Khmer OS Battambang" panose="02000500000000020004" pitchFamily="2" charset="77"/>
+                <a:cs typeface="Khmer OS Battambang" panose="02000500000000020004" pitchFamily="2" charset="77"/>
+              </a:rPr>
+              <a:t>	    </a:t>
+            </a:r>
+            <a:r>
+              <a:rPr lang="en-US" sz="2000" dirty="0" err="1">
+                <a:solidFill>
+                  <a:srgbClr val="0070C0"/>
+                </a:solidFill>
+                <a:latin typeface="Khmer OS Battambang" panose="02000500000000020004" pitchFamily="2" charset="77"/>
+                <a:cs typeface="Khmer OS Battambang" panose="02000500000000020004" pitchFamily="2" charset="77"/>
+              </a:rPr>
+              <a:t>System.out.println</a:t>
+            </a:r>
+            <a:r>
+              <a:rPr lang="en-US" sz="2000" dirty="0">
+                <a:solidFill>
+                  <a:srgbClr val="0070C0"/>
+                </a:solidFill>
+                <a:latin typeface="Khmer OS Battambang" panose="02000500000000020004" pitchFamily="2" charset="77"/>
+                <a:cs typeface="Khmer OS Battambang" panose="02000500000000020004" pitchFamily="2" charset="77"/>
+              </a:rPr>
+              <a:t>(</a:t>
+            </a:r>
+            <a:r>
+              <a:rPr lang="en-US" sz="2000" dirty="0" err="1">
+                <a:solidFill>
+                  <a:srgbClr val="002060"/>
+                </a:solidFill>
+                <a:latin typeface="Khmer OS Battambang" panose="02000500000000020004" pitchFamily="2" charset="77"/>
+                <a:cs typeface="Khmer OS Battambang" panose="02000500000000020004" pitchFamily="2" charset="77"/>
+              </a:rPr>
+              <a:t>capitalLetter</a:t>
+            </a:r>
+            <a:r>
+              <a:rPr lang="en-US" sz="2000" dirty="0">
+                <a:solidFill>
+                  <a:srgbClr val="0070C0"/>
+                </a:solidFill>
+                <a:latin typeface="Khmer OS Battambang" panose="02000500000000020004" pitchFamily="2" charset="77"/>
+                <a:cs typeface="Khmer OS Battambang" panose="02000500000000020004" pitchFamily="2" charset="77"/>
+              </a:rPr>
+              <a:t>);</a:t>
+            </a:r>
+          </a:p>
+          <a:p>
+            <a:pPr algn="l">
+              <a:lnSpc>
+                <a:spcPct val="100000"/>
+              </a:lnSpc>
+            </a:pPr>
+            <a:r>
+              <a:rPr lang="en-US" sz="2000" dirty="0">
+                <a:solidFill>
+                  <a:srgbClr val="0070C0"/>
+                </a:solidFill>
+                <a:latin typeface="Khmer OS Battambang" panose="02000500000000020004" pitchFamily="2" charset="77"/>
+                <a:cs typeface="Khmer OS Battambang" panose="02000500000000020004" pitchFamily="2" charset="77"/>
+              </a:rPr>
+              <a:t>	}</a:t>
+            </a:r>
+            <a:endParaRPr lang="en-US" sz="2000" dirty="0">
+              <a:solidFill>
+                <a:srgbClr val="002060"/>
+              </a:solidFill>
+              <a:latin typeface="Khmer OS Battambang" panose="02000500000000020004" pitchFamily="2" charset="77"/>
+              <a:cs typeface="Khmer OS Battambang" panose="02000500000000020004" pitchFamily="2" charset="77"/>
+            </a:endParaRPr>
+          </a:p>
+        </p:txBody>
+      </p:sp>
+    </p:spTree>
+    <p:extLst>
+      <p:ext uri="{BB962C8B-B14F-4D97-AF65-F5344CB8AC3E}">
+        <p14:creationId xmlns:p14="http://schemas.microsoft.com/office/powerpoint/2010/main" val="3483586226"/>
+      </p:ext>
+    </p:extLst>
+  </p:cSld>
+  <p:clrMapOvr>
+    <a:masterClrMapping/>
+  </p:clrMapOvr>
+</p:sld>
+</file>
+
+<file path=ppt/slides/slide31.xml><?xml version="1.0" encoding="utf-8"?>
+<p:sld xmlns:a="http://schemas.openxmlformats.org/drawingml/2006/main" xmlns:r="http://schemas.openxmlformats.org/officeDocument/2006/relationships" xmlns:p="http://schemas.openxmlformats.org/presentationml/2006/main">
+  <p:cSld>
+    <p:bg>
+      <p:bgPr>
+        <a:solidFill>
+          <a:schemeClr val="bg1"/>
+        </a:solidFill>
+        <a:effectLst/>
+      </p:bgPr>
+    </p:bg>
+    <p:spTree>
+      <p:nvGrpSpPr>
+        <p:cNvPr id="1" name="">
+          <a:extLst>
+            <a:ext uri="{FF2B5EF4-FFF2-40B4-BE49-F238E27FC236}">
+              <a16:creationId xmlns:a16="http://schemas.microsoft.com/office/drawing/2014/main" id="{8A884F13-FC64-6529-5CE5-A9B0E6E979A2}"/>
+            </a:ext>
+          </a:extLst>
+        </p:cNvPr>
+        <p:cNvGrpSpPr/>
+        <p:nvPr/>
+      </p:nvGrpSpPr>
+      <p:grpSpPr>
+        <a:xfrm>
+          <a:off x="0" y="0"/>
+          <a:ext cx="0" cy="0"/>
+          <a:chOff x="0" y="0"/>
+          <a:chExt cx="0" cy="0"/>
+        </a:xfrm>
+      </p:grpSpPr>
+      <p:sp>
+        <p:nvSpPr>
+          <p:cNvPr id="2" name="Title 1">
+            <a:extLst>
+              <a:ext uri="{FF2B5EF4-FFF2-40B4-BE49-F238E27FC236}">
+                <a16:creationId xmlns:a16="http://schemas.microsoft.com/office/drawing/2014/main" id="{EDC61723-A9CB-A3FF-85A9-0636A579A411}"/>
+              </a:ext>
+            </a:extLst>
+          </p:cNvPr>
+          <p:cNvSpPr>
+            <a:spLocks noGrp="1"/>
+          </p:cNvSpPr>
+          <p:nvPr>
+            <p:ph type="ctrTitle"/>
+          </p:nvPr>
+        </p:nvSpPr>
+        <p:spPr>
+          <a:xfrm>
+            <a:off x="1701800" y="119781"/>
+            <a:ext cx="9144000" cy="789373"/>
+          </a:xfrm>
+        </p:spPr>
+        <p:txBody>
+          <a:bodyPr>
+            <a:normAutofit/>
+          </a:bodyPr>
+          <a:lstStyle/>
+          <a:p>
+            <a:pPr algn="l"/>
+            <a:r>
+              <a:rPr lang="en-US" sz="3600" dirty="0">
+                <a:solidFill>
+                  <a:srgbClr val="002060"/>
+                </a:solidFill>
+                <a:latin typeface="Khmer OS Battambang" panose="02000500000000020004" pitchFamily="2" charset="77"/>
+                <a:cs typeface="Khmer OS Battambang" panose="02000500000000020004" pitchFamily="2" charset="77"/>
+              </a:rPr>
+              <a:t>while loop</a:t>
+            </a:r>
+            <a:endParaRPr lang="en-KH" sz="3600" dirty="0">
+              <a:solidFill>
+                <a:srgbClr val="002060"/>
+              </a:solidFill>
+              <a:latin typeface="Khmer OS Battambang" panose="02000500000000020004" pitchFamily="2" charset="77"/>
+              <a:cs typeface="Khmer OS Battambang" panose="02000500000000020004" pitchFamily="2" charset="77"/>
+            </a:endParaRPr>
+          </a:p>
+        </p:txBody>
+      </p:sp>
+      <p:cxnSp>
+        <p:nvCxnSpPr>
+          <p:cNvPr id="8" name="Straight Connector 7">
+            <a:extLst>
+              <a:ext uri="{FF2B5EF4-FFF2-40B4-BE49-F238E27FC236}">
+                <a16:creationId xmlns:a16="http://schemas.microsoft.com/office/drawing/2014/main" id="{B5490DD6-2236-4F55-81F8-4CDB88987130}"/>
+              </a:ext>
+            </a:extLst>
+          </p:cNvPr>
+          <p:cNvCxnSpPr/>
+          <p:nvPr/>
+        </p:nvCxnSpPr>
+        <p:spPr>
+          <a:xfrm>
+            <a:off x="0" y="1050468"/>
+            <a:ext cx="12192000" cy="0"/>
+          </a:xfrm>
+          <a:prstGeom prst="line">
+            <a:avLst/>
+          </a:prstGeom>
+          <a:ln w="57150">
+            <a:solidFill>
+              <a:srgbClr val="D49B06"/>
+            </a:solidFill>
+          </a:ln>
+        </p:spPr>
+        <p:style>
+          <a:lnRef idx="2">
+            <a:schemeClr val="accent1"/>
+          </a:lnRef>
+          <a:fillRef idx="0">
+            <a:schemeClr val="accent1"/>
+          </a:fillRef>
+          <a:effectRef idx="1">
+            <a:schemeClr val="accent1"/>
+          </a:effectRef>
+          <a:fontRef idx="minor">
+            <a:schemeClr val="tx1"/>
+          </a:fontRef>
+        </p:style>
+      </p:cxnSp>
+      <p:cxnSp>
+        <p:nvCxnSpPr>
+          <p:cNvPr id="10" name="Straight Connector 9">
+            <a:extLst>
+              <a:ext uri="{FF2B5EF4-FFF2-40B4-BE49-F238E27FC236}">
+                <a16:creationId xmlns:a16="http://schemas.microsoft.com/office/drawing/2014/main" id="{5208C836-BC7F-09E4-8CF6-BD68EC7B87CE}"/>
+              </a:ext>
+            </a:extLst>
+          </p:cNvPr>
+          <p:cNvCxnSpPr>
+            <a:cxnSpLocks/>
+          </p:cNvCxnSpPr>
+          <p:nvPr/>
+        </p:nvCxnSpPr>
+        <p:spPr>
+          <a:xfrm>
+            <a:off x="0" y="979812"/>
+            <a:ext cx="12192000" cy="0"/>
+          </a:xfrm>
+          <a:prstGeom prst="line">
+            <a:avLst/>
+          </a:prstGeom>
+          <a:ln w="57150">
+            <a:solidFill>
+              <a:srgbClr val="1C27CF"/>
+            </a:solidFill>
+          </a:ln>
+        </p:spPr>
+        <p:style>
+          <a:lnRef idx="2">
+            <a:schemeClr val="accent1"/>
+          </a:lnRef>
+          <a:fillRef idx="0">
+            <a:schemeClr val="accent1"/>
+          </a:fillRef>
+          <a:effectRef idx="1">
+            <a:schemeClr val="accent1"/>
+          </a:effectRef>
+          <a:fontRef idx="minor">
+            <a:schemeClr val="tx1"/>
+          </a:fontRef>
+        </p:style>
+      </p:cxnSp>
+      <p:pic>
+        <p:nvPicPr>
+          <p:cNvPr id="47" name="Picture 46" descr="A blue circle with a yellow and white bird in it&#10;&#10;AI-generated content may be incorrect.">
+            <a:extLst>
+              <a:ext uri="{FF2B5EF4-FFF2-40B4-BE49-F238E27FC236}">
+                <a16:creationId xmlns:a16="http://schemas.microsoft.com/office/drawing/2014/main" id="{D2575535-57CB-314B-2440-9F4CEE26EC89}"/>
+              </a:ext>
+            </a:extLst>
+          </p:cNvPr>
+          <p:cNvPicPr>
+            <a:picLocks noChangeAspect="1"/>
+          </p:cNvPicPr>
+          <p:nvPr/>
+        </p:nvPicPr>
+        <p:blipFill>
+          <a:blip r:embed="rId2"/>
+          <a:stretch>
+            <a:fillRect/>
+          </a:stretch>
+        </p:blipFill>
+        <p:spPr>
+          <a:xfrm>
+            <a:off x="325438" y="219712"/>
+            <a:ext cx="606500" cy="606500"/>
+          </a:xfrm>
+          <a:prstGeom prst="rect">
+            <a:avLst/>
+          </a:prstGeom>
+        </p:spPr>
+      </p:pic>
+      <p:sp>
+        <p:nvSpPr>
+          <p:cNvPr id="7" name="Subtitle 2">
+            <a:extLst>
+              <a:ext uri="{FF2B5EF4-FFF2-40B4-BE49-F238E27FC236}">
+                <a16:creationId xmlns:a16="http://schemas.microsoft.com/office/drawing/2014/main" id="{1334A7C8-D19D-B6E6-A1B8-FC782434A7F3}"/>
+              </a:ext>
+            </a:extLst>
+          </p:cNvPr>
+          <p:cNvSpPr>
+            <a:spLocks noGrp="1"/>
+          </p:cNvSpPr>
+          <p:nvPr>
+            <p:ph type="subTitle" idx="1"/>
+          </p:nvPr>
+        </p:nvSpPr>
+        <p:spPr>
+          <a:xfrm>
+            <a:off x="624192" y="1219212"/>
+            <a:ext cx="10954536" cy="5306275"/>
+          </a:xfrm>
+        </p:spPr>
+        <p:txBody>
+          <a:bodyPr>
+            <a:noAutofit/>
+          </a:bodyPr>
+          <a:lstStyle/>
+          <a:p>
+            <a:pPr algn="l">
+              <a:lnSpc>
+                <a:spcPct val="160000"/>
+              </a:lnSpc>
+            </a:pPr>
+            <a:r>
+              <a:rPr lang="en-US" sz="1800" dirty="0">
+                <a:solidFill>
+                  <a:srgbClr val="002060"/>
+                </a:solidFill>
+                <a:latin typeface="Khmer OS Battambang" panose="02000500000000020004" pitchFamily="2" charset="77"/>
+                <a:cs typeface="Khmer OS Battambang" panose="02000500000000020004" pitchFamily="2" charset="77"/>
+              </a:rPr>
+              <a:t>	</a:t>
+            </a:r>
+            <a:r>
+              <a:rPr lang="en-US" sz="2000" dirty="0">
+                <a:solidFill>
+                  <a:srgbClr val="002060"/>
+                </a:solidFill>
+                <a:latin typeface="Khmer OS Battambang" panose="02000500000000020004" pitchFamily="2" charset="77"/>
+                <a:cs typeface="Khmer OS Battambang" panose="02000500000000020004" pitchFamily="2" charset="77"/>
+              </a:rPr>
+              <a:t>while loop: </a:t>
+            </a:r>
+            <a:r>
+              <a:rPr lang="en-US" sz="2000" dirty="0" err="1">
+                <a:solidFill>
+                  <a:srgbClr val="0070C0"/>
+                </a:solidFill>
+                <a:latin typeface="Khmer OS Battambang" panose="02000500000000020004" pitchFamily="2" charset="77"/>
+                <a:cs typeface="Khmer OS Battambang" panose="02000500000000020004" pitchFamily="2" charset="77"/>
+              </a:rPr>
+              <a:t>គឺជាប្រយោគ</a:t>
+            </a:r>
+            <a:r>
+              <a:rPr lang="en-US" sz="2000" dirty="0">
+                <a:solidFill>
+                  <a:srgbClr val="0070C0"/>
+                </a:solidFill>
+                <a:latin typeface="Khmer OS Battambang" panose="02000500000000020004" pitchFamily="2" charset="77"/>
+                <a:cs typeface="Khmer OS Battambang" panose="02000500000000020004" pitchFamily="2" charset="77"/>
+              </a:rPr>
+              <a:t> Control flow </a:t>
+            </a:r>
+            <a:r>
+              <a:rPr lang="en-US" sz="2000" dirty="0" err="1">
+                <a:solidFill>
+                  <a:srgbClr val="0070C0"/>
+                </a:solidFill>
+                <a:latin typeface="Khmer OS Battambang" panose="02000500000000020004" pitchFamily="2" charset="77"/>
+                <a:cs typeface="Khmer OS Battambang" panose="02000500000000020004" pitchFamily="2" charset="77"/>
+              </a:rPr>
+              <a:t>ដែលប្រើប្រាស់ដើម្បីប្រតិបត្តិ</a:t>
+            </a:r>
+            <a:r>
+              <a:rPr lang="en-US" sz="2000" dirty="0">
+                <a:solidFill>
+                  <a:srgbClr val="0070C0"/>
+                </a:solidFill>
+                <a:latin typeface="Khmer OS Battambang" panose="02000500000000020004" pitchFamily="2" charset="77"/>
+                <a:cs typeface="Khmer OS Battambang" panose="02000500000000020004" pitchFamily="2" charset="77"/>
+              </a:rPr>
+              <a:t>(execute) </a:t>
+            </a:r>
+            <a:r>
+              <a:rPr lang="en-US" sz="2000" dirty="0" err="1">
+                <a:solidFill>
+                  <a:srgbClr val="0070C0"/>
+                </a:solidFill>
+                <a:latin typeface="Khmer OS Battambang" panose="02000500000000020004" pitchFamily="2" charset="77"/>
+                <a:cs typeface="Khmer OS Battambang" panose="02000500000000020004" pitchFamily="2" charset="77"/>
+              </a:rPr>
+              <a:t>ប្លុក</a:t>
+            </a:r>
+            <a:r>
+              <a:rPr lang="en-US" sz="2000" dirty="0">
+                <a:solidFill>
+                  <a:srgbClr val="0070C0"/>
+                </a:solidFill>
+                <a:latin typeface="Khmer OS Battambang" panose="02000500000000020004" pitchFamily="2" charset="77"/>
+                <a:cs typeface="Khmer OS Battambang" panose="02000500000000020004" pitchFamily="2" charset="77"/>
+              </a:rPr>
+              <a:t> code </a:t>
+            </a:r>
+            <a:r>
+              <a:rPr lang="en-US" sz="2000" dirty="0" err="1">
+                <a:solidFill>
+                  <a:srgbClr val="0070C0"/>
+                </a:solidFill>
+                <a:latin typeface="Khmer OS Battambang" panose="02000500000000020004" pitchFamily="2" charset="77"/>
+                <a:cs typeface="Khmer OS Battambang" panose="02000500000000020004" pitchFamily="2" charset="77"/>
+              </a:rPr>
+              <a:t>ម្តងហើយម្តងទៀតដរាបណាលក្ខណ</a:t>
+            </a:r>
+            <a:r>
+              <a:rPr lang="en-US" sz="2000" dirty="0">
+                <a:solidFill>
+                  <a:srgbClr val="0070C0"/>
+                </a:solidFill>
+                <a:latin typeface="Khmer OS Battambang" panose="02000500000000020004" pitchFamily="2" charset="77"/>
+                <a:cs typeface="Khmer OS Battambang" panose="02000500000000020004" pitchFamily="2" charset="77"/>
+              </a:rPr>
+              <a:t> Boolean </a:t>
+            </a:r>
+            <a:r>
+              <a:rPr lang="en-US" sz="2000" dirty="0" err="1">
+                <a:solidFill>
+                  <a:srgbClr val="0070C0"/>
+                </a:solidFill>
+                <a:latin typeface="Khmer OS Battambang" panose="02000500000000020004" pitchFamily="2" charset="77"/>
+                <a:cs typeface="Khmer OS Battambang" panose="02000500000000020004" pitchFamily="2" charset="77"/>
+              </a:rPr>
+              <a:t>ដែលបានបញ្ជាក់នៅតែ</a:t>
+            </a:r>
+            <a:r>
+              <a:rPr lang="en-US" sz="2000" dirty="0">
+                <a:solidFill>
+                  <a:srgbClr val="0070C0"/>
+                </a:solidFill>
+                <a:latin typeface="Khmer OS Battambang" panose="02000500000000020004" pitchFamily="2" charset="77"/>
+                <a:cs typeface="Khmer OS Battambang" panose="02000500000000020004" pitchFamily="2" charset="77"/>
+              </a:rPr>
+              <a:t> </a:t>
+            </a:r>
+            <a:r>
+              <a:rPr lang="en-US" sz="2000" dirty="0">
+                <a:solidFill>
+                  <a:srgbClr val="FF0000"/>
+                </a:solidFill>
+                <a:latin typeface="Khmer OS Battambang" panose="02000500000000020004" pitchFamily="2" charset="77"/>
+                <a:cs typeface="Khmer OS Battambang" panose="02000500000000020004" pitchFamily="2" charset="77"/>
+              </a:rPr>
+              <a:t>true</a:t>
+            </a:r>
+            <a:r>
+              <a:rPr lang="en-US" sz="2000" dirty="0">
+                <a:solidFill>
+                  <a:srgbClr val="0070C0"/>
+                </a:solidFill>
+                <a:latin typeface="Khmer OS Battambang" panose="02000500000000020004" pitchFamily="2" charset="77"/>
+                <a:cs typeface="Khmer OS Battambang" panose="02000500000000020004" pitchFamily="2" charset="77"/>
+              </a:rPr>
+              <a:t>។</a:t>
+            </a:r>
+            <a:br>
+              <a:rPr lang="en-US" dirty="0">
+                <a:solidFill>
+                  <a:srgbClr val="002060"/>
+                </a:solidFill>
+                <a:latin typeface="Khmer OS Battambang" panose="02000500000000020004" pitchFamily="2" charset="77"/>
+                <a:cs typeface="Khmer OS Battambang" panose="02000500000000020004" pitchFamily="2" charset="77"/>
+              </a:rPr>
+            </a:br>
+            <a:r>
+              <a:rPr lang="en-KH" dirty="0"/>
+              <a:t>👉 </a:t>
+            </a:r>
+            <a:r>
+              <a:rPr lang="en-US" sz="2000" dirty="0" err="1">
+                <a:solidFill>
+                  <a:srgbClr val="002060"/>
+                </a:solidFill>
+                <a:latin typeface="Khmer OS Battambang" panose="02000500000000020004" pitchFamily="2" charset="77"/>
+                <a:cs typeface="Khmer OS Battambang" panose="02000500000000020004" pitchFamily="2" charset="77"/>
+              </a:rPr>
+              <a:t>ទម្រង់នៃការប្រើប្រាស</a:t>
+            </a:r>
+            <a:r>
+              <a:rPr lang="en-US" sz="2000" dirty="0">
+                <a:solidFill>
+                  <a:srgbClr val="002060"/>
+                </a:solidFill>
+                <a:latin typeface="Khmer OS Battambang" panose="02000500000000020004" pitchFamily="2" charset="77"/>
+                <a:cs typeface="Khmer OS Battambang" panose="02000500000000020004" pitchFamily="2" charset="77"/>
+              </a:rPr>
+              <a:t>់(Syntax)៖</a:t>
+            </a:r>
+          </a:p>
+          <a:p>
+            <a:pPr algn="l">
+              <a:lnSpc>
+                <a:spcPct val="100000"/>
+              </a:lnSpc>
+            </a:pPr>
+            <a:r>
+              <a:rPr lang="en-US" sz="2000" dirty="0">
+                <a:solidFill>
+                  <a:srgbClr val="0070C0"/>
+                </a:solidFill>
+                <a:latin typeface="Khmer OS Battambang" panose="02000500000000020004" pitchFamily="2" charset="77"/>
+                <a:cs typeface="Khmer OS Battambang" panose="02000500000000020004" pitchFamily="2" charset="77"/>
+              </a:rPr>
+              <a:t>     while (</a:t>
+            </a:r>
+            <a:r>
+              <a:rPr lang="en-US" sz="2000" dirty="0" err="1">
+                <a:solidFill>
+                  <a:srgbClr val="FF0000"/>
+                </a:solidFill>
+                <a:latin typeface="Khmer OS Battambang" panose="02000500000000020004" pitchFamily="2" charset="77"/>
+                <a:cs typeface="Khmer OS Battambang" panose="02000500000000020004" pitchFamily="2" charset="77"/>
+              </a:rPr>
+              <a:t>លក្ខណ</a:t>
+            </a:r>
+            <a:r>
+              <a:rPr lang="en-US" sz="2000" dirty="0">
+                <a:solidFill>
+                  <a:srgbClr val="0070C0"/>
+                </a:solidFill>
+                <a:latin typeface="Khmer OS Battambang" panose="02000500000000020004" pitchFamily="2" charset="77"/>
+                <a:cs typeface="Khmer OS Battambang" panose="02000500000000020004" pitchFamily="2" charset="77"/>
+              </a:rPr>
+              <a:t>) {</a:t>
+            </a:r>
+          </a:p>
+          <a:p>
+            <a:pPr algn="l">
+              <a:lnSpc>
+                <a:spcPct val="100000"/>
+              </a:lnSpc>
+            </a:pPr>
+            <a:r>
+              <a:rPr lang="en-US" sz="2000" dirty="0">
+                <a:solidFill>
+                  <a:srgbClr val="0070C0"/>
+                </a:solidFill>
+                <a:latin typeface="Khmer OS Battambang" panose="02000500000000020004" pitchFamily="2" charset="77"/>
+                <a:cs typeface="Khmer OS Battambang" panose="02000500000000020004" pitchFamily="2" charset="77"/>
+              </a:rPr>
+              <a:t>          // Code </a:t>
+            </a:r>
+            <a:r>
+              <a:rPr lang="en-US" sz="2000" dirty="0" err="1">
+                <a:solidFill>
+                  <a:srgbClr val="0070C0"/>
+                </a:solidFill>
+                <a:latin typeface="Khmer OS Battambang" panose="02000500000000020004" pitchFamily="2" charset="77"/>
+                <a:cs typeface="Khmer OS Battambang" panose="02000500000000020004" pitchFamily="2" charset="77"/>
+              </a:rPr>
+              <a:t>ដើម្បីប្រតិបត្តិ</a:t>
+            </a:r>
+            <a:r>
+              <a:rPr lang="en-US" sz="2000" dirty="0">
+                <a:solidFill>
+                  <a:srgbClr val="0070C0"/>
+                </a:solidFill>
+                <a:latin typeface="Khmer OS Battambang" panose="02000500000000020004" pitchFamily="2" charset="77"/>
+                <a:cs typeface="Khmer OS Battambang" panose="02000500000000020004" pitchFamily="2" charset="77"/>
+              </a:rPr>
+              <a:t>(execute) </a:t>
+            </a:r>
+            <a:r>
+              <a:rPr lang="en-US" sz="2000" dirty="0" err="1">
+                <a:solidFill>
+                  <a:srgbClr val="0070C0"/>
+                </a:solidFill>
+                <a:latin typeface="Khmer OS Battambang" panose="02000500000000020004" pitchFamily="2" charset="77"/>
+                <a:cs typeface="Khmer OS Battambang" panose="02000500000000020004" pitchFamily="2" charset="77"/>
+              </a:rPr>
+              <a:t>ការធ្វើឡើងវិញនៅពេលលក្ខណដែលបានបញ្ចាក់ស្មើ</a:t>
+            </a:r>
+            <a:r>
+              <a:rPr lang="en-US" sz="2000" dirty="0">
+                <a:solidFill>
+                  <a:srgbClr val="0070C0"/>
+                </a:solidFill>
+                <a:latin typeface="Khmer OS Battambang" panose="02000500000000020004" pitchFamily="2" charset="77"/>
+                <a:cs typeface="Khmer OS Battambang" panose="02000500000000020004" pitchFamily="2" charset="77"/>
+              </a:rPr>
+              <a:t> </a:t>
+            </a:r>
+            <a:r>
+              <a:rPr lang="en-US" sz="2000" dirty="0">
+                <a:solidFill>
+                  <a:srgbClr val="FF0000"/>
+                </a:solidFill>
+                <a:latin typeface="Khmer OS Battambang" panose="02000500000000020004" pitchFamily="2" charset="77"/>
+                <a:cs typeface="Khmer OS Battambang" panose="02000500000000020004" pitchFamily="2" charset="77"/>
+              </a:rPr>
+              <a:t>true</a:t>
+            </a:r>
+            <a:endParaRPr lang="en-US" sz="2000" dirty="0">
+              <a:solidFill>
+                <a:srgbClr val="0070C0"/>
+              </a:solidFill>
+              <a:latin typeface="Khmer OS Battambang" panose="02000500000000020004" pitchFamily="2" charset="77"/>
+              <a:cs typeface="Khmer OS Battambang" panose="02000500000000020004" pitchFamily="2" charset="77"/>
+            </a:endParaRPr>
+          </a:p>
+          <a:p>
+            <a:pPr algn="l">
+              <a:lnSpc>
+                <a:spcPct val="100000"/>
+              </a:lnSpc>
+            </a:pPr>
+            <a:r>
+              <a:rPr lang="en-US" sz="2000" dirty="0">
+                <a:solidFill>
+                  <a:srgbClr val="0070C0"/>
+                </a:solidFill>
+                <a:latin typeface="Khmer OS Battambang" panose="02000500000000020004" pitchFamily="2" charset="77"/>
+                <a:cs typeface="Khmer OS Battambang" panose="02000500000000020004" pitchFamily="2" charset="77"/>
+              </a:rPr>
+              <a:t>     }</a:t>
+            </a:r>
+          </a:p>
+          <a:p>
+            <a:pPr algn="l">
+              <a:lnSpc>
+                <a:spcPct val="100000"/>
+              </a:lnSpc>
+            </a:pPr>
+            <a:r>
+              <a:rPr lang="en-US" sz="1800" dirty="0">
+                <a:solidFill>
+                  <a:srgbClr val="002060"/>
+                </a:solidFill>
+                <a:latin typeface="Khmer OS Battambang" panose="02000500000000020004" pitchFamily="2" charset="77"/>
+                <a:cs typeface="Khmer OS Battambang" panose="02000500000000020004" pitchFamily="2" charset="77"/>
+              </a:rPr>
+              <a:t>     </a:t>
+            </a:r>
+            <a:r>
+              <a:rPr lang="en-US" sz="2000" dirty="0" err="1">
+                <a:solidFill>
+                  <a:srgbClr val="002060"/>
+                </a:solidFill>
+                <a:latin typeface="Khmer OS Battambang" panose="02000500000000020004" pitchFamily="2" charset="77"/>
+                <a:cs typeface="Khmer OS Battambang" panose="02000500000000020004" pitchFamily="2" charset="77"/>
+              </a:rPr>
+              <a:t>ឧទាហរណ</a:t>
+            </a:r>
+            <a:r>
+              <a:rPr lang="en-US" sz="2000" dirty="0">
+                <a:solidFill>
+                  <a:srgbClr val="002060"/>
+                </a:solidFill>
+                <a:latin typeface="Khmer OS Battambang" panose="02000500000000020004" pitchFamily="2" charset="77"/>
+                <a:cs typeface="Khmer OS Battambang" panose="02000500000000020004" pitchFamily="2" charset="77"/>
+              </a:rPr>
+              <a:t>៍៖</a:t>
+            </a:r>
+          </a:p>
+          <a:p>
+            <a:pPr algn="l">
+              <a:lnSpc>
+                <a:spcPct val="100000"/>
+              </a:lnSpc>
+              <a:spcBef>
+                <a:spcPts val="400"/>
+              </a:spcBef>
+            </a:pPr>
+            <a:r>
+              <a:rPr lang="en-US" sz="2000" dirty="0">
+                <a:solidFill>
+                  <a:srgbClr val="002060"/>
+                </a:solidFill>
+                <a:latin typeface="Khmer OS Battambang" panose="02000500000000020004" pitchFamily="2" charset="77"/>
+                <a:cs typeface="Khmer OS Battambang" panose="02000500000000020004" pitchFamily="2" charset="77"/>
+              </a:rPr>
+              <a:t>	</a:t>
+            </a:r>
+            <a:r>
+              <a:rPr lang="en-US" sz="2000" dirty="0">
+                <a:solidFill>
+                  <a:srgbClr val="FF0000"/>
+                </a:solidFill>
+                <a:latin typeface="Khmer OS Battambang" panose="02000500000000020004" pitchFamily="2" charset="77"/>
+                <a:cs typeface="Khmer OS Battambang" panose="02000500000000020004" pitchFamily="2" charset="77"/>
+              </a:rPr>
+              <a:t>int </a:t>
+            </a:r>
+            <a:r>
+              <a:rPr lang="en-US" sz="2000" dirty="0">
+                <a:solidFill>
+                  <a:srgbClr val="0070C0"/>
+                </a:solidFill>
+                <a:latin typeface="Khmer OS Battambang" panose="02000500000000020004" pitchFamily="2" charset="77"/>
+                <a:cs typeface="Khmer OS Battambang" panose="02000500000000020004" pitchFamily="2" charset="77"/>
+              </a:rPr>
+              <a:t>num</a:t>
+            </a:r>
+            <a:r>
+              <a:rPr lang="en-US" sz="2000" dirty="0">
+                <a:solidFill>
+                  <a:srgbClr val="FF0000"/>
+                </a:solidFill>
+                <a:latin typeface="Khmer OS Battambang" panose="02000500000000020004" pitchFamily="2" charset="77"/>
+                <a:cs typeface="Khmer OS Battambang" panose="02000500000000020004" pitchFamily="2" charset="77"/>
+              </a:rPr>
+              <a:t> </a:t>
+            </a:r>
+            <a:r>
+              <a:rPr lang="en-US" sz="2000" dirty="0">
+                <a:solidFill>
+                  <a:srgbClr val="0070C0"/>
+                </a:solidFill>
+                <a:latin typeface="Khmer OS Battambang" panose="02000500000000020004" pitchFamily="2" charset="77"/>
+                <a:cs typeface="Khmer OS Battambang" panose="02000500000000020004" pitchFamily="2" charset="77"/>
+              </a:rPr>
+              <a:t>=</a:t>
+            </a:r>
+            <a:r>
+              <a:rPr lang="en-US" sz="2000" dirty="0">
+                <a:solidFill>
+                  <a:srgbClr val="FF0000"/>
+                </a:solidFill>
+                <a:latin typeface="Khmer OS Battambang" panose="02000500000000020004" pitchFamily="2" charset="77"/>
+                <a:cs typeface="Khmer OS Battambang" panose="02000500000000020004" pitchFamily="2" charset="77"/>
+              </a:rPr>
+              <a:t> 0</a:t>
+            </a:r>
+            <a:r>
+              <a:rPr lang="en-US" sz="2000" dirty="0">
+                <a:solidFill>
+                  <a:srgbClr val="0070C0"/>
+                </a:solidFill>
+                <a:latin typeface="Khmer OS Battambang" panose="02000500000000020004" pitchFamily="2" charset="77"/>
+                <a:cs typeface="Khmer OS Battambang" panose="02000500000000020004" pitchFamily="2" charset="77"/>
+              </a:rPr>
+              <a:t>;</a:t>
+            </a:r>
+          </a:p>
+          <a:p>
+            <a:pPr algn="l">
+              <a:lnSpc>
+                <a:spcPct val="100000"/>
+              </a:lnSpc>
+              <a:spcBef>
+                <a:spcPts val="400"/>
+              </a:spcBef>
+            </a:pPr>
+            <a:r>
+              <a:rPr lang="en-US" sz="2000" dirty="0">
+                <a:solidFill>
+                  <a:srgbClr val="002060"/>
+                </a:solidFill>
+                <a:latin typeface="Khmer OS Battambang" panose="02000500000000020004" pitchFamily="2" charset="77"/>
+                <a:cs typeface="Khmer OS Battambang" panose="02000500000000020004" pitchFamily="2" charset="77"/>
+              </a:rPr>
+              <a:t>	</a:t>
+            </a:r>
+            <a:r>
+              <a:rPr lang="en-US" sz="2000" dirty="0">
+                <a:solidFill>
+                  <a:srgbClr val="0070C0"/>
+                </a:solidFill>
+                <a:latin typeface="Khmer OS Battambang" panose="02000500000000020004" pitchFamily="2" charset="77"/>
+                <a:cs typeface="Khmer OS Battambang" panose="02000500000000020004" pitchFamily="2" charset="77"/>
+              </a:rPr>
+              <a:t>while( </a:t>
+            </a:r>
+            <a:r>
+              <a:rPr lang="en-US" sz="2000" dirty="0">
+                <a:solidFill>
+                  <a:srgbClr val="FF0000"/>
+                </a:solidFill>
+                <a:latin typeface="Khmer OS Battambang" panose="02000500000000020004" pitchFamily="2" charset="77"/>
+                <a:cs typeface="Khmer OS Battambang" panose="02000500000000020004" pitchFamily="2" charset="77"/>
+              </a:rPr>
+              <a:t>num &lt;= 4 </a:t>
+            </a:r>
+            <a:r>
+              <a:rPr lang="en-US" sz="2000" dirty="0">
+                <a:solidFill>
+                  <a:srgbClr val="0070C0"/>
+                </a:solidFill>
+                <a:latin typeface="Khmer OS Battambang" panose="02000500000000020004" pitchFamily="2" charset="77"/>
+                <a:cs typeface="Khmer OS Battambang" panose="02000500000000020004" pitchFamily="2" charset="77"/>
+              </a:rPr>
+              <a:t>){</a:t>
+            </a:r>
+          </a:p>
+          <a:p>
+            <a:pPr algn="l">
+              <a:lnSpc>
+                <a:spcPct val="100000"/>
+              </a:lnSpc>
+              <a:spcBef>
+                <a:spcPts val="400"/>
+              </a:spcBef>
+            </a:pPr>
+            <a:r>
+              <a:rPr lang="en-US" sz="2000" dirty="0">
+                <a:solidFill>
+                  <a:srgbClr val="0070C0"/>
+                </a:solidFill>
+                <a:latin typeface="Khmer OS Battambang" panose="02000500000000020004" pitchFamily="2" charset="77"/>
+                <a:cs typeface="Khmer OS Battambang" panose="02000500000000020004" pitchFamily="2" charset="77"/>
+              </a:rPr>
+              <a:t>	    </a:t>
+            </a:r>
+            <a:r>
+              <a:rPr lang="en-US" sz="2000" dirty="0" err="1">
+                <a:solidFill>
+                  <a:srgbClr val="0070C0"/>
+                </a:solidFill>
+                <a:latin typeface="Khmer OS Battambang" panose="02000500000000020004" pitchFamily="2" charset="77"/>
+                <a:cs typeface="Khmer OS Battambang" panose="02000500000000020004" pitchFamily="2" charset="77"/>
+              </a:rPr>
+              <a:t>System.out.println</a:t>
+            </a:r>
+            <a:r>
+              <a:rPr lang="en-US" sz="2000" dirty="0">
+                <a:solidFill>
+                  <a:srgbClr val="0070C0"/>
+                </a:solidFill>
+                <a:latin typeface="Khmer OS Battambang" panose="02000500000000020004" pitchFamily="2" charset="77"/>
+                <a:cs typeface="Khmer OS Battambang" panose="02000500000000020004" pitchFamily="2" charset="77"/>
+              </a:rPr>
+              <a:t>( num );</a:t>
+            </a:r>
+          </a:p>
+          <a:p>
+            <a:pPr algn="l">
+              <a:lnSpc>
+                <a:spcPct val="100000"/>
+              </a:lnSpc>
+              <a:spcBef>
+                <a:spcPts val="400"/>
+              </a:spcBef>
+            </a:pPr>
+            <a:r>
+              <a:rPr lang="en-US" sz="2000" dirty="0">
+                <a:solidFill>
+                  <a:srgbClr val="0070C0"/>
+                </a:solidFill>
+                <a:latin typeface="Khmer OS Battambang" panose="02000500000000020004" pitchFamily="2" charset="77"/>
+                <a:cs typeface="Khmer OS Battambang" panose="02000500000000020004" pitchFamily="2" charset="77"/>
+              </a:rPr>
+              <a:t>	    num++;</a:t>
+            </a:r>
+          </a:p>
+          <a:p>
+            <a:pPr algn="l">
+              <a:lnSpc>
+                <a:spcPct val="100000"/>
+              </a:lnSpc>
+              <a:spcBef>
+                <a:spcPts val="400"/>
+              </a:spcBef>
+            </a:pPr>
+            <a:r>
+              <a:rPr lang="en-US" sz="2000" dirty="0">
+                <a:solidFill>
+                  <a:srgbClr val="0070C0"/>
+                </a:solidFill>
+                <a:latin typeface="Khmer OS Battambang" panose="02000500000000020004" pitchFamily="2" charset="77"/>
+                <a:cs typeface="Khmer OS Battambang" panose="02000500000000020004" pitchFamily="2" charset="77"/>
+              </a:rPr>
+              <a:t>	}</a:t>
+            </a:r>
+            <a:endParaRPr lang="en-US" sz="2000" dirty="0">
+              <a:solidFill>
+                <a:srgbClr val="002060"/>
+              </a:solidFill>
+              <a:latin typeface="Khmer OS Battambang" panose="02000500000000020004" pitchFamily="2" charset="77"/>
+              <a:cs typeface="Khmer OS Battambang" panose="02000500000000020004" pitchFamily="2" charset="77"/>
+            </a:endParaRPr>
+          </a:p>
+        </p:txBody>
+      </p:sp>
+    </p:spTree>
+    <p:extLst>
+      <p:ext uri="{BB962C8B-B14F-4D97-AF65-F5344CB8AC3E}">
+        <p14:creationId xmlns:p14="http://schemas.microsoft.com/office/powerpoint/2010/main" val="3120500104"/>
+      </p:ext>
+    </p:extLst>
+  </p:cSld>
+  <p:clrMapOvr>
+    <a:masterClrMapping/>
+  </p:clrMapOvr>
+</p:sld>
+</file>
+
+<file path=ppt/slides/slide32.xml><?xml version="1.0" encoding="utf-8"?>
+<p:sld xmlns:a="http://schemas.openxmlformats.org/drawingml/2006/main" xmlns:r="http://schemas.openxmlformats.org/officeDocument/2006/relationships" xmlns:p="http://schemas.openxmlformats.org/presentationml/2006/main">
+  <p:cSld>
+    <p:bg>
+      <p:bgPr>
+        <a:solidFill>
+          <a:schemeClr val="bg1"/>
+        </a:solidFill>
+        <a:effectLst/>
+      </p:bgPr>
+    </p:bg>
+    <p:spTree>
+      <p:nvGrpSpPr>
+        <p:cNvPr id="1" name="">
+          <a:extLst>
+            <a:ext uri="{FF2B5EF4-FFF2-40B4-BE49-F238E27FC236}">
+              <a16:creationId xmlns:a16="http://schemas.microsoft.com/office/drawing/2014/main" id="{CF407F11-EE60-BBCD-6875-DA16DB776CDC}"/>
+            </a:ext>
+          </a:extLst>
+        </p:cNvPr>
+        <p:cNvGrpSpPr/>
+        <p:nvPr/>
+      </p:nvGrpSpPr>
+      <p:grpSpPr>
+        <a:xfrm>
+          <a:off x="0" y="0"/>
+          <a:ext cx="0" cy="0"/>
+          <a:chOff x="0" y="0"/>
+          <a:chExt cx="0" cy="0"/>
+        </a:xfrm>
+      </p:grpSpPr>
+      <p:sp>
+        <p:nvSpPr>
+          <p:cNvPr id="2" name="Title 1">
+            <a:extLst>
+              <a:ext uri="{FF2B5EF4-FFF2-40B4-BE49-F238E27FC236}">
+                <a16:creationId xmlns:a16="http://schemas.microsoft.com/office/drawing/2014/main" id="{0F18E613-A35B-DEE8-6128-694735BDC2E2}"/>
+              </a:ext>
+            </a:extLst>
+          </p:cNvPr>
+          <p:cNvSpPr>
+            <a:spLocks noGrp="1"/>
+          </p:cNvSpPr>
+          <p:nvPr>
+            <p:ph type="ctrTitle"/>
+          </p:nvPr>
+        </p:nvSpPr>
+        <p:spPr>
+          <a:xfrm>
+            <a:off x="1701800" y="119781"/>
+            <a:ext cx="9144000" cy="789373"/>
+          </a:xfrm>
+        </p:spPr>
+        <p:txBody>
+          <a:bodyPr>
+            <a:normAutofit/>
+          </a:bodyPr>
+          <a:lstStyle/>
+          <a:p>
+            <a:pPr algn="l"/>
+            <a:r>
+              <a:rPr lang="en-US" sz="3600" dirty="0">
+                <a:solidFill>
+                  <a:srgbClr val="002060"/>
+                </a:solidFill>
+                <a:latin typeface="Khmer OS Battambang" panose="02000500000000020004" pitchFamily="2" charset="77"/>
+                <a:cs typeface="Khmer OS Battambang" panose="02000500000000020004" pitchFamily="2" charset="77"/>
+              </a:rPr>
+              <a:t>do-while loop</a:t>
+            </a:r>
+            <a:endParaRPr lang="en-KH" sz="3600" dirty="0">
+              <a:solidFill>
+                <a:srgbClr val="002060"/>
+              </a:solidFill>
+              <a:latin typeface="Khmer OS Battambang" panose="02000500000000020004" pitchFamily="2" charset="77"/>
+              <a:cs typeface="Khmer OS Battambang" panose="02000500000000020004" pitchFamily="2" charset="77"/>
+            </a:endParaRPr>
+          </a:p>
+        </p:txBody>
+      </p:sp>
+      <p:cxnSp>
+        <p:nvCxnSpPr>
+          <p:cNvPr id="8" name="Straight Connector 7">
+            <a:extLst>
+              <a:ext uri="{FF2B5EF4-FFF2-40B4-BE49-F238E27FC236}">
+                <a16:creationId xmlns:a16="http://schemas.microsoft.com/office/drawing/2014/main" id="{DA874F9B-A343-C7CA-2FB6-4F3FE4D323AD}"/>
+              </a:ext>
+            </a:extLst>
+          </p:cNvPr>
+          <p:cNvCxnSpPr/>
+          <p:nvPr/>
+        </p:nvCxnSpPr>
+        <p:spPr>
+          <a:xfrm>
+            <a:off x="0" y="1050468"/>
+            <a:ext cx="12192000" cy="0"/>
+          </a:xfrm>
+          <a:prstGeom prst="line">
+            <a:avLst/>
+          </a:prstGeom>
+          <a:ln w="57150">
+            <a:solidFill>
+              <a:srgbClr val="D49B06"/>
+            </a:solidFill>
+          </a:ln>
+        </p:spPr>
+        <p:style>
+          <a:lnRef idx="2">
+            <a:schemeClr val="accent1"/>
+          </a:lnRef>
+          <a:fillRef idx="0">
+            <a:schemeClr val="accent1"/>
+          </a:fillRef>
+          <a:effectRef idx="1">
+            <a:schemeClr val="accent1"/>
+          </a:effectRef>
+          <a:fontRef idx="minor">
+            <a:schemeClr val="tx1"/>
+          </a:fontRef>
+        </p:style>
+      </p:cxnSp>
+      <p:cxnSp>
+        <p:nvCxnSpPr>
+          <p:cNvPr id="10" name="Straight Connector 9">
+            <a:extLst>
+              <a:ext uri="{FF2B5EF4-FFF2-40B4-BE49-F238E27FC236}">
+                <a16:creationId xmlns:a16="http://schemas.microsoft.com/office/drawing/2014/main" id="{0EFDCAA6-0EB5-F27A-3ABA-BFCD7B9EE533}"/>
+              </a:ext>
+            </a:extLst>
+          </p:cNvPr>
+          <p:cNvCxnSpPr>
+            <a:cxnSpLocks/>
+          </p:cNvCxnSpPr>
+          <p:nvPr/>
+        </p:nvCxnSpPr>
+        <p:spPr>
+          <a:xfrm>
+            <a:off x="0" y="979812"/>
+            <a:ext cx="12192000" cy="0"/>
+          </a:xfrm>
+          <a:prstGeom prst="line">
+            <a:avLst/>
+          </a:prstGeom>
+          <a:ln w="57150">
+            <a:solidFill>
+              <a:srgbClr val="1C27CF"/>
+            </a:solidFill>
+          </a:ln>
+        </p:spPr>
+        <p:style>
+          <a:lnRef idx="2">
+            <a:schemeClr val="accent1"/>
+          </a:lnRef>
+          <a:fillRef idx="0">
+            <a:schemeClr val="accent1"/>
+          </a:fillRef>
+          <a:effectRef idx="1">
+            <a:schemeClr val="accent1"/>
+          </a:effectRef>
+          <a:fontRef idx="minor">
+            <a:schemeClr val="tx1"/>
+          </a:fontRef>
+        </p:style>
+      </p:cxnSp>
+      <p:pic>
+        <p:nvPicPr>
+          <p:cNvPr id="47" name="Picture 46" descr="A blue circle with a yellow and white bird in it&#10;&#10;AI-generated content may be incorrect.">
+            <a:extLst>
+              <a:ext uri="{FF2B5EF4-FFF2-40B4-BE49-F238E27FC236}">
+                <a16:creationId xmlns:a16="http://schemas.microsoft.com/office/drawing/2014/main" id="{7AD8F6A2-A773-AF89-CF53-D4EB4CAA31B6}"/>
+              </a:ext>
+            </a:extLst>
+          </p:cNvPr>
+          <p:cNvPicPr>
+            <a:picLocks noChangeAspect="1"/>
+          </p:cNvPicPr>
+          <p:nvPr/>
+        </p:nvPicPr>
+        <p:blipFill>
+          <a:blip r:embed="rId2"/>
+          <a:stretch>
+            <a:fillRect/>
+          </a:stretch>
+        </p:blipFill>
+        <p:spPr>
+          <a:xfrm>
+            <a:off x="325438" y="219712"/>
+            <a:ext cx="606500" cy="606500"/>
+          </a:xfrm>
+          <a:prstGeom prst="rect">
+            <a:avLst/>
+          </a:prstGeom>
+        </p:spPr>
+      </p:pic>
+      <p:sp>
+        <p:nvSpPr>
+          <p:cNvPr id="7" name="Subtitle 2">
+            <a:extLst>
+              <a:ext uri="{FF2B5EF4-FFF2-40B4-BE49-F238E27FC236}">
+                <a16:creationId xmlns:a16="http://schemas.microsoft.com/office/drawing/2014/main" id="{04885789-9522-B83C-93F5-30667095C691}"/>
+              </a:ext>
+            </a:extLst>
+          </p:cNvPr>
+          <p:cNvSpPr>
+            <a:spLocks noGrp="1"/>
+          </p:cNvSpPr>
+          <p:nvPr>
+            <p:ph type="subTitle" idx="1"/>
+          </p:nvPr>
+        </p:nvSpPr>
+        <p:spPr>
+          <a:xfrm>
+            <a:off x="624192" y="1219212"/>
+            <a:ext cx="10954536" cy="5306275"/>
+          </a:xfrm>
+        </p:spPr>
+        <p:txBody>
+          <a:bodyPr>
+            <a:noAutofit/>
+          </a:bodyPr>
+          <a:lstStyle/>
+          <a:p>
+            <a:pPr algn="l">
+              <a:lnSpc>
+                <a:spcPct val="150000"/>
+              </a:lnSpc>
+              <a:spcBef>
+                <a:spcPts val="1500"/>
+              </a:spcBef>
+            </a:pPr>
+            <a:r>
+              <a:rPr lang="en-US" sz="1800" dirty="0">
+                <a:solidFill>
+                  <a:srgbClr val="002060"/>
+                </a:solidFill>
+                <a:latin typeface="Khmer OS Battambang" panose="02000500000000020004" pitchFamily="2" charset="77"/>
+                <a:cs typeface="Khmer OS Battambang" panose="02000500000000020004" pitchFamily="2" charset="77"/>
+              </a:rPr>
+              <a:t>	do-</a:t>
+            </a:r>
+            <a:r>
+              <a:rPr lang="en-US" sz="2000" dirty="0">
+                <a:solidFill>
+                  <a:srgbClr val="002060"/>
+                </a:solidFill>
+                <a:latin typeface="Khmer OS Battambang" panose="02000500000000020004" pitchFamily="2" charset="77"/>
+                <a:cs typeface="Khmer OS Battambang" panose="02000500000000020004" pitchFamily="2" charset="77"/>
+              </a:rPr>
+              <a:t>while loop: </a:t>
+            </a:r>
+            <a:r>
+              <a:rPr lang="en-US" sz="2000" dirty="0" err="1">
+                <a:solidFill>
+                  <a:srgbClr val="0070C0"/>
+                </a:solidFill>
+                <a:latin typeface="Khmer OS Battambang" panose="02000500000000020004" pitchFamily="2" charset="77"/>
+                <a:cs typeface="Khmer OS Battambang" panose="02000500000000020004" pitchFamily="2" charset="77"/>
+              </a:rPr>
+              <a:t>គឺជាប្រយោគ</a:t>
+            </a:r>
+            <a:r>
+              <a:rPr lang="en-US" sz="2000" dirty="0">
+                <a:solidFill>
+                  <a:srgbClr val="0070C0"/>
+                </a:solidFill>
+                <a:latin typeface="Khmer OS Battambang" panose="02000500000000020004" pitchFamily="2" charset="77"/>
+                <a:cs typeface="Khmer OS Battambang" panose="02000500000000020004" pitchFamily="2" charset="77"/>
+              </a:rPr>
+              <a:t> Control flow </a:t>
+            </a:r>
+            <a:r>
+              <a:rPr lang="en-US" sz="2000" dirty="0" err="1">
+                <a:solidFill>
+                  <a:srgbClr val="0070C0"/>
+                </a:solidFill>
+                <a:latin typeface="Khmer OS Battambang" panose="02000500000000020004" pitchFamily="2" charset="77"/>
+                <a:cs typeface="Khmer OS Battambang" panose="02000500000000020004" pitchFamily="2" charset="77"/>
+              </a:rPr>
+              <a:t>ដែលប្រើប្រាស់ដើម្បីប្រតិបត្តិ</a:t>
+            </a:r>
+            <a:r>
+              <a:rPr lang="en-US" sz="2000" dirty="0">
+                <a:solidFill>
+                  <a:srgbClr val="0070C0"/>
+                </a:solidFill>
+                <a:latin typeface="Khmer OS Battambang" panose="02000500000000020004" pitchFamily="2" charset="77"/>
+                <a:cs typeface="Khmer OS Battambang" panose="02000500000000020004" pitchFamily="2" charset="77"/>
+              </a:rPr>
+              <a:t>(execute) </a:t>
+            </a:r>
+            <a:r>
+              <a:rPr lang="en-US" sz="2000" dirty="0" err="1">
+                <a:solidFill>
+                  <a:srgbClr val="0070C0"/>
+                </a:solidFill>
+                <a:latin typeface="Khmer OS Battambang" panose="02000500000000020004" pitchFamily="2" charset="77"/>
+                <a:cs typeface="Khmer OS Battambang" panose="02000500000000020004" pitchFamily="2" charset="77"/>
+              </a:rPr>
+              <a:t>ប្លុក</a:t>
+            </a:r>
+            <a:r>
+              <a:rPr lang="en-US" sz="2000" dirty="0">
+                <a:solidFill>
+                  <a:srgbClr val="0070C0"/>
+                </a:solidFill>
+                <a:latin typeface="Khmer OS Battambang" panose="02000500000000020004" pitchFamily="2" charset="77"/>
+                <a:cs typeface="Khmer OS Battambang" panose="02000500000000020004" pitchFamily="2" charset="77"/>
+              </a:rPr>
+              <a:t> code </a:t>
+            </a:r>
+            <a:r>
+              <a:rPr lang="en-US" sz="2000" dirty="0" err="1">
+                <a:solidFill>
+                  <a:srgbClr val="0070C0"/>
+                </a:solidFill>
+                <a:latin typeface="Khmer OS Battambang" panose="02000500000000020004" pitchFamily="2" charset="77"/>
+                <a:cs typeface="Khmer OS Battambang" panose="02000500000000020004" pitchFamily="2" charset="77"/>
+              </a:rPr>
+              <a:t>យ៉ាងតិចម្តង</a:t>
+            </a:r>
+            <a:r>
+              <a:rPr lang="en-US" sz="2000" dirty="0">
+                <a:solidFill>
+                  <a:srgbClr val="0070C0"/>
+                </a:solidFill>
+                <a:latin typeface="Khmer OS Battambang" panose="02000500000000020004" pitchFamily="2" charset="77"/>
+                <a:cs typeface="Khmer OS Battambang" panose="02000500000000020004" pitchFamily="2" charset="77"/>
+              </a:rPr>
+              <a:t> </a:t>
+            </a:r>
+            <a:r>
+              <a:rPr lang="en-US" sz="2000" dirty="0" err="1">
+                <a:solidFill>
+                  <a:srgbClr val="0070C0"/>
+                </a:solidFill>
+                <a:latin typeface="Khmer OS Battambang" panose="02000500000000020004" pitchFamily="2" charset="77"/>
+                <a:cs typeface="Khmer OS Battambang" panose="02000500000000020004" pitchFamily="2" charset="77"/>
+              </a:rPr>
+              <a:t>និងបន្ទាប់មកវាបន្តការប្រតិបត្តិ</a:t>
+            </a:r>
+            <a:r>
+              <a:rPr lang="en-US" sz="2000" dirty="0">
+                <a:solidFill>
+                  <a:srgbClr val="0070C0"/>
+                </a:solidFill>
+                <a:latin typeface="Khmer OS Battambang" panose="02000500000000020004" pitchFamily="2" charset="77"/>
+                <a:cs typeface="Khmer OS Battambang" panose="02000500000000020004" pitchFamily="2" charset="77"/>
+              </a:rPr>
+              <a:t> (execute) </a:t>
+            </a:r>
+            <a:r>
+              <a:rPr lang="en-US" sz="2000" dirty="0" err="1">
+                <a:solidFill>
+                  <a:srgbClr val="0070C0"/>
+                </a:solidFill>
+                <a:latin typeface="Khmer OS Battambang" panose="02000500000000020004" pitchFamily="2" charset="77"/>
+                <a:cs typeface="Khmer OS Battambang" panose="02000500000000020004" pitchFamily="2" charset="77"/>
+              </a:rPr>
+              <a:t>ម្តងហើយម្តងទៀតដរាបណាលក្ខណ</a:t>
+            </a:r>
+            <a:r>
+              <a:rPr lang="en-US" sz="2000" dirty="0">
+                <a:solidFill>
+                  <a:srgbClr val="0070C0"/>
+                </a:solidFill>
+                <a:latin typeface="Khmer OS Battambang" panose="02000500000000020004" pitchFamily="2" charset="77"/>
+                <a:cs typeface="Khmer OS Battambang" panose="02000500000000020004" pitchFamily="2" charset="77"/>
+              </a:rPr>
+              <a:t> Boolean </a:t>
+            </a:r>
+            <a:r>
+              <a:rPr lang="en-US" sz="2000" dirty="0" err="1">
+                <a:solidFill>
+                  <a:srgbClr val="0070C0"/>
+                </a:solidFill>
+                <a:latin typeface="Khmer OS Battambang" panose="02000500000000020004" pitchFamily="2" charset="77"/>
+                <a:cs typeface="Khmer OS Battambang" panose="02000500000000020004" pitchFamily="2" charset="77"/>
+              </a:rPr>
+              <a:t>ដែលបានបញ្ជាក់នៅតែ</a:t>
+            </a:r>
+            <a:r>
+              <a:rPr lang="en-US" sz="2000" dirty="0">
+                <a:solidFill>
+                  <a:srgbClr val="0070C0"/>
+                </a:solidFill>
+                <a:latin typeface="Khmer OS Battambang" panose="02000500000000020004" pitchFamily="2" charset="77"/>
+                <a:cs typeface="Khmer OS Battambang" panose="02000500000000020004" pitchFamily="2" charset="77"/>
+              </a:rPr>
+              <a:t> </a:t>
+            </a:r>
+            <a:r>
+              <a:rPr lang="en-US" sz="2000" dirty="0">
+                <a:solidFill>
+                  <a:srgbClr val="FF0000"/>
+                </a:solidFill>
+                <a:latin typeface="Khmer OS Battambang" panose="02000500000000020004" pitchFamily="2" charset="77"/>
+                <a:cs typeface="Khmer OS Battambang" panose="02000500000000020004" pitchFamily="2" charset="77"/>
+              </a:rPr>
+              <a:t>true</a:t>
+            </a:r>
+            <a:r>
+              <a:rPr lang="en-US" sz="2000" dirty="0">
+                <a:solidFill>
+                  <a:srgbClr val="0070C0"/>
+                </a:solidFill>
+                <a:latin typeface="Khmer OS Battambang" panose="02000500000000020004" pitchFamily="2" charset="77"/>
+                <a:cs typeface="Khmer OS Battambang" panose="02000500000000020004" pitchFamily="2" charset="77"/>
+              </a:rPr>
+              <a:t>។</a:t>
+            </a:r>
+            <a:br>
+              <a:rPr lang="en-US" dirty="0">
+                <a:solidFill>
+                  <a:srgbClr val="002060"/>
+                </a:solidFill>
+                <a:latin typeface="Khmer OS Battambang" panose="02000500000000020004" pitchFamily="2" charset="77"/>
+                <a:cs typeface="Khmer OS Battambang" panose="02000500000000020004" pitchFamily="2" charset="77"/>
+              </a:rPr>
+            </a:br>
+            <a:r>
+              <a:rPr lang="en-KH" dirty="0"/>
+              <a:t>👉 </a:t>
+            </a:r>
+            <a:r>
+              <a:rPr lang="en-US" sz="2000" dirty="0" err="1">
+                <a:solidFill>
+                  <a:srgbClr val="002060"/>
+                </a:solidFill>
+                <a:latin typeface="Khmer OS Battambang" panose="02000500000000020004" pitchFamily="2" charset="77"/>
+                <a:cs typeface="Khmer OS Battambang" panose="02000500000000020004" pitchFamily="2" charset="77"/>
+              </a:rPr>
+              <a:t>ទម្រង់នៃការប្រើប្រាស</a:t>
+            </a:r>
+            <a:r>
+              <a:rPr lang="en-US" sz="2000" dirty="0">
+                <a:solidFill>
+                  <a:srgbClr val="002060"/>
+                </a:solidFill>
+                <a:latin typeface="Khmer OS Battambang" panose="02000500000000020004" pitchFamily="2" charset="77"/>
+                <a:cs typeface="Khmer OS Battambang" panose="02000500000000020004" pitchFamily="2" charset="77"/>
+              </a:rPr>
+              <a:t>់(Syntax)៖</a:t>
+            </a:r>
+          </a:p>
+          <a:p>
+            <a:pPr algn="l">
+              <a:lnSpc>
+                <a:spcPct val="100000"/>
+              </a:lnSpc>
+            </a:pPr>
+            <a:r>
+              <a:rPr lang="en-US" sz="2000" dirty="0">
+                <a:solidFill>
+                  <a:srgbClr val="002060"/>
+                </a:solidFill>
+                <a:latin typeface="Khmer OS Battambang" panose="02000500000000020004" pitchFamily="2" charset="77"/>
+                <a:cs typeface="Khmer OS Battambang" panose="02000500000000020004" pitchFamily="2" charset="77"/>
+              </a:rPr>
+              <a:t>     </a:t>
+            </a:r>
+            <a:r>
+              <a:rPr lang="en-US" sz="1800" dirty="0">
+                <a:solidFill>
+                  <a:srgbClr val="0070C0"/>
+                </a:solidFill>
+                <a:latin typeface="Khmer OS Battambang" panose="02000500000000020004" pitchFamily="2" charset="77"/>
+                <a:cs typeface="Khmer OS Battambang" panose="02000500000000020004" pitchFamily="2" charset="77"/>
+              </a:rPr>
+              <a:t>do {</a:t>
+            </a:r>
+          </a:p>
+          <a:p>
+            <a:pPr algn="l">
+              <a:lnSpc>
+                <a:spcPct val="100000"/>
+              </a:lnSpc>
+            </a:pPr>
+            <a:r>
+              <a:rPr lang="en-US" sz="1800" dirty="0">
+                <a:solidFill>
+                  <a:srgbClr val="0070C0"/>
+                </a:solidFill>
+                <a:latin typeface="Khmer OS Battambang" panose="02000500000000020004" pitchFamily="2" charset="77"/>
+                <a:cs typeface="Khmer OS Battambang" panose="02000500000000020004" pitchFamily="2" charset="77"/>
+              </a:rPr>
+              <a:t>          // Code </a:t>
+            </a:r>
+            <a:r>
+              <a:rPr lang="en-US" sz="1800" dirty="0" err="1">
+                <a:solidFill>
+                  <a:srgbClr val="0070C0"/>
+                </a:solidFill>
+                <a:latin typeface="Khmer OS Battambang" panose="02000500000000020004" pitchFamily="2" charset="77"/>
+                <a:cs typeface="Khmer OS Battambang" panose="02000500000000020004" pitchFamily="2" charset="77"/>
+              </a:rPr>
+              <a:t>ដើម្បីប្រតិបត្តិ</a:t>
+            </a:r>
+            <a:r>
+              <a:rPr lang="en-US" sz="1800" dirty="0">
+                <a:solidFill>
+                  <a:srgbClr val="0070C0"/>
+                </a:solidFill>
+                <a:latin typeface="Khmer OS Battambang" panose="02000500000000020004" pitchFamily="2" charset="77"/>
+                <a:cs typeface="Khmer OS Battambang" panose="02000500000000020004" pitchFamily="2" charset="77"/>
+              </a:rPr>
+              <a:t>(execute) </a:t>
+            </a:r>
+            <a:r>
+              <a:rPr lang="en-US" sz="1800" dirty="0" err="1">
+                <a:solidFill>
+                  <a:srgbClr val="0070C0"/>
+                </a:solidFill>
+                <a:latin typeface="Khmer OS Battambang" panose="02000500000000020004" pitchFamily="2" charset="77"/>
+                <a:cs typeface="Khmer OS Battambang" panose="02000500000000020004" pitchFamily="2" charset="77"/>
+              </a:rPr>
+              <a:t>ការធ្វើឡើងវិញនៅពេលលក្ខណដែលបានបញ្ចាក់ស្មើ</a:t>
+            </a:r>
+            <a:r>
+              <a:rPr lang="en-US" sz="1800" dirty="0">
+                <a:solidFill>
+                  <a:srgbClr val="0070C0"/>
+                </a:solidFill>
+                <a:latin typeface="Khmer OS Battambang" panose="02000500000000020004" pitchFamily="2" charset="77"/>
+                <a:cs typeface="Khmer OS Battambang" panose="02000500000000020004" pitchFamily="2" charset="77"/>
+              </a:rPr>
+              <a:t> </a:t>
+            </a:r>
+            <a:r>
+              <a:rPr lang="en-US" sz="1800" dirty="0">
+                <a:solidFill>
+                  <a:srgbClr val="FF0000"/>
+                </a:solidFill>
+                <a:latin typeface="Khmer OS Battambang" panose="02000500000000020004" pitchFamily="2" charset="77"/>
+                <a:cs typeface="Khmer OS Battambang" panose="02000500000000020004" pitchFamily="2" charset="77"/>
+              </a:rPr>
+              <a:t>true</a:t>
+            </a:r>
+            <a:endParaRPr lang="en-US" sz="1800" dirty="0">
+              <a:solidFill>
+                <a:srgbClr val="0070C0"/>
+              </a:solidFill>
+              <a:latin typeface="Khmer OS Battambang" panose="02000500000000020004" pitchFamily="2" charset="77"/>
+              <a:cs typeface="Khmer OS Battambang" panose="02000500000000020004" pitchFamily="2" charset="77"/>
+            </a:endParaRPr>
+          </a:p>
+          <a:p>
+            <a:pPr algn="l">
+              <a:lnSpc>
+                <a:spcPct val="100000"/>
+              </a:lnSpc>
+            </a:pPr>
+            <a:r>
+              <a:rPr lang="en-US" sz="1800" dirty="0">
+                <a:solidFill>
+                  <a:srgbClr val="0070C0"/>
+                </a:solidFill>
+                <a:latin typeface="Khmer OS Battambang" panose="02000500000000020004" pitchFamily="2" charset="77"/>
+                <a:cs typeface="Khmer OS Battambang" panose="02000500000000020004" pitchFamily="2" charset="77"/>
+              </a:rPr>
+              <a:t>     }</a:t>
+            </a:r>
+            <a:r>
+              <a:rPr lang="en-US" sz="1800" dirty="0">
+                <a:solidFill>
+                  <a:srgbClr val="002060"/>
+                </a:solidFill>
+                <a:latin typeface="Khmer OS Battambang" panose="02000500000000020004" pitchFamily="2" charset="77"/>
+                <a:cs typeface="Khmer OS Battambang" panose="02000500000000020004" pitchFamily="2" charset="77"/>
+              </a:rPr>
+              <a:t> </a:t>
+            </a:r>
+            <a:r>
+              <a:rPr lang="en-US" sz="1800" dirty="0">
+                <a:solidFill>
+                  <a:srgbClr val="0070C0"/>
+                </a:solidFill>
+                <a:latin typeface="Khmer OS Battambang" panose="02000500000000020004" pitchFamily="2" charset="77"/>
+                <a:cs typeface="Khmer OS Battambang" panose="02000500000000020004" pitchFamily="2" charset="77"/>
+              </a:rPr>
+              <a:t>while (</a:t>
+            </a:r>
+            <a:r>
+              <a:rPr lang="en-US" sz="1800" dirty="0" err="1">
+                <a:solidFill>
+                  <a:srgbClr val="FF0000"/>
+                </a:solidFill>
+                <a:latin typeface="Khmer OS Battambang" panose="02000500000000020004" pitchFamily="2" charset="77"/>
+                <a:cs typeface="Khmer OS Battambang" panose="02000500000000020004" pitchFamily="2" charset="77"/>
+              </a:rPr>
+              <a:t>លក្ខណ</a:t>
+            </a:r>
+            <a:r>
+              <a:rPr lang="en-US" sz="1800" dirty="0">
+                <a:solidFill>
+                  <a:srgbClr val="0070C0"/>
+                </a:solidFill>
+                <a:latin typeface="Khmer OS Battambang" panose="02000500000000020004" pitchFamily="2" charset="77"/>
+                <a:cs typeface="Khmer OS Battambang" panose="02000500000000020004" pitchFamily="2" charset="77"/>
+              </a:rPr>
+              <a:t>);</a:t>
+            </a:r>
+          </a:p>
+          <a:p>
+            <a:pPr algn="l">
+              <a:lnSpc>
+                <a:spcPct val="100000"/>
+              </a:lnSpc>
+            </a:pPr>
+            <a:r>
+              <a:rPr lang="en-US" sz="2000" dirty="0">
+                <a:solidFill>
+                  <a:srgbClr val="002060"/>
+                </a:solidFill>
+                <a:latin typeface="Khmer OS Battambang" panose="02000500000000020004" pitchFamily="2" charset="77"/>
+                <a:cs typeface="Khmer OS Battambang" panose="02000500000000020004" pitchFamily="2" charset="77"/>
+              </a:rPr>
+              <a:t>     </a:t>
+            </a:r>
+            <a:r>
+              <a:rPr lang="en-US" sz="2000" dirty="0" err="1">
+                <a:solidFill>
+                  <a:srgbClr val="002060"/>
+                </a:solidFill>
+                <a:latin typeface="Khmer OS Battambang" panose="02000500000000020004" pitchFamily="2" charset="77"/>
+                <a:cs typeface="Khmer OS Battambang" panose="02000500000000020004" pitchFamily="2" charset="77"/>
+              </a:rPr>
+              <a:t>ឧទាហរណ</a:t>
+            </a:r>
+            <a:r>
+              <a:rPr lang="en-US" sz="2000" dirty="0">
+                <a:solidFill>
+                  <a:srgbClr val="002060"/>
+                </a:solidFill>
+                <a:latin typeface="Khmer OS Battambang" panose="02000500000000020004" pitchFamily="2" charset="77"/>
+                <a:cs typeface="Khmer OS Battambang" panose="02000500000000020004" pitchFamily="2" charset="77"/>
+              </a:rPr>
+              <a:t>៍៖</a:t>
+            </a:r>
+          </a:p>
+          <a:p>
+            <a:pPr algn="l">
+              <a:lnSpc>
+                <a:spcPct val="100000"/>
+              </a:lnSpc>
+              <a:spcBef>
+                <a:spcPts val="400"/>
+              </a:spcBef>
+            </a:pPr>
+            <a:r>
+              <a:rPr lang="en-US" sz="2000" dirty="0">
+                <a:solidFill>
+                  <a:srgbClr val="002060"/>
+                </a:solidFill>
+                <a:latin typeface="Khmer OS Battambang" panose="02000500000000020004" pitchFamily="2" charset="77"/>
+                <a:cs typeface="Khmer OS Battambang" panose="02000500000000020004" pitchFamily="2" charset="77"/>
+              </a:rPr>
+              <a:t>	</a:t>
+            </a:r>
+            <a:r>
+              <a:rPr lang="en-US" sz="1800" dirty="0">
+                <a:solidFill>
+                  <a:srgbClr val="FF0000"/>
+                </a:solidFill>
+                <a:latin typeface="Khmer OS Battambang" panose="02000500000000020004" pitchFamily="2" charset="77"/>
+                <a:cs typeface="Khmer OS Battambang" panose="02000500000000020004" pitchFamily="2" charset="77"/>
+              </a:rPr>
+              <a:t>int </a:t>
+            </a:r>
+            <a:r>
+              <a:rPr lang="en-US" sz="1800" dirty="0">
+                <a:solidFill>
+                  <a:srgbClr val="0070C0"/>
+                </a:solidFill>
+                <a:latin typeface="Khmer OS Battambang" panose="02000500000000020004" pitchFamily="2" charset="77"/>
+                <a:cs typeface="Khmer OS Battambang" panose="02000500000000020004" pitchFamily="2" charset="77"/>
+              </a:rPr>
+              <a:t>num</a:t>
+            </a:r>
+            <a:r>
+              <a:rPr lang="en-US" sz="1800" dirty="0">
+                <a:solidFill>
+                  <a:srgbClr val="FF0000"/>
+                </a:solidFill>
+                <a:latin typeface="Khmer OS Battambang" panose="02000500000000020004" pitchFamily="2" charset="77"/>
+                <a:cs typeface="Khmer OS Battambang" panose="02000500000000020004" pitchFamily="2" charset="77"/>
+              </a:rPr>
+              <a:t> </a:t>
+            </a:r>
+            <a:r>
+              <a:rPr lang="en-US" sz="1800" dirty="0">
+                <a:solidFill>
+                  <a:srgbClr val="0070C0"/>
+                </a:solidFill>
+                <a:latin typeface="Khmer OS Battambang" panose="02000500000000020004" pitchFamily="2" charset="77"/>
+                <a:cs typeface="Khmer OS Battambang" panose="02000500000000020004" pitchFamily="2" charset="77"/>
+              </a:rPr>
+              <a:t>=</a:t>
+            </a:r>
+            <a:r>
+              <a:rPr lang="en-US" sz="1800" dirty="0">
+                <a:solidFill>
+                  <a:srgbClr val="FF0000"/>
+                </a:solidFill>
+                <a:latin typeface="Khmer OS Battambang" panose="02000500000000020004" pitchFamily="2" charset="77"/>
+                <a:cs typeface="Khmer OS Battambang" panose="02000500000000020004" pitchFamily="2" charset="77"/>
+              </a:rPr>
+              <a:t> 0</a:t>
+            </a:r>
+            <a:r>
+              <a:rPr lang="en-US" sz="1800" dirty="0">
+                <a:solidFill>
+                  <a:srgbClr val="0070C0"/>
+                </a:solidFill>
+                <a:latin typeface="Khmer OS Battambang" panose="02000500000000020004" pitchFamily="2" charset="77"/>
+                <a:cs typeface="Khmer OS Battambang" panose="02000500000000020004" pitchFamily="2" charset="77"/>
+              </a:rPr>
+              <a:t>;</a:t>
+            </a:r>
+          </a:p>
+          <a:p>
+            <a:pPr algn="l">
+              <a:lnSpc>
+                <a:spcPct val="100000"/>
+              </a:lnSpc>
+              <a:spcBef>
+                <a:spcPts val="400"/>
+              </a:spcBef>
+            </a:pPr>
+            <a:r>
+              <a:rPr lang="en-US" sz="1800" dirty="0">
+                <a:solidFill>
+                  <a:srgbClr val="0070C0"/>
+                </a:solidFill>
+                <a:latin typeface="Khmer OS Battambang" panose="02000500000000020004" pitchFamily="2" charset="77"/>
+                <a:cs typeface="Khmer OS Battambang" panose="02000500000000020004" pitchFamily="2" charset="77"/>
+              </a:rPr>
+              <a:t>	do {</a:t>
+            </a:r>
+          </a:p>
+          <a:p>
+            <a:pPr algn="l">
+              <a:lnSpc>
+                <a:spcPct val="100000"/>
+              </a:lnSpc>
+              <a:spcBef>
+                <a:spcPts val="400"/>
+              </a:spcBef>
+            </a:pPr>
+            <a:r>
+              <a:rPr lang="en-US" sz="1800" dirty="0">
+                <a:solidFill>
+                  <a:srgbClr val="0070C0"/>
+                </a:solidFill>
+                <a:latin typeface="Khmer OS Battambang" panose="02000500000000020004" pitchFamily="2" charset="77"/>
+                <a:cs typeface="Khmer OS Battambang" panose="02000500000000020004" pitchFamily="2" charset="77"/>
+              </a:rPr>
+              <a:t>	    </a:t>
+            </a:r>
+            <a:r>
+              <a:rPr lang="en-US" sz="1800" dirty="0" err="1">
+                <a:solidFill>
+                  <a:srgbClr val="0070C0"/>
+                </a:solidFill>
+                <a:latin typeface="Khmer OS Battambang" panose="02000500000000020004" pitchFamily="2" charset="77"/>
+                <a:cs typeface="Khmer OS Battambang" panose="02000500000000020004" pitchFamily="2" charset="77"/>
+              </a:rPr>
+              <a:t>System.out.println</a:t>
+            </a:r>
+            <a:r>
+              <a:rPr lang="en-US" sz="1800" dirty="0">
+                <a:solidFill>
+                  <a:srgbClr val="0070C0"/>
+                </a:solidFill>
+                <a:latin typeface="Khmer OS Battambang" panose="02000500000000020004" pitchFamily="2" charset="77"/>
+                <a:cs typeface="Khmer OS Battambang" panose="02000500000000020004" pitchFamily="2" charset="77"/>
+              </a:rPr>
+              <a:t>( num );</a:t>
+            </a:r>
+          </a:p>
+          <a:p>
+            <a:pPr algn="l">
+              <a:lnSpc>
+                <a:spcPct val="100000"/>
+              </a:lnSpc>
+              <a:spcBef>
+                <a:spcPts val="400"/>
+              </a:spcBef>
+            </a:pPr>
+            <a:r>
+              <a:rPr lang="en-US" sz="1800" dirty="0">
+                <a:solidFill>
+                  <a:srgbClr val="0070C0"/>
+                </a:solidFill>
+                <a:latin typeface="Khmer OS Battambang" panose="02000500000000020004" pitchFamily="2" charset="77"/>
+                <a:cs typeface="Khmer OS Battambang" panose="02000500000000020004" pitchFamily="2" charset="77"/>
+              </a:rPr>
+              <a:t>	    num++;</a:t>
+            </a:r>
+          </a:p>
+          <a:p>
+            <a:pPr algn="l">
+              <a:lnSpc>
+                <a:spcPct val="100000"/>
+              </a:lnSpc>
+              <a:spcBef>
+                <a:spcPts val="400"/>
+              </a:spcBef>
+            </a:pPr>
+            <a:r>
+              <a:rPr lang="en-US" sz="1800" dirty="0">
+                <a:solidFill>
+                  <a:srgbClr val="0070C0"/>
+                </a:solidFill>
+                <a:latin typeface="Khmer OS Battambang" panose="02000500000000020004" pitchFamily="2" charset="77"/>
+                <a:cs typeface="Khmer OS Battambang" panose="02000500000000020004" pitchFamily="2" charset="77"/>
+              </a:rPr>
+              <a:t>	} while( </a:t>
+            </a:r>
+            <a:r>
+              <a:rPr lang="en-US" sz="1800" dirty="0">
+                <a:solidFill>
+                  <a:srgbClr val="FF0000"/>
+                </a:solidFill>
+                <a:latin typeface="Khmer OS Battambang" panose="02000500000000020004" pitchFamily="2" charset="77"/>
+                <a:cs typeface="Khmer OS Battambang" panose="02000500000000020004" pitchFamily="2" charset="77"/>
+              </a:rPr>
+              <a:t>num &lt;= 4 </a:t>
+            </a:r>
+            <a:r>
+              <a:rPr lang="en-US" sz="1800" dirty="0">
+                <a:solidFill>
+                  <a:srgbClr val="0070C0"/>
+                </a:solidFill>
+                <a:latin typeface="Khmer OS Battambang" panose="02000500000000020004" pitchFamily="2" charset="77"/>
+                <a:cs typeface="Khmer OS Battambang" panose="02000500000000020004" pitchFamily="2" charset="77"/>
+              </a:rPr>
+              <a:t>);</a:t>
+            </a:r>
+          </a:p>
+        </p:txBody>
+      </p:sp>
+    </p:spTree>
+    <p:extLst>
+      <p:ext uri="{BB962C8B-B14F-4D97-AF65-F5344CB8AC3E}">
+        <p14:creationId xmlns:p14="http://schemas.microsoft.com/office/powerpoint/2010/main" val="1728295525"/>
+      </p:ext>
+    </p:extLst>
+  </p:cSld>
+  <p:clrMapOvr>
+    <a:masterClrMapping/>
+  </p:clrMapOvr>
 </p:sld>
 </file>
 

--- a/Java For Beginer Lession.pptx
+++ b/Java For Beginer Lession.pptx
@@ -5,7 +5,7 @@
     <p:sldMasterId id="2147483648" r:id="rId1"/>
   </p:sldMasterIdLst>
   <p:notesMasterIdLst>
-    <p:notesMasterId r:id="rId34"/>
+    <p:notesMasterId r:id="rId36"/>
   </p:notesMasterIdLst>
   <p:sldIdLst>
     <p:sldId id="257" r:id="rId2"/>
@@ -40,6 +40,8 @@
     <p:sldId id="286" r:id="rId31"/>
     <p:sldId id="287" r:id="rId32"/>
     <p:sldId id="288" r:id="rId33"/>
+    <p:sldId id="289" r:id="rId34"/>
+    <p:sldId id="290" r:id="rId35"/>
   </p:sldIdLst>
   <p:sldSz cx="12192000" cy="6858000"/>
   <p:notesSz cx="6858000" cy="9144000"/>
@@ -228,7 +230,7 @@
           <a:p>
             <a:fld id="{A4B2FDEF-09AE-D841-82B5-B8C57D3BE67B}" type="datetimeFigureOut">
               <a:rPr lang="en-KH" smtClean="0"/>
-              <a:t>13/1/26</a:t>
+              <a:t>14/1/26</a:t>
             </a:fld>
             <a:endParaRPr lang="en-KH"/>
           </a:p>
@@ -729,7 +731,7 @@
           <a:p>
             <a:fld id="{8F7A51AF-933C-9446-AB7C-4A14F59AF2F3}" type="datetimeFigureOut">
               <a:rPr lang="en-KH" smtClean="0"/>
-              <a:t>13/1/26</a:t>
+              <a:t>14/1/26</a:t>
             </a:fld>
             <a:endParaRPr lang="en-KH"/>
           </a:p>
@@ -929,7 +931,7 @@
           <a:p>
             <a:fld id="{8F7A51AF-933C-9446-AB7C-4A14F59AF2F3}" type="datetimeFigureOut">
               <a:rPr lang="en-KH" smtClean="0"/>
-              <a:t>13/1/26</a:t>
+              <a:t>14/1/26</a:t>
             </a:fld>
             <a:endParaRPr lang="en-KH"/>
           </a:p>
@@ -1139,7 +1141,7 @@
           <a:p>
             <a:fld id="{8F7A51AF-933C-9446-AB7C-4A14F59AF2F3}" type="datetimeFigureOut">
               <a:rPr lang="en-KH" smtClean="0"/>
-              <a:t>13/1/26</a:t>
+              <a:t>14/1/26</a:t>
             </a:fld>
             <a:endParaRPr lang="en-KH"/>
           </a:p>
@@ -1339,7 +1341,7 @@
           <a:p>
             <a:fld id="{8F7A51AF-933C-9446-AB7C-4A14F59AF2F3}" type="datetimeFigureOut">
               <a:rPr lang="en-KH" smtClean="0"/>
-              <a:t>13/1/26</a:t>
+              <a:t>14/1/26</a:t>
             </a:fld>
             <a:endParaRPr lang="en-KH"/>
           </a:p>
@@ -1615,7 +1617,7 @@
           <a:p>
             <a:fld id="{8F7A51AF-933C-9446-AB7C-4A14F59AF2F3}" type="datetimeFigureOut">
               <a:rPr lang="en-KH" smtClean="0"/>
-              <a:t>13/1/26</a:t>
+              <a:t>14/1/26</a:t>
             </a:fld>
             <a:endParaRPr lang="en-KH"/>
           </a:p>
@@ -1883,7 +1885,7 @@
           <a:p>
             <a:fld id="{8F7A51AF-933C-9446-AB7C-4A14F59AF2F3}" type="datetimeFigureOut">
               <a:rPr lang="en-KH" smtClean="0"/>
-              <a:t>13/1/26</a:t>
+              <a:t>14/1/26</a:t>
             </a:fld>
             <a:endParaRPr lang="en-KH"/>
           </a:p>
@@ -2298,7 +2300,7 @@
           <a:p>
             <a:fld id="{8F7A51AF-933C-9446-AB7C-4A14F59AF2F3}" type="datetimeFigureOut">
               <a:rPr lang="en-KH" smtClean="0"/>
-              <a:t>13/1/26</a:t>
+              <a:t>14/1/26</a:t>
             </a:fld>
             <a:endParaRPr lang="en-KH"/>
           </a:p>
@@ -2440,7 +2442,7 @@
           <a:p>
             <a:fld id="{8F7A51AF-933C-9446-AB7C-4A14F59AF2F3}" type="datetimeFigureOut">
               <a:rPr lang="en-KH" smtClean="0"/>
-              <a:t>13/1/26</a:t>
+              <a:t>14/1/26</a:t>
             </a:fld>
             <a:endParaRPr lang="en-KH"/>
           </a:p>
@@ -2553,7 +2555,7 @@
           <a:p>
             <a:fld id="{8F7A51AF-933C-9446-AB7C-4A14F59AF2F3}" type="datetimeFigureOut">
               <a:rPr lang="en-KH" smtClean="0"/>
-              <a:t>13/1/26</a:t>
+              <a:t>14/1/26</a:t>
             </a:fld>
             <a:endParaRPr lang="en-KH"/>
           </a:p>
@@ -2866,7 +2868,7 @@
           <a:p>
             <a:fld id="{8F7A51AF-933C-9446-AB7C-4A14F59AF2F3}" type="datetimeFigureOut">
               <a:rPr lang="en-KH" smtClean="0"/>
-              <a:t>13/1/26</a:t>
+              <a:t>14/1/26</a:t>
             </a:fld>
             <a:endParaRPr lang="en-KH"/>
           </a:p>
@@ -3155,7 +3157,7 @@
           <a:p>
             <a:fld id="{8F7A51AF-933C-9446-AB7C-4A14F59AF2F3}" type="datetimeFigureOut">
               <a:rPr lang="en-KH" smtClean="0"/>
-              <a:t>13/1/26</a:t>
+              <a:t>14/1/26</a:t>
             </a:fld>
             <a:endParaRPr lang="en-KH"/>
           </a:p>
@@ -3398,7 +3400,7 @@
           <a:p>
             <a:fld id="{8F7A51AF-933C-9446-AB7C-4A14F59AF2F3}" type="datetimeFigureOut">
               <a:rPr lang="en-KH" smtClean="0"/>
-              <a:t>13/1/26</a:t>
+              <a:t>14/1/26</a:t>
             </a:fld>
             <a:endParaRPr lang="en-KH"/>
           </a:p>
@@ -11724,7 +11726,7 @@
                 <a:latin typeface="Khmer OS Battambang" panose="02000500000000020004" pitchFamily="2" charset="77"/>
                 <a:cs typeface="Khmer OS Battambang" panose="02000500000000020004" pitchFamily="2" charset="77"/>
               </a:rPr>
-              <a:t>គឺជាសញ្ញាពិសេសដែលប្រាប់ compiler  ដើម្បីអនុវត្តនូវភាពជាក់លាក់ក្នុងការគណនាគណិតវិទ្យា ទំនាក់ទំនង ឫប្រតិបត្តិការតក្កវិទ្យា ចំពោះតម្លៃ ឫ Variable។ </a:t>
+              <a:t>គឺជាសញ្ញាពិសេសដែលប្រាប់ compiler  ដើម្បីអនុវត្តនូវភាពជាក់លាក់ក្នុងការគណនាគណិតវិទ្យា ការប្រៀបធៀប ឫប្រតិបត្តិការតក្កវិទ្យា ចំពោះតម្លៃ ឫ Variable។ </a:t>
             </a:r>
           </a:p>
           <a:p>
@@ -18900,7 +18902,7 @@
         </p:spPr>
         <p:txBody>
           <a:bodyPr>
-            <a:normAutofit/>
+            <a:normAutofit fontScale="85000" lnSpcReduction="10000"/>
           </a:bodyPr>
           <a:lstStyle/>
           <a:p>
@@ -19134,7 +19136,7 @@
                 <a:latin typeface="Khmer OS Content" panose="02000500000000020004" pitchFamily="2" charset="77"/>
                 <a:cs typeface="Khmer OS Content" panose="02000500000000020004" pitchFamily="2" charset="77"/>
               </a:rPr>
-              <a:t>ប្រយោគលោត</a:t>
+              <a:t>ប្រយោគផ្លោះ</a:t>
             </a:r>
             <a:r>
               <a:rPr lang="en-US" dirty="0">
@@ -19144,7 +19146,7 @@
                 <a:latin typeface="Khmer OS Content" panose="02000500000000020004" pitchFamily="2" charset="77"/>
                 <a:cs typeface="Khmer OS Content" panose="02000500000000020004" pitchFamily="2" charset="77"/>
               </a:rPr>
-              <a:t>(Jums Statements)</a:t>
+              <a:t>(Jump Statements)</a:t>
             </a:r>
           </a:p>
           <a:p>
@@ -19161,18 +19163,32 @@
                 <a:latin typeface="Khmer OS Content" panose="02000500000000020004" pitchFamily="2" charset="77"/>
                 <a:cs typeface="Khmer OS Content" panose="02000500000000020004" pitchFamily="2" charset="77"/>
               </a:rPr>
-              <a:t>	- </a:t>
-            </a:r>
-            <a:r>
-              <a:rPr lang="en-US" dirty="0" err="1">
+              <a:t>	- Exception Handling</a:t>
+            </a:r>
+          </a:p>
+          <a:p>
+            <a:pPr algn="l">
+              <a:lnSpc>
+                <a:spcPct val="170000"/>
+              </a:lnSpc>
+            </a:pPr>
+            <a:r>
+              <a:rPr lang="en-US" dirty="0">
                 <a:solidFill>
                   <a:srgbClr val="0070C0"/>
                 </a:solidFill>
                 <a:latin typeface="Khmer OS Content" panose="02000500000000020004" pitchFamily="2" charset="77"/>
                 <a:cs typeface="Khmer OS Content" panose="02000500000000020004" pitchFamily="2" charset="77"/>
               </a:rPr>
-              <a:t>ការដោះស្រាយករណីលើកលែង</a:t>
-            </a:r>
+              <a:t>	- Static</a:t>
+            </a:r>
+          </a:p>
+          <a:p>
+            <a:pPr algn="l">
+              <a:lnSpc>
+                <a:spcPct val="170000"/>
+              </a:lnSpc>
+            </a:pPr>
             <a:r>
               <a:rPr lang="en-US" dirty="0">
                 <a:solidFill>
@@ -19181,7 +19197,7 @@
                 <a:latin typeface="Khmer OS Content" panose="02000500000000020004" pitchFamily="2" charset="77"/>
                 <a:cs typeface="Khmer OS Content" panose="02000500000000020004" pitchFamily="2" charset="77"/>
               </a:rPr>
-              <a:t>(Exception Handling)</a:t>
+              <a:t>	- Instance</a:t>
             </a:r>
             <a:endParaRPr lang="km-KH" dirty="0">
               <a:solidFill>
@@ -27499,6 +27515,1974 @@
     <p:extLst>
       <p:ext uri="{BB962C8B-B14F-4D97-AF65-F5344CB8AC3E}">
         <p14:creationId xmlns:p14="http://schemas.microsoft.com/office/powerpoint/2010/main" val="1728295525"/>
+      </p:ext>
+    </p:extLst>
+  </p:cSld>
+  <p:clrMapOvr>
+    <a:masterClrMapping/>
+  </p:clrMapOvr>
+</p:sld>
+</file>
+
+<file path=ppt/slides/slide33.xml><?xml version="1.0" encoding="utf-8"?>
+<p:sld xmlns:a="http://schemas.openxmlformats.org/drawingml/2006/main" xmlns:r="http://schemas.openxmlformats.org/officeDocument/2006/relationships" xmlns:p="http://schemas.openxmlformats.org/presentationml/2006/main">
+  <p:cSld>
+    <p:bg>
+      <p:bgPr>
+        <a:solidFill>
+          <a:schemeClr val="bg1"/>
+        </a:solidFill>
+        <a:effectLst/>
+      </p:bgPr>
+    </p:bg>
+    <p:spTree>
+      <p:nvGrpSpPr>
+        <p:cNvPr id="1" name="">
+          <a:extLst>
+            <a:ext uri="{FF2B5EF4-FFF2-40B4-BE49-F238E27FC236}">
+              <a16:creationId xmlns:a16="http://schemas.microsoft.com/office/drawing/2014/main" id="{E96BEE96-D498-F934-3B06-2A6AC86C85A2}"/>
+            </a:ext>
+          </a:extLst>
+        </p:cNvPr>
+        <p:cNvGrpSpPr/>
+        <p:nvPr/>
+      </p:nvGrpSpPr>
+      <p:grpSpPr>
+        <a:xfrm>
+          <a:off x="0" y="0"/>
+          <a:ext cx="0" cy="0"/>
+          <a:chOff x="0" y="0"/>
+          <a:chExt cx="0" cy="0"/>
+        </a:xfrm>
+      </p:grpSpPr>
+      <p:sp>
+        <p:nvSpPr>
+          <p:cNvPr id="2" name="Title 1">
+            <a:extLst>
+              <a:ext uri="{FF2B5EF4-FFF2-40B4-BE49-F238E27FC236}">
+                <a16:creationId xmlns:a16="http://schemas.microsoft.com/office/drawing/2014/main" id="{452A55AF-C5FD-4E3E-A0D0-4DAB2A767B34}"/>
+              </a:ext>
+            </a:extLst>
+          </p:cNvPr>
+          <p:cNvSpPr>
+            <a:spLocks noGrp="1"/>
+          </p:cNvSpPr>
+          <p:nvPr>
+            <p:ph type="ctrTitle"/>
+          </p:nvPr>
+        </p:nvSpPr>
+        <p:spPr>
+          <a:xfrm>
+            <a:off x="1701800" y="119781"/>
+            <a:ext cx="9144000" cy="789373"/>
+          </a:xfrm>
+        </p:spPr>
+        <p:txBody>
+          <a:bodyPr>
+            <a:normAutofit/>
+          </a:bodyPr>
+          <a:lstStyle/>
+          <a:p>
+            <a:pPr algn="l"/>
+            <a:r>
+              <a:rPr lang="en-US" sz="3600" dirty="0" err="1">
+                <a:solidFill>
+                  <a:srgbClr val="002060"/>
+                </a:solidFill>
+                <a:latin typeface="Khmer OS Battambang" panose="02000500000000020004" pitchFamily="2" charset="77"/>
+                <a:cs typeface="Khmer OS Battambang" panose="02000500000000020004" pitchFamily="2" charset="77"/>
+              </a:rPr>
+              <a:t>ប្រយោគផ្លោះ</a:t>
+            </a:r>
+            <a:r>
+              <a:rPr lang="en-US" sz="3600" dirty="0">
+                <a:solidFill>
+                  <a:srgbClr val="002060"/>
+                </a:solidFill>
+                <a:latin typeface="Khmer OS Battambang" panose="02000500000000020004" pitchFamily="2" charset="77"/>
+                <a:cs typeface="Khmer OS Battambang" panose="02000500000000020004" pitchFamily="2" charset="77"/>
+              </a:rPr>
+              <a:t>(Jump Statement)</a:t>
+            </a:r>
+            <a:endParaRPr lang="en-KH" sz="3600" dirty="0">
+              <a:solidFill>
+                <a:srgbClr val="002060"/>
+              </a:solidFill>
+              <a:latin typeface="Khmer OS Battambang" panose="02000500000000020004" pitchFamily="2" charset="77"/>
+              <a:cs typeface="Khmer OS Battambang" panose="02000500000000020004" pitchFamily="2" charset="77"/>
+            </a:endParaRPr>
+          </a:p>
+        </p:txBody>
+      </p:sp>
+      <p:cxnSp>
+        <p:nvCxnSpPr>
+          <p:cNvPr id="8" name="Straight Connector 7">
+            <a:extLst>
+              <a:ext uri="{FF2B5EF4-FFF2-40B4-BE49-F238E27FC236}">
+                <a16:creationId xmlns:a16="http://schemas.microsoft.com/office/drawing/2014/main" id="{2C5CE460-F78D-AF09-F0F5-8466D2B25C32}"/>
+              </a:ext>
+            </a:extLst>
+          </p:cNvPr>
+          <p:cNvCxnSpPr/>
+          <p:nvPr/>
+        </p:nvCxnSpPr>
+        <p:spPr>
+          <a:xfrm>
+            <a:off x="0" y="1050468"/>
+            <a:ext cx="12192000" cy="0"/>
+          </a:xfrm>
+          <a:prstGeom prst="line">
+            <a:avLst/>
+          </a:prstGeom>
+          <a:ln w="57150">
+            <a:solidFill>
+              <a:srgbClr val="D49B06"/>
+            </a:solidFill>
+          </a:ln>
+        </p:spPr>
+        <p:style>
+          <a:lnRef idx="2">
+            <a:schemeClr val="accent1"/>
+          </a:lnRef>
+          <a:fillRef idx="0">
+            <a:schemeClr val="accent1"/>
+          </a:fillRef>
+          <a:effectRef idx="1">
+            <a:schemeClr val="accent1"/>
+          </a:effectRef>
+          <a:fontRef idx="minor">
+            <a:schemeClr val="tx1"/>
+          </a:fontRef>
+        </p:style>
+      </p:cxnSp>
+      <p:cxnSp>
+        <p:nvCxnSpPr>
+          <p:cNvPr id="10" name="Straight Connector 9">
+            <a:extLst>
+              <a:ext uri="{FF2B5EF4-FFF2-40B4-BE49-F238E27FC236}">
+                <a16:creationId xmlns:a16="http://schemas.microsoft.com/office/drawing/2014/main" id="{3BAC5608-E4A9-92E1-0FAC-36CF7087C30C}"/>
+              </a:ext>
+            </a:extLst>
+          </p:cNvPr>
+          <p:cNvCxnSpPr>
+            <a:cxnSpLocks/>
+          </p:cNvCxnSpPr>
+          <p:nvPr/>
+        </p:nvCxnSpPr>
+        <p:spPr>
+          <a:xfrm>
+            <a:off x="0" y="979812"/>
+            <a:ext cx="12192000" cy="0"/>
+          </a:xfrm>
+          <a:prstGeom prst="line">
+            <a:avLst/>
+          </a:prstGeom>
+          <a:ln w="57150">
+            <a:solidFill>
+              <a:srgbClr val="1C27CF"/>
+            </a:solidFill>
+          </a:ln>
+        </p:spPr>
+        <p:style>
+          <a:lnRef idx="2">
+            <a:schemeClr val="accent1"/>
+          </a:lnRef>
+          <a:fillRef idx="0">
+            <a:schemeClr val="accent1"/>
+          </a:fillRef>
+          <a:effectRef idx="1">
+            <a:schemeClr val="accent1"/>
+          </a:effectRef>
+          <a:fontRef idx="minor">
+            <a:schemeClr val="tx1"/>
+          </a:fontRef>
+        </p:style>
+      </p:cxnSp>
+      <p:pic>
+        <p:nvPicPr>
+          <p:cNvPr id="47" name="Picture 46" descr="A blue circle with a yellow and white bird in it&#10;&#10;AI-generated content may be incorrect.">
+            <a:extLst>
+              <a:ext uri="{FF2B5EF4-FFF2-40B4-BE49-F238E27FC236}">
+                <a16:creationId xmlns:a16="http://schemas.microsoft.com/office/drawing/2014/main" id="{07FD4DB3-93A9-D9AC-EB57-19D6796E8A99}"/>
+              </a:ext>
+            </a:extLst>
+          </p:cNvPr>
+          <p:cNvPicPr>
+            <a:picLocks noChangeAspect="1"/>
+          </p:cNvPicPr>
+          <p:nvPr/>
+        </p:nvPicPr>
+        <p:blipFill>
+          <a:blip r:embed="rId2"/>
+          <a:stretch>
+            <a:fillRect/>
+          </a:stretch>
+        </p:blipFill>
+        <p:spPr>
+          <a:xfrm>
+            <a:off x="325438" y="219712"/>
+            <a:ext cx="606500" cy="606500"/>
+          </a:xfrm>
+          <a:prstGeom prst="rect">
+            <a:avLst/>
+          </a:prstGeom>
+        </p:spPr>
+      </p:pic>
+      <p:sp>
+        <p:nvSpPr>
+          <p:cNvPr id="7" name="Subtitle 2">
+            <a:extLst>
+              <a:ext uri="{FF2B5EF4-FFF2-40B4-BE49-F238E27FC236}">
+                <a16:creationId xmlns:a16="http://schemas.microsoft.com/office/drawing/2014/main" id="{E0C34949-ED45-38A2-58F5-BB5A9AF79213}"/>
+              </a:ext>
+            </a:extLst>
+          </p:cNvPr>
+          <p:cNvSpPr>
+            <a:spLocks noGrp="1"/>
+          </p:cNvSpPr>
+          <p:nvPr>
+            <p:ph type="subTitle" idx="1"/>
+          </p:nvPr>
+        </p:nvSpPr>
+        <p:spPr>
+          <a:xfrm>
+            <a:off x="624192" y="1219212"/>
+            <a:ext cx="10954536" cy="5306275"/>
+          </a:xfrm>
+        </p:spPr>
+        <p:txBody>
+          <a:bodyPr>
+            <a:noAutofit/>
+          </a:bodyPr>
+          <a:lstStyle/>
+          <a:p>
+            <a:pPr algn="l">
+              <a:lnSpc>
+                <a:spcPct val="150000"/>
+              </a:lnSpc>
+              <a:spcBef>
+                <a:spcPts val="1500"/>
+              </a:spcBef>
+            </a:pPr>
+            <a:r>
+              <a:rPr lang="en-US" sz="1800" dirty="0">
+                <a:solidFill>
+                  <a:srgbClr val="002060"/>
+                </a:solidFill>
+                <a:latin typeface="Khmer OS Battambang" panose="02000500000000020004" pitchFamily="2" charset="77"/>
+                <a:cs typeface="Khmer OS Battambang" panose="02000500000000020004" pitchFamily="2" charset="77"/>
+              </a:rPr>
+              <a:t>​       </a:t>
+            </a:r>
+            <a:r>
+              <a:rPr lang="en-US" sz="2000" dirty="0" err="1">
+                <a:solidFill>
+                  <a:srgbClr val="002060"/>
+                </a:solidFill>
+                <a:latin typeface="Khmer OS Battambang" panose="02000500000000020004" pitchFamily="2" charset="77"/>
+                <a:cs typeface="Khmer OS Battambang" panose="02000500000000020004" pitchFamily="2" charset="77"/>
+              </a:rPr>
+              <a:t>ប្រយោគផ្លោះ</a:t>
+            </a:r>
+            <a:r>
+              <a:rPr lang="en-US" sz="2000" dirty="0">
+                <a:solidFill>
+                  <a:srgbClr val="002060"/>
+                </a:solidFill>
+                <a:latin typeface="Khmer OS Battambang" panose="02000500000000020004" pitchFamily="2" charset="77"/>
+                <a:cs typeface="Khmer OS Battambang" panose="02000500000000020004" pitchFamily="2" charset="77"/>
+              </a:rPr>
+              <a:t> (Jump Statement) : </a:t>
+            </a:r>
+            <a:r>
+              <a:rPr lang="en-US" sz="2000" dirty="0" err="1">
+                <a:solidFill>
+                  <a:srgbClr val="0070C0"/>
+                </a:solidFill>
+                <a:latin typeface="Khmer OS Battambang" panose="02000500000000020004" pitchFamily="2" charset="77"/>
+                <a:cs typeface="Khmer OS Battambang" panose="02000500000000020004" pitchFamily="2" charset="77"/>
+              </a:rPr>
+              <a:t>គឺជាប្រយោគ</a:t>
+            </a:r>
+            <a:r>
+              <a:rPr lang="en-US" sz="2000" dirty="0">
+                <a:solidFill>
+                  <a:srgbClr val="0070C0"/>
+                </a:solidFill>
+                <a:latin typeface="Khmer OS Battambang" panose="02000500000000020004" pitchFamily="2" charset="77"/>
+                <a:cs typeface="Khmer OS Battambang" panose="02000500000000020004" pitchFamily="2" charset="77"/>
+              </a:rPr>
+              <a:t> Control flow </a:t>
+            </a:r>
+            <a:r>
+              <a:rPr lang="en-US" sz="2000" dirty="0" err="1">
+                <a:solidFill>
+                  <a:srgbClr val="0070C0"/>
+                </a:solidFill>
+                <a:latin typeface="Khmer OS Battambang" panose="02000500000000020004" pitchFamily="2" charset="77"/>
+                <a:cs typeface="Khmer OS Battambang" panose="02000500000000020004" pitchFamily="2" charset="77"/>
+              </a:rPr>
+              <a:t>ដែលប្រើប្រាស់សម្រាប់កែប្រែលំហូរក្នុងការប្រតិបត្តិនៃប្លុក</a:t>
+            </a:r>
+            <a:r>
+              <a:rPr lang="en-US" sz="2000" dirty="0">
+                <a:solidFill>
+                  <a:srgbClr val="0070C0"/>
+                </a:solidFill>
+                <a:latin typeface="Khmer OS Battambang" panose="02000500000000020004" pitchFamily="2" charset="77"/>
+                <a:cs typeface="Khmer OS Battambang" panose="02000500000000020004" pitchFamily="2" charset="77"/>
+              </a:rPr>
+              <a:t> code </a:t>
+            </a:r>
+            <a:r>
+              <a:rPr lang="en-US" sz="2000" dirty="0" err="1">
+                <a:solidFill>
+                  <a:srgbClr val="0070C0"/>
+                </a:solidFill>
+                <a:latin typeface="Khmer OS Battambang" panose="02000500000000020004" pitchFamily="2" charset="77"/>
+                <a:cs typeface="Khmer OS Battambang" panose="02000500000000020004" pitchFamily="2" charset="77"/>
+              </a:rPr>
+              <a:t>ដោយធ្វើការផ្ទេរការគ្រប់គ្រងទៅកាន់ផ្នែកផ្សេងនៃកម្មវិធី</a:t>
+            </a:r>
+            <a:r>
+              <a:rPr lang="en-US" sz="2000" dirty="0">
+                <a:solidFill>
+                  <a:srgbClr val="0070C0"/>
+                </a:solidFill>
+                <a:latin typeface="Khmer OS Battambang" panose="02000500000000020004" pitchFamily="2" charset="77"/>
+                <a:cs typeface="Khmer OS Battambang" panose="02000500000000020004" pitchFamily="2" charset="77"/>
+              </a:rPr>
+              <a:t>។ </a:t>
+            </a:r>
+            <a:r>
+              <a:rPr lang="en-US" sz="2000" dirty="0" err="1">
+                <a:solidFill>
+                  <a:srgbClr val="0070C0"/>
+                </a:solidFill>
+                <a:latin typeface="Khmer OS Battambang" panose="02000500000000020004" pitchFamily="2" charset="77"/>
+                <a:cs typeface="Khmer OS Battambang" panose="02000500000000020004" pitchFamily="2" charset="77"/>
+              </a:rPr>
+              <a:t>វាអនុញ្ញាតប្រើប្រាស់សម្រាប់ចាកចេញពី</a:t>
+            </a:r>
+            <a:r>
+              <a:rPr lang="en-US" sz="2000" dirty="0">
+                <a:solidFill>
+                  <a:srgbClr val="0070C0"/>
+                </a:solidFill>
+                <a:latin typeface="Khmer OS Battambang" panose="02000500000000020004" pitchFamily="2" charset="77"/>
+                <a:cs typeface="Khmer OS Battambang" panose="02000500000000020004" pitchFamily="2" charset="77"/>
+              </a:rPr>
+              <a:t> loop/method </a:t>
+            </a:r>
+            <a:r>
+              <a:rPr lang="en-US" sz="2000" dirty="0" err="1">
+                <a:solidFill>
+                  <a:srgbClr val="0070C0"/>
+                </a:solidFill>
+                <a:latin typeface="Khmer OS Battambang" panose="02000500000000020004" pitchFamily="2" charset="77"/>
+                <a:cs typeface="Khmer OS Battambang" panose="02000500000000020004" pitchFamily="2" charset="77"/>
+              </a:rPr>
+              <a:t>ជាមុន</a:t>
+            </a:r>
+            <a:r>
+              <a:rPr lang="en-US" sz="2000" dirty="0">
+                <a:solidFill>
+                  <a:srgbClr val="0070C0"/>
+                </a:solidFill>
+                <a:latin typeface="Khmer OS Battambang" panose="02000500000000020004" pitchFamily="2" charset="77"/>
+                <a:cs typeface="Khmer OS Battambang" panose="02000500000000020004" pitchFamily="2" charset="77"/>
+              </a:rPr>
+              <a:t>, </a:t>
+            </a:r>
+            <a:r>
+              <a:rPr lang="en-US" sz="2000" dirty="0" err="1">
+                <a:solidFill>
+                  <a:srgbClr val="0070C0"/>
+                </a:solidFill>
+                <a:latin typeface="Khmer OS Battambang" panose="02000500000000020004" pitchFamily="2" charset="77"/>
+                <a:cs typeface="Khmer OS Battambang" panose="02000500000000020004" pitchFamily="2" charset="77"/>
+              </a:rPr>
+              <a:t>រំលងការធ្វើម្តងទៀតនៃ</a:t>
+            </a:r>
+            <a:r>
+              <a:rPr lang="en-US" sz="2000" dirty="0">
+                <a:solidFill>
+                  <a:srgbClr val="0070C0"/>
+                </a:solidFill>
+                <a:latin typeface="Khmer OS Battambang" panose="02000500000000020004" pitchFamily="2" charset="77"/>
+                <a:cs typeface="Khmer OS Battambang" panose="02000500000000020004" pitchFamily="2" charset="77"/>
+              </a:rPr>
+              <a:t> loop, </a:t>
+            </a:r>
+            <a:r>
+              <a:rPr lang="en-US" sz="2000" dirty="0" err="1">
+                <a:solidFill>
+                  <a:srgbClr val="0070C0"/>
+                </a:solidFill>
+                <a:latin typeface="Khmer OS Battambang" panose="02000500000000020004" pitchFamily="2" charset="77"/>
+                <a:cs typeface="Khmer OS Battambang" panose="02000500000000020004" pitchFamily="2" charset="77"/>
+              </a:rPr>
+              <a:t>ការផ្តល់តម្លៃត្រឡប់ទៅវិញ</a:t>
+            </a:r>
+            <a:r>
+              <a:rPr lang="en-US" sz="2000" dirty="0">
+                <a:solidFill>
+                  <a:srgbClr val="0070C0"/>
+                </a:solidFill>
+                <a:latin typeface="Khmer OS Battambang" panose="02000500000000020004" pitchFamily="2" charset="77"/>
+                <a:cs typeface="Khmer OS Battambang" panose="02000500000000020004" pitchFamily="2" charset="77"/>
+              </a:rPr>
+              <a:t> </a:t>
+            </a:r>
+            <a:r>
+              <a:rPr lang="en-US" sz="2000" dirty="0" err="1">
+                <a:solidFill>
+                  <a:srgbClr val="0070C0"/>
+                </a:solidFill>
+                <a:latin typeface="Khmer OS Battambang" panose="02000500000000020004" pitchFamily="2" charset="77"/>
+                <a:cs typeface="Khmer OS Battambang" panose="02000500000000020004" pitchFamily="2" charset="77"/>
+              </a:rPr>
+              <a:t>និងធ្វើឲ្យ</a:t>
+            </a:r>
+            <a:r>
+              <a:rPr lang="en-US" sz="2000" dirty="0">
+                <a:solidFill>
+                  <a:srgbClr val="0070C0"/>
+                </a:solidFill>
+                <a:latin typeface="Khmer OS Battambang" panose="02000500000000020004" pitchFamily="2" charset="77"/>
+                <a:cs typeface="Khmer OS Battambang" panose="02000500000000020004" pitchFamily="2" charset="77"/>
+              </a:rPr>
+              <a:t> code </a:t>
+            </a:r>
+            <a:r>
+              <a:rPr lang="en-US" sz="2000" dirty="0" err="1">
+                <a:solidFill>
+                  <a:srgbClr val="0070C0"/>
+                </a:solidFill>
+                <a:latin typeface="Khmer OS Battambang" panose="02000500000000020004" pitchFamily="2" charset="77"/>
+                <a:cs typeface="Khmer OS Battambang" panose="02000500000000020004" pitchFamily="2" charset="77"/>
+              </a:rPr>
+              <a:t>កាន់តែមានប្រសិទ្ធិភាព</a:t>
+            </a:r>
+            <a:r>
+              <a:rPr lang="en-US" sz="2000" dirty="0">
+                <a:solidFill>
+                  <a:srgbClr val="0070C0"/>
+                </a:solidFill>
+                <a:latin typeface="Khmer OS Battambang" panose="02000500000000020004" pitchFamily="2" charset="77"/>
+                <a:cs typeface="Khmer OS Battambang" panose="02000500000000020004" pitchFamily="2" charset="77"/>
+              </a:rPr>
+              <a:t>។ </a:t>
+            </a:r>
+            <a:r>
+              <a:rPr lang="en-US" sz="2000" dirty="0" err="1">
+                <a:solidFill>
+                  <a:srgbClr val="002060"/>
+                </a:solidFill>
+                <a:latin typeface="Khmer OS Battambang" panose="02000500000000020004" pitchFamily="2" charset="77"/>
+                <a:cs typeface="Khmer OS Battambang" panose="02000500000000020004" pitchFamily="2" charset="77"/>
+              </a:rPr>
+              <a:t>ប្រយោគផ្លោះ</a:t>
+            </a:r>
+            <a:r>
+              <a:rPr lang="en-US" sz="2000" dirty="0">
+                <a:solidFill>
+                  <a:srgbClr val="002060"/>
+                </a:solidFill>
+                <a:latin typeface="Khmer OS Battambang" panose="02000500000000020004" pitchFamily="2" charset="77"/>
+                <a:cs typeface="Khmer OS Battambang" panose="02000500000000020004" pitchFamily="2" charset="77"/>
+              </a:rPr>
+              <a:t> (Jump Statement)</a:t>
+            </a:r>
+            <a:r>
+              <a:rPr lang="en-US" sz="1800" dirty="0">
+                <a:solidFill>
+                  <a:srgbClr val="002060"/>
+                </a:solidFill>
+                <a:latin typeface="Khmer OS Battambang" panose="02000500000000020004" pitchFamily="2" charset="77"/>
+                <a:cs typeface="Khmer OS Battambang" panose="02000500000000020004" pitchFamily="2" charset="77"/>
+              </a:rPr>
+              <a:t> </a:t>
+            </a:r>
+            <a:r>
+              <a:rPr lang="en-US" sz="2000" dirty="0" err="1">
+                <a:solidFill>
+                  <a:srgbClr val="0070C0"/>
+                </a:solidFill>
+                <a:latin typeface="Khmer OS Battambang" panose="02000500000000020004" pitchFamily="2" charset="77"/>
+                <a:cs typeface="Khmer OS Battambang" panose="02000500000000020004" pitchFamily="2" charset="77"/>
+              </a:rPr>
+              <a:t>មានដូចជា</a:t>
+            </a:r>
+            <a:r>
+              <a:rPr lang="en-US" sz="2000" dirty="0">
+                <a:solidFill>
+                  <a:srgbClr val="0070C0"/>
+                </a:solidFill>
+                <a:latin typeface="Khmer OS Battambang" panose="02000500000000020004" pitchFamily="2" charset="77"/>
+                <a:cs typeface="Khmer OS Battambang" panose="02000500000000020004" pitchFamily="2" charset="77"/>
+              </a:rPr>
+              <a:t>៖ </a:t>
+            </a:r>
+            <a:r>
+              <a:rPr lang="en-US" sz="2000" dirty="0">
+                <a:solidFill>
+                  <a:srgbClr val="FF0000"/>
+                </a:solidFill>
+                <a:latin typeface="Khmer OS Battambang" panose="02000500000000020004" pitchFamily="2" charset="77"/>
+                <a:cs typeface="Khmer OS Battambang" panose="02000500000000020004" pitchFamily="2" charset="77"/>
+              </a:rPr>
+              <a:t>break</a:t>
+            </a:r>
+            <a:r>
+              <a:rPr lang="en-US" sz="2000" dirty="0">
+                <a:solidFill>
+                  <a:srgbClr val="0070C0"/>
+                </a:solidFill>
+                <a:latin typeface="Khmer OS Battambang" panose="02000500000000020004" pitchFamily="2" charset="77"/>
+                <a:cs typeface="Khmer OS Battambang" panose="02000500000000020004" pitchFamily="2" charset="77"/>
+              </a:rPr>
+              <a:t>,</a:t>
+            </a:r>
+            <a:r>
+              <a:rPr lang="en-US" sz="2000" dirty="0">
+                <a:solidFill>
+                  <a:srgbClr val="FF0000"/>
+                </a:solidFill>
+                <a:latin typeface="Khmer OS Battambang" panose="02000500000000020004" pitchFamily="2" charset="77"/>
+                <a:cs typeface="Khmer OS Battambang" panose="02000500000000020004" pitchFamily="2" charset="77"/>
+              </a:rPr>
+              <a:t> continue</a:t>
+            </a:r>
+            <a:r>
+              <a:rPr lang="en-US" sz="2000" dirty="0">
+                <a:solidFill>
+                  <a:srgbClr val="0070C0"/>
+                </a:solidFill>
+                <a:latin typeface="Khmer OS Battambang" panose="02000500000000020004" pitchFamily="2" charset="77"/>
+                <a:cs typeface="Khmer OS Battambang" panose="02000500000000020004" pitchFamily="2" charset="77"/>
+              </a:rPr>
+              <a:t>,</a:t>
+            </a:r>
+            <a:r>
+              <a:rPr lang="en-US" sz="2000" dirty="0">
+                <a:solidFill>
+                  <a:srgbClr val="FF0000"/>
+                </a:solidFill>
+                <a:latin typeface="Khmer OS Battambang" panose="02000500000000020004" pitchFamily="2" charset="77"/>
+                <a:cs typeface="Khmer OS Battambang" panose="02000500000000020004" pitchFamily="2" charset="77"/>
+              </a:rPr>
+              <a:t> return </a:t>
+            </a:r>
+            <a:r>
+              <a:rPr lang="en-US" sz="2000" dirty="0">
+                <a:solidFill>
+                  <a:srgbClr val="0070C0"/>
+                </a:solidFill>
+                <a:latin typeface="Khmer OS Battambang" panose="02000500000000020004" pitchFamily="2" charset="77"/>
+                <a:cs typeface="Khmer OS Battambang" panose="02000500000000020004" pitchFamily="2" charset="77"/>
+              </a:rPr>
+              <a:t>។ </a:t>
+            </a:r>
+            <a:endParaRPr lang="en-US" sz="2000" dirty="0">
+              <a:solidFill>
+                <a:srgbClr val="002060"/>
+              </a:solidFill>
+              <a:latin typeface="Khmer OS Battambang" panose="02000500000000020004" pitchFamily="2" charset="77"/>
+              <a:cs typeface="Khmer OS Battambang" panose="02000500000000020004" pitchFamily="2" charset="77"/>
+            </a:endParaRPr>
+          </a:p>
+          <a:p>
+            <a:pPr marL="800100" lvl="1" indent="-342900" algn="l">
+              <a:lnSpc>
+                <a:spcPct val="150000"/>
+              </a:lnSpc>
+              <a:spcBef>
+                <a:spcPts val="1500"/>
+              </a:spcBef>
+              <a:buFont typeface="Wingdings" pitchFamily="2" charset="2"/>
+              <a:buChar char="v"/>
+            </a:pPr>
+            <a:r>
+              <a:rPr lang="en-US" dirty="0">
+                <a:solidFill>
+                  <a:srgbClr val="FF0000"/>
+                </a:solidFill>
+                <a:latin typeface="Khmer OS Battambang" panose="02000500000000020004" pitchFamily="2" charset="77"/>
+                <a:cs typeface="Khmer OS Battambang" panose="02000500000000020004" pitchFamily="2" charset="77"/>
+              </a:rPr>
+              <a:t>break:</a:t>
+            </a:r>
+            <a:r>
+              <a:rPr lang="en-US" dirty="0">
+                <a:solidFill>
+                  <a:srgbClr val="0070C0"/>
+                </a:solidFill>
+                <a:latin typeface="Khmer OS Battambang" panose="02000500000000020004" pitchFamily="2" charset="77"/>
+                <a:cs typeface="Khmer OS Battambang" panose="02000500000000020004" pitchFamily="2" charset="77"/>
+              </a:rPr>
+              <a:t> </a:t>
+            </a:r>
+            <a:r>
+              <a:rPr lang="en-US" dirty="0" err="1">
+                <a:solidFill>
+                  <a:srgbClr val="0070C0"/>
+                </a:solidFill>
+                <a:latin typeface="Khmer OS Battambang" panose="02000500000000020004" pitchFamily="2" charset="77"/>
+                <a:cs typeface="Khmer OS Battambang" panose="02000500000000020004" pitchFamily="2" charset="77"/>
+              </a:rPr>
+              <a:t>គឺជាការចាក</a:t>
+            </a:r>
+            <a:r>
+              <a:rPr lang="km-KH" dirty="0">
+                <a:solidFill>
+                  <a:srgbClr val="0070C0"/>
+                </a:solidFill>
+                <a:latin typeface="Khmer OS Battambang" panose="02000500000000020004" pitchFamily="2" charset="77"/>
+                <a:cs typeface="Khmer OS Battambang" panose="02000500000000020004" pitchFamily="2" charset="77"/>
+              </a:rPr>
+              <a:t>ចេញពីរង្វិលជុំបច្ចុប្បន្នភ្លាមៗ</a:t>
+            </a:r>
+            <a:r>
+              <a:rPr lang="en-US" dirty="0">
+                <a:solidFill>
+                  <a:srgbClr val="0070C0"/>
+                </a:solidFill>
+                <a:latin typeface="Khmer OS Battambang" panose="02000500000000020004" pitchFamily="2" charset="77"/>
+                <a:cs typeface="Khmer OS Battambang" panose="02000500000000020004" pitchFamily="2" charset="77"/>
+              </a:rPr>
+              <a:t> (for, while, do-</a:t>
+            </a:r>
+            <a:r>
+              <a:rPr lang="en-US" dirty="0" err="1">
+                <a:solidFill>
+                  <a:srgbClr val="0070C0"/>
+                </a:solidFill>
+                <a:latin typeface="Khmer OS Battambang" panose="02000500000000020004" pitchFamily="2" charset="77"/>
+                <a:cs typeface="Khmer OS Battambang" panose="02000500000000020004" pitchFamily="2" charset="77"/>
+              </a:rPr>
+              <a:t>while,switch</a:t>
+            </a:r>
+            <a:r>
+              <a:rPr lang="en-US" dirty="0">
+                <a:solidFill>
+                  <a:srgbClr val="0070C0"/>
+                </a:solidFill>
+                <a:latin typeface="Khmer OS Battambang" panose="02000500000000020004" pitchFamily="2" charset="77"/>
+                <a:cs typeface="Khmer OS Battambang" panose="02000500000000020004" pitchFamily="2" charset="77"/>
+              </a:rPr>
+              <a:t>)។</a:t>
+            </a:r>
+          </a:p>
+          <a:p>
+            <a:pPr marL="800100" lvl="1" indent="-342900" algn="l">
+              <a:lnSpc>
+                <a:spcPct val="150000"/>
+              </a:lnSpc>
+              <a:spcBef>
+                <a:spcPts val="1500"/>
+              </a:spcBef>
+              <a:buFont typeface="Wingdings" pitchFamily="2" charset="2"/>
+              <a:buChar char="v"/>
+            </a:pPr>
+            <a:r>
+              <a:rPr lang="en-US" dirty="0">
+                <a:solidFill>
+                  <a:srgbClr val="FF0000"/>
+                </a:solidFill>
+                <a:latin typeface="Khmer OS Battambang" panose="02000500000000020004" pitchFamily="2" charset="77"/>
+                <a:cs typeface="Khmer OS Battambang" panose="02000500000000020004" pitchFamily="2" charset="77"/>
+              </a:rPr>
+              <a:t>continue: </a:t>
+            </a:r>
+            <a:r>
+              <a:rPr lang="en-US" dirty="0" err="1">
+                <a:solidFill>
+                  <a:srgbClr val="0070C0"/>
+                </a:solidFill>
+                <a:latin typeface="Khmer OS Battambang" panose="02000500000000020004" pitchFamily="2" charset="77"/>
+                <a:cs typeface="Khmer OS Battambang" panose="02000500000000020004" pitchFamily="2" charset="77"/>
+              </a:rPr>
+              <a:t>គឺជាការរំលងនូវការធ្វើឡើងវិញនៃ</a:t>
+            </a:r>
+            <a:r>
+              <a:rPr lang="en-US" dirty="0">
+                <a:solidFill>
+                  <a:srgbClr val="0070C0"/>
+                </a:solidFill>
+                <a:latin typeface="Khmer OS Battambang" panose="02000500000000020004" pitchFamily="2" charset="77"/>
+                <a:cs typeface="Khmer OS Battambang" panose="02000500000000020004" pitchFamily="2" charset="77"/>
+              </a:rPr>
+              <a:t> loop </a:t>
+            </a:r>
+            <a:r>
+              <a:rPr lang="en-US" dirty="0" err="1">
+                <a:solidFill>
+                  <a:srgbClr val="0070C0"/>
+                </a:solidFill>
+                <a:latin typeface="Khmer OS Battambang" panose="02000500000000020004" pitchFamily="2" charset="77"/>
+                <a:cs typeface="Khmer OS Battambang" panose="02000500000000020004" pitchFamily="2" charset="77"/>
+              </a:rPr>
+              <a:t>នាពេលបច្ចុប្បន្ន</a:t>
+            </a:r>
+            <a:r>
+              <a:rPr lang="en-US" dirty="0">
+                <a:solidFill>
+                  <a:srgbClr val="0070C0"/>
+                </a:solidFill>
+                <a:latin typeface="Khmer OS Battambang" panose="02000500000000020004" pitchFamily="2" charset="77"/>
+                <a:cs typeface="Khmer OS Battambang" panose="02000500000000020004" pitchFamily="2" charset="77"/>
+              </a:rPr>
+              <a:t> </a:t>
+            </a:r>
+            <a:r>
+              <a:rPr lang="en-US" dirty="0" err="1">
+                <a:solidFill>
+                  <a:srgbClr val="0070C0"/>
+                </a:solidFill>
+                <a:latin typeface="Khmer OS Battambang" panose="02000500000000020004" pitchFamily="2" charset="77"/>
+                <a:cs typeface="Khmer OS Battambang" panose="02000500000000020004" pitchFamily="2" charset="77"/>
+              </a:rPr>
+              <a:t>ហើយបន្តទៅការធ្វើឡើងវិញបន្ទាប</a:t>
+            </a:r>
+            <a:r>
+              <a:rPr lang="en-US" dirty="0">
+                <a:solidFill>
+                  <a:srgbClr val="0070C0"/>
+                </a:solidFill>
+                <a:latin typeface="Khmer OS Battambang" panose="02000500000000020004" pitchFamily="2" charset="77"/>
+                <a:cs typeface="Khmer OS Battambang" panose="02000500000000020004" pitchFamily="2" charset="77"/>
+              </a:rPr>
+              <a:t>់។</a:t>
+            </a:r>
+          </a:p>
+          <a:p>
+            <a:pPr marL="800100" lvl="1" indent="-342900" algn="l">
+              <a:lnSpc>
+                <a:spcPct val="150000"/>
+              </a:lnSpc>
+              <a:spcBef>
+                <a:spcPts val="1500"/>
+              </a:spcBef>
+              <a:buFont typeface="Wingdings" pitchFamily="2" charset="2"/>
+              <a:buChar char="v"/>
+            </a:pPr>
+            <a:r>
+              <a:rPr lang="en-US" dirty="0">
+                <a:solidFill>
+                  <a:srgbClr val="FF0000"/>
+                </a:solidFill>
+                <a:latin typeface="Khmer OS Battambang" panose="02000500000000020004" pitchFamily="2" charset="77"/>
+                <a:cs typeface="Khmer OS Battambang" panose="02000500000000020004" pitchFamily="2" charset="77"/>
+              </a:rPr>
+              <a:t>return: </a:t>
+            </a:r>
+            <a:r>
+              <a:rPr lang="en-US" dirty="0" err="1">
+                <a:solidFill>
+                  <a:srgbClr val="0070C0"/>
+                </a:solidFill>
+                <a:latin typeface="Khmer OS Battambang" panose="02000500000000020004" pitchFamily="2" charset="77"/>
+                <a:cs typeface="Khmer OS Battambang" panose="02000500000000020004" pitchFamily="2" charset="77"/>
+              </a:rPr>
+              <a:t>គឺជាការចាកចេញពី</a:t>
+            </a:r>
+            <a:r>
+              <a:rPr lang="en-US" dirty="0">
+                <a:solidFill>
+                  <a:srgbClr val="0070C0"/>
+                </a:solidFill>
+                <a:latin typeface="Khmer OS Battambang" panose="02000500000000020004" pitchFamily="2" charset="77"/>
+                <a:cs typeface="Khmer OS Battambang" panose="02000500000000020004" pitchFamily="2" charset="77"/>
+              </a:rPr>
+              <a:t> method </a:t>
+            </a:r>
+            <a:r>
+              <a:rPr lang="en-US" dirty="0" err="1">
+                <a:solidFill>
+                  <a:srgbClr val="0070C0"/>
+                </a:solidFill>
+                <a:latin typeface="Khmer OS Battambang" panose="02000500000000020004" pitchFamily="2" charset="77"/>
+                <a:cs typeface="Khmer OS Battambang" panose="02000500000000020004" pitchFamily="2" charset="77"/>
+              </a:rPr>
+              <a:t>ទាំងស្រុង</a:t>
+            </a:r>
+            <a:r>
+              <a:rPr lang="en-US" dirty="0">
+                <a:solidFill>
+                  <a:srgbClr val="0070C0"/>
+                </a:solidFill>
+                <a:latin typeface="Khmer OS Battambang" panose="02000500000000020004" pitchFamily="2" charset="77"/>
+                <a:cs typeface="Khmer OS Battambang" panose="02000500000000020004" pitchFamily="2" charset="77"/>
+              </a:rPr>
+              <a:t> </a:t>
+            </a:r>
+            <a:r>
+              <a:rPr lang="en-US" dirty="0" err="1">
+                <a:solidFill>
+                  <a:srgbClr val="0070C0"/>
+                </a:solidFill>
+                <a:latin typeface="Khmer OS Battambang" panose="02000500000000020004" pitchFamily="2" charset="77"/>
+                <a:cs typeface="Khmer OS Battambang" panose="02000500000000020004" pitchFamily="2" charset="77"/>
+              </a:rPr>
+              <a:t>ហើយផ្ទេរការគ្រប់គ្រងត្រឡប់ទៅ</a:t>
+            </a:r>
+            <a:r>
+              <a:rPr lang="en-US" dirty="0">
+                <a:solidFill>
+                  <a:srgbClr val="0070C0"/>
+                </a:solidFill>
+                <a:latin typeface="Khmer OS Battambang" panose="02000500000000020004" pitchFamily="2" charset="77"/>
+                <a:cs typeface="Khmer OS Battambang" panose="02000500000000020004" pitchFamily="2" charset="77"/>
+              </a:rPr>
+              <a:t> method </a:t>
+            </a:r>
+            <a:r>
+              <a:rPr lang="en-US" dirty="0" err="1">
+                <a:solidFill>
+                  <a:srgbClr val="0070C0"/>
+                </a:solidFill>
+                <a:latin typeface="Khmer OS Battambang" panose="02000500000000020004" pitchFamily="2" charset="77"/>
+                <a:cs typeface="Khmer OS Battambang" panose="02000500000000020004" pitchFamily="2" charset="77"/>
+              </a:rPr>
+              <a:t>ដែលបានហៅមក</a:t>
+            </a:r>
+            <a:r>
+              <a:rPr lang="en-US" dirty="0">
+                <a:solidFill>
+                  <a:srgbClr val="0070C0"/>
+                </a:solidFill>
+                <a:latin typeface="Khmer OS Battambang" panose="02000500000000020004" pitchFamily="2" charset="77"/>
+                <a:cs typeface="Khmer OS Battambang" panose="02000500000000020004" pitchFamily="2" charset="77"/>
+              </a:rPr>
+              <a:t> </a:t>
+            </a:r>
+            <a:r>
+              <a:rPr lang="en-US" dirty="0" err="1">
+                <a:solidFill>
+                  <a:srgbClr val="0070C0"/>
+                </a:solidFill>
+                <a:latin typeface="Khmer OS Battambang" panose="02000500000000020004" pitchFamily="2" charset="77"/>
+                <a:cs typeface="Khmer OS Battambang" panose="02000500000000020004" pitchFamily="2" charset="77"/>
+              </a:rPr>
+              <a:t>ឫផ្តល់តម្លៃត្រឡប់ទៅវិញ</a:t>
+            </a:r>
+            <a:r>
+              <a:rPr lang="en-US" dirty="0">
+                <a:solidFill>
+                  <a:srgbClr val="0070C0"/>
+                </a:solidFill>
+                <a:latin typeface="Khmer OS Battambang" panose="02000500000000020004" pitchFamily="2" charset="77"/>
+                <a:cs typeface="Khmer OS Battambang" panose="02000500000000020004" pitchFamily="2" charset="77"/>
+              </a:rPr>
+              <a:t>។</a:t>
+            </a:r>
+            <a:endParaRPr lang="km-KH" dirty="0">
+              <a:solidFill>
+                <a:srgbClr val="0070C0"/>
+              </a:solidFill>
+              <a:latin typeface="Khmer OS Battambang" panose="02000500000000020004" pitchFamily="2" charset="77"/>
+              <a:cs typeface="Khmer OS Battambang" panose="02000500000000020004" pitchFamily="2" charset="77"/>
+            </a:endParaRPr>
+          </a:p>
+          <a:p>
+            <a:pPr marL="800100" lvl="1" indent="-342900" algn="l">
+              <a:lnSpc>
+                <a:spcPct val="150000"/>
+              </a:lnSpc>
+              <a:spcBef>
+                <a:spcPts val="1500"/>
+              </a:spcBef>
+              <a:buFont typeface="Wingdings" pitchFamily="2" charset="2"/>
+              <a:buChar char="v"/>
+            </a:pPr>
+            <a:endParaRPr lang="en-US" dirty="0">
+              <a:solidFill>
+                <a:srgbClr val="0070C0"/>
+              </a:solidFill>
+              <a:latin typeface="Khmer OS Battambang" panose="02000500000000020004" pitchFamily="2" charset="77"/>
+              <a:cs typeface="Khmer OS Battambang" panose="02000500000000020004" pitchFamily="2" charset="77"/>
+            </a:endParaRPr>
+          </a:p>
+          <a:p>
+            <a:pPr algn="l">
+              <a:lnSpc>
+                <a:spcPct val="100000"/>
+              </a:lnSpc>
+              <a:spcBef>
+                <a:spcPts val="400"/>
+              </a:spcBef>
+            </a:pPr>
+            <a:r>
+              <a:rPr lang="en-US" sz="2000" dirty="0">
+                <a:solidFill>
+                  <a:srgbClr val="002060"/>
+                </a:solidFill>
+                <a:latin typeface="Khmer OS Battambang" panose="02000500000000020004" pitchFamily="2" charset="77"/>
+                <a:cs typeface="Khmer OS Battambang" panose="02000500000000020004" pitchFamily="2" charset="77"/>
+              </a:rPr>
+              <a:t>	</a:t>
+            </a:r>
+            <a:endParaRPr lang="en-US" sz="1800" dirty="0">
+              <a:solidFill>
+                <a:srgbClr val="0070C0"/>
+              </a:solidFill>
+              <a:latin typeface="Khmer OS Battambang" panose="02000500000000020004" pitchFamily="2" charset="77"/>
+              <a:cs typeface="Khmer OS Battambang" panose="02000500000000020004" pitchFamily="2" charset="77"/>
+            </a:endParaRPr>
+          </a:p>
+        </p:txBody>
+      </p:sp>
+    </p:spTree>
+    <p:extLst>
+      <p:ext uri="{BB962C8B-B14F-4D97-AF65-F5344CB8AC3E}">
+        <p14:creationId xmlns:p14="http://schemas.microsoft.com/office/powerpoint/2010/main" val="2293879003"/>
+      </p:ext>
+    </p:extLst>
+  </p:cSld>
+  <p:clrMapOvr>
+    <a:masterClrMapping/>
+  </p:clrMapOvr>
+</p:sld>
+</file>
+
+<file path=ppt/slides/slide34.xml><?xml version="1.0" encoding="utf-8"?>
+<p:sld xmlns:a="http://schemas.openxmlformats.org/drawingml/2006/main" xmlns:r="http://schemas.openxmlformats.org/officeDocument/2006/relationships" xmlns:p="http://schemas.openxmlformats.org/presentationml/2006/main">
+  <p:cSld>
+    <p:bg>
+      <p:bgPr>
+        <a:solidFill>
+          <a:schemeClr val="bg1"/>
+        </a:solidFill>
+        <a:effectLst/>
+      </p:bgPr>
+    </p:bg>
+    <p:spTree>
+      <p:nvGrpSpPr>
+        <p:cNvPr id="1" name="">
+          <a:extLst>
+            <a:ext uri="{FF2B5EF4-FFF2-40B4-BE49-F238E27FC236}">
+              <a16:creationId xmlns:a16="http://schemas.microsoft.com/office/drawing/2014/main" id="{E93D9452-9F9A-DC4B-36BB-214450ADDACD}"/>
+            </a:ext>
+          </a:extLst>
+        </p:cNvPr>
+        <p:cNvGrpSpPr/>
+        <p:nvPr/>
+      </p:nvGrpSpPr>
+      <p:grpSpPr>
+        <a:xfrm>
+          <a:off x="0" y="0"/>
+          <a:ext cx="0" cy="0"/>
+          <a:chOff x="0" y="0"/>
+          <a:chExt cx="0" cy="0"/>
+        </a:xfrm>
+      </p:grpSpPr>
+      <p:sp>
+        <p:nvSpPr>
+          <p:cNvPr id="2" name="Title 1">
+            <a:extLst>
+              <a:ext uri="{FF2B5EF4-FFF2-40B4-BE49-F238E27FC236}">
+                <a16:creationId xmlns:a16="http://schemas.microsoft.com/office/drawing/2014/main" id="{355EB448-32EB-5468-5E07-480F5789139C}"/>
+              </a:ext>
+            </a:extLst>
+          </p:cNvPr>
+          <p:cNvSpPr>
+            <a:spLocks noGrp="1"/>
+          </p:cNvSpPr>
+          <p:nvPr>
+            <p:ph type="ctrTitle"/>
+          </p:nvPr>
+        </p:nvSpPr>
+        <p:spPr>
+          <a:xfrm>
+            <a:off x="1701800" y="119781"/>
+            <a:ext cx="9144000" cy="789373"/>
+          </a:xfrm>
+        </p:spPr>
+        <p:txBody>
+          <a:bodyPr>
+            <a:normAutofit/>
+          </a:bodyPr>
+          <a:lstStyle/>
+          <a:p>
+            <a:pPr algn="l"/>
+            <a:r>
+              <a:rPr lang="en-US" sz="3600" dirty="0">
+                <a:solidFill>
+                  <a:srgbClr val="002060"/>
+                </a:solidFill>
+                <a:latin typeface="Khmer OS Battambang" panose="02000500000000020004" pitchFamily="2" charset="77"/>
+                <a:cs typeface="Khmer OS Battambang" panose="02000500000000020004" pitchFamily="2" charset="77"/>
+              </a:rPr>
+              <a:t>Exception Handling</a:t>
+            </a:r>
+            <a:endParaRPr lang="en-KH" sz="3600" dirty="0">
+              <a:solidFill>
+                <a:srgbClr val="002060"/>
+              </a:solidFill>
+              <a:latin typeface="Khmer OS Battambang" panose="02000500000000020004" pitchFamily="2" charset="77"/>
+              <a:cs typeface="Khmer OS Battambang" panose="02000500000000020004" pitchFamily="2" charset="77"/>
+            </a:endParaRPr>
+          </a:p>
+        </p:txBody>
+      </p:sp>
+      <p:cxnSp>
+        <p:nvCxnSpPr>
+          <p:cNvPr id="8" name="Straight Connector 7">
+            <a:extLst>
+              <a:ext uri="{FF2B5EF4-FFF2-40B4-BE49-F238E27FC236}">
+                <a16:creationId xmlns:a16="http://schemas.microsoft.com/office/drawing/2014/main" id="{C0660190-D9DF-7E5F-6EDB-D13428B05469}"/>
+              </a:ext>
+            </a:extLst>
+          </p:cNvPr>
+          <p:cNvCxnSpPr/>
+          <p:nvPr/>
+        </p:nvCxnSpPr>
+        <p:spPr>
+          <a:xfrm>
+            <a:off x="0" y="1050468"/>
+            <a:ext cx="12192000" cy="0"/>
+          </a:xfrm>
+          <a:prstGeom prst="line">
+            <a:avLst/>
+          </a:prstGeom>
+          <a:ln w="57150">
+            <a:solidFill>
+              <a:srgbClr val="D49B06"/>
+            </a:solidFill>
+          </a:ln>
+        </p:spPr>
+        <p:style>
+          <a:lnRef idx="2">
+            <a:schemeClr val="accent1"/>
+          </a:lnRef>
+          <a:fillRef idx="0">
+            <a:schemeClr val="accent1"/>
+          </a:fillRef>
+          <a:effectRef idx="1">
+            <a:schemeClr val="accent1"/>
+          </a:effectRef>
+          <a:fontRef idx="minor">
+            <a:schemeClr val="tx1"/>
+          </a:fontRef>
+        </p:style>
+      </p:cxnSp>
+      <p:cxnSp>
+        <p:nvCxnSpPr>
+          <p:cNvPr id="10" name="Straight Connector 9">
+            <a:extLst>
+              <a:ext uri="{FF2B5EF4-FFF2-40B4-BE49-F238E27FC236}">
+                <a16:creationId xmlns:a16="http://schemas.microsoft.com/office/drawing/2014/main" id="{E07CE588-736C-5A5C-F8EE-10B6BD975E0A}"/>
+              </a:ext>
+            </a:extLst>
+          </p:cNvPr>
+          <p:cNvCxnSpPr>
+            <a:cxnSpLocks/>
+          </p:cNvCxnSpPr>
+          <p:nvPr/>
+        </p:nvCxnSpPr>
+        <p:spPr>
+          <a:xfrm>
+            <a:off x="0" y="979812"/>
+            <a:ext cx="12192000" cy="0"/>
+          </a:xfrm>
+          <a:prstGeom prst="line">
+            <a:avLst/>
+          </a:prstGeom>
+          <a:ln w="57150">
+            <a:solidFill>
+              <a:srgbClr val="1C27CF"/>
+            </a:solidFill>
+          </a:ln>
+        </p:spPr>
+        <p:style>
+          <a:lnRef idx="2">
+            <a:schemeClr val="accent1"/>
+          </a:lnRef>
+          <a:fillRef idx="0">
+            <a:schemeClr val="accent1"/>
+          </a:fillRef>
+          <a:effectRef idx="1">
+            <a:schemeClr val="accent1"/>
+          </a:effectRef>
+          <a:fontRef idx="minor">
+            <a:schemeClr val="tx1"/>
+          </a:fontRef>
+        </p:style>
+      </p:cxnSp>
+      <p:pic>
+        <p:nvPicPr>
+          <p:cNvPr id="47" name="Picture 46" descr="A blue circle with a yellow and white bird in it&#10;&#10;AI-generated content may be incorrect.">
+            <a:extLst>
+              <a:ext uri="{FF2B5EF4-FFF2-40B4-BE49-F238E27FC236}">
+                <a16:creationId xmlns:a16="http://schemas.microsoft.com/office/drawing/2014/main" id="{53BABEC3-2A4E-AFC2-4D04-6A15F080C178}"/>
+              </a:ext>
+            </a:extLst>
+          </p:cNvPr>
+          <p:cNvPicPr>
+            <a:picLocks noChangeAspect="1"/>
+          </p:cNvPicPr>
+          <p:nvPr/>
+        </p:nvPicPr>
+        <p:blipFill>
+          <a:blip r:embed="rId2"/>
+          <a:stretch>
+            <a:fillRect/>
+          </a:stretch>
+        </p:blipFill>
+        <p:spPr>
+          <a:xfrm>
+            <a:off x="325438" y="219712"/>
+            <a:ext cx="606500" cy="606500"/>
+          </a:xfrm>
+          <a:prstGeom prst="rect">
+            <a:avLst/>
+          </a:prstGeom>
+        </p:spPr>
+      </p:pic>
+      <p:sp>
+        <p:nvSpPr>
+          <p:cNvPr id="7" name="Subtitle 2">
+            <a:extLst>
+              <a:ext uri="{FF2B5EF4-FFF2-40B4-BE49-F238E27FC236}">
+                <a16:creationId xmlns:a16="http://schemas.microsoft.com/office/drawing/2014/main" id="{682314D0-A1BD-8D85-1970-5F94021B248B}"/>
+              </a:ext>
+            </a:extLst>
+          </p:cNvPr>
+          <p:cNvSpPr>
+            <a:spLocks noGrp="1"/>
+          </p:cNvSpPr>
+          <p:nvPr>
+            <p:ph type="subTitle" idx="1"/>
+          </p:nvPr>
+        </p:nvSpPr>
+        <p:spPr>
+          <a:xfrm>
+            <a:off x="624192" y="1219212"/>
+            <a:ext cx="10954536" cy="5306275"/>
+          </a:xfrm>
+        </p:spPr>
+        <p:txBody>
+          <a:bodyPr>
+            <a:noAutofit/>
+          </a:bodyPr>
+          <a:lstStyle/>
+          <a:p>
+            <a:pPr algn="l">
+              <a:lnSpc>
+                <a:spcPct val="150000"/>
+              </a:lnSpc>
+              <a:spcBef>
+                <a:spcPts val="1500"/>
+              </a:spcBef>
+            </a:pPr>
+            <a:r>
+              <a:rPr lang="en-US" sz="1800" dirty="0">
+                <a:solidFill>
+                  <a:srgbClr val="002060"/>
+                </a:solidFill>
+                <a:latin typeface="Khmer OS Battambang" panose="02000500000000020004" pitchFamily="2" charset="77"/>
+                <a:cs typeface="Khmer OS Battambang" panose="02000500000000020004" pitchFamily="2" charset="77"/>
+              </a:rPr>
+              <a:t>​       </a:t>
+            </a:r>
+            <a:r>
+              <a:rPr lang="en-US" sz="2000" dirty="0">
+                <a:solidFill>
+                  <a:srgbClr val="002060"/>
+                </a:solidFill>
+                <a:latin typeface="Khmer OS Battambang" panose="02000500000000020004" pitchFamily="2" charset="77"/>
+                <a:cs typeface="Khmer OS Battambang" panose="02000500000000020004" pitchFamily="2" charset="77"/>
+              </a:rPr>
+              <a:t>Exception Handling : </a:t>
+            </a:r>
+            <a:r>
+              <a:rPr lang="en-US" sz="2000" dirty="0" err="1">
+                <a:solidFill>
+                  <a:srgbClr val="0070C0"/>
+                </a:solidFill>
+                <a:latin typeface="Khmer OS Battambang" panose="02000500000000020004" pitchFamily="2" charset="77"/>
+                <a:cs typeface="Khmer OS Battambang" panose="02000500000000020004" pitchFamily="2" charset="77"/>
+              </a:rPr>
+              <a:t>គឺជាប្រយោគ</a:t>
+            </a:r>
+            <a:r>
+              <a:rPr lang="en-US" sz="2000" dirty="0">
+                <a:solidFill>
+                  <a:srgbClr val="0070C0"/>
+                </a:solidFill>
+                <a:latin typeface="Khmer OS Battambang" panose="02000500000000020004" pitchFamily="2" charset="77"/>
+                <a:cs typeface="Khmer OS Battambang" panose="02000500000000020004" pitchFamily="2" charset="77"/>
+              </a:rPr>
+              <a:t> Control flow </a:t>
+            </a:r>
+            <a:r>
+              <a:rPr lang="en-US" sz="2000" dirty="0" err="1">
+                <a:solidFill>
+                  <a:srgbClr val="0070C0"/>
+                </a:solidFill>
+                <a:latin typeface="Khmer OS Battambang" panose="02000500000000020004" pitchFamily="2" charset="77"/>
+                <a:cs typeface="Khmer OS Battambang" panose="02000500000000020004" pitchFamily="2" charset="77"/>
+              </a:rPr>
+              <a:t>ដែលប្រើប្រាស់សម្រាប់កាន់កាប់ទៅលើ</a:t>
+            </a:r>
+            <a:r>
+              <a:rPr lang="km-KH" sz="2000" dirty="0">
+                <a:solidFill>
+                  <a:srgbClr val="0070C0"/>
+                </a:solidFill>
+                <a:latin typeface="Khmer OS Battambang" panose="02000500000000020004" pitchFamily="2" charset="77"/>
+                <a:cs typeface="Khmer OS Battambang" panose="02000500000000020004" pitchFamily="2" charset="77"/>
+              </a:rPr>
+              <a:t>ព្រឹត្តិការណ៍ដែលមិនចង់បាន ឬមិននឹកស្មានដល់ដែលកើតឡើងកំឡុងពេលដំណើរការកម្មវិធី ហើយរំខានដល់លំហូរធម្មតារបស់វា</a:t>
+            </a:r>
+            <a:r>
+              <a:rPr lang="en-US" sz="2000" dirty="0">
+                <a:solidFill>
+                  <a:srgbClr val="0070C0"/>
+                </a:solidFill>
+                <a:latin typeface="Khmer OS Battambang" panose="02000500000000020004" pitchFamily="2" charset="77"/>
+                <a:cs typeface="Khmer OS Battambang" panose="02000500000000020004" pitchFamily="2" charset="77"/>
+              </a:rPr>
+              <a:t>។ </a:t>
+            </a:r>
+            <a:r>
+              <a:rPr lang="en-US" sz="2000" dirty="0">
+                <a:solidFill>
+                  <a:srgbClr val="002060"/>
+                </a:solidFill>
+                <a:latin typeface="Khmer OS Battambang" panose="02000500000000020004" pitchFamily="2" charset="77"/>
+                <a:cs typeface="Khmer OS Battambang" panose="02000500000000020004" pitchFamily="2" charset="77"/>
+              </a:rPr>
+              <a:t>Exception Handling</a:t>
+            </a:r>
+            <a:r>
+              <a:rPr lang="en-US" sz="1800" dirty="0">
+                <a:solidFill>
+                  <a:srgbClr val="002060"/>
+                </a:solidFill>
+                <a:latin typeface="Khmer OS Battambang" panose="02000500000000020004" pitchFamily="2" charset="77"/>
+                <a:cs typeface="Khmer OS Battambang" panose="02000500000000020004" pitchFamily="2" charset="77"/>
+              </a:rPr>
+              <a:t> </a:t>
+            </a:r>
+            <a:r>
+              <a:rPr lang="en-US" sz="2000" dirty="0" err="1">
+                <a:solidFill>
+                  <a:srgbClr val="0070C0"/>
+                </a:solidFill>
+                <a:latin typeface="Khmer OS Battambang" panose="02000500000000020004" pitchFamily="2" charset="77"/>
+                <a:cs typeface="Khmer OS Battambang" panose="02000500000000020004" pitchFamily="2" charset="77"/>
+              </a:rPr>
+              <a:t>មានដូចជា</a:t>
+            </a:r>
+            <a:r>
+              <a:rPr lang="en-US" sz="2000" dirty="0">
+                <a:solidFill>
+                  <a:srgbClr val="0070C0"/>
+                </a:solidFill>
+                <a:latin typeface="Khmer OS Battambang" panose="02000500000000020004" pitchFamily="2" charset="77"/>
+                <a:cs typeface="Khmer OS Battambang" panose="02000500000000020004" pitchFamily="2" charset="77"/>
+              </a:rPr>
+              <a:t>៖ </a:t>
+            </a:r>
+            <a:r>
+              <a:rPr lang="en-US" sz="2000" dirty="0">
+                <a:solidFill>
+                  <a:srgbClr val="FF0000"/>
+                </a:solidFill>
+                <a:latin typeface="Khmer OS Battambang" panose="02000500000000020004" pitchFamily="2" charset="77"/>
+                <a:cs typeface="Khmer OS Battambang" panose="02000500000000020004" pitchFamily="2" charset="77"/>
+              </a:rPr>
+              <a:t>try</a:t>
+            </a:r>
+            <a:r>
+              <a:rPr lang="en-US" sz="2000" dirty="0">
+                <a:solidFill>
+                  <a:srgbClr val="0070C0"/>
+                </a:solidFill>
+                <a:latin typeface="Khmer OS Battambang" panose="02000500000000020004" pitchFamily="2" charset="77"/>
+                <a:cs typeface="Khmer OS Battambang" panose="02000500000000020004" pitchFamily="2" charset="77"/>
+              </a:rPr>
+              <a:t>,</a:t>
+            </a:r>
+            <a:r>
+              <a:rPr lang="en-US" sz="2000" dirty="0">
+                <a:solidFill>
+                  <a:srgbClr val="FF0000"/>
+                </a:solidFill>
+                <a:latin typeface="Khmer OS Battambang" panose="02000500000000020004" pitchFamily="2" charset="77"/>
+                <a:cs typeface="Khmer OS Battambang" panose="02000500000000020004" pitchFamily="2" charset="77"/>
+              </a:rPr>
+              <a:t> catch</a:t>
+            </a:r>
+            <a:r>
+              <a:rPr lang="en-US" sz="2000" dirty="0">
+                <a:solidFill>
+                  <a:srgbClr val="0070C0"/>
+                </a:solidFill>
+                <a:latin typeface="Khmer OS Battambang" panose="02000500000000020004" pitchFamily="2" charset="77"/>
+                <a:cs typeface="Khmer OS Battambang" panose="02000500000000020004" pitchFamily="2" charset="77"/>
+              </a:rPr>
+              <a:t>,</a:t>
+            </a:r>
+            <a:r>
+              <a:rPr lang="en-US" sz="2000" dirty="0">
+                <a:solidFill>
+                  <a:srgbClr val="FF0000"/>
+                </a:solidFill>
+                <a:latin typeface="Khmer OS Battambang" panose="02000500000000020004" pitchFamily="2" charset="77"/>
+                <a:cs typeface="Khmer OS Battambang" panose="02000500000000020004" pitchFamily="2" charset="77"/>
+              </a:rPr>
+              <a:t> finally</a:t>
+            </a:r>
+            <a:r>
+              <a:rPr lang="en-US" sz="2000" dirty="0">
+                <a:solidFill>
+                  <a:srgbClr val="0070C0"/>
+                </a:solidFill>
+                <a:latin typeface="Khmer OS Battambang" panose="02000500000000020004" pitchFamily="2" charset="77"/>
+                <a:cs typeface="Khmer OS Battambang" panose="02000500000000020004" pitchFamily="2" charset="77"/>
+              </a:rPr>
+              <a:t>, </a:t>
+            </a:r>
+            <a:r>
+              <a:rPr lang="en-US" sz="2000" dirty="0">
+                <a:solidFill>
+                  <a:srgbClr val="FF0000"/>
+                </a:solidFill>
+                <a:latin typeface="Khmer OS Battambang" panose="02000500000000020004" pitchFamily="2" charset="77"/>
+                <a:cs typeface="Khmer OS Battambang" panose="02000500000000020004" pitchFamily="2" charset="77"/>
+              </a:rPr>
+              <a:t>throw</a:t>
+            </a:r>
+            <a:r>
+              <a:rPr lang="en-US" sz="2000" dirty="0">
+                <a:solidFill>
+                  <a:srgbClr val="0070C0"/>
+                </a:solidFill>
+                <a:latin typeface="Khmer OS Battambang" panose="02000500000000020004" pitchFamily="2" charset="77"/>
+                <a:cs typeface="Khmer OS Battambang" panose="02000500000000020004" pitchFamily="2" charset="77"/>
+              </a:rPr>
+              <a:t> , </a:t>
+            </a:r>
+            <a:r>
+              <a:rPr lang="en-US" sz="2000" dirty="0">
+                <a:solidFill>
+                  <a:srgbClr val="FF0000"/>
+                </a:solidFill>
+                <a:latin typeface="Khmer OS Battambang" panose="02000500000000020004" pitchFamily="2" charset="77"/>
+                <a:cs typeface="Khmer OS Battambang" panose="02000500000000020004" pitchFamily="2" charset="77"/>
+              </a:rPr>
+              <a:t>throws </a:t>
+            </a:r>
+            <a:r>
+              <a:rPr lang="en-US" sz="2000" dirty="0">
+                <a:solidFill>
+                  <a:srgbClr val="0070C0"/>
+                </a:solidFill>
+                <a:latin typeface="Khmer OS Battambang" panose="02000500000000020004" pitchFamily="2" charset="77"/>
+                <a:cs typeface="Khmer OS Battambang" panose="02000500000000020004" pitchFamily="2" charset="77"/>
+              </a:rPr>
+              <a:t>។ </a:t>
+            </a:r>
+            <a:endParaRPr lang="en-US" sz="2000" dirty="0">
+              <a:solidFill>
+                <a:srgbClr val="002060"/>
+              </a:solidFill>
+              <a:latin typeface="Khmer OS Battambang" panose="02000500000000020004" pitchFamily="2" charset="77"/>
+              <a:cs typeface="Khmer OS Battambang" panose="02000500000000020004" pitchFamily="2" charset="77"/>
+            </a:endParaRPr>
+          </a:p>
+          <a:p>
+            <a:pPr marL="800100" lvl="1" indent="-342900" algn="l">
+              <a:lnSpc>
+                <a:spcPct val="150000"/>
+              </a:lnSpc>
+              <a:spcBef>
+                <a:spcPts val="1500"/>
+              </a:spcBef>
+              <a:buFont typeface="Wingdings" pitchFamily="2" charset="2"/>
+              <a:buChar char="v"/>
+            </a:pPr>
+            <a:r>
+              <a:rPr lang="en-US" sz="1800" dirty="0">
+                <a:solidFill>
+                  <a:srgbClr val="FF0000"/>
+                </a:solidFill>
+                <a:latin typeface="Khmer OS Battambang" panose="02000500000000020004" pitchFamily="2" charset="77"/>
+                <a:cs typeface="Khmer OS Battambang" panose="02000500000000020004" pitchFamily="2" charset="77"/>
+              </a:rPr>
+              <a:t>try :</a:t>
+            </a:r>
+            <a:r>
+              <a:rPr lang="en-US" sz="1800" dirty="0">
+                <a:solidFill>
+                  <a:srgbClr val="0070C0"/>
+                </a:solidFill>
+                <a:latin typeface="Khmer OS Battambang" panose="02000500000000020004" pitchFamily="2" charset="77"/>
+                <a:cs typeface="Khmer OS Battambang" panose="02000500000000020004" pitchFamily="2" charset="77"/>
+              </a:rPr>
+              <a:t> </a:t>
+            </a:r>
+            <a:r>
+              <a:rPr lang="en-US" sz="1800" dirty="0" err="1">
+                <a:solidFill>
+                  <a:srgbClr val="0070C0"/>
+                </a:solidFill>
+                <a:latin typeface="Khmer OS Battambang" panose="02000500000000020004" pitchFamily="2" charset="77"/>
+                <a:cs typeface="Khmer OS Battambang" panose="02000500000000020004" pitchFamily="2" charset="77"/>
+              </a:rPr>
+              <a:t>គឺជា</a:t>
+            </a:r>
+            <a:r>
+              <a:rPr lang="km-KH" sz="1800" dirty="0">
+                <a:solidFill>
+                  <a:srgbClr val="0070C0"/>
+                </a:solidFill>
+                <a:latin typeface="Khmer OS Battambang" panose="02000500000000020004" pitchFamily="2" charset="77"/>
+                <a:cs typeface="Khmer OS Battambang" panose="02000500000000020004" pitchFamily="2" charset="77"/>
+              </a:rPr>
+              <a:t>ប្លុក</a:t>
+            </a:r>
+            <a:r>
+              <a:rPr lang="en-US" sz="1800" dirty="0">
+                <a:solidFill>
+                  <a:srgbClr val="0070C0"/>
+                </a:solidFill>
+                <a:latin typeface="Khmer OS Battambang" panose="02000500000000020004" pitchFamily="2" charset="77"/>
+                <a:cs typeface="Khmer OS Battambang" panose="02000500000000020004" pitchFamily="2" charset="77"/>
+              </a:rPr>
+              <a:t> code </a:t>
+            </a:r>
+            <a:r>
+              <a:rPr lang="km-KH" sz="1800" dirty="0">
+                <a:solidFill>
+                  <a:srgbClr val="0070C0"/>
+                </a:solidFill>
+                <a:latin typeface="Khmer OS Battambang" panose="02000500000000020004" pitchFamily="2" charset="77"/>
+                <a:cs typeface="Khmer OS Battambang" panose="02000500000000020004" pitchFamily="2" charset="77"/>
+              </a:rPr>
+              <a:t>ដែលត្រូវបានសាកល្បងសម្រាប់ការលើកលែងក្នុងអំឡុងពេលប្រតិបត្តិ។ ប្រសិនបើករណីលើកលែងកើតឡើង</a:t>
+            </a:r>
+            <a:r>
+              <a:rPr lang="en-US" sz="1800" dirty="0">
+                <a:solidFill>
+                  <a:srgbClr val="0070C0"/>
+                </a:solidFill>
+                <a:latin typeface="Khmer OS Battambang" panose="02000500000000020004" pitchFamily="2" charset="77"/>
+                <a:cs typeface="Khmer OS Battambang" panose="02000500000000020004" pitchFamily="2" charset="77"/>
+              </a:rPr>
+              <a:t>  code </a:t>
+            </a:r>
+            <a:r>
+              <a:rPr lang="km-KH" sz="1800" dirty="0">
+                <a:solidFill>
+                  <a:srgbClr val="0070C0"/>
+                </a:solidFill>
+                <a:latin typeface="Khmer OS Battambang" panose="02000500000000020004" pitchFamily="2" charset="77"/>
+                <a:cs typeface="Khmer OS Battambang" panose="02000500000000020004" pitchFamily="2" charset="77"/>
+              </a:rPr>
+              <a:t>ដែលនៅសល់ក្នុងប្លុកសាកល្បងត្រូវបានរំលង</a:t>
+            </a:r>
+            <a:r>
+              <a:rPr lang="en-US" sz="1800" dirty="0">
+                <a:solidFill>
+                  <a:srgbClr val="0070C0"/>
+                </a:solidFill>
+                <a:latin typeface="Khmer OS Battambang" panose="02000500000000020004" pitchFamily="2" charset="77"/>
+                <a:cs typeface="Khmer OS Battambang" panose="02000500000000020004" pitchFamily="2" charset="77"/>
+              </a:rPr>
+              <a:t>។</a:t>
+            </a:r>
+          </a:p>
+          <a:p>
+            <a:pPr marL="800100" lvl="1" indent="-342900" algn="l">
+              <a:lnSpc>
+                <a:spcPct val="150000"/>
+              </a:lnSpc>
+              <a:spcBef>
+                <a:spcPts val="1500"/>
+              </a:spcBef>
+              <a:buFont typeface="Wingdings" pitchFamily="2" charset="2"/>
+              <a:buChar char="v"/>
+            </a:pPr>
+            <a:r>
+              <a:rPr lang="en-US" sz="1800" dirty="0">
+                <a:solidFill>
+                  <a:srgbClr val="FF0000"/>
+                </a:solidFill>
+                <a:latin typeface="Khmer OS Battambang" panose="02000500000000020004" pitchFamily="2" charset="77"/>
+                <a:cs typeface="Khmer OS Battambang" panose="02000500000000020004" pitchFamily="2" charset="77"/>
+              </a:rPr>
+              <a:t>catch : </a:t>
+            </a:r>
+            <a:r>
+              <a:rPr lang="en-US" sz="1800" dirty="0" err="1">
+                <a:solidFill>
+                  <a:srgbClr val="0070C0"/>
+                </a:solidFill>
+                <a:latin typeface="Khmer OS Battambang" panose="02000500000000020004" pitchFamily="2" charset="77"/>
+                <a:cs typeface="Khmer OS Battambang" panose="02000500000000020004" pitchFamily="2" charset="77"/>
+              </a:rPr>
+              <a:t>គឺជាប្លុក</a:t>
+            </a:r>
+            <a:r>
+              <a:rPr lang="en-US" sz="1800" dirty="0">
+                <a:solidFill>
+                  <a:srgbClr val="0070C0"/>
+                </a:solidFill>
+                <a:latin typeface="Khmer OS Battambang" panose="02000500000000020004" pitchFamily="2" charset="77"/>
+                <a:cs typeface="Khmer OS Battambang" panose="02000500000000020004" pitchFamily="2" charset="77"/>
+              </a:rPr>
+              <a:t> code </a:t>
+            </a:r>
+            <a:r>
+              <a:rPr lang="km-KH" sz="1800" dirty="0">
+                <a:solidFill>
+                  <a:srgbClr val="0070C0"/>
+                </a:solidFill>
+                <a:latin typeface="Khmer OS Battambang" panose="02000500000000020004" pitchFamily="2" charset="77"/>
+                <a:cs typeface="Khmer OS Battambang" panose="02000500000000020004" pitchFamily="2" charset="77"/>
+              </a:rPr>
+              <a:t>ដើម្បីដោះស្រាយប្រសិនបើមានករណីលើកលែងកើតឡើង</a:t>
+            </a:r>
+            <a:r>
+              <a:rPr lang="en-US" sz="1800" dirty="0">
+                <a:solidFill>
+                  <a:srgbClr val="0070C0"/>
+                </a:solidFill>
+                <a:latin typeface="Khmer OS Battambang" panose="02000500000000020004" pitchFamily="2" charset="77"/>
+                <a:cs typeface="Khmer OS Battambang" panose="02000500000000020004" pitchFamily="2" charset="77"/>
+              </a:rPr>
+              <a:t>។</a:t>
+            </a:r>
+          </a:p>
+          <a:p>
+            <a:pPr marL="800100" lvl="1" indent="-342900" algn="l">
+              <a:lnSpc>
+                <a:spcPct val="150000"/>
+              </a:lnSpc>
+              <a:spcBef>
+                <a:spcPts val="1500"/>
+              </a:spcBef>
+              <a:buFont typeface="Wingdings" pitchFamily="2" charset="2"/>
+              <a:buChar char="v"/>
+            </a:pPr>
+            <a:r>
+              <a:rPr lang="en-US" sz="1800" dirty="0">
+                <a:solidFill>
+                  <a:srgbClr val="FF0000"/>
+                </a:solidFill>
+                <a:latin typeface="Khmer OS Battambang" panose="02000500000000020004" pitchFamily="2" charset="77"/>
+                <a:cs typeface="Khmer OS Battambang" panose="02000500000000020004" pitchFamily="2" charset="77"/>
+              </a:rPr>
+              <a:t>finally : </a:t>
+            </a:r>
+            <a:r>
+              <a:rPr lang="en-US" sz="1800" dirty="0" err="1">
+                <a:solidFill>
+                  <a:srgbClr val="0070C0"/>
+                </a:solidFill>
+                <a:latin typeface="Khmer OS Battambang" panose="02000500000000020004" pitchFamily="2" charset="77"/>
+                <a:cs typeface="Khmer OS Battambang" panose="02000500000000020004" pitchFamily="2" charset="77"/>
+              </a:rPr>
+              <a:t>គឺជាប្លុក</a:t>
+            </a:r>
+            <a:r>
+              <a:rPr lang="en-US" sz="1800" dirty="0">
+                <a:solidFill>
+                  <a:srgbClr val="0070C0"/>
+                </a:solidFill>
+                <a:latin typeface="Khmer OS Battambang" panose="02000500000000020004" pitchFamily="2" charset="77"/>
+                <a:cs typeface="Khmer OS Battambang" panose="02000500000000020004" pitchFamily="2" charset="77"/>
+              </a:rPr>
+              <a:t> code </a:t>
+            </a:r>
+            <a:r>
+              <a:rPr lang="km-KH" sz="1800" dirty="0">
+                <a:solidFill>
+                  <a:srgbClr val="0070C0"/>
+                </a:solidFill>
+                <a:latin typeface="Khmer OS Battambang" panose="02000500000000020004" pitchFamily="2" charset="77"/>
+                <a:cs typeface="Khmer OS Battambang" panose="02000500000000020004" pitchFamily="2" charset="77"/>
+              </a:rPr>
+              <a:t>តែងតែត្រូវបានប្រតិបត្តិបន្ទាប់</a:t>
+            </a:r>
+            <a:r>
+              <a:rPr lang="en-US" sz="1800" dirty="0" err="1">
+                <a:solidFill>
+                  <a:srgbClr val="0070C0"/>
+                </a:solidFill>
+                <a:latin typeface="Khmer OS Battambang" panose="02000500000000020004" pitchFamily="2" charset="77"/>
+                <a:cs typeface="Khmer OS Battambang" panose="02000500000000020004" pitchFamily="2" charset="77"/>
+              </a:rPr>
+              <a:t>ពីការប្រតិបត្តិនៃប្លុក</a:t>
+            </a:r>
+            <a:r>
+              <a:rPr lang="en-US" sz="1800" dirty="0">
+                <a:solidFill>
+                  <a:srgbClr val="0070C0"/>
+                </a:solidFill>
+                <a:latin typeface="Khmer OS Battambang" panose="02000500000000020004" pitchFamily="2" charset="77"/>
+                <a:cs typeface="Khmer OS Battambang" panose="02000500000000020004" pitchFamily="2" charset="77"/>
+              </a:rPr>
+              <a:t> code </a:t>
+            </a:r>
+            <a:r>
+              <a:rPr lang="en-US" sz="1800" dirty="0" err="1">
+                <a:solidFill>
+                  <a:srgbClr val="0070C0"/>
+                </a:solidFill>
+                <a:latin typeface="Khmer OS Battambang" panose="02000500000000020004" pitchFamily="2" charset="77"/>
+                <a:cs typeface="Khmer OS Battambang" panose="02000500000000020004" pitchFamily="2" charset="77"/>
+              </a:rPr>
+              <a:t>របស</a:t>
+            </a:r>
+            <a:r>
+              <a:rPr lang="en-US" sz="1800" dirty="0">
+                <a:solidFill>
+                  <a:srgbClr val="0070C0"/>
+                </a:solidFill>
+                <a:latin typeface="Khmer OS Battambang" panose="02000500000000020004" pitchFamily="2" charset="77"/>
+                <a:cs typeface="Khmer OS Battambang" panose="02000500000000020004" pitchFamily="2" charset="77"/>
+              </a:rPr>
+              <a:t>់ </a:t>
+            </a:r>
+            <a:r>
+              <a:rPr lang="en-US" sz="1800" dirty="0">
+                <a:solidFill>
+                  <a:srgbClr val="FF0000"/>
+                </a:solidFill>
+                <a:latin typeface="Khmer OS Battambang" panose="02000500000000020004" pitchFamily="2" charset="77"/>
+                <a:cs typeface="Khmer OS Battambang" panose="02000500000000020004" pitchFamily="2" charset="77"/>
+              </a:rPr>
+              <a:t>try</a:t>
+            </a:r>
+            <a:r>
+              <a:rPr lang="en-US" sz="1800" dirty="0">
+                <a:solidFill>
+                  <a:srgbClr val="0070C0"/>
+                </a:solidFill>
+                <a:latin typeface="Khmer OS Battambang" panose="02000500000000020004" pitchFamily="2" charset="77"/>
+                <a:cs typeface="Khmer OS Battambang" panose="02000500000000020004" pitchFamily="2" charset="77"/>
+              </a:rPr>
+              <a:t> </a:t>
+            </a:r>
+            <a:r>
+              <a:rPr lang="en-US" sz="1800" dirty="0" err="1">
+                <a:solidFill>
+                  <a:srgbClr val="0070C0"/>
+                </a:solidFill>
+                <a:latin typeface="Khmer OS Battambang" panose="02000500000000020004" pitchFamily="2" charset="77"/>
+                <a:cs typeface="Khmer OS Battambang" panose="02000500000000020004" pitchFamily="2" charset="77"/>
+              </a:rPr>
+              <a:t>និង</a:t>
+            </a:r>
+            <a:r>
+              <a:rPr lang="en-US" sz="1800" dirty="0">
+                <a:solidFill>
+                  <a:srgbClr val="0070C0"/>
+                </a:solidFill>
+                <a:latin typeface="Khmer OS Battambang" panose="02000500000000020004" pitchFamily="2" charset="77"/>
+                <a:cs typeface="Khmer OS Battambang" panose="02000500000000020004" pitchFamily="2" charset="77"/>
+              </a:rPr>
+              <a:t> </a:t>
+            </a:r>
+            <a:r>
+              <a:rPr lang="en-US" sz="1800" dirty="0">
+                <a:solidFill>
+                  <a:srgbClr val="FF0000"/>
+                </a:solidFill>
+                <a:latin typeface="Khmer OS Battambang" panose="02000500000000020004" pitchFamily="2" charset="77"/>
+                <a:cs typeface="Khmer OS Battambang" panose="02000500000000020004" pitchFamily="2" charset="77"/>
+              </a:rPr>
+              <a:t>catch</a:t>
+            </a:r>
+            <a:r>
+              <a:rPr lang="en-US" sz="1800" dirty="0">
+                <a:solidFill>
+                  <a:srgbClr val="0070C0"/>
+                </a:solidFill>
+                <a:latin typeface="Khmer OS Battambang" panose="02000500000000020004" pitchFamily="2" charset="77"/>
+                <a:cs typeface="Khmer OS Battambang" panose="02000500000000020004" pitchFamily="2" charset="77"/>
+              </a:rPr>
+              <a:t>។</a:t>
+            </a:r>
+          </a:p>
+          <a:p>
+            <a:pPr marL="800100" lvl="1" indent="-342900" algn="l">
+              <a:lnSpc>
+                <a:spcPct val="150000"/>
+              </a:lnSpc>
+              <a:spcBef>
+                <a:spcPts val="1500"/>
+              </a:spcBef>
+              <a:buFont typeface="Wingdings" pitchFamily="2" charset="2"/>
+              <a:buChar char="v"/>
+            </a:pPr>
+            <a:r>
+              <a:rPr lang="en-US" sz="1800" dirty="0">
+                <a:solidFill>
+                  <a:srgbClr val="FF0000"/>
+                </a:solidFill>
+                <a:latin typeface="Khmer OS Battambang" panose="02000500000000020004" pitchFamily="2" charset="77"/>
+                <a:cs typeface="Khmer OS Battambang" panose="02000500000000020004" pitchFamily="2" charset="77"/>
+              </a:rPr>
+              <a:t>throw​: </a:t>
+            </a:r>
+            <a:r>
+              <a:rPr lang="en-US" sz="1800" dirty="0" err="1">
+                <a:solidFill>
+                  <a:srgbClr val="0070C0"/>
+                </a:solidFill>
+                <a:latin typeface="Khmer OS Battambang" panose="02000500000000020004" pitchFamily="2" charset="77"/>
+                <a:cs typeface="Khmer OS Battambang" panose="02000500000000020004" pitchFamily="2" charset="77"/>
+              </a:rPr>
+              <a:t>គឺជាប្លុក</a:t>
+            </a:r>
+            <a:r>
+              <a:rPr lang="en-US" sz="1800" dirty="0">
+                <a:solidFill>
+                  <a:srgbClr val="0070C0"/>
+                </a:solidFill>
+                <a:latin typeface="Khmer OS Battambang" panose="02000500000000020004" pitchFamily="2" charset="77"/>
+                <a:cs typeface="Khmer OS Battambang" panose="02000500000000020004" pitchFamily="2" charset="77"/>
+              </a:rPr>
+              <a:t> code </a:t>
+            </a:r>
+            <a:r>
+              <a:rPr lang="km-KH" sz="1800" dirty="0">
+                <a:solidFill>
+                  <a:srgbClr val="0070C0"/>
+                </a:solidFill>
+                <a:latin typeface="Khmer OS Battambang" panose="02000500000000020004" pitchFamily="2" charset="77"/>
+                <a:cs typeface="Khmer OS Battambang" panose="02000500000000020004" pitchFamily="2" charset="77"/>
+              </a:rPr>
+              <a:t>ប្រើដើម្បីបោះ</a:t>
+            </a:r>
+            <a:r>
+              <a:rPr lang="en-US" sz="1800" dirty="0" err="1">
+                <a:solidFill>
+                  <a:srgbClr val="0070C0"/>
+                </a:solidFill>
+                <a:latin typeface="Khmer OS Battambang" panose="02000500000000020004" pitchFamily="2" charset="77"/>
+                <a:cs typeface="Khmer OS Battambang" panose="02000500000000020004" pitchFamily="2" charset="77"/>
+              </a:rPr>
+              <a:t>ការកើតឡើងនូវ</a:t>
+            </a:r>
+            <a:r>
+              <a:rPr lang="km-KH" sz="1800" dirty="0">
+                <a:solidFill>
+                  <a:srgbClr val="0070C0"/>
+                </a:solidFill>
+                <a:latin typeface="Khmer OS Battambang" panose="02000500000000020004" pitchFamily="2" charset="77"/>
+                <a:cs typeface="Khmer OS Battambang" panose="02000500000000020004" pitchFamily="2" charset="77"/>
+              </a:rPr>
+              <a:t>ករណីលើកលែងមួយយ៉ាងច្បាស់លាស់ពីក្នុង</a:t>
+            </a:r>
+            <a:r>
+              <a:rPr lang="en-US" sz="1800" dirty="0">
+                <a:solidFill>
+                  <a:srgbClr val="0070C0"/>
+                </a:solidFill>
+                <a:latin typeface="Khmer OS Battambang" panose="02000500000000020004" pitchFamily="2" charset="77"/>
+                <a:cs typeface="Khmer OS Battambang" panose="02000500000000020004" pitchFamily="2" charset="77"/>
+              </a:rPr>
+              <a:t>   </a:t>
+            </a:r>
+            <a:r>
+              <a:rPr lang="en-US" dirty="0">
+                <a:solidFill>
+                  <a:srgbClr val="0070C0"/>
+                </a:solidFill>
+                <a:latin typeface="Khmer OS Battambang" panose="02000500000000020004" pitchFamily="2" charset="77"/>
+                <a:cs typeface="Khmer OS Battambang" panose="02000500000000020004" pitchFamily="2" charset="77"/>
+              </a:rPr>
+              <a:t>code។</a:t>
+            </a:r>
+          </a:p>
+          <a:p>
+            <a:pPr marL="800100" lvl="1" indent="-342900" algn="l">
+              <a:lnSpc>
+                <a:spcPct val="150000"/>
+              </a:lnSpc>
+              <a:spcBef>
+                <a:spcPts val="1500"/>
+              </a:spcBef>
+              <a:buFont typeface="Wingdings" pitchFamily="2" charset="2"/>
+              <a:buChar char="v"/>
+            </a:pPr>
+            <a:r>
+              <a:rPr lang="en-US" sz="1800" dirty="0">
+                <a:solidFill>
+                  <a:srgbClr val="FF0000"/>
+                </a:solidFill>
+                <a:latin typeface="Khmer OS Battambang" panose="02000500000000020004" pitchFamily="2" charset="77"/>
+                <a:cs typeface="Khmer OS Battambang" panose="02000500000000020004" pitchFamily="2" charset="77"/>
+              </a:rPr>
+              <a:t>throws : </a:t>
+            </a:r>
+            <a:r>
+              <a:rPr lang="en-US" sz="1800" dirty="0" err="1">
+                <a:solidFill>
+                  <a:srgbClr val="0070C0"/>
+                </a:solidFill>
+                <a:latin typeface="Khmer OS Battambang" panose="02000500000000020004" pitchFamily="2" charset="77"/>
+                <a:cs typeface="Khmer OS Battambang" panose="02000500000000020004" pitchFamily="2" charset="77"/>
+              </a:rPr>
+              <a:t>គឺជាប្លុក</a:t>
+            </a:r>
+            <a:r>
+              <a:rPr lang="en-US" sz="1800" dirty="0">
+                <a:solidFill>
+                  <a:srgbClr val="0070C0"/>
+                </a:solidFill>
+                <a:latin typeface="Khmer OS Battambang" panose="02000500000000020004" pitchFamily="2" charset="77"/>
+                <a:cs typeface="Khmer OS Battambang" panose="02000500000000020004" pitchFamily="2" charset="77"/>
+              </a:rPr>
+              <a:t> code </a:t>
+            </a:r>
+            <a:r>
+              <a:rPr lang="en-US" sz="1800" dirty="0" err="1">
+                <a:solidFill>
+                  <a:srgbClr val="0070C0"/>
+                </a:solidFill>
+                <a:latin typeface="Khmer OS Battambang" panose="02000500000000020004" pitchFamily="2" charset="77"/>
+                <a:cs typeface="Khmer OS Battambang" panose="02000500000000020004" pitchFamily="2" charset="77"/>
+              </a:rPr>
+              <a:t>ប្រើក្នុងការបញ្ជាក់លើ</a:t>
+            </a:r>
+            <a:r>
+              <a:rPr lang="en-US" sz="1800" dirty="0">
+                <a:solidFill>
+                  <a:srgbClr val="0070C0"/>
+                </a:solidFill>
+                <a:latin typeface="Khmer OS Battambang" panose="02000500000000020004" pitchFamily="2" charset="77"/>
+                <a:cs typeface="Khmer OS Battambang" panose="02000500000000020004" pitchFamily="2" charset="77"/>
+              </a:rPr>
+              <a:t> method </a:t>
+            </a:r>
+            <a:r>
+              <a:rPr lang="en-US" sz="1800" dirty="0" err="1">
+                <a:solidFill>
+                  <a:srgbClr val="0070C0"/>
+                </a:solidFill>
+                <a:latin typeface="Khmer OS Battambang" panose="02000500000000020004" pitchFamily="2" charset="77"/>
+                <a:cs typeface="Khmer OS Battambang" panose="02000500000000020004" pitchFamily="2" charset="77"/>
+              </a:rPr>
+              <a:t>ដើម្បីប្រកាសថា</a:t>
+            </a:r>
+            <a:r>
+              <a:rPr lang="en-US" sz="1800" dirty="0">
+                <a:solidFill>
+                  <a:srgbClr val="0070C0"/>
+                </a:solidFill>
+                <a:latin typeface="Khmer OS Battambang" panose="02000500000000020004" pitchFamily="2" charset="77"/>
+                <a:cs typeface="Khmer OS Battambang" panose="02000500000000020004" pitchFamily="2" charset="77"/>
+              </a:rPr>
+              <a:t> method </a:t>
+            </a:r>
+            <a:r>
+              <a:rPr lang="en-US" sz="1800" dirty="0" err="1">
+                <a:solidFill>
+                  <a:srgbClr val="0070C0"/>
+                </a:solidFill>
+                <a:latin typeface="Khmer OS Battambang" panose="02000500000000020004" pitchFamily="2" charset="77"/>
+                <a:cs typeface="Khmer OS Battambang" panose="02000500000000020004" pitchFamily="2" charset="77"/>
+              </a:rPr>
+              <a:t>អាចបណ្តាលឲ្យករណីលើកលែងជាក់លាក់មួយ</a:t>
+            </a:r>
+            <a:r>
+              <a:rPr lang="en-US" sz="1800" dirty="0">
+                <a:solidFill>
+                  <a:srgbClr val="0070C0"/>
+                </a:solidFill>
+                <a:latin typeface="Khmer OS Battambang" panose="02000500000000020004" pitchFamily="2" charset="77"/>
+                <a:cs typeface="Khmer OS Battambang" panose="02000500000000020004" pitchFamily="2" charset="77"/>
+              </a:rPr>
+              <a:t> </a:t>
+            </a:r>
+            <a:r>
+              <a:rPr lang="en-US" sz="1800" dirty="0" err="1">
+                <a:solidFill>
+                  <a:srgbClr val="0070C0"/>
+                </a:solidFill>
+                <a:latin typeface="Khmer OS Battambang" panose="02000500000000020004" pitchFamily="2" charset="77"/>
+                <a:cs typeface="Khmer OS Battambang" panose="02000500000000020004" pitchFamily="2" charset="77"/>
+              </a:rPr>
+              <a:t>ឫច្រើនកើតឡើងក្នុងពេលវាធ្វើប្រតិបត្តិការ</a:t>
+            </a:r>
+            <a:r>
+              <a:rPr lang="en-US" sz="1800" dirty="0">
+                <a:solidFill>
+                  <a:srgbClr val="0070C0"/>
+                </a:solidFill>
+                <a:latin typeface="Khmer OS Battambang" panose="02000500000000020004" pitchFamily="2" charset="77"/>
+                <a:cs typeface="Khmer OS Battambang" panose="02000500000000020004" pitchFamily="2" charset="77"/>
+              </a:rPr>
+              <a:t> ។</a:t>
+            </a:r>
+            <a:endParaRPr lang="km-KH" sz="1800" dirty="0">
+              <a:solidFill>
+                <a:srgbClr val="0070C0"/>
+              </a:solidFill>
+              <a:latin typeface="Khmer OS Battambang" panose="02000500000000020004" pitchFamily="2" charset="77"/>
+              <a:cs typeface="Khmer OS Battambang" panose="02000500000000020004" pitchFamily="2" charset="77"/>
+            </a:endParaRPr>
+          </a:p>
+          <a:p>
+            <a:pPr marL="800100" lvl="1" indent="-342900" algn="l">
+              <a:lnSpc>
+                <a:spcPct val="150000"/>
+              </a:lnSpc>
+              <a:spcBef>
+                <a:spcPts val="1500"/>
+              </a:spcBef>
+              <a:buFont typeface="Wingdings" pitchFamily="2" charset="2"/>
+              <a:buChar char="v"/>
+            </a:pPr>
+            <a:endParaRPr lang="en-US" dirty="0">
+              <a:solidFill>
+                <a:srgbClr val="0070C0"/>
+              </a:solidFill>
+              <a:latin typeface="Khmer OS Battambang" panose="02000500000000020004" pitchFamily="2" charset="77"/>
+              <a:cs typeface="Khmer OS Battambang" panose="02000500000000020004" pitchFamily="2" charset="77"/>
+            </a:endParaRPr>
+          </a:p>
+          <a:p>
+            <a:pPr algn="l">
+              <a:lnSpc>
+                <a:spcPct val="100000"/>
+              </a:lnSpc>
+              <a:spcBef>
+                <a:spcPts val="400"/>
+              </a:spcBef>
+            </a:pPr>
+            <a:r>
+              <a:rPr lang="en-US" sz="2000" dirty="0">
+                <a:solidFill>
+                  <a:srgbClr val="002060"/>
+                </a:solidFill>
+                <a:latin typeface="Khmer OS Battambang" panose="02000500000000020004" pitchFamily="2" charset="77"/>
+                <a:cs typeface="Khmer OS Battambang" panose="02000500000000020004" pitchFamily="2" charset="77"/>
+              </a:rPr>
+              <a:t>	</a:t>
+            </a:r>
+            <a:endParaRPr lang="en-US" sz="1800" dirty="0">
+              <a:solidFill>
+                <a:srgbClr val="0070C0"/>
+              </a:solidFill>
+              <a:latin typeface="Khmer OS Battambang" panose="02000500000000020004" pitchFamily="2" charset="77"/>
+              <a:cs typeface="Khmer OS Battambang" panose="02000500000000020004" pitchFamily="2" charset="77"/>
+            </a:endParaRPr>
+          </a:p>
+        </p:txBody>
+      </p:sp>
+    </p:spTree>
+    <p:extLst>
+      <p:ext uri="{BB962C8B-B14F-4D97-AF65-F5344CB8AC3E}">
+        <p14:creationId xmlns:p14="http://schemas.microsoft.com/office/powerpoint/2010/main" val="1722326992"/>
       </p:ext>
     </p:extLst>
   </p:cSld>

--- a/Java For Beginer Lession.pptx
+++ b/Java For Beginer Lession.pptx
@@ -5,7 +5,7 @@
     <p:sldMasterId id="2147483648" r:id="rId1"/>
   </p:sldMasterIdLst>
   <p:notesMasterIdLst>
-    <p:notesMasterId r:id="rId36"/>
+    <p:notesMasterId r:id="rId38"/>
   </p:notesMasterIdLst>
   <p:sldIdLst>
     <p:sldId id="257" r:id="rId2"/>
@@ -42,6 +42,8 @@
     <p:sldId id="288" r:id="rId33"/>
     <p:sldId id="289" r:id="rId34"/>
     <p:sldId id="290" r:id="rId35"/>
+    <p:sldId id="291" r:id="rId36"/>
+    <p:sldId id="292" r:id="rId37"/>
   </p:sldIdLst>
   <p:sldSz cx="12192000" cy="6858000"/>
   <p:notesSz cx="6858000" cy="9144000"/>
@@ -230,7 +232,7 @@
           <a:p>
             <a:fld id="{A4B2FDEF-09AE-D841-82B5-B8C57D3BE67B}" type="datetimeFigureOut">
               <a:rPr lang="en-KH" smtClean="0"/>
-              <a:t>14/1/26</a:t>
+              <a:t>15/1/26</a:t>
             </a:fld>
             <a:endParaRPr lang="en-KH"/>
           </a:p>
@@ -582,6 +584,198 @@
 </p:notes>
 </file>
 
+<file path=ppt/notesSlides/notesSlide2.xml><?xml version="1.0" encoding="utf-8"?>
+<p:notes xmlns:a="http://schemas.openxmlformats.org/drawingml/2006/main" xmlns:r="http://schemas.openxmlformats.org/officeDocument/2006/relationships" xmlns:p="http://schemas.openxmlformats.org/presentationml/2006/main">
+  <p:cSld>
+    <p:spTree>
+      <p:nvGrpSpPr>
+        <p:cNvPr id="1" name=""/>
+        <p:cNvGrpSpPr/>
+        <p:nvPr/>
+      </p:nvGrpSpPr>
+      <p:grpSpPr>
+        <a:xfrm>
+          <a:off x="0" y="0"/>
+          <a:ext cx="0" cy="0"/>
+          <a:chOff x="0" y="0"/>
+          <a:chExt cx="0" cy="0"/>
+        </a:xfrm>
+      </p:grpSpPr>
+      <p:sp>
+        <p:nvSpPr>
+          <p:cNvPr id="2" name="Slide Image Placeholder 1"/>
+          <p:cNvSpPr>
+            <a:spLocks noGrp="1" noRot="1" noChangeAspect="1"/>
+          </p:cNvSpPr>
+          <p:nvPr>
+            <p:ph type="sldImg"/>
+          </p:nvPr>
+        </p:nvSpPr>
+        <p:spPr/>
+      </p:sp>
+      <p:sp>
+        <p:nvSpPr>
+          <p:cNvPr id="3" name="Notes Placeholder 2"/>
+          <p:cNvSpPr>
+            <a:spLocks noGrp="1"/>
+          </p:cNvSpPr>
+          <p:nvPr>
+            <p:ph type="body" idx="1"/>
+          </p:nvPr>
+        </p:nvSpPr>
+        <p:spPr/>
+        <p:txBody>
+          <a:bodyPr/>
+          <a:lstStyle/>
+          <a:p>
+            <a:endParaRPr lang="en-KH" dirty="0"/>
+          </a:p>
+        </p:txBody>
+      </p:sp>
+      <p:sp>
+        <p:nvSpPr>
+          <p:cNvPr id="4" name="Slide Number Placeholder 3"/>
+          <p:cNvSpPr>
+            <a:spLocks noGrp="1"/>
+          </p:cNvSpPr>
+          <p:nvPr>
+            <p:ph type="sldNum" sz="quarter" idx="5"/>
+          </p:nvPr>
+        </p:nvSpPr>
+        <p:spPr/>
+        <p:txBody>
+          <a:bodyPr/>
+          <a:lstStyle/>
+          <a:p>
+            <a:fld id="{84DABFE7-2B72-E34A-B8CF-9CC2D7D3F47E}" type="slidenum">
+              <a:rPr lang="en-KH" smtClean="0"/>
+              <a:t>35</a:t>
+            </a:fld>
+            <a:endParaRPr lang="en-KH"/>
+          </a:p>
+        </p:txBody>
+      </p:sp>
+    </p:spTree>
+    <p:extLst>
+      <p:ext uri="{BB962C8B-B14F-4D97-AF65-F5344CB8AC3E}">
+        <p14:creationId xmlns:p14="http://schemas.microsoft.com/office/powerpoint/2010/main" val="2114024885"/>
+      </p:ext>
+    </p:extLst>
+  </p:cSld>
+  <p:clrMapOvr>
+    <a:masterClrMapping/>
+  </p:clrMapOvr>
+</p:notes>
+</file>
+
+<file path=ppt/notesSlides/notesSlide3.xml><?xml version="1.0" encoding="utf-8"?>
+<p:notes xmlns:a="http://schemas.openxmlformats.org/drawingml/2006/main" xmlns:r="http://schemas.openxmlformats.org/officeDocument/2006/relationships" xmlns:p="http://schemas.openxmlformats.org/presentationml/2006/main">
+  <p:cSld>
+    <p:spTree>
+      <p:nvGrpSpPr>
+        <p:cNvPr id="1" name="">
+          <a:extLst>
+            <a:ext uri="{FF2B5EF4-FFF2-40B4-BE49-F238E27FC236}">
+              <a16:creationId xmlns:a16="http://schemas.microsoft.com/office/drawing/2014/main" id="{15F50405-EA6E-E7C9-0FB1-BE4DD6BD77C3}"/>
+            </a:ext>
+          </a:extLst>
+        </p:cNvPr>
+        <p:cNvGrpSpPr/>
+        <p:nvPr/>
+      </p:nvGrpSpPr>
+      <p:grpSpPr>
+        <a:xfrm>
+          <a:off x="0" y="0"/>
+          <a:ext cx="0" cy="0"/>
+          <a:chOff x="0" y="0"/>
+          <a:chExt cx="0" cy="0"/>
+        </a:xfrm>
+      </p:grpSpPr>
+      <p:sp>
+        <p:nvSpPr>
+          <p:cNvPr id="2" name="Slide Image Placeholder 1">
+            <a:extLst>
+              <a:ext uri="{FF2B5EF4-FFF2-40B4-BE49-F238E27FC236}">
+                <a16:creationId xmlns:a16="http://schemas.microsoft.com/office/drawing/2014/main" id="{EDCE1FA3-7CE0-9711-EEE5-B7ECFB06CFBC}"/>
+              </a:ext>
+            </a:extLst>
+          </p:cNvPr>
+          <p:cNvSpPr>
+            <a:spLocks noGrp="1" noRot="1" noChangeAspect="1"/>
+          </p:cNvSpPr>
+          <p:nvPr>
+            <p:ph type="sldImg"/>
+          </p:nvPr>
+        </p:nvSpPr>
+        <p:spPr/>
+      </p:sp>
+      <p:sp>
+        <p:nvSpPr>
+          <p:cNvPr id="3" name="Notes Placeholder 2">
+            <a:extLst>
+              <a:ext uri="{FF2B5EF4-FFF2-40B4-BE49-F238E27FC236}">
+                <a16:creationId xmlns:a16="http://schemas.microsoft.com/office/drawing/2014/main" id="{4FFBBAAE-706B-0E6C-4EC7-4E4C579A68BC}"/>
+              </a:ext>
+            </a:extLst>
+          </p:cNvPr>
+          <p:cNvSpPr>
+            <a:spLocks noGrp="1"/>
+          </p:cNvSpPr>
+          <p:nvPr>
+            <p:ph type="body" idx="1"/>
+          </p:nvPr>
+        </p:nvSpPr>
+        <p:spPr/>
+        <p:txBody>
+          <a:bodyPr/>
+          <a:lstStyle/>
+          <a:p>
+            <a:endParaRPr lang="en-KH" dirty="0"/>
+          </a:p>
+        </p:txBody>
+      </p:sp>
+      <p:sp>
+        <p:nvSpPr>
+          <p:cNvPr id="4" name="Slide Number Placeholder 3">
+            <a:extLst>
+              <a:ext uri="{FF2B5EF4-FFF2-40B4-BE49-F238E27FC236}">
+                <a16:creationId xmlns:a16="http://schemas.microsoft.com/office/drawing/2014/main" id="{7E00FE22-2D10-12A0-0FBF-A72BBB002A0F}"/>
+              </a:ext>
+            </a:extLst>
+          </p:cNvPr>
+          <p:cNvSpPr>
+            <a:spLocks noGrp="1"/>
+          </p:cNvSpPr>
+          <p:nvPr>
+            <p:ph type="sldNum" sz="quarter" idx="5"/>
+          </p:nvPr>
+        </p:nvSpPr>
+        <p:spPr/>
+        <p:txBody>
+          <a:bodyPr/>
+          <a:lstStyle/>
+          <a:p>
+            <a:fld id="{84DABFE7-2B72-E34A-B8CF-9CC2D7D3F47E}" type="slidenum">
+              <a:rPr lang="en-KH" smtClean="0"/>
+              <a:t>36</a:t>
+            </a:fld>
+            <a:endParaRPr lang="en-KH"/>
+          </a:p>
+        </p:txBody>
+      </p:sp>
+    </p:spTree>
+    <p:extLst>
+      <p:ext uri="{BB962C8B-B14F-4D97-AF65-F5344CB8AC3E}">
+        <p14:creationId xmlns:p14="http://schemas.microsoft.com/office/powerpoint/2010/main" val="2428133503"/>
+      </p:ext>
+    </p:extLst>
+  </p:cSld>
+  <p:clrMapOvr>
+    <a:masterClrMapping/>
+  </p:clrMapOvr>
+</p:notes>
+</file>
+
 <file path=ppt/slideLayouts/slideLayout1.xml><?xml version="1.0" encoding="utf-8"?>
 <p:sldLayout xmlns:a="http://schemas.openxmlformats.org/drawingml/2006/main" xmlns:r="http://schemas.openxmlformats.org/officeDocument/2006/relationships" xmlns:p="http://schemas.openxmlformats.org/presentationml/2006/main" type="title" preserve="1">
   <p:cSld name="Title Slide">
@@ -731,7 +925,7 @@
           <a:p>
             <a:fld id="{8F7A51AF-933C-9446-AB7C-4A14F59AF2F3}" type="datetimeFigureOut">
               <a:rPr lang="en-KH" smtClean="0"/>
-              <a:t>14/1/26</a:t>
+              <a:t>15/1/26</a:t>
             </a:fld>
             <a:endParaRPr lang="en-KH"/>
           </a:p>
@@ -931,7 +1125,7 @@
           <a:p>
             <a:fld id="{8F7A51AF-933C-9446-AB7C-4A14F59AF2F3}" type="datetimeFigureOut">
               <a:rPr lang="en-KH" smtClean="0"/>
-              <a:t>14/1/26</a:t>
+              <a:t>15/1/26</a:t>
             </a:fld>
             <a:endParaRPr lang="en-KH"/>
           </a:p>
@@ -1141,7 +1335,7 @@
           <a:p>
             <a:fld id="{8F7A51AF-933C-9446-AB7C-4A14F59AF2F3}" type="datetimeFigureOut">
               <a:rPr lang="en-KH" smtClean="0"/>
-              <a:t>14/1/26</a:t>
+              <a:t>15/1/26</a:t>
             </a:fld>
             <a:endParaRPr lang="en-KH"/>
           </a:p>
@@ -1341,7 +1535,7 @@
           <a:p>
             <a:fld id="{8F7A51AF-933C-9446-AB7C-4A14F59AF2F3}" type="datetimeFigureOut">
               <a:rPr lang="en-KH" smtClean="0"/>
-              <a:t>14/1/26</a:t>
+              <a:t>15/1/26</a:t>
             </a:fld>
             <a:endParaRPr lang="en-KH"/>
           </a:p>
@@ -1617,7 +1811,7 @@
           <a:p>
             <a:fld id="{8F7A51AF-933C-9446-AB7C-4A14F59AF2F3}" type="datetimeFigureOut">
               <a:rPr lang="en-KH" smtClean="0"/>
-              <a:t>14/1/26</a:t>
+              <a:t>15/1/26</a:t>
             </a:fld>
             <a:endParaRPr lang="en-KH"/>
           </a:p>
@@ -1885,7 +2079,7 @@
           <a:p>
             <a:fld id="{8F7A51AF-933C-9446-AB7C-4A14F59AF2F3}" type="datetimeFigureOut">
               <a:rPr lang="en-KH" smtClean="0"/>
-              <a:t>14/1/26</a:t>
+              <a:t>15/1/26</a:t>
             </a:fld>
             <a:endParaRPr lang="en-KH"/>
           </a:p>
@@ -2300,7 +2494,7 @@
           <a:p>
             <a:fld id="{8F7A51AF-933C-9446-AB7C-4A14F59AF2F3}" type="datetimeFigureOut">
               <a:rPr lang="en-KH" smtClean="0"/>
-              <a:t>14/1/26</a:t>
+              <a:t>15/1/26</a:t>
             </a:fld>
             <a:endParaRPr lang="en-KH"/>
           </a:p>
@@ -2442,7 +2636,7 @@
           <a:p>
             <a:fld id="{8F7A51AF-933C-9446-AB7C-4A14F59AF2F3}" type="datetimeFigureOut">
               <a:rPr lang="en-KH" smtClean="0"/>
-              <a:t>14/1/26</a:t>
+              <a:t>15/1/26</a:t>
             </a:fld>
             <a:endParaRPr lang="en-KH"/>
           </a:p>
@@ -2555,7 +2749,7 @@
           <a:p>
             <a:fld id="{8F7A51AF-933C-9446-AB7C-4A14F59AF2F3}" type="datetimeFigureOut">
               <a:rPr lang="en-KH" smtClean="0"/>
-              <a:t>14/1/26</a:t>
+              <a:t>15/1/26</a:t>
             </a:fld>
             <a:endParaRPr lang="en-KH"/>
           </a:p>
@@ -2868,7 +3062,7 @@
           <a:p>
             <a:fld id="{8F7A51AF-933C-9446-AB7C-4A14F59AF2F3}" type="datetimeFigureOut">
               <a:rPr lang="en-KH" smtClean="0"/>
-              <a:t>14/1/26</a:t>
+              <a:t>15/1/26</a:t>
             </a:fld>
             <a:endParaRPr lang="en-KH"/>
           </a:p>
@@ -3157,7 +3351,7 @@
           <a:p>
             <a:fld id="{8F7A51AF-933C-9446-AB7C-4A14F59AF2F3}" type="datetimeFigureOut">
               <a:rPr lang="en-KH" smtClean="0"/>
-              <a:t>14/1/26</a:t>
+              <a:t>15/1/26</a:t>
             </a:fld>
             <a:endParaRPr lang="en-KH"/>
           </a:p>
@@ -3400,7 +3594,7 @@
           <a:p>
             <a:fld id="{8F7A51AF-933C-9446-AB7C-4A14F59AF2F3}" type="datetimeFigureOut">
               <a:rPr lang="en-KH" smtClean="0"/>
-              <a:t>14/1/26</a:t>
+              <a:t>15/1/26</a:t>
             </a:fld>
             <a:endParaRPr lang="en-KH"/>
           </a:p>
@@ -29492,6 +29686,1670 @@
 </p:sld>
 </file>
 
+<file path=ppt/slides/slide35.xml><?xml version="1.0" encoding="utf-8"?>
+<p:sld xmlns:a="http://schemas.openxmlformats.org/drawingml/2006/main" xmlns:r="http://schemas.openxmlformats.org/officeDocument/2006/relationships" xmlns:p="http://schemas.openxmlformats.org/presentationml/2006/main">
+  <p:cSld>
+    <p:bg>
+      <p:bgPr>
+        <a:solidFill>
+          <a:schemeClr val="bg1"/>
+        </a:solidFill>
+        <a:effectLst/>
+      </p:bgPr>
+    </p:bg>
+    <p:spTree>
+      <p:nvGrpSpPr>
+        <p:cNvPr id="1" name="">
+          <a:extLst>
+            <a:ext uri="{FF2B5EF4-FFF2-40B4-BE49-F238E27FC236}">
+              <a16:creationId xmlns:a16="http://schemas.microsoft.com/office/drawing/2014/main" id="{53FD39B0-55A8-EF29-D0E7-12C81B2BC138}"/>
+            </a:ext>
+          </a:extLst>
+        </p:cNvPr>
+        <p:cNvGrpSpPr/>
+        <p:nvPr/>
+      </p:nvGrpSpPr>
+      <p:grpSpPr>
+        <a:xfrm>
+          <a:off x="0" y="0"/>
+          <a:ext cx="0" cy="0"/>
+          <a:chOff x="0" y="0"/>
+          <a:chExt cx="0" cy="0"/>
+        </a:xfrm>
+      </p:grpSpPr>
+      <p:sp>
+        <p:nvSpPr>
+          <p:cNvPr id="2" name="Title 1">
+            <a:extLst>
+              <a:ext uri="{FF2B5EF4-FFF2-40B4-BE49-F238E27FC236}">
+                <a16:creationId xmlns:a16="http://schemas.microsoft.com/office/drawing/2014/main" id="{43FB7C63-13F4-0968-3E42-E219D77CB156}"/>
+              </a:ext>
+            </a:extLst>
+          </p:cNvPr>
+          <p:cNvSpPr>
+            <a:spLocks noGrp="1"/>
+          </p:cNvSpPr>
+          <p:nvPr>
+            <p:ph type="ctrTitle"/>
+          </p:nvPr>
+        </p:nvSpPr>
+        <p:spPr>
+          <a:xfrm>
+            <a:off x="1701800" y="119781"/>
+            <a:ext cx="9144000" cy="789373"/>
+          </a:xfrm>
+        </p:spPr>
+        <p:txBody>
+          <a:bodyPr>
+            <a:normAutofit/>
+          </a:bodyPr>
+          <a:lstStyle/>
+          <a:p>
+            <a:pPr algn="l"/>
+            <a:r>
+              <a:rPr lang="en-US" sz="3600" dirty="0">
+                <a:solidFill>
+                  <a:srgbClr val="002060"/>
+                </a:solidFill>
+                <a:latin typeface="Khmer OS Battambang" panose="02000500000000020004" pitchFamily="2" charset="77"/>
+                <a:cs typeface="Khmer OS Battambang" panose="02000500000000020004" pitchFamily="2" charset="77"/>
+              </a:rPr>
+              <a:t>Static</a:t>
+            </a:r>
+            <a:endParaRPr lang="en-KH" sz="3600" dirty="0">
+              <a:solidFill>
+                <a:srgbClr val="002060"/>
+              </a:solidFill>
+              <a:latin typeface="Khmer OS Battambang" panose="02000500000000020004" pitchFamily="2" charset="77"/>
+              <a:cs typeface="Khmer OS Battambang" panose="02000500000000020004" pitchFamily="2" charset="77"/>
+            </a:endParaRPr>
+          </a:p>
+        </p:txBody>
+      </p:sp>
+      <p:cxnSp>
+        <p:nvCxnSpPr>
+          <p:cNvPr id="8" name="Straight Connector 7">
+            <a:extLst>
+              <a:ext uri="{FF2B5EF4-FFF2-40B4-BE49-F238E27FC236}">
+                <a16:creationId xmlns:a16="http://schemas.microsoft.com/office/drawing/2014/main" id="{93A601CB-85BF-18EB-C690-DE4B6D0292D7}"/>
+              </a:ext>
+            </a:extLst>
+          </p:cNvPr>
+          <p:cNvCxnSpPr/>
+          <p:nvPr/>
+        </p:nvCxnSpPr>
+        <p:spPr>
+          <a:xfrm>
+            <a:off x="0" y="1050468"/>
+            <a:ext cx="12192000" cy="0"/>
+          </a:xfrm>
+          <a:prstGeom prst="line">
+            <a:avLst/>
+          </a:prstGeom>
+          <a:ln w="57150">
+            <a:solidFill>
+              <a:srgbClr val="D49B06"/>
+            </a:solidFill>
+          </a:ln>
+        </p:spPr>
+        <p:style>
+          <a:lnRef idx="2">
+            <a:schemeClr val="accent1"/>
+          </a:lnRef>
+          <a:fillRef idx="0">
+            <a:schemeClr val="accent1"/>
+          </a:fillRef>
+          <a:effectRef idx="1">
+            <a:schemeClr val="accent1"/>
+          </a:effectRef>
+          <a:fontRef idx="minor">
+            <a:schemeClr val="tx1"/>
+          </a:fontRef>
+        </p:style>
+      </p:cxnSp>
+      <p:cxnSp>
+        <p:nvCxnSpPr>
+          <p:cNvPr id="10" name="Straight Connector 9">
+            <a:extLst>
+              <a:ext uri="{FF2B5EF4-FFF2-40B4-BE49-F238E27FC236}">
+                <a16:creationId xmlns:a16="http://schemas.microsoft.com/office/drawing/2014/main" id="{427FCE87-CC11-8CDF-4493-A31295726239}"/>
+              </a:ext>
+            </a:extLst>
+          </p:cNvPr>
+          <p:cNvCxnSpPr>
+            <a:cxnSpLocks/>
+          </p:cNvCxnSpPr>
+          <p:nvPr/>
+        </p:nvCxnSpPr>
+        <p:spPr>
+          <a:xfrm>
+            <a:off x="0" y="979812"/>
+            <a:ext cx="12192000" cy="0"/>
+          </a:xfrm>
+          <a:prstGeom prst="line">
+            <a:avLst/>
+          </a:prstGeom>
+          <a:ln w="57150">
+            <a:solidFill>
+              <a:srgbClr val="1C27CF"/>
+            </a:solidFill>
+          </a:ln>
+        </p:spPr>
+        <p:style>
+          <a:lnRef idx="2">
+            <a:schemeClr val="accent1"/>
+          </a:lnRef>
+          <a:fillRef idx="0">
+            <a:schemeClr val="accent1"/>
+          </a:fillRef>
+          <a:effectRef idx="1">
+            <a:schemeClr val="accent1"/>
+          </a:effectRef>
+          <a:fontRef idx="minor">
+            <a:schemeClr val="tx1"/>
+          </a:fontRef>
+        </p:style>
+      </p:cxnSp>
+      <p:pic>
+        <p:nvPicPr>
+          <p:cNvPr id="47" name="Picture 46" descr="A blue circle with a yellow and white bird in it&#10;&#10;AI-generated content may be incorrect.">
+            <a:extLst>
+              <a:ext uri="{FF2B5EF4-FFF2-40B4-BE49-F238E27FC236}">
+                <a16:creationId xmlns:a16="http://schemas.microsoft.com/office/drawing/2014/main" id="{AE6DF9C8-F40B-639D-ACCF-B99AE41DADDE}"/>
+              </a:ext>
+            </a:extLst>
+          </p:cNvPr>
+          <p:cNvPicPr>
+            <a:picLocks noChangeAspect="1"/>
+          </p:cNvPicPr>
+          <p:nvPr/>
+        </p:nvPicPr>
+        <p:blipFill>
+          <a:blip r:embed="rId3"/>
+          <a:stretch>
+            <a:fillRect/>
+          </a:stretch>
+        </p:blipFill>
+        <p:spPr>
+          <a:xfrm>
+            <a:off x="325438" y="219712"/>
+            <a:ext cx="606500" cy="606500"/>
+          </a:xfrm>
+          <a:prstGeom prst="rect">
+            <a:avLst/>
+          </a:prstGeom>
+        </p:spPr>
+      </p:pic>
+      <p:sp>
+        <p:nvSpPr>
+          <p:cNvPr id="7" name="Subtitle 2">
+            <a:extLst>
+              <a:ext uri="{FF2B5EF4-FFF2-40B4-BE49-F238E27FC236}">
+                <a16:creationId xmlns:a16="http://schemas.microsoft.com/office/drawing/2014/main" id="{08FCF2BE-DF88-72E5-135E-297DF666BB9F}"/>
+              </a:ext>
+            </a:extLst>
+          </p:cNvPr>
+          <p:cNvSpPr>
+            <a:spLocks noGrp="1"/>
+          </p:cNvSpPr>
+          <p:nvPr>
+            <p:ph type="subTitle" idx="1"/>
+          </p:nvPr>
+        </p:nvSpPr>
+        <p:spPr>
+          <a:xfrm>
+            <a:off x="624192" y="1219212"/>
+            <a:ext cx="10954536" cy="5306275"/>
+          </a:xfrm>
+        </p:spPr>
+        <p:txBody>
+          <a:bodyPr>
+            <a:noAutofit/>
+          </a:bodyPr>
+          <a:lstStyle/>
+          <a:p>
+            <a:pPr algn="l">
+              <a:lnSpc>
+                <a:spcPct val="150000"/>
+              </a:lnSpc>
+              <a:spcBef>
+                <a:spcPts val="1500"/>
+              </a:spcBef>
+            </a:pPr>
+            <a:r>
+              <a:rPr lang="en-US" sz="1800" dirty="0">
+                <a:solidFill>
+                  <a:srgbClr val="002060"/>
+                </a:solidFill>
+                <a:latin typeface="Khmer OS Battambang" panose="02000500000000020004" pitchFamily="2" charset="77"/>
+                <a:cs typeface="Khmer OS Battambang" panose="02000500000000020004" pitchFamily="2" charset="77"/>
+              </a:rPr>
+              <a:t>​    </a:t>
+            </a:r>
+            <a:r>
+              <a:rPr lang="en-US" sz="2000" dirty="0">
+                <a:solidFill>
+                  <a:srgbClr val="002060"/>
+                </a:solidFill>
+                <a:latin typeface="Khmer OS Battambang" panose="02000500000000020004" pitchFamily="2" charset="77"/>
+                <a:cs typeface="Khmer OS Battambang" panose="02000500000000020004" pitchFamily="2" charset="77"/>
+              </a:rPr>
+              <a:t>Static : </a:t>
+            </a:r>
+            <a:r>
+              <a:rPr lang="en-US" sz="2000" dirty="0" err="1">
+                <a:solidFill>
+                  <a:srgbClr val="0070C0"/>
+                </a:solidFill>
+                <a:latin typeface="Khmer OS Battambang" panose="02000500000000020004" pitchFamily="2" charset="77"/>
+                <a:cs typeface="Khmer OS Battambang" panose="02000500000000020004" pitchFamily="2" charset="77"/>
+              </a:rPr>
+              <a:t>គឺជា</a:t>
+            </a:r>
+            <a:r>
+              <a:rPr lang="en-US" sz="2000" dirty="0">
+                <a:solidFill>
+                  <a:srgbClr val="0070C0"/>
+                </a:solidFill>
+                <a:latin typeface="Khmer OS Battambang" panose="02000500000000020004" pitchFamily="2" charset="77"/>
+                <a:cs typeface="Khmer OS Battambang" panose="02000500000000020004" pitchFamily="2" charset="77"/>
+              </a:rPr>
+              <a:t> Control flow </a:t>
+            </a:r>
+            <a:r>
+              <a:rPr lang="en-US" sz="2000" dirty="0" err="1">
+                <a:solidFill>
+                  <a:srgbClr val="0070C0"/>
+                </a:solidFill>
+                <a:latin typeface="Khmer OS Battambang" panose="02000500000000020004" pitchFamily="2" charset="77"/>
+                <a:cs typeface="Khmer OS Battambang" panose="02000500000000020004" pitchFamily="2" charset="77"/>
+              </a:rPr>
+              <a:t>ដែលប្រើប្រាស់ក្នុងការកំណត់លំដាប់លំដោយនៃជំហាននីមួយ</a:t>
+            </a:r>
+            <a:r>
+              <a:rPr lang="en-US" sz="2000" dirty="0">
+                <a:solidFill>
+                  <a:srgbClr val="0070C0"/>
+                </a:solidFill>
+                <a:latin typeface="Khmer OS Battambang" panose="02000500000000020004" pitchFamily="2" charset="77"/>
+                <a:cs typeface="Khmer OS Battambang" panose="02000500000000020004" pitchFamily="2" charset="77"/>
+              </a:rPr>
+              <a:t>ៗ​</a:t>
+            </a:r>
+            <a:r>
+              <a:rPr lang="en-US" sz="2000" dirty="0" err="1">
+                <a:solidFill>
+                  <a:srgbClr val="0070C0"/>
+                </a:solidFill>
+                <a:latin typeface="Khmer OS Battambang" panose="02000500000000020004" pitchFamily="2" charset="77"/>
+                <a:cs typeface="Khmer OS Battambang" panose="02000500000000020004" pitchFamily="2" charset="77"/>
+              </a:rPr>
+              <a:t>សម្រាប់ការផ្ទុកទិន្នន័យតែម្តងគត</a:t>
+            </a:r>
+            <a:r>
+              <a:rPr lang="en-US" sz="2000" dirty="0">
+                <a:solidFill>
+                  <a:srgbClr val="0070C0"/>
+                </a:solidFill>
+                <a:latin typeface="Khmer OS Battambang" panose="02000500000000020004" pitchFamily="2" charset="77"/>
+                <a:cs typeface="Khmer OS Battambang" panose="02000500000000020004" pitchFamily="2" charset="77"/>
+              </a:rPr>
+              <a:t>់ </a:t>
+            </a:r>
+            <a:r>
+              <a:rPr lang="en-US" sz="2000" dirty="0" err="1">
+                <a:solidFill>
+                  <a:srgbClr val="0070C0"/>
+                </a:solidFill>
+                <a:latin typeface="Khmer OS Battambang" panose="02000500000000020004" pitchFamily="2" charset="77"/>
+                <a:cs typeface="Khmer OS Battambang" panose="02000500000000020004" pitchFamily="2" charset="77"/>
+              </a:rPr>
+              <a:t>និងការចាប់ផ្តើមនៃ</a:t>
+            </a:r>
+            <a:r>
+              <a:rPr lang="en-US" sz="2000" dirty="0">
+                <a:solidFill>
+                  <a:srgbClr val="0070C0"/>
+                </a:solidFill>
+                <a:latin typeface="Khmer OS Battambang" panose="02000500000000020004" pitchFamily="2" charset="77"/>
+                <a:cs typeface="Khmer OS Battambang" panose="02000500000000020004" pitchFamily="2" charset="77"/>
+              </a:rPr>
+              <a:t> class </a:t>
+            </a:r>
+            <a:r>
+              <a:rPr lang="en-US" sz="2000" dirty="0" err="1">
+                <a:solidFill>
+                  <a:srgbClr val="0070C0"/>
+                </a:solidFill>
+                <a:latin typeface="Khmer OS Battambang" panose="02000500000000020004" pitchFamily="2" charset="77"/>
+                <a:cs typeface="Khmer OS Battambang" panose="02000500000000020004" pitchFamily="2" charset="77"/>
+              </a:rPr>
+              <a:t>មួយដែលកើតឡើងនៅពេល</a:t>
+            </a:r>
+            <a:r>
+              <a:rPr lang="en-US" sz="2000" dirty="0">
+                <a:solidFill>
+                  <a:srgbClr val="0070C0"/>
+                </a:solidFill>
+                <a:latin typeface="Khmer OS Battambang" panose="02000500000000020004" pitchFamily="2" charset="77"/>
+                <a:cs typeface="Khmer OS Battambang" panose="02000500000000020004" pitchFamily="2" charset="77"/>
+              </a:rPr>
+              <a:t> JVM </a:t>
+            </a:r>
+            <a:r>
+              <a:rPr lang="en-US" sz="2000" dirty="0" err="1">
+                <a:solidFill>
+                  <a:srgbClr val="0070C0"/>
+                </a:solidFill>
+                <a:latin typeface="Khmer OS Battambang" panose="02000500000000020004" pitchFamily="2" charset="77"/>
+                <a:cs typeface="Khmer OS Battambang" panose="02000500000000020004" pitchFamily="2" charset="77"/>
+              </a:rPr>
+              <a:t>ត្រូវការប្រើប្រាស់វាដំបូង</a:t>
+            </a:r>
+            <a:r>
+              <a:rPr lang="en-US" sz="2000" dirty="0">
+                <a:solidFill>
+                  <a:srgbClr val="0070C0"/>
+                </a:solidFill>
+                <a:latin typeface="Khmer OS Battambang" panose="02000500000000020004" pitchFamily="2" charset="77"/>
+                <a:cs typeface="Khmer OS Battambang" panose="02000500000000020004" pitchFamily="2" charset="77"/>
+              </a:rPr>
+              <a:t>។</a:t>
+            </a:r>
+          </a:p>
+          <a:p>
+            <a:pPr algn="l">
+              <a:lnSpc>
+                <a:spcPct val="150000"/>
+              </a:lnSpc>
+              <a:spcBef>
+                <a:spcPts val="1500"/>
+              </a:spcBef>
+            </a:pPr>
+            <a:r>
+              <a:rPr lang="en-US" sz="2000" dirty="0">
+                <a:solidFill>
+                  <a:srgbClr val="002060"/>
+                </a:solidFill>
+                <a:latin typeface="Khmer OS Battambang" panose="02000500000000020004" pitchFamily="2" charset="77"/>
+                <a:cs typeface="Khmer OS Battambang" panose="02000500000000020004" pitchFamily="2" charset="77"/>
+              </a:rPr>
+              <a:t>    </a:t>
+            </a:r>
+            <a:r>
+              <a:rPr lang="en-US" sz="2000" dirty="0" err="1">
+                <a:solidFill>
+                  <a:srgbClr val="002060"/>
+                </a:solidFill>
+                <a:latin typeface="Khmer OS Battambang" panose="02000500000000020004" pitchFamily="2" charset="77"/>
+                <a:cs typeface="Khmer OS Battambang" panose="02000500000000020004" pitchFamily="2" charset="77"/>
+              </a:rPr>
+              <a:t>ជំហាននៃ</a:t>
+            </a:r>
+            <a:r>
+              <a:rPr lang="en-US" sz="2000" dirty="0">
+                <a:solidFill>
+                  <a:srgbClr val="002060"/>
+                </a:solidFill>
+                <a:latin typeface="Khmer OS Battambang" panose="02000500000000020004" pitchFamily="2" charset="77"/>
+                <a:cs typeface="Khmer OS Battambang" panose="02000500000000020004" pitchFamily="2" charset="77"/>
+              </a:rPr>
+              <a:t> Static Control Flow:</a:t>
+            </a:r>
+            <a:endParaRPr lang="km-KH" sz="2000" dirty="0">
+              <a:solidFill>
+                <a:srgbClr val="002060"/>
+              </a:solidFill>
+              <a:latin typeface="Khmer OS Battambang" panose="02000500000000020004" pitchFamily="2" charset="77"/>
+              <a:cs typeface="Khmer OS Battambang" panose="02000500000000020004" pitchFamily="2" charset="77"/>
+            </a:endParaRPr>
+          </a:p>
+          <a:p>
+            <a:pPr marL="800100" lvl="1" indent="-342900" algn="l">
+              <a:lnSpc>
+                <a:spcPct val="150000"/>
+              </a:lnSpc>
+              <a:spcBef>
+                <a:spcPts val="1500"/>
+              </a:spcBef>
+              <a:buFont typeface="Wingdings" pitchFamily="2" charset="2"/>
+              <a:buChar char="Ø"/>
+            </a:pPr>
+            <a:r>
+              <a:rPr lang="en-US" dirty="0" err="1">
+                <a:solidFill>
+                  <a:srgbClr val="002060"/>
+                </a:solidFill>
+                <a:latin typeface="Khmer OS Battambang" panose="02000500000000020004" pitchFamily="2" charset="77"/>
+                <a:cs typeface="Khmer OS Battambang" panose="02000500000000020004" pitchFamily="2" charset="77"/>
+              </a:rPr>
+              <a:t>ការកំណត់អត្តសញ្ញាណ</a:t>
+            </a:r>
+            <a:r>
+              <a:rPr lang="en-US" dirty="0">
+                <a:solidFill>
+                  <a:srgbClr val="0070C0"/>
+                </a:solidFill>
+                <a:latin typeface="Khmer OS Battambang" panose="02000500000000020004" pitchFamily="2" charset="77"/>
+                <a:cs typeface="Khmer OS Battambang" panose="02000500000000020004" pitchFamily="2" charset="77"/>
+              </a:rPr>
+              <a:t>: JVM </a:t>
+            </a:r>
+            <a:r>
+              <a:rPr lang="en-US" dirty="0" err="1">
+                <a:solidFill>
+                  <a:srgbClr val="0070C0"/>
+                </a:solidFill>
+                <a:latin typeface="Khmer OS Battambang" panose="02000500000000020004" pitchFamily="2" charset="77"/>
+                <a:cs typeface="Khmer OS Battambang" panose="02000500000000020004" pitchFamily="2" charset="77"/>
+              </a:rPr>
+              <a:t>ធ្វើការស្កេន</a:t>
+            </a:r>
+            <a:r>
+              <a:rPr lang="en-US" dirty="0">
+                <a:solidFill>
+                  <a:srgbClr val="0070C0"/>
+                </a:solidFill>
+                <a:latin typeface="Khmer OS Battambang" panose="02000500000000020004" pitchFamily="2" charset="77"/>
+                <a:cs typeface="Khmer OS Battambang" panose="02000500000000020004" pitchFamily="2" charset="77"/>
+              </a:rPr>
+              <a:t> class </a:t>
+            </a:r>
+            <a:r>
+              <a:rPr lang="en-US" dirty="0" err="1">
+                <a:solidFill>
+                  <a:srgbClr val="0070C0"/>
+                </a:solidFill>
+                <a:latin typeface="Khmer OS Battambang" panose="02000500000000020004" pitchFamily="2" charset="77"/>
+                <a:cs typeface="Khmer OS Battambang" panose="02000500000000020004" pitchFamily="2" charset="77"/>
+              </a:rPr>
+              <a:t>ពីលើចុះក្រោម</a:t>
+            </a:r>
+            <a:r>
+              <a:rPr lang="en-US" dirty="0">
+                <a:solidFill>
+                  <a:srgbClr val="0070C0"/>
+                </a:solidFill>
+                <a:latin typeface="Khmer OS Battambang" panose="02000500000000020004" pitchFamily="2" charset="77"/>
+                <a:cs typeface="Khmer OS Battambang" panose="02000500000000020004" pitchFamily="2" charset="77"/>
+              </a:rPr>
+              <a:t> </a:t>
+            </a:r>
+            <a:r>
+              <a:rPr lang="en-US" dirty="0" err="1">
+                <a:solidFill>
+                  <a:srgbClr val="0070C0"/>
+                </a:solidFill>
+                <a:latin typeface="Khmer OS Battambang" panose="02000500000000020004" pitchFamily="2" charset="77"/>
+                <a:cs typeface="Khmer OS Battambang" panose="02000500000000020004" pitchFamily="2" charset="77"/>
+              </a:rPr>
+              <a:t>ហើយធ្វើការកំណត់នូវអត្តសញ្ញាណរាល</a:t>
+            </a:r>
+            <a:r>
+              <a:rPr lang="en-US" dirty="0">
+                <a:solidFill>
+                  <a:srgbClr val="0070C0"/>
+                </a:solidFill>
+                <a:latin typeface="Khmer OS Battambang" panose="02000500000000020004" pitchFamily="2" charset="77"/>
+                <a:cs typeface="Khmer OS Battambang" panose="02000500000000020004" pitchFamily="2" charset="77"/>
+              </a:rPr>
+              <a:t>់ static variables, static blocks </a:t>
+            </a:r>
+            <a:r>
+              <a:rPr lang="en-US" dirty="0" err="1">
+                <a:solidFill>
+                  <a:srgbClr val="0070C0"/>
+                </a:solidFill>
+                <a:latin typeface="Khmer OS Battambang" panose="02000500000000020004" pitchFamily="2" charset="77"/>
+                <a:cs typeface="Khmer OS Battambang" panose="02000500000000020004" pitchFamily="2" charset="77"/>
+              </a:rPr>
+              <a:t>និង</a:t>
+            </a:r>
+            <a:r>
+              <a:rPr lang="en-US" dirty="0">
+                <a:solidFill>
+                  <a:srgbClr val="0070C0"/>
+                </a:solidFill>
+                <a:latin typeface="Khmer OS Battambang" panose="02000500000000020004" pitchFamily="2" charset="77"/>
+                <a:cs typeface="Khmer OS Battambang" panose="02000500000000020004" pitchFamily="2" charset="77"/>
+              </a:rPr>
+              <a:t> static methods។</a:t>
+            </a:r>
+          </a:p>
+          <a:p>
+            <a:pPr marL="800100" lvl="1" indent="-342900" algn="l">
+              <a:lnSpc>
+                <a:spcPct val="150000"/>
+              </a:lnSpc>
+              <a:spcBef>
+                <a:spcPts val="1500"/>
+              </a:spcBef>
+              <a:buFont typeface="Wingdings" pitchFamily="2" charset="2"/>
+              <a:buChar char="Ø"/>
+            </a:pPr>
+            <a:r>
+              <a:rPr lang="en-US" dirty="0" err="1">
+                <a:solidFill>
+                  <a:srgbClr val="002060"/>
+                </a:solidFill>
+                <a:latin typeface="Khmer OS Battambang" panose="02000500000000020004" pitchFamily="2" charset="77"/>
+                <a:cs typeface="Khmer OS Battambang" panose="02000500000000020004" pitchFamily="2" charset="77"/>
+              </a:rPr>
+              <a:t>ការចាប់ផ្តើម</a:t>
+            </a:r>
+            <a:r>
+              <a:rPr lang="en-US" dirty="0">
+                <a:solidFill>
+                  <a:srgbClr val="0070C0"/>
+                </a:solidFill>
+                <a:latin typeface="Khmer OS Battambang" panose="02000500000000020004" pitchFamily="2" charset="77"/>
+                <a:cs typeface="Khmer OS Battambang" panose="02000500000000020004" pitchFamily="2" charset="77"/>
+              </a:rPr>
+              <a:t>:</a:t>
+            </a:r>
+          </a:p>
+          <a:p>
+            <a:pPr marL="1257300" lvl="2" indent="-342900" algn="l">
+              <a:lnSpc>
+                <a:spcPct val="100000"/>
+              </a:lnSpc>
+              <a:spcBef>
+                <a:spcPts val="1500"/>
+              </a:spcBef>
+              <a:buFont typeface="+mj-lt"/>
+              <a:buAutoNum type="arabicPeriod"/>
+            </a:pPr>
+            <a:r>
+              <a:rPr lang="en-US" dirty="0">
+                <a:solidFill>
+                  <a:srgbClr val="0070C0"/>
+                </a:solidFill>
+                <a:latin typeface="Khmer OS Battambang" panose="02000500000000020004" pitchFamily="2" charset="77"/>
+                <a:cs typeface="Khmer OS Battambang" panose="02000500000000020004" pitchFamily="2" charset="77"/>
+              </a:rPr>
+              <a:t>Static variables </a:t>
+            </a:r>
+            <a:r>
+              <a:rPr lang="en-US" dirty="0" err="1">
+                <a:solidFill>
+                  <a:srgbClr val="0070C0"/>
+                </a:solidFill>
+                <a:latin typeface="Khmer OS Battambang" panose="02000500000000020004" pitchFamily="2" charset="77"/>
+                <a:cs typeface="Khmer OS Battambang" panose="02000500000000020004" pitchFamily="2" charset="77"/>
+              </a:rPr>
+              <a:t>ត្រូវបានចាត់តាំងតម្លៃចាប់ផ្តើម</a:t>
+            </a:r>
+            <a:r>
+              <a:rPr lang="en-US" dirty="0">
+                <a:solidFill>
+                  <a:srgbClr val="0070C0"/>
+                </a:solidFill>
+                <a:latin typeface="Khmer OS Battambang" panose="02000500000000020004" pitchFamily="2" charset="77"/>
+                <a:cs typeface="Khmer OS Battambang" panose="02000500000000020004" pitchFamily="2" charset="77"/>
+              </a:rPr>
+              <a:t>។</a:t>
+            </a:r>
+          </a:p>
+          <a:p>
+            <a:pPr marL="1257300" lvl="2" indent="-342900" algn="l">
+              <a:lnSpc>
+                <a:spcPct val="100000"/>
+              </a:lnSpc>
+              <a:spcBef>
+                <a:spcPts val="1500"/>
+              </a:spcBef>
+              <a:buFont typeface="+mj-lt"/>
+              <a:buAutoNum type="arabicPeriod"/>
+            </a:pPr>
+            <a:r>
+              <a:rPr lang="en-US" dirty="0" err="1">
+                <a:solidFill>
+                  <a:srgbClr val="0070C0"/>
+                </a:solidFill>
+                <a:latin typeface="Khmer OS Battambang" panose="02000500000000020004" pitchFamily="2" charset="77"/>
+                <a:cs typeface="Khmer OS Battambang" panose="02000500000000020004" pitchFamily="2" charset="77"/>
+              </a:rPr>
+              <a:t>ប្លុក</a:t>
+            </a:r>
+            <a:r>
+              <a:rPr lang="en-US" dirty="0">
+                <a:solidFill>
+                  <a:srgbClr val="0070C0"/>
+                </a:solidFill>
+                <a:latin typeface="Khmer OS Battambang" panose="02000500000000020004" pitchFamily="2" charset="77"/>
+                <a:cs typeface="Khmer OS Battambang" panose="02000500000000020004" pitchFamily="2" charset="77"/>
+              </a:rPr>
+              <a:t> Static </a:t>
+            </a:r>
+            <a:r>
+              <a:rPr lang="en-US" dirty="0" err="1">
+                <a:solidFill>
+                  <a:srgbClr val="0070C0"/>
+                </a:solidFill>
+                <a:latin typeface="Khmer OS Battambang" panose="02000500000000020004" pitchFamily="2" charset="77"/>
+                <a:cs typeface="Khmer OS Battambang" panose="02000500000000020004" pitchFamily="2" charset="77"/>
+              </a:rPr>
+              <a:t>បានប្រតិបត្តិទៅតាមលំដាប់ដែលបានលិចឡើងពីប្រភព</a:t>
+            </a:r>
+            <a:r>
+              <a:rPr lang="en-US" dirty="0">
+                <a:solidFill>
+                  <a:srgbClr val="0070C0"/>
+                </a:solidFill>
+                <a:latin typeface="Khmer OS Battambang" panose="02000500000000020004" pitchFamily="2" charset="77"/>
+                <a:cs typeface="Khmer OS Battambang" panose="02000500000000020004" pitchFamily="2" charset="77"/>
+              </a:rPr>
+              <a:t> code។</a:t>
+            </a:r>
+          </a:p>
+          <a:p>
+            <a:pPr marL="742950" lvl="1" indent="-285750" algn="l">
+              <a:lnSpc>
+                <a:spcPct val="150000"/>
+              </a:lnSpc>
+              <a:spcBef>
+                <a:spcPts val="1500"/>
+              </a:spcBef>
+              <a:buFont typeface="Wingdings" pitchFamily="2" charset="2"/>
+              <a:buChar char="Ø"/>
+            </a:pPr>
+            <a:r>
+              <a:rPr lang="en-US" dirty="0" err="1">
+                <a:solidFill>
+                  <a:srgbClr val="002060"/>
+                </a:solidFill>
+                <a:latin typeface="Khmer OS Battambang" panose="02000500000000020004" pitchFamily="2" charset="77"/>
+                <a:cs typeface="Khmer OS Battambang" panose="02000500000000020004" pitchFamily="2" charset="77"/>
+              </a:rPr>
+              <a:t>ការប្រតិបត្តិ</a:t>
+            </a:r>
+            <a:r>
+              <a:rPr lang="en-US" dirty="0">
+                <a:solidFill>
+                  <a:srgbClr val="0070C0"/>
+                </a:solidFill>
+                <a:latin typeface="Khmer OS Battambang" panose="02000500000000020004" pitchFamily="2" charset="77"/>
+                <a:cs typeface="Khmer OS Battambang" panose="02000500000000020004" pitchFamily="2" charset="77"/>
+              </a:rPr>
+              <a:t>:​ </a:t>
+            </a:r>
+            <a:r>
+              <a:rPr lang="en-US" sz="1800" dirty="0" err="1">
+                <a:solidFill>
+                  <a:srgbClr val="0070C0"/>
+                </a:solidFill>
+                <a:latin typeface="Khmer OS Battambang" panose="02000500000000020004" pitchFamily="2" charset="77"/>
+                <a:cs typeface="Khmer OS Battambang" panose="02000500000000020004" pitchFamily="2" charset="77"/>
+              </a:rPr>
+              <a:t>ចាប់ផ្តើមប្រតិបត្តិ</a:t>
+            </a:r>
+            <a:r>
+              <a:rPr lang="en-US" sz="1800" dirty="0">
+                <a:solidFill>
+                  <a:srgbClr val="0070C0"/>
+                </a:solidFill>
+                <a:latin typeface="Khmer OS Battambang" panose="02000500000000020004" pitchFamily="2" charset="77"/>
+                <a:cs typeface="Khmer OS Battambang" panose="02000500000000020004" pitchFamily="2" charset="77"/>
+              </a:rPr>
+              <a:t> method public static void main(String[] </a:t>
+            </a:r>
+            <a:r>
+              <a:rPr lang="en-US" sz="1800" dirty="0" err="1">
+                <a:solidFill>
+                  <a:srgbClr val="0070C0"/>
+                </a:solidFill>
+                <a:latin typeface="Khmer OS Battambang" panose="02000500000000020004" pitchFamily="2" charset="77"/>
+                <a:cs typeface="Khmer OS Battambang" panose="02000500000000020004" pitchFamily="2" charset="77"/>
+              </a:rPr>
+              <a:t>args</a:t>
+            </a:r>
+            <a:r>
+              <a:rPr lang="en-US" sz="1800" dirty="0">
+                <a:solidFill>
+                  <a:srgbClr val="0070C0"/>
+                </a:solidFill>
+                <a:latin typeface="Khmer OS Battambang" panose="02000500000000020004" pitchFamily="2" charset="77"/>
+                <a:cs typeface="Khmer OS Battambang" panose="02000500000000020004" pitchFamily="2" charset="77"/>
+              </a:rPr>
+              <a:t>) </a:t>
+            </a:r>
+            <a:r>
+              <a:rPr lang="en-US" sz="1800" dirty="0" err="1">
+                <a:solidFill>
+                  <a:srgbClr val="0070C0"/>
+                </a:solidFill>
+                <a:latin typeface="Khmer OS Battambang" panose="02000500000000020004" pitchFamily="2" charset="77"/>
+                <a:cs typeface="Khmer OS Battambang" panose="02000500000000020004" pitchFamily="2" charset="77"/>
+              </a:rPr>
+              <a:t>ដែលជាចំណុចចូលកម្មវិធី</a:t>
+            </a:r>
+            <a:r>
+              <a:rPr lang="en-US" sz="1800" dirty="0">
+                <a:solidFill>
+                  <a:srgbClr val="0070C0"/>
+                </a:solidFill>
+                <a:latin typeface="Khmer OS Battambang" panose="02000500000000020004" pitchFamily="2" charset="77"/>
+                <a:cs typeface="Khmer OS Battambang" panose="02000500000000020004" pitchFamily="2" charset="77"/>
+              </a:rPr>
+              <a:t>។</a:t>
+            </a:r>
+            <a:endParaRPr lang="en-US" sz="1800" dirty="0">
+              <a:solidFill>
+                <a:srgbClr val="002060"/>
+              </a:solidFill>
+              <a:latin typeface="Khmer OS Battambang" panose="02000500000000020004" pitchFamily="2" charset="77"/>
+              <a:cs typeface="Khmer OS Battambang" panose="02000500000000020004" pitchFamily="2" charset="77"/>
+            </a:endParaRPr>
+          </a:p>
+        </p:txBody>
+      </p:sp>
+    </p:spTree>
+    <p:extLst>
+      <p:ext uri="{BB962C8B-B14F-4D97-AF65-F5344CB8AC3E}">
+        <p14:creationId xmlns:p14="http://schemas.microsoft.com/office/powerpoint/2010/main" val="2065087295"/>
+      </p:ext>
+    </p:extLst>
+  </p:cSld>
+  <p:clrMapOvr>
+    <a:masterClrMapping/>
+  </p:clrMapOvr>
+</p:sld>
+</file>
+
+<file path=ppt/slides/slide36.xml><?xml version="1.0" encoding="utf-8"?>
+<p:sld xmlns:a="http://schemas.openxmlformats.org/drawingml/2006/main" xmlns:r="http://schemas.openxmlformats.org/officeDocument/2006/relationships" xmlns:p="http://schemas.openxmlformats.org/presentationml/2006/main">
+  <p:cSld>
+    <p:bg>
+      <p:bgPr>
+        <a:solidFill>
+          <a:schemeClr val="bg1"/>
+        </a:solidFill>
+        <a:effectLst/>
+      </p:bgPr>
+    </p:bg>
+    <p:spTree>
+      <p:nvGrpSpPr>
+        <p:cNvPr id="1" name="">
+          <a:extLst>
+            <a:ext uri="{FF2B5EF4-FFF2-40B4-BE49-F238E27FC236}">
+              <a16:creationId xmlns:a16="http://schemas.microsoft.com/office/drawing/2014/main" id="{B0D83A6A-539A-ADDB-D8E0-9D0E2FD5A362}"/>
+            </a:ext>
+          </a:extLst>
+        </p:cNvPr>
+        <p:cNvGrpSpPr/>
+        <p:nvPr/>
+      </p:nvGrpSpPr>
+      <p:grpSpPr>
+        <a:xfrm>
+          <a:off x="0" y="0"/>
+          <a:ext cx="0" cy="0"/>
+          <a:chOff x="0" y="0"/>
+          <a:chExt cx="0" cy="0"/>
+        </a:xfrm>
+      </p:grpSpPr>
+      <p:sp>
+        <p:nvSpPr>
+          <p:cNvPr id="2" name="Title 1">
+            <a:extLst>
+              <a:ext uri="{FF2B5EF4-FFF2-40B4-BE49-F238E27FC236}">
+                <a16:creationId xmlns:a16="http://schemas.microsoft.com/office/drawing/2014/main" id="{6EE54139-28EB-EBFC-7407-F9177D28910E}"/>
+              </a:ext>
+            </a:extLst>
+          </p:cNvPr>
+          <p:cNvSpPr>
+            <a:spLocks noGrp="1"/>
+          </p:cNvSpPr>
+          <p:nvPr>
+            <p:ph type="ctrTitle"/>
+          </p:nvPr>
+        </p:nvSpPr>
+        <p:spPr>
+          <a:xfrm>
+            <a:off x="1701800" y="119781"/>
+            <a:ext cx="9144000" cy="789373"/>
+          </a:xfrm>
+        </p:spPr>
+        <p:txBody>
+          <a:bodyPr>
+            <a:normAutofit/>
+          </a:bodyPr>
+          <a:lstStyle/>
+          <a:p>
+            <a:pPr algn="l"/>
+            <a:r>
+              <a:rPr lang="en-US" sz="3600" dirty="0">
+                <a:solidFill>
+                  <a:srgbClr val="002060"/>
+                </a:solidFill>
+                <a:latin typeface="Khmer OS Battambang" panose="02000500000000020004" pitchFamily="2" charset="77"/>
+                <a:cs typeface="Khmer OS Battambang" panose="02000500000000020004" pitchFamily="2" charset="77"/>
+              </a:rPr>
+              <a:t>Instance</a:t>
+            </a:r>
+            <a:endParaRPr lang="en-KH" sz="3600" dirty="0">
+              <a:solidFill>
+                <a:srgbClr val="002060"/>
+              </a:solidFill>
+              <a:latin typeface="Khmer OS Battambang" panose="02000500000000020004" pitchFamily="2" charset="77"/>
+              <a:cs typeface="Khmer OS Battambang" panose="02000500000000020004" pitchFamily="2" charset="77"/>
+            </a:endParaRPr>
+          </a:p>
+        </p:txBody>
+      </p:sp>
+      <p:cxnSp>
+        <p:nvCxnSpPr>
+          <p:cNvPr id="8" name="Straight Connector 7">
+            <a:extLst>
+              <a:ext uri="{FF2B5EF4-FFF2-40B4-BE49-F238E27FC236}">
+                <a16:creationId xmlns:a16="http://schemas.microsoft.com/office/drawing/2014/main" id="{B59A6992-F556-F5B6-31B8-7C0B59BFA0C1}"/>
+              </a:ext>
+            </a:extLst>
+          </p:cNvPr>
+          <p:cNvCxnSpPr/>
+          <p:nvPr/>
+        </p:nvCxnSpPr>
+        <p:spPr>
+          <a:xfrm>
+            <a:off x="0" y="1050468"/>
+            <a:ext cx="12192000" cy="0"/>
+          </a:xfrm>
+          <a:prstGeom prst="line">
+            <a:avLst/>
+          </a:prstGeom>
+          <a:ln w="57150">
+            <a:solidFill>
+              <a:srgbClr val="D49B06"/>
+            </a:solidFill>
+          </a:ln>
+        </p:spPr>
+        <p:style>
+          <a:lnRef idx="2">
+            <a:schemeClr val="accent1"/>
+          </a:lnRef>
+          <a:fillRef idx="0">
+            <a:schemeClr val="accent1"/>
+          </a:fillRef>
+          <a:effectRef idx="1">
+            <a:schemeClr val="accent1"/>
+          </a:effectRef>
+          <a:fontRef idx="minor">
+            <a:schemeClr val="tx1"/>
+          </a:fontRef>
+        </p:style>
+      </p:cxnSp>
+      <p:cxnSp>
+        <p:nvCxnSpPr>
+          <p:cNvPr id="10" name="Straight Connector 9">
+            <a:extLst>
+              <a:ext uri="{FF2B5EF4-FFF2-40B4-BE49-F238E27FC236}">
+                <a16:creationId xmlns:a16="http://schemas.microsoft.com/office/drawing/2014/main" id="{C5698FBD-3CB5-D1FD-7203-611EFDA65D1E}"/>
+              </a:ext>
+            </a:extLst>
+          </p:cNvPr>
+          <p:cNvCxnSpPr>
+            <a:cxnSpLocks/>
+          </p:cNvCxnSpPr>
+          <p:nvPr/>
+        </p:nvCxnSpPr>
+        <p:spPr>
+          <a:xfrm>
+            <a:off x="0" y="979812"/>
+            <a:ext cx="12192000" cy="0"/>
+          </a:xfrm>
+          <a:prstGeom prst="line">
+            <a:avLst/>
+          </a:prstGeom>
+          <a:ln w="57150">
+            <a:solidFill>
+              <a:srgbClr val="1C27CF"/>
+            </a:solidFill>
+          </a:ln>
+        </p:spPr>
+        <p:style>
+          <a:lnRef idx="2">
+            <a:schemeClr val="accent1"/>
+          </a:lnRef>
+          <a:fillRef idx="0">
+            <a:schemeClr val="accent1"/>
+          </a:fillRef>
+          <a:effectRef idx="1">
+            <a:schemeClr val="accent1"/>
+          </a:effectRef>
+          <a:fontRef idx="minor">
+            <a:schemeClr val="tx1"/>
+          </a:fontRef>
+        </p:style>
+      </p:cxnSp>
+      <p:pic>
+        <p:nvPicPr>
+          <p:cNvPr id="47" name="Picture 46" descr="A blue circle with a yellow and white bird in it&#10;&#10;AI-generated content may be incorrect.">
+            <a:extLst>
+              <a:ext uri="{FF2B5EF4-FFF2-40B4-BE49-F238E27FC236}">
+                <a16:creationId xmlns:a16="http://schemas.microsoft.com/office/drawing/2014/main" id="{7A81B597-8102-C362-5D51-B2168AE349AB}"/>
+              </a:ext>
+            </a:extLst>
+          </p:cNvPr>
+          <p:cNvPicPr>
+            <a:picLocks noChangeAspect="1"/>
+          </p:cNvPicPr>
+          <p:nvPr/>
+        </p:nvPicPr>
+        <p:blipFill>
+          <a:blip r:embed="rId3"/>
+          <a:stretch>
+            <a:fillRect/>
+          </a:stretch>
+        </p:blipFill>
+        <p:spPr>
+          <a:xfrm>
+            <a:off x="325438" y="219712"/>
+            <a:ext cx="606500" cy="606500"/>
+          </a:xfrm>
+          <a:prstGeom prst="rect">
+            <a:avLst/>
+          </a:prstGeom>
+        </p:spPr>
+      </p:pic>
+      <p:sp>
+        <p:nvSpPr>
+          <p:cNvPr id="7" name="Subtitle 2">
+            <a:extLst>
+              <a:ext uri="{FF2B5EF4-FFF2-40B4-BE49-F238E27FC236}">
+                <a16:creationId xmlns:a16="http://schemas.microsoft.com/office/drawing/2014/main" id="{89C3E948-4D3B-CF13-506C-6C86FEAFC054}"/>
+              </a:ext>
+            </a:extLst>
+          </p:cNvPr>
+          <p:cNvSpPr>
+            <a:spLocks noGrp="1"/>
+          </p:cNvSpPr>
+          <p:nvPr>
+            <p:ph type="subTitle" idx="1"/>
+          </p:nvPr>
+        </p:nvSpPr>
+        <p:spPr>
+          <a:xfrm>
+            <a:off x="624192" y="1219212"/>
+            <a:ext cx="10954536" cy="5306275"/>
+          </a:xfrm>
+        </p:spPr>
+        <p:txBody>
+          <a:bodyPr>
+            <a:noAutofit/>
+          </a:bodyPr>
+          <a:lstStyle/>
+          <a:p>
+            <a:pPr algn="l">
+              <a:lnSpc>
+                <a:spcPct val="150000"/>
+              </a:lnSpc>
+              <a:spcBef>
+                <a:spcPts val="1500"/>
+              </a:spcBef>
+            </a:pPr>
+            <a:r>
+              <a:rPr lang="en-US" sz="1800" dirty="0">
+                <a:solidFill>
+                  <a:srgbClr val="002060"/>
+                </a:solidFill>
+                <a:latin typeface="Khmer OS Battambang" panose="02000500000000020004" pitchFamily="2" charset="77"/>
+                <a:cs typeface="Khmer OS Battambang" panose="02000500000000020004" pitchFamily="2" charset="77"/>
+              </a:rPr>
+              <a:t>​     </a:t>
+            </a:r>
+            <a:r>
+              <a:rPr lang="en-US" sz="2000" dirty="0">
+                <a:solidFill>
+                  <a:srgbClr val="002060"/>
+                </a:solidFill>
+                <a:latin typeface="Khmer OS Battambang" panose="02000500000000020004" pitchFamily="2" charset="77"/>
+                <a:cs typeface="Khmer OS Battambang" panose="02000500000000020004" pitchFamily="2" charset="77"/>
+              </a:rPr>
+              <a:t>Instance : </a:t>
+            </a:r>
+            <a:r>
+              <a:rPr lang="en-US" sz="2000" dirty="0" err="1">
+                <a:solidFill>
+                  <a:srgbClr val="0070C0"/>
+                </a:solidFill>
+                <a:latin typeface="Khmer OS Battambang" panose="02000500000000020004" pitchFamily="2" charset="77"/>
+                <a:cs typeface="Khmer OS Battambang" panose="02000500000000020004" pitchFamily="2" charset="77"/>
+              </a:rPr>
+              <a:t>គឺជាដំណើរការជាជំហានៗនៃការចាប់ផ្តើមរបស</a:t>
+            </a:r>
+            <a:r>
+              <a:rPr lang="en-US" sz="2000" dirty="0">
+                <a:solidFill>
+                  <a:srgbClr val="0070C0"/>
+                </a:solidFill>
+                <a:latin typeface="Khmer OS Battambang" panose="02000500000000020004" pitchFamily="2" charset="77"/>
+                <a:cs typeface="Khmer OS Battambang" panose="02000500000000020004" pitchFamily="2" charset="77"/>
+              </a:rPr>
+              <a:t>់ object​ </a:t>
+            </a:r>
+            <a:r>
+              <a:rPr lang="en-US" sz="2000" dirty="0" err="1">
+                <a:solidFill>
+                  <a:srgbClr val="0070C0"/>
+                </a:solidFill>
+                <a:latin typeface="Khmer OS Battambang" panose="02000500000000020004" pitchFamily="2" charset="77"/>
+                <a:cs typeface="Khmer OS Battambang" panose="02000500000000020004" pitchFamily="2" charset="77"/>
+              </a:rPr>
+              <a:t>មួយក្នុងកម្មវីធី</a:t>
+            </a:r>
+            <a:r>
+              <a:rPr lang="en-US" sz="2000" dirty="0">
+                <a:solidFill>
+                  <a:srgbClr val="0070C0"/>
+                </a:solidFill>
+                <a:latin typeface="Khmer OS Battambang" panose="02000500000000020004" pitchFamily="2" charset="77"/>
+                <a:cs typeface="Khmer OS Battambang" panose="02000500000000020004" pitchFamily="2" charset="77"/>
+              </a:rPr>
+              <a:t> </a:t>
+            </a:r>
+            <a:r>
+              <a:rPr lang="en-US" sz="2000" dirty="0" err="1">
+                <a:solidFill>
+                  <a:srgbClr val="0070C0"/>
+                </a:solidFill>
+                <a:latin typeface="Khmer OS Battambang" panose="02000500000000020004" pitchFamily="2" charset="77"/>
+                <a:cs typeface="Khmer OS Battambang" panose="02000500000000020004" pitchFamily="2" charset="77"/>
+              </a:rPr>
+              <a:t>នៅពេលដែលវាបានកើតឡើង</a:t>
+            </a:r>
+            <a:r>
+              <a:rPr lang="en-US" sz="2000" dirty="0">
+                <a:solidFill>
+                  <a:srgbClr val="0070C0"/>
+                </a:solidFill>
+                <a:latin typeface="Khmer OS Battambang" panose="02000500000000020004" pitchFamily="2" charset="77"/>
+                <a:cs typeface="Khmer OS Battambang" panose="02000500000000020004" pitchFamily="2" charset="77"/>
+              </a:rPr>
+              <a:t>។</a:t>
+            </a:r>
+          </a:p>
+          <a:p>
+            <a:pPr algn="l">
+              <a:lnSpc>
+                <a:spcPct val="100000"/>
+              </a:lnSpc>
+              <a:spcBef>
+                <a:spcPts val="1500"/>
+              </a:spcBef>
+            </a:pPr>
+            <a:r>
+              <a:rPr lang="en-US" sz="2000" dirty="0">
+                <a:solidFill>
+                  <a:srgbClr val="002060"/>
+                </a:solidFill>
+                <a:latin typeface="Khmer OS Battambang" panose="02000500000000020004" pitchFamily="2" charset="77"/>
+                <a:cs typeface="Khmer OS Battambang" panose="02000500000000020004" pitchFamily="2" charset="77"/>
+              </a:rPr>
+              <a:t>     </a:t>
+            </a:r>
+            <a:r>
+              <a:rPr lang="en-US" sz="2000" dirty="0" err="1">
+                <a:solidFill>
+                  <a:srgbClr val="002060"/>
+                </a:solidFill>
+                <a:latin typeface="Khmer OS Battambang" panose="02000500000000020004" pitchFamily="2" charset="77"/>
+                <a:cs typeface="Khmer OS Battambang" panose="02000500000000020004" pitchFamily="2" charset="77"/>
+              </a:rPr>
+              <a:t>លំដាប់លំដោយពេលដែលបង្កើត</a:t>
+            </a:r>
+            <a:r>
+              <a:rPr lang="en-US" sz="2000" dirty="0">
+                <a:solidFill>
+                  <a:srgbClr val="002060"/>
+                </a:solidFill>
+                <a:latin typeface="Khmer OS Battambang" panose="02000500000000020004" pitchFamily="2" charset="77"/>
+                <a:cs typeface="Khmer OS Battambang" panose="02000500000000020004" pitchFamily="2" charset="77"/>
+              </a:rPr>
+              <a:t> object:</a:t>
+            </a:r>
+          </a:p>
+          <a:p>
+            <a:pPr marL="800100" lvl="1" indent="-342900" algn="l">
+              <a:lnSpc>
+                <a:spcPct val="150000"/>
+              </a:lnSpc>
+              <a:spcBef>
+                <a:spcPts val="1500"/>
+              </a:spcBef>
+              <a:buFont typeface="+mj-lt"/>
+              <a:buAutoNum type="arabicPeriod"/>
+            </a:pPr>
+            <a:r>
+              <a:rPr lang="en-US" sz="1800" dirty="0" err="1">
+                <a:solidFill>
+                  <a:srgbClr val="002060"/>
+                </a:solidFill>
+                <a:latin typeface="Khmer OS Battambang" panose="02000500000000020004" pitchFamily="2" charset="77"/>
+                <a:cs typeface="Khmer OS Battambang" panose="02000500000000020004" pitchFamily="2" charset="77"/>
+              </a:rPr>
+              <a:t>ការដំណើរការ</a:t>
+            </a:r>
+            <a:r>
+              <a:rPr lang="en-US" sz="1800" dirty="0">
+                <a:solidFill>
+                  <a:srgbClr val="002060"/>
+                </a:solidFill>
+                <a:latin typeface="Khmer OS Battambang" panose="02000500000000020004" pitchFamily="2" charset="77"/>
+                <a:cs typeface="Khmer OS Battambang" panose="02000500000000020004" pitchFamily="2" charset="77"/>
+              </a:rPr>
+              <a:t> Static control flow </a:t>
+            </a:r>
+            <a:r>
+              <a:rPr lang="en-US" sz="1800" dirty="0" err="1">
+                <a:solidFill>
+                  <a:srgbClr val="002060"/>
+                </a:solidFill>
+                <a:latin typeface="Khmer OS Battambang" panose="02000500000000020004" pitchFamily="2" charset="77"/>
+                <a:cs typeface="Khmer OS Battambang" panose="02000500000000020004" pitchFamily="2" charset="77"/>
+              </a:rPr>
+              <a:t>មុនគេបង្អស</a:t>
+            </a:r>
+            <a:r>
+              <a:rPr lang="en-US" sz="1800" dirty="0">
+                <a:solidFill>
+                  <a:srgbClr val="002060"/>
+                </a:solidFill>
+                <a:latin typeface="Khmer OS Battambang" panose="02000500000000020004" pitchFamily="2" charset="77"/>
+                <a:cs typeface="Khmer OS Battambang" panose="02000500000000020004" pitchFamily="2" charset="77"/>
+              </a:rPr>
+              <a:t>់</a:t>
+            </a:r>
+            <a:r>
+              <a:rPr lang="en-US" sz="1800" dirty="0">
+                <a:solidFill>
+                  <a:srgbClr val="0070C0"/>
+                </a:solidFill>
+                <a:latin typeface="Khmer OS Battambang" panose="02000500000000020004" pitchFamily="2" charset="77"/>
+                <a:cs typeface="Khmer OS Battambang" panose="02000500000000020004" pitchFamily="2" charset="77"/>
+              </a:rPr>
+              <a:t>: JVM </a:t>
+            </a:r>
+            <a:r>
+              <a:rPr lang="en-US" sz="1800" dirty="0" err="1">
+                <a:solidFill>
+                  <a:srgbClr val="0070C0"/>
+                </a:solidFill>
+                <a:latin typeface="Khmer OS Battambang" panose="02000500000000020004" pitchFamily="2" charset="77"/>
+                <a:cs typeface="Khmer OS Battambang" panose="02000500000000020004" pitchFamily="2" charset="77"/>
+              </a:rPr>
+              <a:t>ប្រតិបត្តិដំបូងគេបំផុតនូវ</a:t>
+            </a:r>
+            <a:r>
+              <a:rPr lang="en-US" sz="1800" dirty="0">
+                <a:solidFill>
+                  <a:srgbClr val="0070C0"/>
+                </a:solidFill>
+                <a:latin typeface="Khmer OS Battambang" panose="02000500000000020004" pitchFamily="2" charset="77"/>
+                <a:cs typeface="Khmer OS Battambang" panose="02000500000000020004" pitchFamily="2" charset="77"/>
+              </a:rPr>
+              <a:t> Static control flow (static blocks, static variables) </a:t>
+            </a:r>
+            <a:r>
+              <a:rPr lang="en-US" sz="1800" dirty="0" err="1">
+                <a:solidFill>
+                  <a:srgbClr val="0070C0"/>
+                </a:solidFill>
+                <a:latin typeface="Khmer OS Battambang" panose="02000500000000020004" pitchFamily="2" charset="77"/>
+                <a:cs typeface="Khmer OS Battambang" panose="02000500000000020004" pitchFamily="2" charset="77"/>
+              </a:rPr>
+              <a:t>សម្រាប</a:t>
+            </a:r>
+            <a:r>
+              <a:rPr lang="en-US" sz="1800" dirty="0">
+                <a:solidFill>
+                  <a:srgbClr val="0070C0"/>
+                </a:solidFill>
+                <a:latin typeface="Khmer OS Battambang" panose="02000500000000020004" pitchFamily="2" charset="77"/>
+                <a:cs typeface="Khmer OS Battambang" panose="02000500000000020004" pitchFamily="2" charset="77"/>
+              </a:rPr>
+              <a:t>់ class​។ </a:t>
+            </a:r>
+            <a:r>
+              <a:rPr lang="en-US" sz="1800" dirty="0" err="1">
+                <a:solidFill>
+                  <a:srgbClr val="0070C0"/>
+                </a:solidFill>
+                <a:latin typeface="Khmer OS Battambang" panose="02000500000000020004" pitchFamily="2" charset="77"/>
+                <a:cs typeface="Khmer OS Battambang" panose="02000500000000020004" pitchFamily="2" charset="77"/>
+              </a:rPr>
+              <a:t>ប៉ុន្តែវាប្រតិ</a:t>
+            </a:r>
+            <a:r>
+              <a:rPr lang="en-US" sz="1800" dirty="0">
+                <a:solidFill>
+                  <a:srgbClr val="0070C0"/>
+                </a:solidFill>
+                <a:latin typeface="Khmer OS Battambang" panose="02000500000000020004" pitchFamily="2" charset="77"/>
+                <a:cs typeface="Khmer OS Battambang" panose="02000500000000020004" pitchFamily="2" charset="77"/>
+              </a:rPr>
+              <a:t>​</a:t>
+            </a:r>
+            <a:r>
+              <a:rPr lang="en-US" sz="1800" dirty="0" err="1">
+                <a:solidFill>
+                  <a:srgbClr val="0070C0"/>
+                </a:solidFill>
+                <a:latin typeface="Khmer OS Battambang" panose="02000500000000020004" pitchFamily="2" charset="77"/>
+                <a:cs typeface="Khmer OS Battambang" panose="02000500000000020004" pitchFamily="2" charset="77"/>
+              </a:rPr>
+              <a:t>បត្តិតែម្តងប៉ុណ្ណោះ</a:t>
+            </a:r>
+            <a:r>
+              <a:rPr lang="en-US" sz="1800" dirty="0">
+                <a:solidFill>
+                  <a:srgbClr val="0070C0"/>
+                </a:solidFill>
+                <a:latin typeface="Khmer OS Battambang" panose="02000500000000020004" pitchFamily="2" charset="77"/>
+                <a:cs typeface="Khmer OS Battambang" panose="02000500000000020004" pitchFamily="2" charset="77"/>
+              </a:rPr>
+              <a:t>។</a:t>
+            </a:r>
+          </a:p>
+          <a:p>
+            <a:pPr marL="800100" lvl="1" indent="-342900" algn="l">
+              <a:lnSpc>
+                <a:spcPct val="150000"/>
+              </a:lnSpc>
+              <a:spcBef>
+                <a:spcPts val="1500"/>
+              </a:spcBef>
+              <a:buFont typeface="+mj-lt"/>
+              <a:buAutoNum type="arabicPeriod"/>
+            </a:pPr>
+            <a:r>
+              <a:rPr lang="en-US" sz="1800" dirty="0" err="1">
+                <a:solidFill>
+                  <a:srgbClr val="002060"/>
+                </a:solidFill>
+                <a:latin typeface="Khmer OS Battambang" panose="02000500000000020004" pitchFamily="2" charset="77"/>
+                <a:cs typeface="Khmer OS Battambang" panose="02000500000000020004" pitchFamily="2" charset="77"/>
+              </a:rPr>
+              <a:t>ការកំណត់អត្តសញ្ញាណ</a:t>
+            </a:r>
+            <a:r>
+              <a:rPr lang="en-US" sz="1800" dirty="0">
+                <a:solidFill>
+                  <a:srgbClr val="002060"/>
+                </a:solidFill>
+                <a:latin typeface="Khmer OS Battambang" panose="02000500000000020004" pitchFamily="2" charset="77"/>
+                <a:cs typeface="Khmer OS Battambang" panose="02000500000000020004" pitchFamily="2" charset="77"/>
+              </a:rPr>
+              <a:t> Instance Member</a:t>
+            </a:r>
+            <a:r>
+              <a:rPr lang="en-US" sz="1800" dirty="0">
+                <a:solidFill>
+                  <a:srgbClr val="0070C0"/>
+                </a:solidFill>
+                <a:latin typeface="Khmer OS Battambang" panose="02000500000000020004" pitchFamily="2" charset="77"/>
+                <a:cs typeface="Khmer OS Battambang" panose="02000500000000020004" pitchFamily="2" charset="77"/>
+              </a:rPr>
+              <a:t>: JVM </a:t>
+            </a:r>
+            <a:r>
+              <a:rPr lang="en-US" sz="1800" dirty="0" err="1">
+                <a:solidFill>
+                  <a:srgbClr val="0070C0"/>
+                </a:solidFill>
+                <a:latin typeface="Khmer OS Battambang" panose="02000500000000020004" pitchFamily="2" charset="77"/>
+                <a:cs typeface="Khmer OS Battambang" panose="02000500000000020004" pitchFamily="2" charset="77"/>
+              </a:rPr>
+              <a:t>ស្កេន</a:t>
+            </a:r>
+            <a:r>
+              <a:rPr lang="en-US" sz="1800" dirty="0">
+                <a:solidFill>
+                  <a:srgbClr val="0070C0"/>
+                </a:solidFill>
+                <a:latin typeface="Khmer OS Battambang" panose="02000500000000020004" pitchFamily="2" charset="77"/>
+                <a:cs typeface="Khmer OS Battambang" panose="02000500000000020004" pitchFamily="2" charset="77"/>
+              </a:rPr>
+              <a:t> class </a:t>
+            </a:r>
+            <a:r>
+              <a:rPr lang="en-US" sz="1800" dirty="0" err="1">
+                <a:solidFill>
+                  <a:srgbClr val="0070C0"/>
+                </a:solidFill>
+                <a:latin typeface="Khmer OS Battambang" panose="02000500000000020004" pitchFamily="2" charset="77"/>
+                <a:cs typeface="Khmer OS Battambang" panose="02000500000000020004" pitchFamily="2" charset="77"/>
+              </a:rPr>
+              <a:t>ពីលើចុះក្រោមដើម្បីកំណត់អត្តសញ្ញណនូវរាល</a:t>
+            </a:r>
+            <a:r>
+              <a:rPr lang="en-US" sz="1800" dirty="0">
+                <a:solidFill>
+                  <a:srgbClr val="0070C0"/>
+                </a:solidFill>
+                <a:latin typeface="Khmer OS Battambang" panose="02000500000000020004" pitchFamily="2" charset="77"/>
+                <a:cs typeface="Khmer OS Battambang" panose="02000500000000020004" pitchFamily="2" charset="77"/>
+              </a:rPr>
+              <a:t>់ instance variables, instance initializer blocks </a:t>
+            </a:r>
+            <a:r>
+              <a:rPr lang="en-US" sz="1800" dirty="0" err="1">
+                <a:solidFill>
+                  <a:srgbClr val="0070C0"/>
+                </a:solidFill>
+                <a:latin typeface="Khmer OS Battambang" panose="02000500000000020004" pitchFamily="2" charset="77"/>
+                <a:cs typeface="Khmer OS Battambang" panose="02000500000000020004" pitchFamily="2" charset="77"/>
+              </a:rPr>
+              <a:t>និង</a:t>
+            </a:r>
+            <a:r>
+              <a:rPr lang="en-US" sz="1800" dirty="0">
+                <a:solidFill>
+                  <a:srgbClr val="0070C0"/>
+                </a:solidFill>
+                <a:latin typeface="Khmer OS Battambang" panose="02000500000000020004" pitchFamily="2" charset="77"/>
+                <a:cs typeface="Khmer OS Battambang" panose="02000500000000020004" pitchFamily="2" charset="77"/>
+              </a:rPr>
+              <a:t> </a:t>
+            </a:r>
+            <a:r>
+              <a:rPr lang="en-US" sz="1800" dirty="0" err="1">
+                <a:solidFill>
+                  <a:srgbClr val="0070C0"/>
+                </a:solidFill>
+                <a:latin typeface="Khmer OS Battambang" panose="02000500000000020004" pitchFamily="2" charset="77"/>
+                <a:cs typeface="Khmer OS Battambang" panose="02000500000000020004" pitchFamily="2" charset="77"/>
+              </a:rPr>
+              <a:t>constuctors</a:t>
+            </a:r>
+            <a:r>
+              <a:rPr lang="en-US" sz="1800" dirty="0">
+                <a:solidFill>
+                  <a:srgbClr val="0070C0"/>
+                </a:solidFill>
+                <a:latin typeface="Khmer OS Battambang" panose="02000500000000020004" pitchFamily="2" charset="77"/>
+                <a:cs typeface="Khmer OS Battambang" panose="02000500000000020004" pitchFamily="2" charset="77"/>
+              </a:rPr>
+              <a:t>។ </a:t>
+            </a:r>
+          </a:p>
+          <a:p>
+            <a:pPr marL="800100" lvl="1" indent="-342900" algn="l">
+              <a:lnSpc>
+                <a:spcPct val="150000"/>
+              </a:lnSpc>
+              <a:spcBef>
+                <a:spcPts val="1500"/>
+              </a:spcBef>
+              <a:buFont typeface="+mj-lt"/>
+              <a:buAutoNum type="arabicPeriod"/>
+            </a:pPr>
+            <a:r>
+              <a:rPr lang="en-US" sz="1800" dirty="0" err="1">
+                <a:solidFill>
+                  <a:srgbClr val="002060"/>
+                </a:solidFill>
+                <a:latin typeface="Khmer OS Battambang" panose="02000500000000020004" pitchFamily="2" charset="77"/>
+                <a:cs typeface="Khmer OS Battambang" panose="02000500000000020004" pitchFamily="2" charset="77"/>
+              </a:rPr>
+              <a:t>ប្លុកនៃ</a:t>
+            </a:r>
+            <a:r>
+              <a:rPr lang="en-US" sz="1800" dirty="0">
+                <a:solidFill>
+                  <a:srgbClr val="002060"/>
+                </a:solidFill>
+                <a:latin typeface="Khmer OS Battambang" panose="02000500000000020004" pitchFamily="2" charset="77"/>
+                <a:cs typeface="Khmer OS Battambang" panose="02000500000000020004" pitchFamily="2" charset="77"/>
+              </a:rPr>
+              <a:t> Instance Variable </a:t>
+            </a:r>
+            <a:r>
+              <a:rPr lang="en-US" sz="1800" dirty="0" err="1">
+                <a:solidFill>
+                  <a:srgbClr val="002060"/>
+                </a:solidFill>
+                <a:latin typeface="Khmer OS Battambang" panose="02000500000000020004" pitchFamily="2" charset="77"/>
+                <a:cs typeface="Khmer OS Battambang" panose="02000500000000020004" pitchFamily="2" charset="77"/>
+              </a:rPr>
+              <a:t>និងការចាត់តាំងតម្លៃនៃ</a:t>
+            </a:r>
+            <a:r>
+              <a:rPr lang="en-US" sz="1800" dirty="0">
+                <a:solidFill>
+                  <a:srgbClr val="002060"/>
+                </a:solidFill>
+                <a:latin typeface="Khmer OS Battambang" panose="02000500000000020004" pitchFamily="2" charset="77"/>
+                <a:cs typeface="Khmer OS Battambang" panose="02000500000000020004" pitchFamily="2" charset="77"/>
+              </a:rPr>
+              <a:t> Instance variable</a:t>
+            </a:r>
+            <a:r>
+              <a:rPr lang="en-US" sz="1800" dirty="0">
+                <a:solidFill>
+                  <a:srgbClr val="0070C0"/>
+                </a:solidFill>
+                <a:latin typeface="Khmer OS Battambang" panose="02000500000000020004" pitchFamily="2" charset="77"/>
+                <a:cs typeface="Khmer OS Battambang" panose="02000500000000020004" pitchFamily="2" charset="77"/>
+              </a:rPr>
+              <a:t>: </a:t>
+            </a:r>
+            <a:r>
+              <a:rPr lang="en-US" sz="1800" dirty="0" err="1">
+                <a:solidFill>
+                  <a:srgbClr val="0070C0"/>
+                </a:solidFill>
+                <a:latin typeface="Khmer OS Battambang" panose="02000500000000020004" pitchFamily="2" charset="77"/>
+                <a:cs typeface="Khmer OS Battambang" panose="02000500000000020004" pitchFamily="2" charset="77"/>
+              </a:rPr>
+              <a:t>ជាការប្រតិបត្តិពីលើចុះក្រោមនូវការចាត់តាំងតម្លៃ</a:t>
+            </a:r>
+            <a:r>
+              <a:rPr lang="en-US" sz="1800" dirty="0">
+                <a:solidFill>
+                  <a:srgbClr val="0070C0"/>
+                </a:solidFill>
+                <a:latin typeface="Khmer OS Battambang" panose="02000500000000020004" pitchFamily="2" charset="77"/>
+                <a:cs typeface="Khmer OS Battambang" panose="02000500000000020004" pitchFamily="2" charset="77"/>
+              </a:rPr>
+              <a:t>​</a:t>
+            </a:r>
+            <a:r>
+              <a:rPr lang="en-US" sz="1800" dirty="0" err="1">
+                <a:solidFill>
+                  <a:srgbClr val="0070C0"/>
+                </a:solidFill>
+                <a:latin typeface="Khmer OS Battambang" panose="02000500000000020004" pitchFamily="2" charset="77"/>
+                <a:cs typeface="Khmer OS Battambang" panose="02000500000000020004" pitchFamily="2" charset="77"/>
+              </a:rPr>
+              <a:t>ទៅឲ្យ</a:t>
+            </a:r>
+            <a:r>
+              <a:rPr lang="en-US" sz="1800" dirty="0">
+                <a:solidFill>
+                  <a:srgbClr val="0070C0"/>
+                </a:solidFill>
+                <a:latin typeface="Khmer OS Battambang" panose="02000500000000020004" pitchFamily="2" charset="77"/>
+                <a:cs typeface="Khmer OS Battambang" panose="02000500000000020004" pitchFamily="2" charset="77"/>
+              </a:rPr>
+              <a:t> variable </a:t>
+            </a:r>
+            <a:r>
+              <a:rPr lang="en-US" sz="1800" dirty="0" err="1">
+                <a:solidFill>
+                  <a:srgbClr val="0070C0"/>
+                </a:solidFill>
+                <a:latin typeface="Khmer OS Battambang" panose="02000500000000020004" pitchFamily="2" charset="77"/>
+                <a:cs typeface="Khmer OS Battambang" panose="02000500000000020004" pitchFamily="2" charset="77"/>
+              </a:rPr>
+              <a:t>ដែលបាន</a:t>
+            </a:r>
+            <a:r>
+              <a:rPr lang="en-US" sz="1800" dirty="0">
+                <a:solidFill>
+                  <a:srgbClr val="0070C0"/>
+                </a:solidFill>
+                <a:latin typeface="Khmer OS Battambang" panose="02000500000000020004" pitchFamily="2" charset="77"/>
+                <a:cs typeface="Khmer OS Battambang" panose="02000500000000020004" pitchFamily="2" charset="77"/>
+              </a:rPr>
+              <a:t> Instance​ </a:t>
+            </a:r>
+            <a:r>
+              <a:rPr lang="en-US" sz="1800" dirty="0" err="1">
+                <a:solidFill>
+                  <a:srgbClr val="0070C0"/>
+                </a:solidFill>
+                <a:latin typeface="Khmer OS Battambang" panose="02000500000000020004" pitchFamily="2" charset="77"/>
+                <a:cs typeface="Khmer OS Battambang" panose="02000500000000020004" pitchFamily="2" charset="77"/>
+              </a:rPr>
+              <a:t>រួច</a:t>
+            </a:r>
+            <a:r>
+              <a:rPr lang="en-US" sz="1800" dirty="0">
+                <a:solidFill>
+                  <a:srgbClr val="0070C0"/>
+                </a:solidFill>
+                <a:latin typeface="Khmer OS Battambang" panose="02000500000000020004" pitchFamily="2" charset="77"/>
+                <a:cs typeface="Khmer OS Battambang" panose="02000500000000020004" pitchFamily="2" charset="77"/>
+              </a:rPr>
+              <a:t>​ </a:t>
+            </a:r>
+            <a:r>
+              <a:rPr lang="en-US" sz="1800" dirty="0" err="1">
+                <a:solidFill>
+                  <a:srgbClr val="0070C0"/>
+                </a:solidFill>
+                <a:latin typeface="Khmer OS Battambang" panose="02000500000000020004" pitchFamily="2" charset="77"/>
+                <a:cs typeface="Khmer OS Battambang" panose="02000500000000020004" pitchFamily="2" charset="77"/>
+              </a:rPr>
+              <a:t>និងប្លុកកម្មវិធីចាប់ផ្តើម</a:t>
+            </a:r>
+            <a:r>
+              <a:rPr lang="en-US" sz="1800" dirty="0">
+                <a:solidFill>
+                  <a:srgbClr val="0070C0"/>
+                </a:solidFill>
+                <a:latin typeface="Khmer OS Battambang" panose="02000500000000020004" pitchFamily="2" charset="77"/>
+                <a:cs typeface="Khmer OS Battambang" panose="02000500000000020004" pitchFamily="2" charset="77"/>
+              </a:rPr>
+              <a:t> Instance។</a:t>
+            </a:r>
+          </a:p>
+          <a:p>
+            <a:pPr marL="800100" lvl="1" indent="-342900" algn="l">
+              <a:lnSpc>
+                <a:spcPct val="150000"/>
+              </a:lnSpc>
+              <a:spcBef>
+                <a:spcPts val="1500"/>
+              </a:spcBef>
+              <a:buFont typeface="+mj-lt"/>
+              <a:buAutoNum type="arabicPeriod"/>
+            </a:pPr>
+            <a:r>
+              <a:rPr lang="en-US" sz="1800" dirty="0" err="1">
+                <a:solidFill>
+                  <a:srgbClr val="002060"/>
+                </a:solidFill>
+                <a:latin typeface="Khmer OS Battambang" panose="02000500000000020004" pitchFamily="2" charset="77"/>
+                <a:cs typeface="Khmer OS Battambang" panose="02000500000000020004" pitchFamily="2" charset="77"/>
+              </a:rPr>
+              <a:t>ការប្រតិបត្តិ</a:t>
+            </a:r>
+            <a:r>
+              <a:rPr lang="en-US" sz="1800" dirty="0">
+                <a:solidFill>
+                  <a:srgbClr val="002060"/>
+                </a:solidFill>
+                <a:latin typeface="Khmer OS Battambang" panose="02000500000000020004" pitchFamily="2" charset="77"/>
+                <a:cs typeface="Khmer OS Battambang" panose="02000500000000020004" pitchFamily="2" charset="77"/>
+              </a:rPr>
+              <a:t> Constructor</a:t>
+            </a:r>
+            <a:r>
+              <a:rPr lang="en-US" sz="1800" dirty="0">
+                <a:solidFill>
+                  <a:srgbClr val="0070C0"/>
+                </a:solidFill>
+                <a:latin typeface="Khmer OS Battambang" panose="02000500000000020004" pitchFamily="2" charset="77"/>
+                <a:cs typeface="Khmer OS Battambang" panose="02000500000000020004" pitchFamily="2" charset="77"/>
+              </a:rPr>
+              <a:t>: </a:t>
+            </a:r>
+            <a:r>
+              <a:rPr lang="en-US" sz="1800" dirty="0" err="1">
+                <a:solidFill>
+                  <a:srgbClr val="0070C0"/>
+                </a:solidFill>
+                <a:latin typeface="Khmer OS Battambang" panose="02000500000000020004" pitchFamily="2" charset="77"/>
+                <a:cs typeface="Khmer OS Battambang" panose="02000500000000020004" pitchFamily="2" charset="77"/>
+              </a:rPr>
+              <a:t>ជាការប្រតិបត្តិចុងក្រោយបំផុតនូវ</a:t>
+            </a:r>
+            <a:r>
+              <a:rPr lang="en-US" sz="1800" dirty="0">
+                <a:solidFill>
+                  <a:srgbClr val="0070C0"/>
+                </a:solidFill>
+                <a:latin typeface="Khmer OS Battambang" panose="02000500000000020004" pitchFamily="2" charset="77"/>
+                <a:cs typeface="Khmer OS Battambang" panose="02000500000000020004" pitchFamily="2" charset="77"/>
+              </a:rPr>
+              <a:t> Constructor </a:t>
+            </a:r>
+            <a:r>
+              <a:rPr lang="en-US" sz="1800" dirty="0" err="1">
+                <a:solidFill>
+                  <a:srgbClr val="0070C0"/>
+                </a:solidFill>
+                <a:latin typeface="Khmer OS Battambang" panose="02000500000000020004" pitchFamily="2" charset="77"/>
+                <a:cs typeface="Khmer OS Battambang" panose="02000500000000020004" pitchFamily="2" charset="77"/>
+              </a:rPr>
+              <a:t>សម្រាប</a:t>
+            </a:r>
+            <a:r>
+              <a:rPr lang="en-US" sz="1800" dirty="0">
+                <a:solidFill>
+                  <a:srgbClr val="0070C0"/>
+                </a:solidFill>
+                <a:latin typeface="Khmer OS Battambang" panose="02000500000000020004" pitchFamily="2" charset="77"/>
+                <a:cs typeface="Khmer OS Battambang" panose="02000500000000020004" pitchFamily="2" charset="77"/>
+              </a:rPr>
+              <a:t>់ object </a:t>
+            </a:r>
+            <a:r>
+              <a:rPr lang="en-US" sz="1800" dirty="0" err="1">
+                <a:solidFill>
+                  <a:srgbClr val="0070C0"/>
+                </a:solidFill>
+                <a:latin typeface="Khmer OS Battambang" panose="02000500000000020004" pitchFamily="2" charset="77"/>
+                <a:cs typeface="Khmer OS Battambang" panose="02000500000000020004" pitchFamily="2" charset="77"/>
+              </a:rPr>
+              <a:t>ជាក់លាក់ដែលនឹងត្រូវបានបង្កើត</a:t>
+            </a:r>
+            <a:r>
+              <a:rPr lang="en-US" sz="1800" dirty="0">
+                <a:solidFill>
+                  <a:srgbClr val="0070C0"/>
+                </a:solidFill>
+                <a:latin typeface="Khmer OS Battambang" panose="02000500000000020004" pitchFamily="2" charset="77"/>
+                <a:cs typeface="Khmer OS Battambang" panose="02000500000000020004" pitchFamily="2" charset="77"/>
+              </a:rPr>
+              <a:t>។</a:t>
+            </a:r>
+          </a:p>
+        </p:txBody>
+      </p:sp>
+    </p:spTree>
+    <p:extLst>
+      <p:ext uri="{BB962C8B-B14F-4D97-AF65-F5344CB8AC3E}">
+        <p14:creationId xmlns:p14="http://schemas.microsoft.com/office/powerpoint/2010/main" val="1220872530"/>
+      </p:ext>
+    </p:extLst>
+  </p:cSld>
+  <p:clrMapOvr>
+    <a:masterClrMapping/>
+  </p:clrMapOvr>
+</p:sld>
+</file>
+
 <file path=ppt/slides/slide4.xml><?xml version="1.0" encoding="utf-8"?>
 <p:sld xmlns:a="http://schemas.openxmlformats.org/drawingml/2006/main" xmlns:r="http://schemas.openxmlformats.org/officeDocument/2006/relationships" xmlns:p="http://schemas.openxmlformats.org/presentationml/2006/main">
   <p:cSld>

--- a/Java For Beginer Lession.pptx
+++ b/Java For Beginer Lession.pptx
@@ -5,7 +5,7 @@
     <p:sldMasterId id="2147483648" r:id="rId1"/>
   </p:sldMasterIdLst>
   <p:notesMasterIdLst>
-    <p:notesMasterId r:id="rId38"/>
+    <p:notesMasterId r:id="rId43"/>
   </p:notesMasterIdLst>
   <p:sldIdLst>
     <p:sldId id="257" r:id="rId2"/>
@@ -44,6 +44,11 @@
     <p:sldId id="290" r:id="rId35"/>
     <p:sldId id="291" r:id="rId36"/>
     <p:sldId id="292" r:id="rId37"/>
+    <p:sldId id="293" r:id="rId38"/>
+    <p:sldId id="294" r:id="rId39"/>
+    <p:sldId id="295" r:id="rId40"/>
+    <p:sldId id="296" r:id="rId41"/>
+    <p:sldId id="297" r:id="rId42"/>
   </p:sldIdLst>
   <p:sldSz cx="12192000" cy="6858000"/>
   <p:notesSz cx="6858000" cy="9144000"/>
@@ -232,7 +237,7 @@
           <a:p>
             <a:fld id="{A4B2FDEF-09AE-D841-82B5-B8C57D3BE67B}" type="datetimeFigureOut">
               <a:rPr lang="en-KH" smtClean="0"/>
-              <a:t>15/1/26</a:t>
+              <a:t>22/1/26</a:t>
             </a:fld>
             <a:endParaRPr lang="en-KH"/>
           </a:p>
@@ -544,7 +549,7 @@
           <a:bodyPr/>
           <a:lstStyle/>
           <a:p>
-            <a:endParaRPr lang="en-KH" dirty="0"/>
+            <a:endParaRPr lang="en-KH"/>
           </a:p>
         </p:txBody>
       </p:sp>
@@ -565,7 +570,7 @@
           <a:p>
             <a:fld id="{84DABFE7-2B72-E34A-B8CF-9CC2D7D3F47E}" type="slidenum">
               <a:rPr lang="en-KH" smtClean="0"/>
-              <a:t>14</a:t>
+              <a:t>1</a:t>
             </a:fld>
             <a:endParaRPr lang="en-KH"/>
           </a:p>
@@ -574,7 +579,7 @@
     </p:spTree>
     <p:extLst>
       <p:ext uri="{BB962C8B-B14F-4D97-AF65-F5344CB8AC3E}">
-        <p14:creationId xmlns:p14="http://schemas.microsoft.com/office/powerpoint/2010/main" val="1550688180"/>
+        <p14:creationId xmlns:p14="http://schemas.microsoft.com/office/powerpoint/2010/main" val="714169618"/>
       </p:ext>
     </p:extLst>
   </p:cSld>
@@ -649,6 +654,90 @@
           <a:p>
             <a:fld id="{84DABFE7-2B72-E34A-B8CF-9CC2D7D3F47E}" type="slidenum">
               <a:rPr lang="en-KH" smtClean="0"/>
+              <a:t>14</a:t>
+            </a:fld>
+            <a:endParaRPr lang="en-KH"/>
+          </a:p>
+        </p:txBody>
+      </p:sp>
+    </p:spTree>
+    <p:extLst>
+      <p:ext uri="{BB962C8B-B14F-4D97-AF65-F5344CB8AC3E}">
+        <p14:creationId xmlns:p14="http://schemas.microsoft.com/office/powerpoint/2010/main" val="1550688180"/>
+      </p:ext>
+    </p:extLst>
+  </p:cSld>
+  <p:clrMapOvr>
+    <a:masterClrMapping/>
+  </p:clrMapOvr>
+</p:notes>
+</file>
+
+<file path=ppt/notesSlides/notesSlide3.xml><?xml version="1.0" encoding="utf-8"?>
+<p:notes xmlns:a="http://schemas.openxmlformats.org/drawingml/2006/main" xmlns:r="http://schemas.openxmlformats.org/officeDocument/2006/relationships" xmlns:p="http://schemas.openxmlformats.org/presentationml/2006/main">
+  <p:cSld>
+    <p:spTree>
+      <p:nvGrpSpPr>
+        <p:cNvPr id="1" name=""/>
+        <p:cNvGrpSpPr/>
+        <p:nvPr/>
+      </p:nvGrpSpPr>
+      <p:grpSpPr>
+        <a:xfrm>
+          <a:off x="0" y="0"/>
+          <a:ext cx="0" cy="0"/>
+          <a:chOff x="0" y="0"/>
+          <a:chExt cx="0" cy="0"/>
+        </a:xfrm>
+      </p:grpSpPr>
+      <p:sp>
+        <p:nvSpPr>
+          <p:cNvPr id="2" name="Slide Image Placeholder 1"/>
+          <p:cNvSpPr>
+            <a:spLocks noGrp="1" noRot="1" noChangeAspect="1"/>
+          </p:cNvSpPr>
+          <p:nvPr>
+            <p:ph type="sldImg"/>
+          </p:nvPr>
+        </p:nvSpPr>
+        <p:spPr/>
+      </p:sp>
+      <p:sp>
+        <p:nvSpPr>
+          <p:cNvPr id="3" name="Notes Placeholder 2"/>
+          <p:cNvSpPr>
+            <a:spLocks noGrp="1"/>
+          </p:cNvSpPr>
+          <p:nvPr>
+            <p:ph type="body" idx="1"/>
+          </p:nvPr>
+        </p:nvSpPr>
+        <p:spPr/>
+        <p:txBody>
+          <a:bodyPr/>
+          <a:lstStyle/>
+          <a:p>
+            <a:endParaRPr lang="en-KH" dirty="0"/>
+          </a:p>
+        </p:txBody>
+      </p:sp>
+      <p:sp>
+        <p:nvSpPr>
+          <p:cNvPr id="4" name="Slide Number Placeholder 3"/>
+          <p:cNvSpPr>
+            <a:spLocks noGrp="1"/>
+          </p:cNvSpPr>
+          <p:nvPr>
+            <p:ph type="sldNum" sz="quarter" idx="5"/>
+          </p:nvPr>
+        </p:nvSpPr>
+        <p:spPr/>
+        <p:txBody>
+          <a:bodyPr/>
+          <a:lstStyle/>
+          <a:p>
+            <a:fld id="{84DABFE7-2B72-E34A-B8CF-9CC2D7D3F47E}" type="slidenum">
+              <a:rPr lang="en-KH" smtClean="0"/>
               <a:t>35</a:t>
             </a:fld>
             <a:endParaRPr lang="en-KH"/>
@@ -668,7 +757,7 @@
 </p:notes>
 </file>
 
-<file path=ppt/notesSlides/notesSlide3.xml><?xml version="1.0" encoding="utf-8"?>
+<file path=ppt/notesSlides/notesSlide4.xml><?xml version="1.0" encoding="utf-8"?>
 <p:notes xmlns:a="http://schemas.openxmlformats.org/drawingml/2006/main" xmlns:r="http://schemas.openxmlformats.org/officeDocument/2006/relationships" xmlns:p="http://schemas.openxmlformats.org/presentationml/2006/main">
   <p:cSld>
     <p:spTree>
@@ -767,6 +856,546 @@
     <p:extLst>
       <p:ext uri="{BB962C8B-B14F-4D97-AF65-F5344CB8AC3E}">
         <p14:creationId xmlns:p14="http://schemas.microsoft.com/office/powerpoint/2010/main" val="2428133503"/>
+      </p:ext>
+    </p:extLst>
+  </p:cSld>
+  <p:clrMapOvr>
+    <a:masterClrMapping/>
+  </p:clrMapOvr>
+</p:notes>
+</file>
+
+<file path=ppt/notesSlides/notesSlide5.xml><?xml version="1.0" encoding="utf-8"?>
+<p:notes xmlns:a="http://schemas.openxmlformats.org/drawingml/2006/main" xmlns:r="http://schemas.openxmlformats.org/officeDocument/2006/relationships" xmlns:p="http://schemas.openxmlformats.org/presentationml/2006/main">
+  <p:cSld>
+    <p:spTree>
+      <p:nvGrpSpPr>
+        <p:cNvPr id="1" name="">
+          <a:extLst>
+            <a:ext uri="{FF2B5EF4-FFF2-40B4-BE49-F238E27FC236}">
+              <a16:creationId xmlns:a16="http://schemas.microsoft.com/office/drawing/2014/main" id="{CFFDE283-5004-EDFE-E284-418BADCFD140}"/>
+            </a:ext>
+          </a:extLst>
+        </p:cNvPr>
+        <p:cNvGrpSpPr/>
+        <p:nvPr/>
+      </p:nvGrpSpPr>
+      <p:grpSpPr>
+        <a:xfrm>
+          <a:off x="0" y="0"/>
+          <a:ext cx="0" cy="0"/>
+          <a:chOff x="0" y="0"/>
+          <a:chExt cx="0" cy="0"/>
+        </a:xfrm>
+      </p:grpSpPr>
+      <p:sp>
+        <p:nvSpPr>
+          <p:cNvPr id="2" name="Slide Image Placeholder 1">
+            <a:extLst>
+              <a:ext uri="{FF2B5EF4-FFF2-40B4-BE49-F238E27FC236}">
+                <a16:creationId xmlns:a16="http://schemas.microsoft.com/office/drawing/2014/main" id="{3DF24B57-B88F-A610-7A8D-C70500F5FBAE}"/>
+              </a:ext>
+            </a:extLst>
+          </p:cNvPr>
+          <p:cNvSpPr>
+            <a:spLocks noGrp="1" noRot="1" noChangeAspect="1"/>
+          </p:cNvSpPr>
+          <p:nvPr>
+            <p:ph type="sldImg"/>
+          </p:nvPr>
+        </p:nvSpPr>
+        <p:spPr/>
+      </p:sp>
+      <p:sp>
+        <p:nvSpPr>
+          <p:cNvPr id="3" name="Notes Placeholder 2">
+            <a:extLst>
+              <a:ext uri="{FF2B5EF4-FFF2-40B4-BE49-F238E27FC236}">
+                <a16:creationId xmlns:a16="http://schemas.microsoft.com/office/drawing/2014/main" id="{E5EA1662-94C7-3A95-F22F-E7689C1DC274}"/>
+              </a:ext>
+            </a:extLst>
+          </p:cNvPr>
+          <p:cNvSpPr>
+            <a:spLocks noGrp="1"/>
+          </p:cNvSpPr>
+          <p:nvPr>
+            <p:ph type="body" idx="1"/>
+          </p:nvPr>
+        </p:nvSpPr>
+        <p:spPr/>
+        <p:txBody>
+          <a:bodyPr/>
+          <a:lstStyle/>
+          <a:p>
+            <a:endParaRPr lang="en-KH" dirty="0"/>
+          </a:p>
+        </p:txBody>
+      </p:sp>
+      <p:sp>
+        <p:nvSpPr>
+          <p:cNvPr id="4" name="Slide Number Placeholder 3">
+            <a:extLst>
+              <a:ext uri="{FF2B5EF4-FFF2-40B4-BE49-F238E27FC236}">
+                <a16:creationId xmlns:a16="http://schemas.microsoft.com/office/drawing/2014/main" id="{0E5ABE0E-EB76-80D7-5DAD-D73AACF8973D}"/>
+              </a:ext>
+            </a:extLst>
+          </p:cNvPr>
+          <p:cNvSpPr>
+            <a:spLocks noGrp="1"/>
+          </p:cNvSpPr>
+          <p:nvPr>
+            <p:ph type="sldNum" sz="quarter" idx="5"/>
+          </p:nvPr>
+        </p:nvSpPr>
+        <p:spPr/>
+        <p:txBody>
+          <a:bodyPr/>
+          <a:lstStyle/>
+          <a:p>
+            <a:fld id="{84DABFE7-2B72-E34A-B8CF-9CC2D7D3F47E}" type="slidenum">
+              <a:rPr lang="en-KH" smtClean="0"/>
+              <a:t>37</a:t>
+            </a:fld>
+            <a:endParaRPr lang="en-KH"/>
+          </a:p>
+        </p:txBody>
+      </p:sp>
+    </p:spTree>
+    <p:extLst>
+      <p:ext uri="{BB962C8B-B14F-4D97-AF65-F5344CB8AC3E}">
+        <p14:creationId xmlns:p14="http://schemas.microsoft.com/office/powerpoint/2010/main" val="309202255"/>
+      </p:ext>
+    </p:extLst>
+  </p:cSld>
+  <p:clrMapOvr>
+    <a:masterClrMapping/>
+  </p:clrMapOvr>
+</p:notes>
+</file>
+
+<file path=ppt/notesSlides/notesSlide6.xml><?xml version="1.0" encoding="utf-8"?>
+<p:notes xmlns:a="http://schemas.openxmlformats.org/drawingml/2006/main" xmlns:r="http://schemas.openxmlformats.org/officeDocument/2006/relationships" xmlns:p="http://schemas.openxmlformats.org/presentationml/2006/main">
+  <p:cSld>
+    <p:spTree>
+      <p:nvGrpSpPr>
+        <p:cNvPr id="1" name="">
+          <a:extLst>
+            <a:ext uri="{FF2B5EF4-FFF2-40B4-BE49-F238E27FC236}">
+              <a16:creationId xmlns:a16="http://schemas.microsoft.com/office/drawing/2014/main" id="{74D363E8-59E2-C8BB-5CA7-74DE5190532A}"/>
+            </a:ext>
+          </a:extLst>
+        </p:cNvPr>
+        <p:cNvGrpSpPr/>
+        <p:nvPr/>
+      </p:nvGrpSpPr>
+      <p:grpSpPr>
+        <a:xfrm>
+          <a:off x="0" y="0"/>
+          <a:ext cx="0" cy="0"/>
+          <a:chOff x="0" y="0"/>
+          <a:chExt cx="0" cy="0"/>
+        </a:xfrm>
+      </p:grpSpPr>
+      <p:sp>
+        <p:nvSpPr>
+          <p:cNvPr id="2" name="Slide Image Placeholder 1">
+            <a:extLst>
+              <a:ext uri="{FF2B5EF4-FFF2-40B4-BE49-F238E27FC236}">
+                <a16:creationId xmlns:a16="http://schemas.microsoft.com/office/drawing/2014/main" id="{F2985A76-7024-17A8-96EE-FD0AC6C266D9}"/>
+              </a:ext>
+            </a:extLst>
+          </p:cNvPr>
+          <p:cNvSpPr>
+            <a:spLocks noGrp="1" noRot="1" noChangeAspect="1"/>
+          </p:cNvSpPr>
+          <p:nvPr>
+            <p:ph type="sldImg"/>
+          </p:nvPr>
+        </p:nvSpPr>
+        <p:spPr/>
+      </p:sp>
+      <p:sp>
+        <p:nvSpPr>
+          <p:cNvPr id="3" name="Notes Placeholder 2">
+            <a:extLst>
+              <a:ext uri="{FF2B5EF4-FFF2-40B4-BE49-F238E27FC236}">
+                <a16:creationId xmlns:a16="http://schemas.microsoft.com/office/drawing/2014/main" id="{F7B60A10-C287-7F89-55F7-108743D82617}"/>
+              </a:ext>
+            </a:extLst>
+          </p:cNvPr>
+          <p:cNvSpPr>
+            <a:spLocks noGrp="1"/>
+          </p:cNvSpPr>
+          <p:nvPr>
+            <p:ph type="body" idx="1"/>
+          </p:nvPr>
+        </p:nvSpPr>
+        <p:spPr/>
+        <p:txBody>
+          <a:bodyPr/>
+          <a:lstStyle/>
+          <a:p>
+            <a:endParaRPr lang="en-KH" dirty="0"/>
+          </a:p>
+        </p:txBody>
+      </p:sp>
+      <p:sp>
+        <p:nvSpPr>
+          <p:cNvPr id="4" name="Slide Number Placeholder 3">
+            <a:extLst>
+              <a:ext uri="{FF2B5EF4-FFF2-40B4-BE49-F238E27FC236}">
+                <a16:creationId xmlns:a16="http://schemas.microsoft.com/office/drawing/2014/main" id="{648A6232-3E57-1C7B-15D2-27E0569F264A}"/>
+              </a:ext>
+            </a:extLst>
+          </p:cNvPr>
+          <p:cNvSpPr>
+            <a:spLocks noGrp="1"/>
+          </p:cNvSpPr>
+          <p:nvPr>
+            <p:ph type="sldNum" sz="quarter" idx="5"/>
+          </p:nvPr>
+        </p:nvSpPr>
+        <p:spPr/>
+        <p:txBody>
+          <a:bodyPr/>
+          <a:lstStyle/>
+          <a:p>
+            <a:fld id="{84DABFE7-2B72-E34A-B8CF-9CC2D7D3F47E}" type="slidenum">
+              <a:rPr lang="en-KH" smtClean="0"/>
+              <a:t>38</a:t>
+            </a:fld>
+            <a:endParaRPr lang="en-KH"/>
+          </a:p>
+        </p:txBody>
+      </p:sp>
+    </p:spTree>
+    <p:extLst>
+      <p:ext uri="{BB962C8B-B14F-4D97-AF65-F5344CB8AC3E}">
+        <p14:creationId xmlns:p14="http://schemas.microsoft.com/office/powerpoint/2010/main" val="438321169"/>
+      </p:ext>
+    </p:extLst>
+  </p:cSld>
+  <p:clrMapOvr>
+    <a:masterClrMapping/>
+  </p:clrMapOvr>
+</p:notes>
+</file>
+
+<file path=ppt/notesSlides/notesSlide7.xml><?xml version="1.0" encoding="utf-8"?>
+<p:notes xmlns:a="http://schemas.openxmlformats.org/drawingml/2006/main" xmlns:r="http://schemas.openxmlformats.org/officeDocument/2006/relationships" xmlns:p="http://schemas.openxmlformats.org/presentationml/2006/main">
+  <p:cSld>
+    <p:spTree>
+      <p:nvGrpSpPr>
+        <p:cNvPr id="1" name="">
+          <a:extLst>
+            <a:ext uri="{FF2B5EF4-FFF2-40B4-BE49-F238E27FC236}">
+              <a16:creationId xmlns:a16="http://schemas.microsoft.com/office/drawing/2014/main" id="{A6FF4739-DACE-B04A-8DDA-59A86FBD811A}"/>
+            </a:ext>
+          </a:extLst>
+        </p:cNvPr>
+        <p:cNvGrpSpPr/>
+        <p:nvPr/>
+      </p:nvGrpSpPr>
+      <p:grpSpPr>
+        <a:xfrm>
+          <a:off x="0" y="0"/>
+          <a:ext cx="0" cy="0"/>
+          <a:chOff x="0" y="0"/>
+          <a:chExt cx="0" cy="0"/>
+        </a:xfrm>
+      </p:grpSpPr>
+      <p:sp>
+        <p:nvSpPr>
+          <p:cNvPr id="2" name="Slide Image Placeholder 1">
+            <a:extLst>
+              <a:ext uri="{FF2B5EF4-FFF2-40B4-BE49-F238E27FC236}">
+                <a16:creationId xmlns:a16="http://schemas.microsoft.com/office/drawing/2014/main" id="{AB8D71B6-CA73-21CD-F878-519FC5340452}"/>
+              </a:ext>
+            </a:extLst>
+          </p:cNvPr>
+          <p:cNvSpPr>
+            <a:spLocks noGrp="1" noRot="1" noChangeAspect="1"/>
+          </p:cNvSpPr>
+          <p:nvPr>
+            <p:ph type="sldImg"/>
+          </p:nvPr>
+        </p:nvSpPr>
+        <p:spPr/>
+      </p:sp>
+      <p:sp>
+        <p:nvSpPr>
+          <p:cNvPr id="3" name="Notes Placeholder 2">
+            <a:extLst>
+              <a:ext uri="{FF2B5EF4-FFF2-40B4-BE49-F238E27FC236}">
+                <a16:creationId xmlns:a16="http://schemas.microsoft.com/office/drawing/2014/main" id="{7CF047CE-1D9D-1C5D-DB8E-67DD8205D7E6}"/>
+              </a:ext>
+            </a:extLst>
+          </p:cNvPr>
+          <p:cNvSpPr>
+            <a:spLocks noGrp="1"/>
+          </p:cNvSpPr>
+          <p:nvPr>
+            <p:ph type="body" idx="1"/>
+          </p:nvPr>
+        </p:nvSpPr>
+        <p:spPr/>
+        <p:txBody>
+          <a:bodyPr/>
+          <a:lstStyle/>
+          <a:p>
+            <a:endParaRPr lang="en-KH" dirty="0"/>
+          </a:p>
+        </p:txBody>
+      </p:sp>
+      <p:sp>
+        <p:nvSpPr>
+          <p:cNvPr id="4" name="Slide Number Placeholder 3">
+            <a:extLst>
+              <a:ext uri="{FF2B5EF4-FFF2-40B4-BE49-F238E27FC236}">
+                <a16:creationId xmlns:a16="http://schemas.microsoft.com/office/drawing/2014/main" id="{684CDC08-6028-E4C0-131C-C85A04C07D9F}"/>
+              </a:ext>
+            </a:extLst>
+          </p:cNvPr>
+          <p:cNvSpPr>
+            <a:spLocks noGrp="1"/>
+          </p:cNvSpPr>
+          <p:nvPr>
+            <p:ph type="sldNum" sz="quarter" idx="5"/>
+          </p:nvPr>
+        </p:nvSpPr>
+        <p:spPr/>
+        <p:txBody>
+          <a:bodyPr/>
+          <a:lstStyle/>
+          <a:p>
+            <a:fld id="{84DABFE7-2B72-E34A-B8CF-9CC2D7D3F47E}" type="slidenum">
+              <a:rPr lang="en-KH" smtClean="0"/>
+              <a:t>39</a:t>
+            </a:fld>
+            <a:endParaRPr lang="en-KH"/>
+          </a:p>
+        </p:txBody>
+      </p:sp>
+    </p:spTree>
+    <p:extLst>
+      <p:ext uri="{BB962C8B-B14F-4D97-AF65-F5344CB8AC3E}">
+        <p14:creationId xmlns:p14="http://schemas.microsoft.com/office/powerpoint/2010/main" val="2702184970"/>
+      </p:ext>
+    </p:extLst>
+  </p:cSld>
+  <p:clrMapOvr>
+    <a:masterClrMapping/>
+  </p:clrMapOvr>
+</p:notes>
+</file>
+
+<file path=ppt/notesSlides/notesSlide8.xml><?xml version="1.0" encoding="utf-8"?>
+<p:notes xmlns:a="http://schemas.openxmlformats.org/drawingml/2006/main" xmlns:r="http://schemas.openxmlformats.org/officeDocument/2006/relationships" xmlns:p="http://schemas.openxmlformats.org/presentationml/2006/main">
+  <p:cSld>
+    <p:spTree>
+      <p:nvGrpSpPr>
+        <p:cNvPr id="1" name="">
+          <a:extLst>
+            <a:ext uri="{FF2B5EF4-FFF2-40B4-BE49-F238E27FC236}">
+              <a16:creationId xmlns:a16="http://schemas.microsoft.com/office/drawing/2014/main" id="{2F407BA6-33D2-0678-9B24-97F53DBCFA48}"/>
+            </a:ext>
+          </a:extLst>
+        </p:cNvPr>
+        <p:cNvGrpSpPr/>
+        <p:nvPr/>
+      </p:nvGrpSpPr>
+      <p:grpSpPr>
+        <a:xfrm>
+          <a:off x="0" y="0"/>
+          <a:ext cx="0" cy="0"/>
+          <a:chOff x="0" y="0"/>
+          <a:chExt cx="0" cy="0"/>
+        </a:xfrm>
+      </p:grpSpPr>
+      <p:sp>
+        <p:nvSpPr>
+          <p:cNvPr id="2" name="Slide Image Placeholder 1">
+            <a:extLst>
+              <a:ext uri="{FF2B5EF4-FFF2-40B4-BE49-F238E27FC236}">
+                <a16:creationId xmlns:a16="http://schemas.microsoft.com/office/drawing/2014/main" id="{FC7C6A34-0BE4-679C-BCFF-D5E5D8A96889}"/>
+              </a:ext>
+            </a:extLst>
+          </p:cNvPr>
+          <p:cNvSpPr>
+            <a:spLocks noGrp="1" noRot="1" noChangeAspect="1"/>
+          </p:cNvSpPr>
+          <p:nvPr>
+            <p:ph type="sldImg"/>
+          </p:nvPr>
+        </p:nvSpPr>
+        <p:spPr/>
+      </p:sp>
+      <p:sp>
+        <p:nvSpPr>
+          <p:cNvPr id="3" name="Notes Placeholder 2">
+            <a:extLst>
+              <a:ext uri="{FF2B5EF4-FFF2-40B4-BE49-F238E27FC236}">
+                <a16:creationId xmlns:a16="http://schemas.microsoft.com/office/drawing/2014/main" id="{3909A8C3-51E6-9018-4B4D-F7B3812337CA}"/>
+              </a:ext>
+            </a:extLst>
+          </p:cNvPr>
+          <p:cNvSpPr>
+            <a:spLocks noGrp="1"/>
+          </p:cNvSpPr>
+          <p:nvPr>
+            <p:ph type="body" idx="1"/>
+          </p:nvPr>
+        </p:nvSpPr>
+        <p:spPr/>
+        <p:txBody>
+          <a:bodyPr/>
+          <a:lstStyle/>
+          <a:p>
+            <a:endParaRPr lang="en-KH" dirty="0"/>
+          </a:p>
+        </p:txBody>
+      </p:sp>
+      <p:sp>
+        <p:nvSpPr>
+          <p:cNvPr id="4" name="Slide Number Placeholder 3">
+            <a:extLst>
+              <a:ext uri="{FF2B5EF4-FFF2-40B4-BE49-F238E27FC236}">
+                <a16:creationId xmlns:a16="http://schemas.microsoft.com/office/drawing/2014/main" id="{097BD51D-3E34-C369-6D4E-0905E4848877}"/>
+              </a:ext>
+            </a:extLst>
+          </p:cNvPr>
+          <p:cNvSpPr>
+            <a:spLocks noGrp="1"/>
+          </p:cNvSpPr>
+          <p:nvPr>
+            <p:ph type="sldNum" sz="quarter" idx="5"/>
+          </p:nvPr>
+        </p:nvSpPr>
+        <p:spPr/>
+        <p:txBody>
+          <a:bodyPr/>
+          <a:lstStyle/>
+          <a:p>
+            <a:fld id="{84DABFE7-2B72-E34A-B8CF-9CC2D7D3F47E}" type="slidenum">
+              <a:rPr lang="en-KH" smtClean="0"/>
+              <a:t>40</a:t>
+            </a:fld>
+            <a:endParaRPr lang="en-KH"/>
+          </a:p>
+        </p:txBody>
+      </p:sp>
+    </p:spTree>
+    <p:extLst>
+      <p:ext uri="{BB962C8B-B14F-4D97-AF65-F5344CB8AC3E}">
+        <p14:creationId xmlns:p14="http://schemas.microsoft.com/office/powerpoint/2010/main" val="1779144991"/>
+      </p:ext>
+    </p:extLst>
+  </p:cSld>
+  <p:clrMapOvr>
+    <a:masterClrMapping/>
+  </p:clrMapOvr>
+</p:notes>
+</file>
+
+<file path=ppt/notesSlides/notesSlide9.xml><?xml version="1.0" encoding="utf-8"?>
+<p:notes xmlns:a="http://schemas.openxmlformats.org/drawingml/2006/main" xmlns:r="http://schemas.openxmlformats.org/officeDocument/2006/relationships" xmlns:p="http://schemas.openxmlformats.org/presentationml/2006/main">
+  <p:cSld>
+    <p:spTree>
+      <p:nvGrpSpPr>
+        <p:cNvPr id="1" name="">
+          <a:extLst>
+            <a:ext uri="{FF2B5EF4-FFF2-40B4-BE49-F238E27FC236}">
+              <a16:creationId xmlns:a16="http://schemas.microsoft.com/office/drawing/2014/main" id="{AC6308FD-81B4-3104-8BF0-0F47DE1BD861}"/>
+            </a:ext>
+          </a:extLst>
+        </p:cNvPr>
+        <p:cNvGrpSpPr/>
+        <p:nvPr/>
+      </p:nvGrpSpPr>
+      <p:grpSpPr>
+        <a:xfrm>
+          <a:off x="0" y="0"/>
+          <a:ext cx="0" cy="0"/>
+          <a:chOff x="0" y="0"/>
+          <a:chExt cx="0" cy="0"/>
+        </a:xfrm>
+      </p:grpSpPr>
+      <p:sp>
+        <p:nvSpPr>
+          <p:cNvPr id="2" name="Slide Image Placeholder 1">
+            <a:extLst>
+              <a:ext uri="{FF2B5EF4-FFF2-40B4-BE49-F238E27FC236}">
+                <a16:creationId xmlns:a16="http://schemas.microsoft.com/office/drawing/2014/main" id="{281E55AF-C792-996D-7026-A94AF3ED3023}"/>
+              </a:ext>
+            </a:extLst>
+          </p:cNvPr>
+          <p:cNvSpPr>
+            <a:spLocks noGrp="1" noRot="1" noChangeAspect="1"/>
+          </p:cNvSpPr>
+          <p:nvPr>
+            <p:ph type="sldImg"/>
+          </p:nvPr>
+        </p:nvSpPr>
+        <p:spPr/>
+      </p:sp>
+      <p:sp>
+        <p:nvSpPr>
+          <p:cNvPr id="3" name="Notes Placeholder 2">
+            <a:extLst>
+              <a:ext uri="{FF2B5EF4-FFF2-40B4-BE49-F238E27FC236}">
+                <a16:creationId xmlns:a16="http://schemas.microsoft.com/office/drawing/2014/main" id="{141B95B1-1FBD-5FBA-5022-F35048AE0D6C}"/>
+              </a:ext>
+            </a:extLst>
+          </p:cNvPr>
+          <p:cNvSpPr>
+            <a:spLocks noGrp="1"/>
+          </p:cNvSpPr>
+          <p:nvPr>
+            <p:ph type="body" idx="1"/>
+          </p:nvPr>
+        </p:nvSpPr>
+        <p:spPr/>
+        <p:txBody>
+          <a:bodyPr/>
+          <a:lstStyle/>
+          <a:p>
+            <a:endParaRPr lang="en-KH" dirty="0"/>
+          </a:p>
+        </p:txBody>
+      </p:sp>
+      <p:sp>
+        <p:nvSpPr>
+          <p:cNvPr id="4" name="Slide Number Placeholder 3">
+            <a:extLst>
+              <a:ext uri="{FF2B5EF4-FFF2-40B4-BE49-F238E27FC236}">
+                <a16:creationId xmlns:a16="http://schemas.microsoft.com/office/drawing/2014/main" id="{8218853D-931F-B944-1396-C65C4BC146E4}"/>
+              </a:ext>
+            </a:extLst>
+          </p:cNvPr>
+          <p:cNvSpPr>
+            <a:spLocks noGrp="1"/>
+          </p:cNvSpPr>
+          <p:nvPr>
+            <p:ph type="sldNum" sz="quarter" idx="5"/>
+          </p:nvPr>
+        </p:nvSpPr>
+        <p:spPr/>
+        <p:txBody>
+          <a:bodyPr/>
+          <a:lstStyle/>
+          <a:p>
+            <a:fld id="{84DABFE7-2B72-E34A-B8CF-9CC2D7D3F47E}" type="slidenum">
+              <a:rPr lang="en-KH" smtClean="0"/>
+              <a:t>41</a:t>
+            </a:fld>
+            <a:endParaRPr lang="en-KH"/>
+          </a:p>
+        </p:txBody>
+      </p:sp>
+    </p:spTree>
+    <p:extLst>
+      <p:ext uri="{BB962C8B-B14F-4D97-AF65-F5344CB8AC3E}">
+        <p14:creationId xmlns:p14="http://schemas.microsoft.com/office/powerpoint/2010/main" val="691101784"/>
       </p:ext>
     </p:extLst>
   </p:cSld>
@@ -925,7 +1554,7 @@
           <a:p>
             <a:fld id="{8F7A51AF-933C-9446-AB7C-4A14F59AF2F3}" type="datetimeFigureOut">
               <a:rPr lang="en-KH" smtClean="0"/>
-              <a:t>15/1/26</a:t>
+              <a:t>22/1/26</a:t>
             </a:fld>
             <a:endParaRPr lang="en-KH"/>
           </a:p>
@@ -1125,7 +1754,7 @@
           <a:p>
             <a:fld id="{8F7A51AF-933C-9446-AB7C-4A14F59AF2F3}" type="datetimeFigureOut">
               <a:rPr lang="en-KH" smtClean="0"/>
-              <a:t>15/1/26</a:t>
+              <a:t>22/1/26</a:t>
             </a:fld>
             <a:endParaRPr lang="en-KH"/>
           </a:p>
@@ -1335,7 +1964,7 @@
           <a:p>
             <a:fld id="{8F7A51AF-933C-9446-AB7C-4A14F59AF2F3}" type="datetimeFigureOut">
               <a:rPr lang="en-KH" smtClean="0"/>
-              <a:t>15/1/26</a:t>
+              <a:t>22/1/26</a:t>
             </a:fld>
             <a:endParaRPr lang="en-KH"/>
           </a:p>
@@ -1535,7 +2164,7 @@
           <a:p>
             <a:fld id="{8F7A51AF-933C-9446-AB7C-4A14F59AF2F3}" type="datetimeFigureOut">
               <a:rPr lang="en-KH" smtClean="0"/>
-              <a:t>15/1/26</a:t>
+              <a:t>22/1/26</a:t>
             </a:fld>
             <a:endParaRPr lang="en-KH"/>
           </a:p>
@@ -1811,7 +2440,7 @@
           <a:p>
             <a:fld id="{8F7A51AF-933C-9446-AB7C-4A14F59AF2F3}" type="datetimeFigureOut">
               <a:rPr lang="en-KH" smtClean="0"/>
-              <a:t>15/1/26</a:t>
+              <a:t>22/1/26</a:t>
             </a:fld>
             <a:endParaRPr lang="en-KH"/>
           </a:p>
@@ -2079,7 +2708,7 @@
           <a:p>
             <a:fld id="{8F7A51AF-933C-9446-AB7C-4A14F59AF2F3}" type="datetimeFigureOut">
               <a:rPr lang="en-KH" smtClean="0"/>
-              <a:t>15/1/26</a:t>
+              <a:t>22/1/26</a:t>
             </a:fld>
             <a:endParaRPr lang="en-KH"/>
           </a:p>
@@ -2494,7 +3123,7 @@
           <a:p>
             <a:fld id="{8F7A51AF-933C-9446-AB7C-4A14F59AF2F3}" type="datetimeFigureOut">
               <a:rPr lang="en-KH" smtClean="0"/>
-              <a:t>15/1/26</a:t>
+              <a:t>22/1/26</a:t>
             </a:fld>
             <a:endParaRPr lang="en-KH"/>
           </a:p>
@@ -2636,7 +3265,7 @@
           <a:p>
             <a:fld id="{8F7A51AF-933C-9446-AB7C-4A14F59AF2F3}" type="datetimeFigureOut">
               <a:rPr lang="en-KH" smtClean="0"/>
-              <a:t>15/1/26</a:t>
+              <a:t>22/1/26</a:t>
             </a:fld>
             <a:endParaRPr lang="en-KH"/>
           </a:p>
@@ -2749,7 +3378,7 @@
           <a:p>
             <a:fld id="{8F7A51AF-933C-9446-AB7C-4A14F59AF2F3}" type="datetimeFigureOut">
               <a:rPr lang="en-KH" smtClean="0"/>
-              <a:t>15/1/26</a:t>
+              <a:t>22/1/26</a:t>
             </a:fld>
             <a:endParaRPr lang="en-KH"/>
           </a:p>
@@ -3062,7 +3691,7 @@
           <a:p>
             <a:fld id="{8F7A51AF-933C-9446-AB7C-4A14F59AF2F3}" type="datetimeFigureOut">
               <a:rPr lang="en-KH" smtClean="0"/>
-              <a:t>15/1/26</a:t>
+              <a:t>22/1/26</a:t>
             </a:fld>
             <a:endParaRPr lang="en-KH"/>
           </a:p>
@@ -3351,7 +3980,7 @@
           <a:p>
             <a:fld id="{8F7A51AF-933C-9446-AB7C-4A14F59AF2F3}" type="datetimeFigureOut">
               <a:rPr lang="en-KH" smtClean="0"/>
-              <a:t>15/1/26</a:t>
+              <a:t>22/1/26</a:t>
             </a:fld>
             <a:endParaRPr lang="en-KH"/>
           </a:p>
@@ -3594,7 +4223,7 @@
           <a:p>
             <a:fld id="{8F7A51AF-933C-9446-AB7C-4A14F59AF2F3}" type="datetimeFigureOut">
               <a:rPr lang="en-KH" smtClean="0"/>
-              <a:t>15/1/26</a:t>
+              <a:t>22/1/26</a:t>
             </a:fld>
             <a:endParaRPr lang="en-KH"/>
           </a:p>
@@ -4026,7 +4655,7 @@
           <p:nvPr/>
         </p:nvPicPr>
         <p:blipFill>
-          <a:blip r:embed="rId2">
+          <a:blip r:embed="rId3">
             <a:extLst>
               <a:ext uri="{28A0092B-C50C-407E-A947-70E740481C1C}">
                 <a14:useLocalDpi xmlns:a14="http://schemas.microsoft.com/office/drawing/2010/main" val="0"/>
@@ -16523,7 +17152,27 @@
                 <a:latin typeface="Khmer OS Battambang" panose="02000500000000020004" pitchFamily="2" charset="77"/>
                 <a:cs typeface="Khmer OS Battambang" panose="02000500000000020004" pitchFamily="2" charset="77"/>
               </a:rPr>
-              <a:t>គឺជា Operators ប្រើប្រាស់សម្រាប់ធ្វើការជាមួយប្រតិបត្តិករតែមួយដើម្បីបង្កើន បន្ថែម ឫបដិសេធ ស្តានភាពតម្លៃ។</a:t>
+              <a:t>គឺជា Operators ប្រើប្រាស់សម្រាប់ធ្វើការជាមួយប្រតិបត្តិករតែមួយដើម្បីបង្កើន បន្ថែម </a:t>
+            </a:r>
+            <a:r>
+              <a:rPr lang="en-KH" sz="2600">
+                <a:solidFill>
+                  <a:srgbClr val="0070C0"/>
+                </a:solidFill>
+                <a:latin typeface="Khmer OS Battambang" panose="02000500000000020004" pitchFamily="2" charset="77"/>
+                <a:cs typeface="Khmer OS Battambang" panose="02000500000000020004" pitchFamily="2" charset="77"/>
+              </a:rPr>
+              <a:t>ឫបដិសេធ ស្ថានភា</a:t>
+            </a:r>
+            <a:r>
+              <a:rPr lang="en-KH" sz="2600" dirty="0">
+                <a:solidFill>
+                  <a:srgbClr val="0070C0"/>
+                </a:solidFill>
+                <a:latin typeface="Khmer OS Battambang" panose="02000500000000020004" pitchFamily="2" charset="77"/>
+                <a:cs typeface="Khmer OS Battambang" panose="02000500000000020004" pitchFamily="2" charset="77"/>
+              </a:rPr>
+              <a:t>ពតម្លៃ។</a:t>
             </a:r>
             <a:r>
               <a:rPr lang="en-KH" sz="2600" dirty="0">
@@ -19096,7 +19745,7 @@
         </p:spPr>
         <p:txBody>
           <a:bodyPr>
-            <a:normAutofit fontScale="85000" lnSpcReduction="10000"/>
+            <a:normAutofit fontScale="92500" lnSpcReduction="10000"/>
           </a:bodyPr>
           <a:lstStyle/>
           <a:p>
@@ -19133,7 +19782,7 @@
                 <a:latin typeface="Khmer OS Content" panose="02000500000000020004" pitchFamily="2" charset="77"/>
                 <a:cs typeface="Khmer OS Content" panose="02000500000000020004" pitchFamily="2" charset="77"/>
               </a:rPr>
-              <a:t>សំដៅលើលំដាប់លំដោយនៃប្រយោគនីមួយនៃ</a:t>
+              <a:t>សំដៅលើការគ្រប់គ្រងលំហូដំណើរការនៃ</a:t>
             </a:r>
             <a:r>
               <a:rPr lang="en-US" dirty="0">
@@ -19153,7 +19802,7 @@
                 <a:latin typeface="Khmer OS Content" panose="02000500000000020004" pitchFamily="2" charset="77"/>
                 <a:cs typeface="Khmer OS Content" panose="02000500000000020004" pitchFamily="2" charset="77"/>
               </a:rPr>
-              <a:t>ត្រូវបានដំណើរការនៅក្នុងកម្មវិធី</a:t>
+              <a:t>នៅក្នុងកម្មវិធី</a:t>
             </a:r>
             <a:r>
               <a:rPr lang="en-US" dirty="0">
@@ -29754,7 +30403,7 @@
                 <a:latin typeface="Khmer OS Battambang" panose="02000500000000020004" pitchFamily="2" charset="77"/>
                 <a:cs typeface="Khmer OS Battambang" panose="02000500000000020004" pitchFamily="2" charset="77"/>
               </a:rPr>
-              <a:t>Static</a:t>
+              <a:t>static</a:t>
             </a:r>
             <a:endParaRPr lang="en-KH" sz="3600" dirty="0">
               <a:solidFill>
@@ -29934,7 +30583,7 @@
                 <a:latin typeface="Khmer OS Battambang" panose="02000500000000020004" pitchFamily="2" charset="77"/>
                 <a:cs typeface="Khmer OS Battambang" panose="02000500000000020004" pitchFamily="2" charset="77"/>
               </a:rPr>
-              <a:t>Static : </a:t>
+              <a:t>static : </a:t>
             </a:r>
             <a:r>
               <a:rPr lang="en-US" sz="2000" dirty="0" err="1">
@@ -30094,7 +30743,7 @@
                 <a:latin typeface="Khmer OS Battambang" panose="02000500000000020004" pitchFamily="2" charset="77"/>
                 <a:cs typeface="Khmer OS Battambang" panose="02000500000000020004" pitchFamily="2" charset="77"/>
               </a:rPr>
-              <a:t> Static Control Flow:</a:t>
+              <a:t> static Control Flow:</a:t>
             </a:r>
             <a:endParaRPr lang="km-KH" sz="2000" dirty="0">
               <a:solidFill>
@@ -31341,6 +31990,2532 @@
     <p:extLst>
       <p:ext uri="{BB962C8B-B14F-4D97-AF65-F5344CB8AC3E}">
         <p14:creationId xmlns:p14="http://schemas.microsoft.com/office/powerpoint/2010/main" val="1220872530"/>
+      </p:ext>
+    </p:extLst>
+  </p:cSld>
+  <p:clrMapOvr>
+    <a:masterClrMapping/>
+  </p:clrMapOvr>
+</p:sld>
+</file>
+
+<file path=ppt/slides/slide37.xml><?xml version="1.0" encoding="utf-8"?>
+<p:sld xmlns:a="http://schemas.openxmlformats.org/drawingml/2006/main" xmlns:r="http://schemas.openxmlformats.org/officeDocument/2006/relationships" xmlns:p="http://schemas.openxmlformats.org/presentationml/2006/main">
+  <p:cSld>
+    <p:bg>
+      <p:bgPr>
+        <a:solidFill>
+          <a:schemeClr val="bg1"/>
+        </a:solidFill>
+        <a:effectLst/>
+      </p:bgPr>
+    </p:bg>
+    <p:spTree>
+      <p:nvGrpSpPr>
+        <p:cNvPr id="1" name="">
+          <a:extLst>
+            <a:ext uri="{FF2B5EF4-FFF2-40B4-BE49-F238E27FC236}">
+              <a16:creationId xmlns:a16="http://schemas.microsoft.com/office/drawing/2014/main" id="{8773D5F2-0FC7-2AE7-5D2B-89C136AF0ECD}"/>
+            </a:ext>
+          </a:extLst>
+        </p:cNvPr>
+        <p:cNvGrpSpPr/>
+        <p:nvPr/>
+      </p:nvGrpSpPr>
+      <p:grpSpPr>
+        <a:xfrm>
+          <a:off x="0" y="0"/>
+          <a:ext cx="0" cy="0"/>
+          <a:chOff x="0" y="0"/>
+          <a:chExt cx="0" cy="0"/>
+        </a:xfrm>
+      </p:grpSpPr>
+      <p:sp>
+        <p:nvSpPr>
+          <p:cNvPr id="2" name="Title 1">
+            <a:extLst>
+              <a:ext uri="{FF2B5EF4-FFF2-40B4-BE49-F238E27FC236}">
+                <a16:creationId xmlns:a16="http://schemas.microsoft.com/office/drawing/2014/main" id="{0013FFBF-3562-896C-8F30-B482D11AACAF}"/>
+              </a:ext>
+            </a:extLst>
+          </p:cNvPr>
+          <p:cNvSpPr>
+            <a:spLocks noGrp="1"/>
+          </p:cNvSpPr>
+          <p:nvPr>
+            <p:ph type="ctrTitle"/>
+          </p:nvPr>
+        </p:nvSpPr>
+        <p:spPr>
+          <a:xfrm>
+            <a:off x="1701800" y="119781"/>
+            <a:ext cx="9144000" cy="789373"/>
+          </a:xfrm>
+        </p:spPr>
+        <p:txBody>
+          <a:bodyPr>
+            <a:normAutofit/>
+          </a:bodyPr>
+          <a:lstStyle/>
+          <a:p>
+            <a:pPr algn="l"/>
+            <a:r>
+              <a:rPr lang="en-US" sz="3600" dirty="0">
+                <a:solidFill>
+                  <a:srgbClr val="002060"/>
+                </a:solidFill>
+                <a:latin typeface="Khmer OS Battambang" panose="02000500000000020004" pitchFamily="2" charset="77"/>
+                <a:cs typeface="Khmer OS Battambang" panose="02000500000000020004" pitchFamily="2" charset="77"/>
+              </a:rPr>
+              <a:t>Methods </a:t>
+            </a:r>
+            <a:r>
+              <a:rPr lang="en-US" sz="3600" dirty="0" err="1">
+                <a:solidFill>
+                  <a:srgbClr val="002060"/>
+                </a:solidFill>
+                <a:latin typeface="Khmer OS Battambang" panose="02000500000000020004" pitchFamily="2" charset="77"/>
+                <a:cs typeface="Khmer OS Battambang" panose="02000500000000020004" pitchFamily="2" charset="77"/>
+              </a:rPr>
+              <a:t>និងParameters</a:t>
+            </a:r>
+            <a:endParaRPr lang="en-KH" sz="3600" dirty="0">
+              <a:solidFill>
+                <a:srgbClr val="002060"/>
+              </a:solidFill>
+              <a:latin typeface="Khmer OS Battambang" panose="02000500000000020004" pitchFamily="2" charset="77"/>
+              <a:cs typeface="Khmer OS Battambang" panose="02000500000000020004" pitchFamily="2" charset="77"/>
+            </a:endParaRPr>
+          </a:p>
+        </p:txBody>
+      </p:sp>
+      <p:cxnSp>
+        <p:nvCxnSpPr>
+          <p:cNvPr id="8" name="Straight Connector 7">
+            <a:extLst>
+              <a:ext uri="{FF2B5EF4-FFF2-40B4-BE49-F238E27FC236}">
+                <a16:creationId xmlns:a16="http://schemas.microsoft.com/office/drawing/2014/main" id="{4950AC72-125B-BDCF-3866-5CCD6EDD77BE}"/>
+              </a:ext>
+            </a:extLst>
+          </p:cNvPr>
+          <p:cNvCxnSpPr/>
+          <p:nvPr/>
+        </p:nvCxnSpPr>
+        <p:spPr>
+          <a:xfrm>
+            <a:off x="0" y="1050468"/>
+            <a:ext cx="12192000" cy="0"/>
+          </a:xfrm>
+          <a:prstGeom prst="line">
+            <a:avLst/>
+          </a:prstGeom>
+          <a:ln w="57150">
+            <a:solidFill>
+              <a:srgbClr val="D49B06"/>
+            </a:solidFill>
+          </a:ln>
+        </p:spPr>
+        <p:style>
+          <a:lnRef idx="2">
+            <a:schemeClr val="accent1"/>
+          </a:lnRef>
+          <a:fillRef idx="0">
+            <a:schemeClr val="accent1"/>
+          </a:fillRef>
+          <a:effectRef idx="1">
+            <a:schemeClr val="accent1"/>
+          </a:effectRef>
+          <a:fontRef idx="minor">
+            <a:schemeClr val="tx1"/>
+          </a:fontRef>
+        </p:style>
+      </p:cxnSp>
+      <p:cxnSp>
+        <p:nvCxnSpPr>
+          <p:cNvPr id="10" name="Straight Connector 9">
+            <a:extLst>
+              <a:ext uri="{FF2B5EF4-FFF2-40B4-BE49-F238E27FC236}">
+                <a16:creationId xmlns:a16="http://schemas.microsoft.com/office/drawing/2014/main" id="{67F4470E-C2C7-2086-84C0-775259A27041}"/>
+              </a:ext>
+            </a:extLst>
+          </p:cNvPr>
+          <p:cNvCxnSpPr>
+            <a:cxnSpLocks/>
+          </p:cNvCxnSpPr>
+          <p:nvPr/>
+        </p:nvCxnSpPr>
+        <p:spPr>
+          <a:xfrm>
+            <a:off x="0" y="979812"/>
+            <a:ext cx="12192000" cy="0"/>
+          </a:xfrm>
+          <a:prstGeom prst="line">
+            <a:avLst/>
+          </a:prstGeom>
+          <a:ln w="57150">
+            <a:solidFill>
+              <a:srgbClr val="1C27CF"/>
+            </a:solidFill>
+          </a:ln>
+        </p:spPr>
+        <p:style>
+          <a:lnRef idx="2">
+            <a:schemeClr val="accent1"/>
+          </a:lnRef>
+          <a:fillRef idx="0">
+            <a:schemeClr val="accent1"/>
+          </a:fillRef>
+          <a:effectRef idx="1">
+            <a:schemeClr val="accent1"/>
+          </a:effectRef>
+          <a:fontRef idx="minor">
+            <a:schemeClr val="tx1"/>
+          </a:fontRef>
+        </p:style>
+      </p:cxnSp>
+      <p:pic>
+        <p:nvPicPr>
+          <p:cNvPr id="47" name="Picture 46" descr="A blue circle with a yellow and white bird in it&#10;&#10;AI-generated content may be incorrect.">
+            <a:extLst>
+              <a:ext uri="{FF2B5EF4-FFF2-40B4-BE49-F238E27FC236}">
+                <a16:creationId xmlns:a16="http://schemas.microsoft.com/office/drawing/2014/main" id="{B7C41771-2614-1A15-D34A-DBD283168F75}"/>
+              </a:ext>
+            </a:extLst>
+          </p:cNvPr>
+          <p:cNvPicPr>
+            <a:picLocks noChangeAspect="1"/>
+          </p:cNvPicPr>
+          <p:nvPr/>
+        </p:nvPicPr>
+        <p:blipFill>
+          <a:blip r:embed="rId3"/>
+          <a:stretch>
+            <a:fillRect/>
+          </a:stretch>
+        </p:blipFill>
+        <p:spPr>
+          <a:xfrm>
+            <a:off x="325438" y="219712"/>
+            <a:ext cx="606500" cy="606500"/>
+          </a:xfrm>
+          <a:prstGeom prst="rect">
+            <a:avLst/>
+          </a:prstGeom>
+        </p:spPr>
+      </p:pic>
+      <p:sp>
+        <p:nvSpPr>
+          <p:cNvPr id="7" name="Subtitle 2">
+            <a:extLst>
+              <a:ext uri="{FF2B5EF4-FFF2-40B4-BE49-F238E27FC236}">
+                <a16:creationId xmlns:a16="http://schemas.microsoft.com/office/drawing/2014/main" id="{371E7C86-87BB-E04B-ACF2-29A9CB612FFA}"/>
+              </a:ext>
+            </a:extLst>
+          </p:cNvPr>
+          <p:cNvSpPr>
+            <a:spLocks noGrp="1"/>
+          </p:cNvSpPr>
+          <p:nvPr>
+            <p:ph type="subTitle" idx="1"/>
+          </p:nvPr>
+        </p:nvSpPr>
+        <p:spPr>
+          <a:xfrm>
+            <a:off x="624192" y="1507311"/>
+            <a:ext cx="10954536" cy="3528152"/>
+          </a:xfrm>
+        </p:spPr>
+        <p:txBody>
+          <a:bodyPr>
+            <a:noAutofit/>
+          </a:bodyPr>
+          <a:lstStyle/>
+          <a:p>
+            <a:pPr algn="l">
+              <a:lnSpc>
+                <a:spcPct val="150000"/>
+              </a:lnSpc>
+              <a:spcBef>
+                <a:spcPts val="1500"/>
+              </a:spcBef>
+            </a:pPr>
+            <a:r>
+              <a:rPr lang="en-US" sz="1800" dirty="0">
+                <a:solidFill>
+                  <a:srgbClr val="002060"/>
+                </a:solidFill>
+                <a:latin typeface="Khmer OS Battambang" panose="02000500000000020004" pitchFamily="2" charset="77"/>
+                <a:cs typeface="Khmer OS Battambang" panose="02000500000000020004" pitchFamily="2" charset="77"/>
+              </a:rPr>
+              <a:t>​       </a:t>
+            </a:r>
+            <a:r>
+              <a:rPr lang="en-US" sz="2600" dirty="0">
+                <a:solidFill>
+                  <a:srgbClr val="002060"/>
+                </a:solidFill>
+                <a:latin typeface="Khmer OS Battambang" panose="02000500000000020004" pitchFamily="2" charset="77"/>
+                <a:cs typeface="Khmer OS Battambang" panose="02000500000000020004" pitchFamily="2" charset="77"/>
+              </a:rPr>
+              <a:t>Methods : </a:t>
+            </a:r>
+            <a:r>
+              <a:rPr lang="en-US" sz="2600" dirty="0" err="1">
+                <a:solidFill>
+                  <a:srgbClr val="0070C0"/>
+                </a:solidFill>
+                <a:latin typeface="Khmer OS Battambang" panose="02000500000000020004" pitchFamily="2" charset="77"/>
+                <a:cs typeface="Khmer OS Battambang" panose="02000500000000020004" pitchFamily="2" charset="77"/>
+              </a:rPr>
+              <a:t>គឺជាប្លុក</a:t>
+            </a:r>
+            <a:r>
+              <a:rPr lang="en-US" sz="2600" dirty="0">
+                <a:solidFill>
+                  <a:srgbClr val="0070C0"/>
+                </a:solidFill>
+                <a:latin typeface="Khmer OS Battambang" panose="02000500000000020004" pitchFamily="2" charset="77"/>
+                <a:cs typeface="Khmer OS Battambang" panose="02000500000000020004" pitchFamily="2" charset="77"/>
+              </a:rPr>
+              <a:t> code </a:t>
+            </a:r>
+            <a:r>
+              <a:rPr lang="en-US" sz="2600" dirty="0" err="1">
+                <a:solidFill>
+                  <a:srgbClr val="0070C0"/>
+                </a:solidFill>
+                <a:latin typeface="Khmer OS Battambang" panose="02000500000000020004" pitchFamily="2" charset="77"/>
+                <a:cs typeface="Khmer OS Battambang" panose="02000500000000020004" pitchFamily="2" charset="77"/>
+              </a:rPr>
+              <a:t>ដែលអនុវត្តនូវការងារជាក់លាក</a:t>
+            </a:r>
+            <a:r>
+              <a:rPr lang="en-US" sz="2600" dirty="0">
+                <a:solidFill>
+                  <a:srgbClr val="0070C0"/>
+                </a:solidFill>
+                <a:latin typeface="Khmer OS Battambang" panose="02000500000000020004" pitchFamily="2" charset="77"/>
+                <a:cs typeface="Khmer OS Battambang" panose="02000500000000020004" pitchFamily="2" charset="77"/>
+              </a:rPr>
+              <a:t>់ </a:t>
+            </a:r>
+            <a:r>
+              <a:rPr lang="en-US" sz="2600" dirty="0" err="1">
+                <a:solidFill>
+                  <a:srgbClr val="0070C0"/>
+                </a:solidFill>
+                <a:latin typeface="Khmer OS Battambang" panose="02000500000000020004" pitchFamily="2" charset="77"/>
+                <a:cs typeface="Khmer OS Battambang" panose="02000500000000020004" pitchFamily="2" charset="77"/>
+              </a:rPr>
+              <a:t>ហើយវាដំណើរការតែពេលដែលត្រូវបានហៅមកប្រើតែប៉ុណ្ណោះ</a:t>
+            </a:r>
+            <a:r>
+              <a:rPr lang="en-US" sz="2600" dirty="0">
+                <a:solidFill>
+                  <a:srgbClr val="0070C0"/>
+                </a:solidFill>
+                <a:latin typeface="Khmer OS Battambang" panose="02000500000000020004" pitchFamily="2" charset="77"/>
+                <a:cs typeface="Khmer OS Battambang" panose="02000500000000020004" pitchFamily="2" charset="77"/>
+              </a:rPr>
+              <a:t>។</a:t>
+            </a:r>
+          </a:p>
+          <a:p>
+            <a:pPr algn="l">
+              <a:lnSpc>
+                <a:spcPct val="150000"/>
+              </a:lnSpc>
+              <a:spcBef>
+                <a:spcPts val="1500"/>
+              </a:spcBef>
+            </a:pPr>
+            <a:r>
+              <a:rPr lang="en-US" sz="2600" dirty="0">
+                <a:solidFill>
+                  <a:srgbClr val="002060"/>
+                </a:solidFill>
+                <a:latin typeface="Khmer OS Battambang" panose="02000500000000020004" pitchFamily="2" charset="77"/>
+                <a:cs typeface="Khmer OS Battambang" panose="02000500000000020004" pitchFamily="2" charset="77"/>
+              </a:rPr>
+              <a:t>     Parameters : </a:t>
+            </a:r>
+            <a:r>
+              <a:rPr lang="en-US" sz="2600" dirty="0" err="1">
+                <a:solidFill>
+                  <a:srgbClr val="0070C0"/>
+                </a:solidFill>
+                <a:latin typeface="Khmer OS Battambang" panose="02000500000000020004" pitchFamily="2" charset="77"/>
+                <a:cs typeface="Khmer OS Battambang" panose="02000500000000020004" pitchFamily="2" charset="77"/>
+              </a:rPr>
+              <a:t>គឺជា</a:t>
+            </a:r>
+            <a:r>
+              <a:rPr lang="en-US" sz="2600" dirty="0">
+                <a:solidFill>
+                  <a:srgbClr val="0070C0"/>
+                </a:solidFill>
+                <a:latin typeface="Khmer OS Battambang" panose="02000500000000020004" pitchFamily="2" charset="77"/>
+                <a:cs typeface="Khmer OS Battambang" panose="02000500000000020004" pitchFamily="2" charset="77"/>
+              </a:rPr>
+              <a:t> Variable </a:t>
+            </a:r>
+            <a:r>
+              <a:rPr lang="en-US" sz="2600" dirty="0" err="1">
+                <a:solidFill>
+                  <a:srgbClr val="0070C0"/>
+                </a:solidFill>
+                <a:latin typeface="Khmer OS Battambang" panose="02000500000000020004" pitchFamily="2" charset="77"/>
+                <a:cs typeface="Khmer OS Battambang" panose="02000500000000020004" pitchFamily="2" charset="77"/>
+              </a:rPr>
+              <a:t>មួយដែលបានកំណត់ឡើងនៅក្នុង</a:t>
+            </a:r>
+            <a:r>
+              <a:rPr lang="en-US" sz="2600" dirty="0">
+                <a:solidFill>
+                  <a:srgbClr val="0070C0"/>
+                </a:solidFill>
+                <a:latin typeface="Khmer OS Battambang" panose="02000500000000020004" pitchFamily="2" charset="77"/>
+                <a:cs typeface="Khmer OS Battambang" panose="02000500000000020004" pitchFamily="2" charset="77"/>
+              </a:rPr>
+              <a:t> method </a:t>
+            </a:r>
+            <a:r>
+              <a:rPr lang="en-US" sz="2600" dirty="0" err="1">
+                <a:solidFill>
+                  <a:srgbClr val="0070C0"/>
+                </a:solidFill>
+                <a:latin typeface="Khmer OS Battambang" panose="02000500000000020004" pitchFamily="2" charset="77"/>
+                <a:cs typeface="Khmer OS Battambang" panose="02000500000000020004" pitchFamily="2" charset="77"/>
+              </a:rPr>
+              <a:t>មួយ</a:t>
+            </a:r>
+            <a:r>
+              <a:rPr lang="en-US" sz="2600" dirty="0">
+                <a:solidFill>
+                  <a:srgbClr val="0070C0"/>
+                </a:solidFill>
+                <a:latin typeface="Khmer OS Battambang" panose="02000500000000020004" pitchFamily="2" charset="77"/>
+                <a:cs typeface="Khmer OS Battambang" panose="02000500000000020004" pitchFamily="2" charset="77"/>
+              </a:rPr>
+              <a:t>  </a:t>
+            </a:r>
+            <a:r>
+              <a:rPr lang="en-US" sz="2600" dirty="0" err="1">
+                <a:solidFill>
+                  <a:srgbClr val="0070C0"/>
+                </a:solidFill>
+                <a:latin typeface="Khmer OS Battambang" panose="02000500000000020004" pitchFamily="2" charset="77"/>
+                <a:cs typeface="Khmer OS Battambang" panose="02000500000000020004" pitchFamily="2" charset="77"/>
+              </a:rPr>
+              <a:t>ឫ</a:t>
+            </a:r>
+            <a:r>
+              <a:rPr lang="en-US" sz="2600" dirty="0">
+                <a:solidFill>
+                  <a:srgbClr val="0070C0"/>
+                </a:solidFill>
+                <a:latin typeface="Khmer OS Battambang" panose="02000500000000020004" pitchFamily="2" charset="77"/>
+                <a:cs typeface="Khmer OS Battambang" panose="02000500000000020004" pitchFamily="2" charset="77"/>
+              </a:rPr>
+              <a:t> constructor </a:t>
+            </a:r>
+            <a:r>
+              <a:rPr lang="en-US" sz="2600" dirty="0" err="1">
+                <a:solidFill>
+                  <a:srgbClr val="0070C0"/>
+                </a:solidFill>
+                <a:latin typeface="Khmer OS Battambang" panose="02000500000000020004" pitchFamily="2" charset="77"/>
+                <a:cs typeface="Khmer OS Battambang" panose="02000500000000020004" pitchFamily="2" charset="77"/>
+              </a:rPr>
+              <a:t>មួយ</a:t>
+            </a:r>
+            <a:r>
+              <a:rPr lang="en-US" sz="2600" dirty="0">
+                <a:solidFill>
+                  <a:srgbClr val="0070C0"/>
+                </a:solidFill>
+                <a:latin typeface="Khmer OS Battambang" panose="02000500000000020004" pitchFamily="2" charset="77"/>
+                <a:cs typeface="Khmer OS Battambang" panose="02000500000000020004" pitchFamily="2" charset="77"/>
+              </a:rPr>
+              <a:t> </a:t>
+            </a:r>
+            <a:r>
+              <a:rPr lang="en-US" sz="2600" dirty="0" err="1">
+                <a:solidFill>
+                  <a:srgbClr val="0070C0"/>
+                </a:solidFill>
+                <a:latin typeface="Khmer OS Battambang" panose="02000500000000020004" pitchFamily="2" charset="77"/>
+                <a:cs typeface="Khmer OS Battambang" panose="02000500000000020004" pitchFamily="2" charset="77"/>
+              </a:rPr>
+              <a:t>ដែលមានតួនាទីដាក់ទិន្នន័យសម្រាប់បញ្ជូនទៅឲ្យ</a:t>
+            </a:r>
+            <a:r>
+              <a:rPr lang="en-US" sz="2600" dirty="0">
+                <a:solidFill>
+                  <a:srgbClr val="0070C0"/>
+                </a:solidFill>
+                <a:latin typeface="Khmer OS Battambang" panose="02000500000000020004" pitchFamily="2" charset="77"/>
+                <a:cs typeface="Khmer OS Battambang" panose="02000500000000020004" pitchFamily="2" charset="77"/>
+              </a:rPr>
+              <a:t> method </a:t>
+            </a:r>
+            <a:r>
+              <a:rPr lang="en-US" sz="2600" dirty="0" err="1">
+                <a:solidFill>
+                  <a:srgbClr val="0070C0"/>
+                </a:solidFill>
+                <a:latin typeface="Khmer OS Battambang" panose="02000500000000020004" pitchFamily="2" charset="77"/>
+                <a:cs typeface="Khmer OS Battambang" panose="02000500000000020004" pitchFamily="2" charset="77"/>
+              </a:rPr>
+              <a:t>ឫ</a:t>
+            </a:r>
+            <a:r>
+              <a:rPr lang="en-US" sz="2600" dirty="0">
+                <a:solidFill>
+                  <a:srgbClr val="0070C0"/>
+                </a:solidFill>
+                <a:latin typeface="Khmer OS Battambang" panose="02000500000000020004" pitchFamily="2" charset="77"/>
+                <a:cs typeface="Khmer OS Battambang" panose="02000500000000020004" pitchFamily="2" charset="77"/>
+              </a:rPr>
+              <a:t> constructor </a:t>
+            </a:r>
+            <a:r>
+              <a:rPr lang="en-US" sz="2600" dirty="0" err="1">
+                <a:solidFill>
+                  <a:srgbClr val="0070C0"/>
+                </a:solidFill>
+                <a:latin typeface="Khmer OS Battambang" panose="02000500000000020004" pitchFamily="2" charset="77"/>
+                <a:cs typeface="Khmer OS Battambang" panose="02000500000000020004" pitchFamily="2" charset="77"/>
+              </a:rPr>
+              <a:t>នៅពេលដែល</a:t>
+            </a:r>
+            <a:r>
+              <a:rPr lang="en-US" sz="2600" dirty="0">
+                <a:solidFill>
+                  <a:srgbClr val="0070C0"/>
+                </a:solidFill>
+                <a:latin typeface="Khmer OS Battambang" panose="02000500000000020004" pitchFamily="2" charset="77"/>
+                <a:cs typeface="Khmer OS Battambang" panose="02000500000000020004" pitchFamily="2" charset="77"/>
+              </a:rPr>
+              <a:t> method </a:t>
+            </a:r>
+            <a:r>
+              <a:rPr lang="en-US" sz="2600" dirty="0" err="1">
+                <a:solidFill>
+                  <a:srgbClr val="0070C0"/>
+                </a:solidFill>
+                <a:latin typeface="Khmer OS Battambang" panose="02000500000000020004" pitchFamily="2" charset="77"/>
+                <a:cs typeface="Khmer OS Battambang" panose="02000500000000020004" pitchFamily="2" charset="77"/>
+              </a:rPr>
+              <a:t>ឫ</a:t>
+            </a:r>
+            <a:r>
+              <a:rPr lang="en-US" sz="2600" dirty="0">
+                <a:solidFill>
+                  <a:srgbClr val="0070C0"/>
+                </a:solidFill>
+                <a:latin typeface="Khmer OS Battambang" panose="02000500000000020004" pitchFamily="2" charset="77"/>
+                <a:cs typeface="Khmer OS Battambang" panose="02000500000000020004" pitchFamily="2" charset="77"/>
+              </a:rPr>
+              <a:t> constructor </a:t>
+            </a:r>
+            <a:r>
+              <a:rPr lang="en-US" sz="2600" dirty="0" err="1">
+                <a:solidFill>
+                  <a:srgbClr val="0070C0"/>
+                </a:solidFill>
+                <a:latin typeface="Khmer OS Battambang" panose="02000500000000020004" pitchFamily="2" charset="77"/>
+                <a:cs typeface="Khmer OS Battambang" panose="02000500000000020004" pitchFamily="2" charset="77"/>
+              </a:rPr>
+              <a:t>ត្រូវបានហៅ</a:t>
+            </a:r>
+            <a:r>
+              <a:rPr lang="en-US" sz="2600" dirty="0">
+                <a:solidFill>
+                  <a:srgbClr val="0070C0"/>
+                </a:solidFill>
+                <a:latin typeface="Khmer OS Battambang" panose="02000500000000020004" pitchFamily="2" charset="77"/>
+                <a:cs typeface="Khmer OS Battambang" panose="02000500000000020004" pitchFamily="2" charset="77"/>
+              </a:rPr>
+              <a:t>។</a:t>
+            </a:r>
+          </a:p>
+        </p:txBody>
+      </p:sp>
+    </p:spTree>
+    <p:extLst>
+      <p:ext uri="{BB962C8B-B14F-4D97-AF65-F5344CB8AC3E}">
+        <p14:creationId xmlns:p14="http://schemas.microsoft.com/office/powerpoint/2010/main" val="3688718346"/>
+      </p:ext>
+    </p:extLst>
+  </p:cSld>
+  <p:clrMapOvr>
+    <a:masterClrMapping/>
+  </p:clrMapOvr>
+</p:sld>
+</file>
+
+<file path=ppt/slides/slide38.xml><?xml version="1.0" encoding="utf-8"?>
+<p:sld xmlns:a="http://schemas.openxmlformats.org/drawingml/2006/main" xmlns:r="http://schemas.openxmlformats.org/officeDocument/2006/relationships" xmlns:p="http://schemas.openxmlformats.org/presentationml/2006/main">
+  <p:cSld>
+    <p:bg>
+      <p:bgPr>
+        <a:solidFill>
+          <a:schemeClr val="bg1"/>
+        </a:solidFill>
+        <a:effectLst/>
+      </p:bgPr>
+    </p:bg>
+    <p:spTree>
+      <p:nvGrpSpPr>
+        <p:cNvPr id="1" name="">
+          <a:extLst>
+            <a:ext uri="{FF2B5EF4-FFF2-40B4-BE49-F238E27FC236}">
+              <a16:creationId xmlns:a16="http://schemas.microsoft.com/office/drawing/2014/main" id="{1F2A4274-3CA8-67B9-E0D9-C1A4ABC4E1A4}"/>
+            </a:ext>
+          </a:extLst>
+        </p:cNvPr>
+        <p:cNvGrpSpPr/>
+        <p:nvPr/>
+      </p:nvGrpSpPr>
+      <p:grpSpPr>
+        <a:xfrm>
+          <a:off x="0" y="0"/>
+          <a:ext cx="0" cy="0"/>
+          <a:chOff x="0" y="0"/>
+          <a:chExt cx="0" cy="0"/>
+        </a:xfrm>
+      </p:grpSpPr>
+      <p:sp>
+        <p:nvSpPr>
+          <p:cNvPr id="2" name="Title 1">
+            <a:extLst>
+              <a:ext uri="{FF2B5EF4-FFF2-40B4-BE49-F238E27FC236}">
+                <a16:creationId xmlns:a16="http://schemas.microsoft.com/office/drawing/2014/main" id="{0C41E16E-A524-A9BB-51BE-00D5D4BEE190}"/>
+              </a:ext>
+            </a:extLst>
+          </p:cNvPr>
+          <p:cNvSpPr>
+            <a:spLocks noGrp="1"/>
+          </p:cNvSpPr>
+          <p:nvPr>
+            <p:ph type="ctrTitle"/>
+          </p:nvPr>
+        </p:nvSpPr>
+        <p:spPr>
+          <a:xfrm>
+            <a:off x="1701800" y="119781"/>
+            <a:ext cx="9144000" cy="789373"/>
+          </a:xfrm>
+        </p:spPr>
+        <p:txBody>
+          <a:bodyPr>
+            <a:normAutofit/>
+          </a:bodyPr>
+          <a:lstStyle/>
+          <a:p>
+            <a:pPr algn="l"/>
+            <a:r>
+              <a:rPr lang="en-US" sz="3600" dirty="0">
+                <a:solidFill>
+                  <a:srgbClr val="002060"/>
+                </a:solidFill>
+                <a:latin typeface="Khmer OS Battambang" panose="02000500000000020004" pitchFamily="2" charset="77"/>
+                <a:cs typeface="Khmer OS Battambang" panose="02000500000000020004" pitchFamily="2" charset="77"/>
+              </a:rPr>
+              <a:t>Methods </a:t>
+            </a:r>
+            <a:r>
+              <a:rPr lang="en-US" sz="3600" dirty="0" err="1">
+                <a:solidFill>
+                  <a:srgbClr val="002060"/>
+                </a:solidFill>
+                <a:latin typeface="Khmer OS Battambang" panose="02000500000000020004" pitchFamily="2" charset="77"/>
+                <a:cs typeface="Khmer OS Battambang" panose="02000500000000020004" pitchFamily="2" charset="77"/>
+              </a:rPr>
+              <a:t>និងParameters</a:t>
+            </a:r>
+            <a:endParaRPr lang="en-KH" sz="3600" dirty="0">
+              <a:solidFill>
+                <a:srgbClr val="002060"/>
+              </a:solidFill>
+              <a:latin typeface="Khmer OS Battambang" panose="02000500000000020004" pitchFamily="2" charset="77"/>
+              <a:cs typeface="Khmer OS Battambang" panose="02000500000000020004" pitchFamily="2" charset="77"/>
+            </a:endParaRPr>
+          </a:p>
+        </p:txBody>
+      </p:sp>
+      <p:cxnSp>
+        <p:nvCxnSpPr>
+          <p:cNvPr id="8" name="Straight Connector 7">
+            <a:extLst>
+              <a:ext uri="{FF2B5EF4-FFF2-40B4-BE49-F238E27FC236}">
+                <a16:creationId xmlns:a16="http://schemas.microsoft.com/office/drawing/2014/main" id="{945708D5-6384-2ABD-E349-AA28DA165368}"/>
+              </a:ext>
+            </a:extLst>
+          </p:cNvPr>
+          <p:cNvCxnSpPr/>
+          <p:nvPr/>
+        </p:nvCxnSpPr>
+        <p:spPr>
+          <a:xfrm>
+            <a:off x="0" y="1050468"/>
+            <a:ext cx="12192000" cy="0"/>
+          </a:xfrm>
+          <a:prstGeom prst="line">
+            <a:avLst/>
+          </a:prstGeom>
+          <a:ln w="57150">
+            <a:solidFill>
+              <a:srgbClr val="D49B06"/>
+            </a:solidFill>
+          </a:ln>
+        </p:spPr>
+        <p:style>
+          <a:lnRef idx="2">
+            <a:schemeClr val="accent1"/>
+          </a:lnRef>
+          <a:fillRef idx="0">
+            <a:schemeClr val="accent1"/>
+          </a:fillRef>
+          <a:effectRef idx="1">
+            <a:schemeClr val="accent1"/>
+          </a:effectRef>
+          <a:fontRef idx="minor">
+            <a:schemeClr val="tx1"/>
+          </a:fontRef>
+        </p:style>
+      </p:cxnSp>
+      <p:cxnSp>
+        <p:nvCxnSpPr>
+          <p:cNvPr id="10" name="Straight Connector 9">
+            <a:extLst>
+              <a:ext uri="{FF2B5EF4-FFF2-40B4-BE49-F238E27FC236}">
+                <a16:creationId xmlns:a16="http://schemas.microsoft.com/office/drawing/2014/main" id="{7C0D7CF6-B0F2-1885-9FC8-6EEFEDAA75D5}"/>
+              </a:ext>
+            </a:extLst>
+          </p:cNvPr>
+          <p:cNvCxnSpPr>
+            <a:cxnSpLocks/>
+          </p:cNvCxnSpPr>
+          <p:nvPr/>
+        </p:nvCxnSpPr>
+        <p:spPr>
+          <a:xfrm>
+            <a:off x="0" y="979812"/>
+            <a:ext cx="12192000" cy="0"/>
+          </a:xfrm>
+          <a:prstGeom prst="line">
+            <a:avLst/>
+          </a:prstGeom>
+          <a:ln w="57150">
+            <a:solidFill>
+              <a:srgbClr val="1C27CF"/>
+            </a:solidFill>
+          </a:ln>
+        </p:spPr>
+        <p:style>
+          <a:lnRef idx="2">
+            <a:schemeClr val="accent1"/>
+          </a:lnRef>
+          <a:fillRef idx="0">
+            <a:schemeClr val="accent1"/>
+          </a:fillRef>
+          <a:effectRef idx="1">
+            <a:schemeClr val="accent1"/>
+          </a:effectRef>
+          <a:fontRef idx="minor">
+            <a:schemeClr val="tx1"/>
+          </a:fontRef>
+        </p:style>
+      </p:cxnSp>
+      <p:pic>
+        <p:nvPicPr>
+          <p:cNvPr id="47" name="Picture 46" descr="A blue circle with a yellow and white bird in it&#10;&#10;AI-generated content may be incorrect.">
+            <a:extLst>
+              <a:ext uri="{FF2B5EF4-FFF2-40B4-BE49-F238E27FC236}">
+                <a16:creationId xmlns:a16="http://schemas.microsoft.com/office/drawing/2014/main" id="{161F6EEC-C875-0393-745F-C3D465561C8B}"/>
+              </a:ext>
+            </a:extLst>
+          </p:cNvPr>
+          <p:cNvPicPr>
+            <a:picLocks noChangeAspect="1"/>
+          </p:cNvPicPr>
+          <p:nvPr/>
+        </p:nvPicPr>
+        <p:blipFill>
+          <a:blip r:embed="rId3"/>
+          <a:stretch>
+            <a:fillRect/>
+          </a:stretch>
+        </p:blipFill>
+        <p:spPr>
+          <a:xfrm>
+            <a:off x="325438" y="219712"/>
+            <a:ext cx="606500" cy="606500"/>
+          </a:xfrm>
+          <a:prstGeom prst="rect">
+            <a:avLst/>
+          </a:prstGeom>
+        </p:spPr>
+      </p:pic>
+      <p:sp>
+        <p:nvSpPr>
+          <p:cNvPr id="7" name="Subtitle 2">
+            <a:extLst>
+              <a:ext uri="{FF2B5EF4-FFF2-40B4-BE49-F238E27FC236}">
+                <a16:creationId xmlns:a16="http://schemas.microsoft.com/office/drawing/2014/main" id="{8E877883-D334-D714-6BBD-6E1AEDB53696}"/>
+              </a:ext>
+            </a:extLst>
+          </p:cNvPr>
+          <p:cNvSpPr>
+            <a:spLocks noGrp="1"/>
+          </p:cNvSpPr>
+          <p:nvPr>
+            <p:ph type="subTitle" idx="1"/>
+          </p:nvPr>
+        </p:nvSpPr>
+        <p:spPr>
+          <a:xfrm>
+            <a:off x="624192" y="1156582"/>
+            <a:ext cx="10954536" cy="5181579"/>
+          </a:xfrm>
+        </p:spPr>
+        <p:txBody>
+          <a:bodyPr>
+            <a:noAutofit/>
+          </a:bodyPr>
+          <a:lstStyle/>
+          <a:p>
+            <a:pPr algn="l">
+              <a:lnSpc>
+                <a:spcPct val="150000"/>
+              </a:lnSpc>
+              <a:spcBef>
+                <a:spcPts val="1500"/>
+              </a:spcBef>
+            </a:pPr>
+            <a:r>
+              <a:rPr lang="en-US" sz="1800" dirty="0">
+                <a:solidFill>
+                  <a:srgbClr val="002060"/>
+                </a:solidFill>
+                <a:latin typeface="Khmer OS Battambang" panose="02000500000000020004" pitchFamily="2" charset="77"/>
+                <a:cs typeface="Khmer OS Battambang" panose="02000500000000020004" pitchFamily="2" charset="77"/>
+              </a:rPr>
+              <a:t>​</a:t>
+            </a:r>
+            <a:r>
+              <a:rPr lang="en-KH" sz="2800" dirty="0"/>
+              <a:t> </a:t>
+            </a:r>
+            <a:r>
+              <a:rPr lang="en-KH" sz="2000" dirty="0"/>
+              <a:t>👉 </a:t>
+            </a:r>
+            <a:r>
+              <a:rPr lang="en-US" sz="2000" dirty="0" err="1">
+                <a:solidFill>
+                  <a:srgbClr val="002060"/>
+                </a:solidFill>
+                <a:latin typeface="Khmer OS Battambang" panose="02000500000000020004" pitchFamily="2" charset="77"/>
+                <a:cs typeface="Khmer OS Battambang" panose="02000500000000020004" pitchFamily="2" charset="77"/>
+              </a:rPr>
+              <a:t>ទម្រង់នៃការប្រើប្រាស</a:t>
+            </a:r>
+            <a:r>
+              <a:rPr lang="en-US" sz="2000" dirty="0">
+                <a:solidFill>
+                  <a:srgbClr val="002060"/>
+                </a:solidFill>
+                <a:latin typeface="Khmer OS Battambang" panose="02000500000000020004" pitchFamily="2" charset="77"/>
+                <a:cs typeface="Khmer OS Battambang" panose="02000500000000020004" pitchFamily="2" charset="77"/>
+              </a:rPr>
+              <a:t>់(Syntax) </a:t>
+            </a:r>
+            <a:r>
+              <a:rPr lang="en-US" sz="2000" dirty="0" err="1">
+                <a:solidFill>
+                  <a:srgbClr val="002060"/>
+                </a:solidFill>
+                <a:latin typeface="Khmer OS Battambang" panose="02000500000000020004" pitchFamily="2" charset="77"/>
+                <a:cs typeface="Khmer OS Battambang" panose="02000500000000020004" pitchFamily="2" charset="77"/>
+              </a:rPr>
+              <a:t>នៃ</a:t>
+            </a:r>
+            <a:r>
+              <a:rPr lang="en-US" sz="2000" dirty="0">
+                <a:solidFill>
+                  <a:srgbClr val="002060"/>
+                </a:solidFill>
+                <a:latin typeface="Khmer OS Battambang" panose="02000500000000020004" pitchFamily="2" charset="77"/>
+                <a:cs typeface="Khmer OS Battambang" panose="02000500000000020004" pitchFamily="2" charset="77"/>
+              </a:rPr>
+              <a:t> method </a:t>
+            </a:r>
+            <a:r>
+              <a:rPr lang="en-US" sz="2000" dirty="0" err="1">
+                <a:solidFill>
+                  <a:srgbClr val="002060"/>
+                </a:solidFill>
+                <a:latin typeface="Khmer OS Battambang" panose="02000500000000020004" pitchFamily="2" charset="77"/>
+                <a:cs typeface="Khmer OS Battambang" panose="02000500000000020004" pitchFamily="2" charset="77"/>
+              </a:rPr>
+              <a:t>ដែលផ្តល់តម្លៃត្រឡប់មកវិញ</a:t>
+            </a:r>
+            <a:r>
+              <a:rPr lang="en-US" sz="2000" dirty="0">
+                <a:solidFill>
+                  <a:srgbClr val="002060"/>
+                </a:solidFill>
+                <a:latin typeface="Khmer OS Battambang" panose="02000500000000020004" pitchFamily="2" charset="77"/>
+                <a:cs typeface="Khmer OS Battambang" panose="02000500000000020004" pitchFamily="2" charset="77"/>
+              </a:rPr>
+              <a:t>(</a:t>
+            </a:r>
+            <a:r>
+              <a:rPr lang="en-US" sz="2000" dirty="0">
+                <a:solidFill>
+                  <a:srgbClr val="FF0000"/>
+                </a:solidFill>
+                <a:latin typeface="Khmer OS Battambang" panose="02000500000000020004" pitchFamily="2" charset="77"/>
+                <a:cs typeface="Khmer OS Battambang" panose="02000500000000020004" pitchFamily="2" charset="77"/>
+              </a:rPr>
+              <a:t>Return value</a:t>
+            </a:r>
+            <a:r>
+              <a:rPr lang="en-US" sz="2000" dirty="0">
+                <a:solidFill>
+                  <a:srgbClr val="002060"/>
+                </a:solidFill>
+                <a:latin typeface="Khmer OS Battambang" panose="02000500000000020004" pitchFamily="2" charset="77"/>
+                <a:cs typeface="Khmer OS Battambang" panose="02000500000000020004" pitchFamily="2" charset="77"/>
+              </a:rPr>
+              <a:t>)៖</a:t>
+            </a:r>
+          </a:p>
+          <a:p>
+            <a:pPr algn="l">
+              <a:lnSpc>
+                <a:spcPct val="100000"/>
+              </a:lnSpc>
+              <a:spcBef>
+                <a:spcPts val="1500"/>
+              </a:spcBef>
+            </a:pPr>
+            <a:r>
+              <a:rPr lang="en-US" sz="2800" dirty="0">
+                <a:solidFill>
+                  <a:srgbClr val="002060"/>
+                </a:solidFill>
+                <a:latin typeface="Khmer OS Battambang" panose="02000500000000020004" pitchFamily="2" charset="77"/>
+                <a:cs typeface="Khmer OS Battambang" panose="02000500000000020004" pitchFamily="2" charset="77"/>
+              </a:rPr>
+              <a:t>   </a:t>
+            </a:r>
+            <a:r>
+              <a:rPr lang="en-US" sz="2000" dirty="0" err="1">
+                <a:solidFill>
+                  <a:srgbClr val="002060"/>
+                </a:solidFill>
+                <a:latin typeface="Khmer OS Battambang" panose="02000500000000020004" pitchFamily="2" charset="77"/>
+                <a:cs typeface="Khmer OS Battambang" panose="02000500000000020004" pitchFamily="2" charset="77"/>
+              </a:rPr>
+              <a:t>accessModifier</a:t>
+            </a:r>
+            <a:r>
+              <a:rPr lang="en-US" sz="2000" dirty="0">
+                <a:solidFill>
+                  <a:srgbClr val="FF0000"/>
+                </a:solidFill>
+                <a:latin typeface="Khmer OS Battambang" panose="02000500000000020004" pitchFamily="2" charset="77"/>
+                <a:cs typeface="Khmer OS Battambang" panose="02000500000000020004" pitchFamily="2" charset="77"/>
+              </a:rPr>
+              <a:t> </a:t>
+            </a:r>
+            <a:r>
+              <a:rPr lang="en-US" sz="2000" dirty="0" err="1">
+                <a:solidFill>
+                  <a:srgbClr val="FF0000"/>
+                </a:solidFill>
+                <a:latin typeface="Khmer OS Battambang" panose="02000500000000020004" pitchFamily="2" charset="77"/>
+                <a:cs typeface="Khmer OS Battambang" panose="02000500000000020004" pitchFamily="2" charset="77"/>
+              </a:rPr>
+              <a:t>returnType</a:t>
+            </a:r>
+            <a:r>
+              <a:rPr lang="en-US" sz="2000" dirty="0">
+                <a:solidFill>
+                  <a:srgbClr val="002060"/>
+                </a:solidFill>
+                <a:latin typeface="Khmer OS Battambang" panose="02000500000000020004" pitchFamily="2" charset="77"/>
+                <a:cs typeface="Khmer OS Battambang" panose="02000500000000020004" pitchFamily="2" charset="77"/>
+              </a:rPr>
+              <a:t> </a:t>
+            </a:r>
+            <a:r>
+              <a:rPr lang="en-US" sz="2000" dirty="0" err="1">
+                <a:solidFill>
+                  <a:srgbClr val="002060"/>
+                </a:solidFill>
+                <a:latin typeface="Khmer OS Battambang" panose="02000500000000020004" pitchFamily="2" charset="77"/>
+                <a:cs typeface="Khmer OS Battambang" panose="02000500000000020004" pitchFamily="2" charset="77"/>
+              </a:rPr>
+              <a:t>methodName</a:t>
+            </a:r>
+            <a:r>
+              <a:rPr lang="en-US" sz="2000" dirty="0">
+                <a:solidFill>
+                  <a:srgbClr val="002060"/>
+                </a:solidFill>
+                <a:latin typeface="Khmer OS Battambang" panose="02000500000000020004" pitchFamily="2" charset="77"/>
+                <a:cs typeface="Khmer OS Battambang" panose="02000500000000020004" pitchFamily="2" charset="77"/>
+              </a:rPr>
+              <a:t>(</a:t>
+            </a:r>
+            <a:r>
+              <a:rPr lang="en-US" sz="2000" dirty="0" err="1">
+                <a:solidFill>
+                  <a:srgbClr val="FF0000"/>
+                </a:solidFill>
+                <a:latin typeface="Khmer OS Battambang" panose="02000500000000020004" pitchFamily="2" charset="77"/>
+                <a:cs typeface="Khmer OS Battambang" panose="02000500000000020004" pitchFamily="2" charset="77"/>
+              </a:rPr>
+              <a:t>dataType</a:t>
+            </a:r>
+            <a:r>
+              <a:rPr lang="en-US" sz="2000" dirty="0">
+                <a:solidFill>
+                  <a:srgbClr val="002060"/>
+                </a:solidFill>
+                <a:latin typeface="Khmer OS Battambang" panose="02000500000000020004" pitchFamily="2" charset="77"/>
+                <a:cs typeface="Khmer OS Battambang" panose="02000500000000020004" pitchFamily="2" charset="77"/>
+              </a:rPr>
+              <a:t> </a:t>
+            </a:r>
+            <a:r>
+              <a:rPr lang="en-US" sz="2000" dirty="0" err="1">
+                <a:solidFill>
+                  <a:srgbClr val="002060"/>
+                </a:solidFill>
+                <a:latin typeface="Khmer OS Battambang" panose="02000500000000020004" pitchFamily="2" charset="77"/>
+                <a:cs typeface="Khmer OS Battambang" panose="02000500000000020004" pitchFamily="2" charset="77"/>
+              </a:rPr>
+              <a:t>parameterName</a:t>
+            </a:r>
+            <a:r>
+              <a:rPr lang="en-US" sz="2000" dirty="0">
+                <a:solidFill>
+                  <a:srgbClr val="002060"/>
+                </a:solidFill>
+                <a:latin typeface="Khmer OS Battambang" panose="02000500000000020004" pitchFamily="2" charset="77"/>
+                <a:cs typeface="Khmer OS Battambang" panose="02000500000000020004" pitchFamily="2" charset="77"/>
+              </a:rPr>
+              <a:t>){</a:t>
+            </a:r>
+          </a:p>
+          <a:p>
+            <a:pPr algn="l">
+              <a:lnSpc>
+                <a:spcPct val="100000"/>
+              </a:lnSpc>
+              <a:spcBef>
+                <a:spcPts val="1500"/>
+              </a:spcBef>
+            </a:pPr>
+            <a:r>
+              <a:rPr lang="en-US" sz="2000" dirty="0">
+                <a:solidFill>
+                  <a:srgbClr val="002060"/>
+                </a:solidFill>
+                <a:latin typeface="Khmer OS Battambang" panose="02000500000000020004" pitchFamily="2" charset="77"/>
+                <a:cs typeface="Khmer OS Battambang" panose="02000500000000020004" pitchFamily="2" charset="77"/>
+              </a:rPr>
+              <a:t>	</a:t>
+            </a:r>
+            <a:r>
+              <a:rPr lang="en-US" sz="2000" dirty="0">
+                <a:solidFill>
+                  <a:srgbClr val="0070C0"/>
+                </a:solidFill>
+                <a:latin typeface="Khmer OS Battambang" panose="02000500000000020004" pitchFamily="2" charset="77"/>
+                <a:cs typeface="Khmer OS Battambang" panose="02000500000000020004" pitchFamily="2" charset="77"/>
+              </a:rPr>
+              <a:t>//</a:t>
+            </a:r>
+            <a:r>
+              <a:rPr lang="en-US" sz="2000" dirty="0" err="1">
+                <a:solidFill>
+                  <a:srgbClr val="0070C0"/>
+                </a:solidFill>
+                <a:latin typeface="Khmer OS Battambang" panose="02000500000000020004" pitchFamily="2" charset="77"/>
+                <a:cs typeface="Khmer OS Battambang" panose="02000500000000020004" pitchFamily="2" charset="77"/>
+              </a:rPr>
+              <a:t>ប្លុក</a:t>
+            </a:r>
+            <a:r>
+              <a:rPr lang="en-US" sz="2000" dirty="0">
+                <a:solidFill>
+                  <a:srgbClr val="002060"/>
+                </a:solidFill>
+                <a:latin typeface="Khmer OS Battambang" panose="02000500000000020004" pitchFamily="2" charset="77"/>
+                <a:cs typeface="Khmer OS Battambang" panose="02000500000000020004" pitchFamily="2" charset="77"/>
+              </a:rPr>
+              <a:t> </a:t>
+            </a:r>
+            <a:r>
+              <a:rPr lang="en-US" sz="2000" dirty="0">
+                <a:solidFill>
+                  <a:srgbClr val="0070C0"/>
+                </a:solidFill>
+                <a:latin typeface="Khmer OS Battambang" panose="02000500000000020004" pitchFamily="2" charset="77"/>
+                <a:cs typeface="Khmer OS Battambang" panose="02000500000000020004" pitchFamily="2" charset="77"/>
+              </a:rPr>
+              <a:t>code </a:t>
+            </a:r>
+            <a:r>
+              <a:rPr lang="en-US" sz="2000" dirty="0" err="1">
+                <a:solidFill>
+                  <a:srgbClr val="0070C0"/>
+                </a:solidFill>
+                <a:latin typeface="Khmer OS Battambang" panose="02000500000000020004" pitchFamily="2" charset="77"/>
+                <a:cs typeface="Khmer OS Battambang" panose="02000500000000020004" pitchFamily="2" charset="77"/>
+              </a:rPr>
+              <a:t>ដែលត្រូវប្រតិបត្តិ</a:t>
+            </a:r>
+            <a:r>
+              <a:rPr lang="en-US" sz="2000" dirty="0">
+                <a:solidFill>
+                  <a:srgbClr val="0070C0"/>
+                </a:solidFill>
+                <a:latin typeface="Khmer OS Battambang" panose="02000500000000020004" pitchFamily="2" charset="77"/>
+                <a:cs typeface="Khmer OS Battambang" panose="02000500000000020004" pitchFamily="2" charset="77"/>
+              </a:rPr>
+              <a:t>(execute)</a:t>
+            </a:r>
+          </a:p>
+          <a:p>
+            <a:pPr algn="l">
+              <a:lnSpc>
+                <a:spcPct val="100000"/>
+              </a:lnSpc>
+              <a:spcBef>
+                <a:spcPts val="1500"/>
+              </a:spcBef>
+            </a:pPr>
+            <a:r>
+              <a:rPr lang="en-US" sz="2000" dirty="0">
+                <a:solidFill>
+                  <a:srgbClr val="0070C0"/>
+                </a:solidFill>
+                <a:latin typeface="Khmer OS Battambang" panose="02000500000000020004" pitchFamily="2" charset="77"/>
+                <a:cs typeface="Khmer OS Battambang" panose="02000500000000020004" pitchFamily="2" charset="77"/>
+              </a:rPr>
+              <a:t>	</a:t>
+            </a:r>
+            <a:r>
+              <a:rPr lang="en-US" sz="2000" dirty="0">
+                <a:solidFill>
+                  <a:srgbClr val="FF0000"/>
+                </a:solidFill>
+                <a:latin typeface="Khmer OS Battambang" panose="02000500000000020004" pitchFamily="2" charset="77"/>
+                <a:cs typeface="Khmer OS Battambang" panose="02000500000000020004" pitchFamily="2" charset="77"/>
+              </a:rPr>
+              <a:t>return</a:t>
+            </a:r>
+            <a:r>
+              <a:rPr lang="en-US" sz="2000" dirty="0">
+                <a:solidFill>
+                  <a:srgbClr val="0070C0"/>
+                </a:solidFill>
+                <a:latin typeface="Khmer OS Battambang" panose="02000500000000020004" pitchFamily="2" charset="77"/>
+                <a:cs typeface="Khmer OS Battambang" panose="02000500000000020004" pitchFamily="2" charset="77"/>
+              </a:rPr>
+              <a:t> (</a:t>
+            </a:r>
+            <a:r>
+              <a:rPr lang="en-US" sz="2000" dirty="0" err="1">
+                <a:solidFill>
+                  <a:srgbClr val="0070C0"/>
+                </a:solidFill>
+                <a:latin typeface="Khmer OS Battambang" panose="02000500000000020004" pitchFamily="2" charset="77"/>
+                <a:cs typeface="Khmer OS Battambang" panose="02000500000000020004" pitchFamily="2" charset="77"/>
+              </a:rPr>
+              <a:t>តម្លៃដែលត្រូវផ្តល់ត្រឡប់ទៅវិញ</a:t>
+            </a:r>
+            <a:r>
+              <a:rPr lang="en-US" sz="2000" dirty="0">
+                <a:solidFill>
+                  <a:srgbClr val="0070C0"/>
+                </a:solidFill>
+                <a:latin typeface="Khmer OS Battambang" panose="02000500000000020004" pitchFamily="2" charset="77"/>
+                <a:cs typeface="Khmer OS Battambang" panose="02000500000000020004" pitchFamily="2" charset="77"/>
+              </a:rPr>
+              <a:t>​ </a:t>
+            </a:r>
+            <a:r>
+              <a:rPr lang="en-US" sz="2000" dirty="0" err="1">
+                <a:solidFill>
+                  <a:srgbClr val="0070C0"/>
+                </a:solidFill>
+                <a:latin typeface="Khmer OS Battambang" panose="02000500000000020004" pitchFamily="2" charset="77"/>
+                <a:cs typeface="Khmer OS Battambang" panose="02000500000000020004" pitchFamily="2" charset="77"/>
+              </a:rPr>
+              <a:t>ដែលមានប្រភេទទិន្នន័ដូចនិង</a:t>
+            </a:r>
+            <a:r>
+              <a:rPr lang="en-US" sz="2000" dirty="0">
+                <a:solidFill>
+                  <a:srgbClr val="0070C0"/>
+                </a:solidFill>
+                <a:latin typeface="Khmer OS Battambang" panose="02000500000000020004" pitchFamily="2" charset="77"/>
+                <a:cs typeface="Khmer OS Battambang" panose="02000500000000020004" pitchFamily="2" charset="77"/>
+              </a:rPr>
+              <a:t> </a:t>
+            </a:r>
+            <a:r>
+              <a:rPr lang="en-US" sz="2000" dirty="0" err="1">
+                <a:solidFill>
+                  <a:srgbClr val="FF0000"/>
+                </a:solidFill>
+                <a:latin typeface="Khmer OS Battambang" panose="02000500000000020004" pitchFamily="2" charset="77"/>
+                <a:cs typeface="Khmer OS Battambang" panose="02000500000000020004" pitchFamily="2" charset="77"/>
+              </a:rPr>
+              <a:t>returnType</a:t>
+            </a:r>
+            <a:r>
+              <a:rPr lang="en-US" sz="2000" dirty="0">
+                <a:solidFill>
+                  <a:srgbClr val="0070C0"/>
+                </a:solidFill>
+                <a:latin typeface="Khmer OS Battambang" panose="02000500000000020004" pitchFamily="2" charset="77"/>
+                <a:cs typeface="Khmer OS Battambang" panose="02000500000000020004" pitchFamily="2" charset="77"/>
+              </a:rPr>
+              <a:t>);</a:t>
+            </a:r>
+          </a:p>
+          <a:p>
+            <a:pPr algn="l">
+              <a:lnSpc>
+                <a:spcPct val="100000"/>
+              </a:lnSpc>
+              <a:spcBef>
+                <a:spcPts val="1500"/>
+              </a:spcBef>
+            </a:pPr>
+            <a:r>
+              <a:rPr lang="en-US" sz="2000" dirty="0">
+                <a:solidFill>
+                  <a:srgbClr val="002060"/>
+                </a:solidFill>
+                <a:latin typeface="Khmer OS Battambang" panose="02000500000000020004" pitchFamily="2" charset="77"/>
+                <a:cs typeface="Khmer OS Battambang" panose="02000500000000020004" pitchFamily="2" charset="77"/>
+              </a:rPr>
+              <a:t>     }</a:t>
+            </a:r>
+            <a:br>
+              <a:rPr lang="en-US" sz="2000" dirty="0">
+                <a:solidFill>
+                  <a:srgbClr val="002060"/>
+                </a:solidFill>
+                <a:latin typeface="Khmer OS Battambang" panose="02000500000000020004" pitchFamily="2" charset="77"/>
+                <a:cs typeface="Khmer OS Battambang" panose="02000500000000020004" pitchFamily="2" charset="77"/>
+              </a:rPr>
+            </a:br>
+            <a:br>
+              <a:rPr lang="en-US" sz="2000" dirty="0">
+                <a:solidFill>
+                  <a:srgbClr val="002060"/>
+                </a:solidFill>
+                <a:latin typeface="Khmer OS Battambang" panose="02000500000000020004" pitchFamily="2" charset="77"/>
+                <a:cs typeface="Khmer OS Battambang" panose="02000500000000020004" pitchFamily="2" charset="77"/>
+              </a:rPr>
+            </a:br>
+            <a:r>
+              <a:rPr lang="en-US" sz="2000" dirty="0">
+                <a:solidFill>
+                  <a:srgbClr val="002060"/>
+                </a:solidFill>
+                <a:latin typeface="Khmer OS Battambang" panose="02000500000000020004" pitchFamily="2" charset="77"/>
+                <a:cs typeface="Khmer OS Battambang" panose="02000500000000020004" pitchFamily="2" charset="77"/>
+              </a:rPr>
+              <a:t>   - </a:t>
+            </a:r>
+            <a:r>
+              <a:rPr lang="en-US" sz="2000" dirty="0" err="1">
+                <a:solidFill>
+                  <a:srgbClr val="002060"/>
+                </a:solidFill>
+                <a:latin typeface="Khmer OS Battambang" panose="02000500000000020004" pitchFamily="2" charset="77"/>
+                <a:cs typeface="Khmer OS Battambang" panose="02000500000000020004" pitchFamily="2" charset="77"/>
+              </a:rPr>
+              <a:t>accessModifier</a:t>
+            </a:r>
+            <a:r>
+              <a:rPr lang="en-US" sz="2000" dirty="0">
+                <a:solidFill>
+                  <a:srgbClr val="002060"/>
+                </a:solidFill>
+                <a:latin typeface="Khmer OS Battambang" panose="02000500000000020004" pitchFamily="2" charset="77"/>
+                <a:cs typeface="Khmer OS Battambang" panose="02000500000000020004" pitchFamily="2" charset="77"/>
+              </a:rPr>
+              <a:t>: </a:t>
+            </a:r>
+            <a:r>
+              <a:rPr lang="en-US" sz="2000" dirty="0" err="1">
+                <a:solidFill>
+                  <a:srgbClr val="0070C0"/>
+                </a:solidFill>
+                <a:latin typeface="Khmer OS Battambang" panose="02000500000000020004" pitchFamily="2" charset="77"/>
+                <a:cs typeface="Khmer OS Battambang" panose="02000500000000020004" pitchFamily="2" charset="77"/>
+              </a:rPr>
+              <a:t>គឺជាពាក្យសម្រាប់បញ្ជាក់កម្រិតនៃការចូលទៅកាន</a:t>
+            </a:r>
+            <a:r>
+              <a:rPr lang="en-US" sz="2000" dirty="0">
+                <a:solidFill>
+                  <a:srgbClr val="0070C0"/>
+                </a:solidFill>
+                <a:latin typeface="Khmer OS Battambang" panose="02000500000000020004" pitchFamily="2" charset="77"/>
+                <a:cs typeface="Khmer OS Battambang" panose="02000500000000020004" pitchFamily="2" charset="77"/>
+              </a:rPr>
+              <a:t>់ method </a:t>
+            </a:r>
+            <a:r>
+              <a:rPr lang="en-US" sz="2000" dirty="0" err="1">
+                <a:solidFill>
+                  <a:srgbClr val="0070C0"/>
+                </a:solidFill>
+                <a:latin typeface="Khmer OS Battambang" panose="02000500000000020004" pitchFamily="2" charset="77"/>
+                <a:cs typeface="Khmer OS Battambang" panose="02000500000000020004" pitchFamily="2" charset="77"/>
+              </a:rPr>
+              <a:t>មានដូចជា</a:t>
+            </a:r>
+            <a:r>
+              <a:rPr lang="en-US" sz="2000" dirty="0">
+                <a:solidFill>
+                  <a:srgbClr val="0070C0"/>
+                </a:solidFill>
+                <a:latin typeface="Khmer OS Battambang" panose="02000500000000020004" pitchFamily="2" charset="77"/>
+                <a:cs typeface="Khmer OS Battambang" panose="02000500000000020004" pitchFamily="2" charset="77"/>
+              </a:rPr>
+              <a:t>៖ </a:t>
+            </a:r>
+            <a:r>
+              <a:rPr lang="en-US" sz="2000" dirty="0">
+                <a:solidFill>
+                  <a:srgbClr val="FF0000"/>
+                </a:solidFill>
+                <a:latin typeface="Khmer OS Battambang" panose="02000500000000020004" pitchFamily="2" charset="77"/>
+                <a:cs typeface="Khmer OS Battambang" panose="02000500000000020004" pitchFamily="2" charset="77"/>
+              </a:rPr>
+              <a:t>private</a:t>
+            </a:r>
+            <a:r>
+              <a:rPr lang="en-US" sz="2000" dirty="0">
+                <a:solidFill>
+                  <a:srgbClr val="0070C0"/>
+                </a:solidFill>
+                <a:latin typeface="Khmer OS Battambang" panose="02000500000000020004" pitchFamily="2" charset="77"/>
+                <a:cs typeface="Khmer OS Battambang" panose="02000500000000020004" pitchFamily="2" charset="77"/>
+              </a:rPr>
+              <a:t>, </a:t>
+            </a:r>
+            <a:r>
+              <a:rPr lang="en-US" sz="2000" dirty="0">
+                <a:solidFill>
+                  <a:srgbClr val="FF0000"/>
+                </a:solidFill>
+                <a:latin typeface="Khmer OS Battambang" panose="02000500000000020004" pitchFamily="2" charset="77"/>
+                <a:cs typeface="Khmer OS Battambang" panose="02000500000000020004" pitchFamily="2" charset="77"/>
+              </a:rPr>
+              <a:t>default(</a:t>
+            </a:r>
+            <a:r>
+              <a:rPr lang="en-US" sz="2000" dirty="0" err="1">
+                <a:solidFill>
+                  <a:srgbClr val="FF0000"/>
+                </a:solidFill>
+                <a:latin typeface="Khmer OS Battambang" panose="02000500000000020004" pitchFamily="2" charset="77"/>
+                <a:cs typeface="Khmer OS Battambang" panose="02000500000000020004" pitchFamily="2" charset="77"/>
+              </a:rPr>
+              <a:t>មិនបញ្ជាក</a:t>
+            </a:r>
+            <a:r>
+              <a:rPr lang="en-US" sz="2000" dirty="0">
+                <a:solidFill>
+                  <a:srgbClr val="FF0000"/>
+                </a:solidFill>
+                <a:latin typeface="Khmer OS Battambang" panose="02000500000000020004" pitchFamily="2" charset="77"/>
+                <a:cs typeface="Khmer OS Battambang" panose="02000500000000020004" pitchFamily="2" charset="77"/>
+              </a:rPr>
+              <a:t>់) </a:t>
+            </a:r>
+            <a:r>
+              <a:rPr lang="en-US" sz="2000" dirty="0">
+                <a:solidFill>
+                  <a:srgbClr val="0070C0"/>
+                </a:solidFill>
+                <a:latin typeface="Khmer OS Battambang" panose="02000500000000020004" pitchFamily="2" charset="77"/>
+                <a:cs typeface="Khmer OS Battambang" panose="02000500000000020004" pitchFamily="2" charset="77"/>
+              </a:rPr>
+              <a:t>, </a:t>
+            </a:r>
+            <a:r>
+              <a:rPr lang="en-US" sz="2000" dirty="0">
+                <a:solidFill>
+                  <a:srgbClr val="FF0000"/>
+                </a:solidFill>
+                <a:latin typeface="Khmer OS Battambang" panose="02000500000000020004" pitchFamily="2" charset="77"/>
+                <a:cs typeface="Khmer OS Battambang" panose="02000500000000020004" pitchFamily="2" charset="77"/>
+              </a:rPr>
+              <a:t>protected</a:t>
+            </a:r>
+            <a:r>
+              <a:rPr lang="en-US" sz="2000" dirty="0">
+                <a:solidFill>
+                  <a:srgbClr val="0070C0"/>
+                </a:solidFill>
+                <a:latin typeface="Khmer OS Battambang" panose="02000500000000020004" pitchFamily="2" charset="77"/>
+                <a:cs typeface="Khmer OS Battambang" panose="02000500000000020004" pitchFamily="2" charset="77"/>
+              </a:rPr>
+              <a:t>,</a:t>
+            </a:r>
+            <a:r>
+              <a:rPr lang="en-US" sz="2000" b="1" dirty="0"/>
+              <a:t> </a:t>
+            </a:r>
+            <a:r>
+              <a:rPr lang="en-US" sz="2000" dirty="0">
+                <a:solidFill>
+                  <a:srgbClr val="FF0000"/>
+                </a:solidFill>
+                <a:latin typeface="Khmer OS Battambang" panose="02000500000000020004" pitchFamily="2" charset="77"/>
+                <a:cs typeface="Khmer OS Battambang" panose="02000500000000020004" pitchFamily="2" charset="77"/>
+              </a:rPr>
+              <a:t>public</a:t>
+            </a:r>
+            <a:r>
+              <a:rPr lang="en-US" sz="2000" dirty="0">
+                <a:solidFill>
+                  <a:srgbClr val="0070C0"/>
+                </a:solidFill>
+                <a:latin typeface="Khmer OS Battambang" panose="02000500000000020004" pitchFamily="2" charset="77"/>
+                <a:cs typeface="Khmer OS Battambang" panose="02000500000000020004" pitchFamily="2" charset="77"/>
+              </a:rPr>
+              <a:t>។</a:t>
+            </a:r>
+          </a:p>
+          <a:p>
+            <a:pPr algn="l">
+              <a:lnSpc>
+                <a:spcPct val="100000"/>
+              </a:lnSpc>
+              <a:spcBef>
+                <a:spcPts val="1500"/>
+              </a:spcBef>
+            </a:pPr>
+            <a:r>
+              <a:rPr lang="en-US" sz="2000" dirty="0">
+                <a:solidFill>
+                  <a:srgbClr val="002060"/>
+                </a:solidFill>
+                <a:latin typeface="Khmer OS Battambang" panose="02000500000000020004" pitchFamily="2" charset="77"/>
+                <a:cs typeface="Khmer OS Battambang" panose="02000500000000020004" pitchFamily="2" charset="77"/>
+              </a:rPr>
+              <a:t>   - </a:t>
+            </a:r>
+            <a:r>
+              <a:rPr lang="en-US" sz="2000" dirty="0" err="1">
+                <a:solidFill>
+                  <a:srgbClr val="002060"/>
+                </a:solidFill>
+                <a:latin typeface="Khmer OS Battambang" panose="02000500000000020004" pitchFamily="2" charset="77"/>
+                <a:cs typeface="Khmer OS Battambang" panose="02000500000000020004" pitchFamily="2" charset="77"/>
+              </a:rPr>
+              <a:t>returnType</a:t>
+            </a:r>
+            <a:r>
+              <a:rPr lang="en-US" sz="2000" dirty="0">
+                <a:solidFill>
+                  <a:srgbClr val="002060"/>
+                </a:solidFill>
+                <a:latin typeface="Khmer OS Battambang" panose="02000500000000020004" pitchFamily="2" charset="77"/>
+                <a:cs typeface="Khmer OS Battambang" panose="02000500000000020004" pitchFamily="2" charset="77"/>
+              </a:rPr>
+              <a:t>: </a:t>
+            </a:r>
+            <a:r>
+              <a:rPr lang="en-US" sz="2000" dirty="0" err="1">
+                <a:solidFill>
+                  <a:srgbClr val="0070C0"/>
+                </a:solidFill>
+                <a:latin typeface="Khmer OS Battambang" panose="02000500000000020004" pitchFamily="2" charset="77"/>
+                <a:cs typeface="Khmer OS Battambang" panose="02000500000000020004" pitchFamily="2" charset="77"/>
+              </a:rPr>
+              <a:t>ប្រភេទទិន្នន័យនៃតម្លៃដែលត្រូវផ្តល់ត្រឡប់មកវិញ</a:t>
+            </a:r>
+            <a:r>
+              <a:rPr lang="en-US" sz="2000" dirty="0">
+                <a:solidFill>
+                  <a:srgbClr val="0070C0"/>
+                </a:solidFill>
+                <a:latin typeface="Khmer OS Battambang" panose="02000500000000020004" pitchFamily="2" charset="77"/>
+                <a:cs typeface="Khmer OS Battambang" panose="02000500000000020004" pitchFamily="2" charset="77"/>
+              </a:rPr>
+              <a:t>។</a:t>
+            </a:r>
+            <a:endParaRPr lang="en-US" sz="2000" dirty="0">
+              <a:solidFill>
+                <a:srgbClr val="002060"/>
+              </a:solidFill>
+              <a:latin typeface="Khmer OS Battambang" panose="02000500000000020004" pitchFamily="2" charset="77"/>
+              <a:cs typeface="Khmer OS Battambang" panose="02000500000000020004" pitchFamily="2" charset="77"/>
+            </a:endParaRPr>
+          </a:p>
+          <a:p>
+            <a:pPr algn="l">
+              <a:lnSpc>
+                <a:spcPct val="100000"/>
+              </a:lnSpc>
+              <a:spcBef>
+                <a:spcPts val="1500"/>
+              </a:spcBef>
+            </a:pPr>
+            <a:r>
+              <a:rPr lang="en-US" sz="2000" dirty="0">
+                <a:solidFill>
+                  <a:srgbClr val="002060"/>
+                </a:solidFill>
+                <a:latin typeface="Khmer OS Battambang" panose="02000500000000020004" pitchFamily="2" charset="77"/>
+                <a:cs typeface="Khmer OS Battambang" panose="02000500000000020004" pitchFamily="2" charset="77"/>
+              </a:rPr>
+              <a:t>   - </a:t>
+            </a:r>
+            <a:r>
+              <a:rPr lang="en-US" sz="2000" dirty="0" err="1">
+                <a:solidFill>
+                  <a:srgbClr val="002060"/>
+                </a:solidFill>
+                <a:latin typeface="Khmer OS Battambang" panose="02000500000000020004" pitchFamily="2" charset="77"/>
+                <a:cs typeface="Khmer OS Battambang" panose="02000500000000020004" pitchFamily="2" charset="77"/>
+              </a:rPr>
+              <a:t>methodName</a:t>
+            </a:r>
+            <a:r>
+              <a:rPr lang="en-US" sz="2000" dirty="0">
+                <a:solidFill>
+                  <a:srgbClr val="002060"/>
+                </a:solidFill>
+                <a:latin typeface="Khmer OS Battambang" panose="02000500000000020004" pitchFamily="2" charset="77"/>
+                <a:cs typeface="Khmer OS Battambang" panose="02000500000000020004" pitchFamily="2" charset="77"/>
+              </a:rPr>
+              <a:t>: </a:t>
+            </a:r>
+            <a:r>
+              <a:rPr lang="en-US" sz="2000" dirty="0" err="1">
+                <a:solidFill>
+                  <a:srgbClr val="0070C0"/>
+                </a:solidFill>
+                <a:latin typeface="Khmer OS Battambang" panose="02000500000000020004" pitchFamily="2" charset="77"/>
+                <a:cs typeface="Khmer OS Battambang" panose="02000500000000020004" pitchFamily="2" charset="77"/>
+              </a:rPr>
+              <a:t>ឈ្មោះ</a:t>
+            </a:r>
+            <a:r>
+              <a:rPr lang="en-US" sz="2000" dirty="0">
+                <a:solidFill>
+                  <a:srgbClr val="0070C0"/>
+                </a:solidFill>
+                <a:latin typeface="Khmer OS Battambang" panose="02000500000000020004" pitchFamily="2" charset="77"/>
+                <a:cs typeface="Khmer OS Battambang" panose="02000500000000020004" pitchFamily="2" charset="77"/>
+              </a:rPr>
+              <a:t> metho </a:t>
+            </a:r>
+            <a:r>
+              <a:rPr lang="en-US" sz="2000" dirty="0" err="1">
+                <a:solidFill>
+                  <a:srgbClr val="0070C0"/>
+                </a:solidFill>
+                <a:latin typeface="Khmer OS Battambang" panose="02000500000000020004" pitchFamily="2" charset="77"/>
+                <a:cs typeface="Khmer OS Battambang" panose="02000500000000020004" pitchFamily="2" charset="77"/>
+              </a:rPr>
+              <a:t>សម្រាប់ហៅនៅពេលប្រើប្រាស</a:t>
+            </a:r>
+            <a:r>
+              <a:rPr lang="en-US" sz="2000" dirty="0">
+                <a:solidFill>
+                  <a:srgbClr val="0070C0"/>
+                </a:solidFill>
+                <a:latin typeface="Khmer OS Battambang" panose="02000500000000020004" pitchFamily="2" charset="77"/>
+                <a:cs typeface="Khmer OS Battambang" panose="02000500000000020004" pitchFamily="2" charset="77"/>
+              </a:rPr>
+              <a:t>់។</a:t>
+            </a:r>
+          </a:p>
+          <a:p>
+            <a:pPr algn="l">
+              <a:lnSpc>
+                <a:spcPct val="100000"/>
+              </a:lnSpc>
+              <a:spcBef>
+                <a:spcPts val="1500"/>
+              </a:spcBef>
+            </a:pPr>
+            <a:r>
+              <a:rPr lang="en-US" sz="2000" dirty="0">
+                <a:solidFill>
+                  <a:srgbClr val="002060"/>
+                </a:solidFill>
+                <a:latin typeface="Khmer OS Battambang" panose="02000500000000020004" pitchFamily="2" charset="77"/>
+                <a:cs typeface="Khmer OS Battambang" panose="02000500000000020004" pitchFamily="2" charset="77"/>
+              </a:rPr>
+              <a:t>   - </a:t>
+            </a:r>
+            <a:r>
+              <a:rPr lang="en-US" sz="2000" dirty="0" err="1">
+                <a:solidFill>
+                  <a:srgbClr val="002060"/>
+                </a:solidFill>
+                <a:latin typeface="Khmer OS Battambang" panose="02000500000000020004" pitchFamily="2" charset="77"/>
+                <a:cs typeface="Khmer OS Battambang" panose="02000500000000020004" pitchFamily="2" charset="77"/>
+              </a:rPr>
+              <a:t>parameterName</a:t>
+            </a:r>
+            <a:r>
+              <a:rPr lang="en-US" sz="2000" dirty="0">
+                <a:solidFill>
+                  <a:srgbClr val="002060"/>
+                </a:solidFill>
+                <a:latin typeface="Khmer OS Battambang" panose="02000500000000020004" pitchFamily="2" charset="77"/>
+                <a:cs typeface="Khmer OS Battambang" panose="02000500000000020004" pitchFamily="2" charset="77"/>
+              </a:rPr>
+              <a:t>: </a:t>
+            </a:r>
+            <a:r>
+              <a:rPr lang="en-US" sz="2000" dirty="0" err="1">
+                <a:solidFill>
+                  <a:srgbClr val="0070C0"/>
+                </a:solidFill>
+                <a:latin typeface="Khmer OS Battambang" panose="02000500000000020004" pitchFamily="2" charset="77"/>
+                <a:cs typeface="Khmer OS Battambang" panose="02000500000000020004" pitchFamily="2" charset="77"/>
+              </a:rPr>
+              <a:t>ឈ្មោះ</a:t>
+            </a:r>
+            <a:r>
+              <a:rPr lang="en-US" sz="2000" dirty="0">
+                <a:solidFill>
+                  <a:srgbClr val="0070C0"/>
+                </a:solidFill>
+                <a:latin typeface="Khmer OS Battambang" panose="02000500000000020004" pitchFamily="2" charset="77"/>
+                <a:cs typeface="Khmer OS Battambang" panose="02000500000000020004" pitchFamily="2" charset="77"/>
+              </a:rPr>
+              <a:t> Parameter </a:t>
+            </a:r>
+            <a:r>
+              <a:rPr lang="en-US" sz="2000" dirty="0" err="1">
+                <a:solidFill>
+                  <a:srgbClr val="0070C0"/>
+                </a:solidFill>
+                <a:latin typeface="Khmer OS Battambang" panose="02000500000000020004" pitchFamily="2" charset="77"/>
+                <a:cs typeface="Khmer OS Battambang" panose="02000500000000020004" pitchFamily="2" charset="77"/>
+              </a:rPr>
+              <a:t>សម្រាប់ប្រើប្រាស់ក្នុង</a:t>
+            </a:r>
+            <a:r>
+              <a:rPr lang="en-US" sz="2000" dirty="0">
+                <a:solidFill>
+                  <a:srgbClr val="0070C0"/>
+                </a:solidFill>
+                <a:latin typeface="Khmer OS Battambang" panose="02000500000000020004" pitchFamily="2" charset="77"/>
+                <a:cs typeface="Khmer OS Battambang" panose="02000500000000020004" pitchFamily="2" charset="77"/>
+              </a:rPr>
+              <a:t> method </a:t>
+            </a:r>
+            <a:r>
+              <a:rPr lang="en-US" sz="2000" dirty="0" err="1">
+                <a:solidFill>
+                  <a:srgbClr val="0070C0"/>
+                </a:solidFill>
+                <a:latin typeface="Khmer OS Battambang" panose="02000500000000020004" pitchFamily="2" charset="77"/>
+                <a:cs typeface="Khmer OS Battambang" panose="02000500000000020004" pitchFamily="2" charset="77"/>
+              </a:rPr>
+              <a:t>នៅពេលប្រតិបត្តិ</a:t>
+            </a:r>
+            <a:r>
+              <a:rPr lang="en-US" sz="2000" dirty="0">
+                <a:solidFill>
+                  <a:srgbClr val="0070C0"/>
+                </a:solidFill>
+                <a:latin typeface="Khmer OS Battambang" panose="02000500000000020004" pitchFamily="2" charset="77"/>
+                <a:cs typeface="Khmer OS Battambang" panose="02000500000000020004" pitchFamily="2" charset="77"/>
+              </a:rPr>
+              <a:t>។</a:t>
+            </a:r>
+          </a:p>
+        </p:txBody>
+      </p:sp>
+    </p:spTree>
+    <p:extLst>
+      <p:ext uri="{BB962C8B-B14F-4D97-AF65-F5344CB8AC3E}">
+        <p14:creationId xmlns:p14="http://schemas.microsoft.com/office/powerpoint/2010/main" val="4148604527"/>
+      </p:ext>
+    </p:extLst>
+  </p:cSld>
+  <p:clrMapOvr>
+    <a:masterClrMapping/>
+  </p:clrMapOvr>
+</p:sld>
+</file>
+
+<file path=ppt/slides/slide39.xml><?xml version="1.0" encoding="utf-8"?>
+<p:sld xmlns:a="http://schemas.openxmlformats.org/drawingml/2006/main" xmlns:r="http://schemas.openxmlformats.org/officeDocument/2006/relationships" xmlns:p="http://schemas.openxmlformats.org/presentationml/2006/main">
+  <p:cSld>
+    <p:bg>
+      <p:bgPr>
+        <a:solidFill>
+          <a:schemeClr val="bg1"/>
+        </a:solidFill>
+        <a:effectLst/>
+      </p:bgPr>
+    </p:bg>
+    <p:spTree>
+      <p:nvGrpSpPr>
+        <p:cNvPr id="1" name="">
+          <a:extLst>
+            <a:ext uri="{FF2B5EF4-FFF2-40B4-BE49-F238E27FC236}">
+              <a16:creationId xmlns:a16="http://schemas.microsoft.com/office/drawing/2014/main" id="{37EEDD9A-9AB7-2D7D-2377-2293CEFB3647}"/>
+            </a:ext>
+          </a:extLst>
+        </p:cNvPr>
+        <p:cNvGrpSpPr/>
+        <p:nvPr/>
+      </p:nvGrpSpPr>
+      <p:grpSpPr>
+        <a:xfrm>
+          <a:off x="0" y="0"/>
+          <a:ext cx="0" cy="0"/>
+          <a:chOff x="0" y="0"/>
+          <a:chExt cx="0" cy="0"/>
+        </a:xfrm>
+      </p:grpSpPr>
+      <p:sp>
+        <p:nvSpPr>
+          <p:cNvPr id="2" name="Title 1">
+            <a:extLst>
+              <a:ext uri="{FF2B5EF4-FFF2-40B4-BE49-F238E27FC236}">
+                <a16:creationId xmlns:a16="http://schemas.microsoft.com/office/drawing/2014/main" id="{1B56451F-8670-735F-59B4-82D837025FF5}"/>
+              </a:ext>
+            </a:extLst>
+          </p:cNvPr>
+          <p:cNvSpPr>
+            <a:spLocks noGrp="1"/>
+          </p:cNvSpPr>
+          <p:nvPr>
+            <p:ph type="ctrTitle"/>
+          </p:nvPr>
+        </p:nvSpPr>
+        <p:spPr>
+          <a:xfrm>
+            <a:off x="1701800" y="119781"/>
+            <a:ext cx="9144000" cy="789373"/>
+          </a:xfrm>
+        </p:spPr>
+        <p:txBody>
+          <a:bodyPr>
+            <a:normAutofit/>
+          </a:bodyPr>
+          <a:lstStyle/>
+          <a:p>
+            <a:pPr algn="l"/>
+            <a:r>
+              <a:rPr lang="en-US" sz="3600" dirty="0">
+                <a:solidFill>
+                  <a:srgbClr val="002060"/>
+                </a:solidFill>
+                <a:latin typeface="Khmer OS Battambang" panose="02000500000000020004" pitchFamily="2" charset="77"/>
+                <a:cs typeface="Khmer OS Battambang" panose="02000500000000020004" pitchFamily="2" charset="77"/>
+              </a:rPr>
+              <a:t>Methods </a:t>
+            </a:r>
+            <a:r>
+              <a:rPr lang="en-US" sz="3600" dirty="0" err="1">
+                <a:solidFill>
+                  <a:srgbClr val="002060"/>
+                </a:solidFill>
+                <a:latin typeface="Khmer OS Battambang" panose="02000500000000020004" pitchFamily="2" charset="77"/>
+                <a:cs typeface="Khmer OS Battambang" panose="02000500000000020004" pitchFamily="2" charset="77"/>
+              </a:rPr>
+              <a:t>និងParameters</a:t>
+            </a:r>
+            <a:endParaRPr lang="en-KH" sz="3600" dirty="0">
+              <a:solidFill>
+                <a:srgbClr val="002060"/>
+              </a:solidFill>
+              <a:latin typeface="Khmer OS Battambang" panose="02000500000000020004" pitchFamily="2" charset="77"/>
+              <a:cs typeface="Khmer OS Battambang" panose="02000500000000020004" pitchFamily="2" charset="77"/>
+            </a:endParaRPr>
+          </a:p>
+        </p:txBody>
+      </p:sp>
+      <p:cxnSp>
+        <p:nvCxnSpPr>
+          <p:cNvPr id="8" name="Straight Connector 7">
+            <a:extLst>
+              <a:ext uri="{FF2B5EF4-FFF2-40B4-BE49-F238E27FC236}">
+                <a16:creationId xmlns:a16="http://schemas.microsoft.com/office/drawing/2014/main" id="{C378FE91-F0D1-8BB6-0BE5-BFAA3D2E21CA}"/>
+              </a:ext>
+            </a:extLst>
+          </p:cNvPr>
+          <p:cNvCxnSpPr/>
+          <p:nvPr/>
+        </p:nvCxnSpPr>
+        <p:spPr>
+          <a:xfrm>
+            <a:off x="0" y="1050468"/>
+            <a:ext cx="12192000" cy="0"/>
+          </a:xfrm>
+          <a:prstGeom prst="line">
+            <a:avLst/>
+          </a:prstGeom>
+          <a:ln w="57150">
+            <a:solidFill>
+              <a:srgbClr val="D49B06"/>
+            </a:solidFill>
+          </a:ln>
+        </p:spPr>
+        <p:style>
+          <a:lnRef idx="2">
+            <a:schemeClr val="accent1"/>
+          </a:lnRef>
+          <a:fillRef idx="0">
+            <a:schemeClr val="accent1"/>
+          </a:fillRef>
+          <a:effectRef idx="1">
+            <a:schemeClr val="accent1"/>
+          </a:effectRef>
+          <a:fontRef idx="minor">
+            <a:schemeClr val="tx1"/>
+          </a:fontRef>
+        </p:style>
+      </p:cxnSp>
+      <p:cxnSp>
+        <p:nvCxnSpPr>
+          <p:cNvPr id="10" name="Straight Connector 9">
+            <a:extLst>
+              <a:ext uri="{FF2B5EF4-FFF2-40B4-BE49-F238E27FC236}">
+                <a16:creationId xmlns:a16="http://schemas.microsoft.com/office/drawing/2014/main" id="{FFDBDDBD-BDFC-F5A9-A2F6-F6225499C745}"/>
+              </a:ext>
+            </a:extLst>
+          </p:cNvPr>
+          <p:cNvCxnSpPr>
+            <a:cxnSpLocks/>
+          </p:cNvCxnSpPr>
+          <p:nvPr/>
+        </p:nvCxnSpPr>
+        <p:spPr>
+          <a:xfrm>
+            <a:off x="0" y="979812"/>
+            <a:ext cx="12192000" cy="0"/>
+          </a:xfrm>
+          <a:prstGeom prst="line">
+            <a:avLst/>
+          </a:prstGeom>
+          <a:ln w="57150">
+            <a:solidFill>
+              <a:srgbClr val="1C27CF"/>
+            </a:solidFill>
+          </a:ln>
+        </p:spPr>
+        <p:style>
+          <a:lnRef idx="2">
+            <a:schemeClr val="accent1"/>
+          </a:lnRef>
+          <a:fillRef idx="0">
+            <a:schemeClr val="accent1"/>
+          </a:fillRef>
+          <a:effectRef idx="1">
+            <a:schemeClr val="accent1"/>
+          </a:effectRef>
+          <a:fontRef idx="minor">
+            <a:schemeClr val="tx1"/>
+          </a:fontRef>
+        </p:style>
+      </p:cxnSp>
+      <p:pic>
+        <p:nvPicPr>
+          <p:cNvPr id="47" name="Picture 46" descr="A blue circle with a yellow and white bird in it&#10;&#10;AI-generated content may be incorrect.">
+            <a:extLst>
+              <a:ext uri="{FF2B5EF4-FFF2-40B4-BE49-F238E27FC236}">
+                <a16:creationId xmlns:a16="http://schemas.microsoft.com/office/drawing/2014/main" id="{049E800C-B977-9320-EA12-0CD772F885DD}"/>
+              </a:ext>
+            </a:extLst>
+          </p:cNvPr>
+          <p:cNvPicPr>
+            <a:picLocks noChangeAspect="1"/>
+          </p:cNvPicPr>
+          <p:nvPr/>
+        </p:nvPicPr>
+        <p:blipFill>
+          <a:blip r:embed="rId3"/>
+          <a:stretch>
+            <a:fillRect/>
+          </a:stretch>
+        </p:blipFill>
+        <p:spPr>
+          <a:xfrm>
+            <a:off x="325438" y="219712"/>
+            <a:ext cx="606500" cy="606500"/>
+          </a:xfrm>
+          <a:prstGeom prst="rect">
+            <a:avLst/>
+          </a:prstGeom>
+        </p:spPr>
+      </p:pic>
+      <p:sp>
+        <p:nvSpPr>
+          <p:cNvPr id="7" name="Subtitle 2">
+            <a:extLst>
+              <a:ext uri="{FF2B5EF4-FFF2-40B4-BE49-F238E27FC236}">
+                <a16:creationId xmlns:a16="http://schemas.microsoft.com/office/drawing/2014/main" id="{AB5CD8C5-0758-8B3E-09F3-7F605119B701}"/>
+              </a:ext>
+            </a:extLst>
+          </p:cNvPr>
+          <p:cNvSpPr>
+            <a:spLocks noGrp="1"/>
+          </p:cNvSpPr>
+          <p:nvPr>
+            <p:ph type="subTitle" idx="1"/>
+          </p:nvPr>
+        </p:nvSpPr>
+        <p:spPr>
+          <a:xfrm>
+            <a:off x="651353" y="1156582"/>
+            <a:ext cx="10459234" cy="5181579"/>
+          </a:xfrm>
+        </p:spPr>
+        <p:txBody>
+          <a:bodyPr>
+            <a:noAutofit/>
+          </a:bodyPr>
+          <a:lstStyle/>
+          <a:p>
+            <a:pPr algn="l">
+              <a:lnSpc>
+                <a:spcPct val="150000"/>
+              </a:lnSpc>
+              <a:spcBef>
+                <a:spcPts val="1500"/>
+              </a:spcBef>
+            </a:pPr>
+            <a:r>
+              <a:rPr lang="en-US" sz="1800" dirty="0">
+                <a:solidFill>
+                  <a:srgbClr val="002060"/>
+                </a:solidFill>
+                <a:latin typeface="Khmer OS Battambang" panose="02000500000000020004" pitchFamily="2" charset="77"/>
+                <a:cs typeface="Khmer OS Battambang" panose="02000500000000020004" pitchFamily="2" charset="77"/>
+              </a:rPr>
+              <a:t>​</a:t>
+            </a:r>
+            <a:r>
+              <a:rPr lang="en-KH" dirty="0"/>
+              <a:t>👉 </a:t>
+            </a:r>
+            <a:r>
+              <a:rPr lang="en-US" dirty="0" err="1">
+                <a:solidFill>
+                  <a:srgbClr val="002060"/>
+                </a:solidFill>
+                <a:latin typeface="Khmer OS Battambang" panose="02000500000000020004" pitchFamily="2" charset="77"/>
+                <a:cs typeface="Khmer OS Battambang" panose="02000500000000020004" pitchFamily="2" charset="77"/>
+              </a:rPr>
+              <a:t>ទម្រង់នៃការប្រើប្រាស</a:t>
+            </a:r>
+            <a:r>
+              <a:rPr lang="en-US" dirty="0">
+                <a:solidFill>
+                  <a:srgbClr val="002060"/>
+                </a:solidFill>
+                <a:latin typeface="Khmer OS Battambang" panose="02000500000000020004" pitchFamily="2" charset="77"/>
+                <a:cs typeface="Khmer OS Battambang" panose="02000500000000020004" pitchFamily="2" charset="77"/>
+              </a:rPr>
+              <a:t>់(Syntax) </a:t>
+            </a:r>
+            <a:r>
+              <a:rPr lang="en-US" dirty="0" err="1">
+                <a:solidFill>
+                  <a:srgbClr val="002060"/>
+                </a:solidFill>
+                <a:latin typeface="Khmer OS Battambang" panose="02000500000000020004" pitchFamily="2" charset="77"/>
+                <a:cs typeface="Khmer OS Battambang" panose="02000500000000020004" pitchFamily="2" charset="77"/>
+              </a:rPr>
+              <a:t>នៃ</a:t>
+            </a:r>
+            <a:r>
+              <a:rPr lang="en-US" dirty="0">
+                <a:solidFill>
+                  <a:srgbClr val="002060"/>
+                </a:solidFill>
+                <a:latin typeface="Khmer OS Battambang" panose="02000500000000020004" pitchFamily="2" charset="77"/>
+                <a:cs typeface="Khmer OS Battambang" panose="02000500000000020004" pitchFamily="2" charset="77"/>
+              </a:rPr>
+              <a:t> method </a:t>
+            </a:r>
+            <a:r>
+              <a:rPr lang="en-US" dirty="0" err="1">
+                <a:solidFill>
+                  <a:srgbClr val="002060"/>
+                </a:solidFill>
+                <a:latin typeface="Khmer OS Battambang" panose="02000500000000020004" pitchFamily="2" charset="77"/>
+                <a:cs typeface="Khmer OS Battambang" panose="02000500000000020004" pitchFamily="2" charset="77"/>
+              </a:rPr>
+              <a:t>ដែលមិនផ្តល់តម្លៃត្រឡប់មកវិញ</a:t>
+            </a:r>
+            <a:r>
+              <a:rPr lang="en-US" dirty="0">
+                <a:solidFill>
+                  <a:srgbClr val="002060"/>
+                </a:solidFill>
+                <a:latin typeface="Khmer OS Battambang" panose="02000500000000020004" pitchFamily="2" charset="77"/>
+                <a:cs typeface="Khmer OS Battambang" panose="02000500000000020004" pitchFamily="2" charset="77"/>
+              </a:rPr>
+              <a:t>        </a:t>
+            </a:r>
+            <a:r>
+              <a:rPr lang="en-US" dirty="0">
+                <a:solidFill>
+                  <a:srgbClr val="FF0000"/>
+                </a:solidFill>
+                <a:latin typeface="Khmer OS Battambang" panose="02000500000000020004" pitchFamily="2" charset="77"/>
+                <a:cs typeface="Khmer OS Battambang" panose="02000500000000020004" pitchFamily="2" charset="77"/>
+              </a:rPr>
+              <a:t>(No</a:t>
+            </a:r>
+            <a:r>
+              <a:rPr lang="en-US" dirty="0">
+                <a:solidFill>
+                  <a:srgbClr val="002060"/>
+                </a:solidFill>
+                <a:latin typeface="Khmer OS Battambang" panose="02000500000000020004" pitchFamily="2" charset="77"/>
+                <a:cs typeface="Khmer OS Battambang" panose="02000500000000020004" pitchFamily="2" charset="77"/>
+              </a:rPr>
+              <a:t> </a:t>
+            </a:r>
+            <a:r>
+              <a:rPr lang="en-US" dirty="0">
+                <a:solidFill>
+                  <a:srgbClr val="FF0000"/>
+                </a:solidFill>
+                <a:latin typeface="Khmer OS Battambang" panose="02000500000000020004" pitchFamily="2" charset="77"/>
+                <a:cs typeface="Khmer OS Battambang" panose="02000500000000020004" pitchFamily="2" charset="77"/>
+              </a:rPr>
+              <a:t>return value</a:t>
+            </a:r>
+            <a:r>
+              <a:rPr lang="en-US" dirty="0">
+                <a:solidFill>
+                  <a:srgbClr val="002060"/>
+                </a:solidFill>
+                <a:latin typeface="Khmer OS Battambang" panose="02000500000000020004" pitchFamily="2" charset="77"/>
+                <a:cs typeface="Khmer OS Battambang" panose="02000500000000020004" pitchFamily="2" charset="77"/>
+              </a:rPr>
+              <a:t>)៖</a:t>
+            </a:r>
+          </a:p>
+          <a:p>
+            <a:pPr algn="l">
+              <a:lnSpc>
+                <a:spcPct val="100000"/>
+              </a:lnSpc>
+              <a:spcBef>
+                <a:spcPts val="1500"/>
+              </a:spcBef>
+            </a:pPr>
+            <a:r>
+              <a:rPr lang="en-US" sz="2800" dirty="0">
+                <a:solidFill>
+                  <a:srgbClr val="002060"/>
+                </a:solidFill>
+                <a:latin typeface="Khmer OS Battambang" panose="02000500000000020004" pitchFamily="2" charset="77"/>
+                <a:cs typeface="Khmer OS Battambang" panose="02000500000000020004" pitchFamily="2" charset="77"/>
+              </a:rPr>
+              <a:t>    </a:t>
+            </a:r>
+            <a:r>
+              <a:rPr lang="en-US" sz="1800" dirty="0" err="1">
+                <a:solidFill>
+                  <a:srgbClr val="002060"/>
+                </a:solidFill>
+                <a:latin typeface="Khmer OS Battambang" panose="02000500000000020004" pitchFamily="2" charset="77"/>
+                <a:cs typeface="Khmer OS Battambang" panose="02000500000000020004" pitchFamily="2" charset="77"/>
+              </a:rPr>
+              <a:t>accessModifier</a:t>
+            </a:r>
+            <a:r>
+              <a:rPr lang="en-US" sz="1800" dirty="0">
+                <a:solidFill>
+                  <a:srgbClr val="FF0000"/>
+                </a:solidFill>
+                <a:latin typeface="Khmer OS Battambang" panose="02000500000000020004" pitchFamily="2" charset="77"/>
+                <a:cs typeface="Khmer OS Battambang" panose="02000500000000020004" pitchFamily="2" charset="77"/>
+              </a:rPr>
+              <a:t> void</a:t>
+            </a:r>
+            <a:r>
+              <a:rPr lang="en-US" sz="1800" dirty="0">
+                <a:solidFill>
+                  <a:srgbClr val="002060"/>
+                </a:solidFill>
+                <a:latin typeface="Khmer OS Battambang" panose="02000500000000020004" pitchFamily="2" charset="77"/>
+                <a:cs typeface="Khmer OS Battambang" panose="02000500000000020004" pitchFamily="2" charset="77"/>
+              </a:rPr>
+              <a:t> </a:t>
+            </a:r>
+            <a:r>
+              <a:rPr lang="en-US" sz="1800" dirty="0" err="1">
+                <a:solidFill>
+                  <a:srgbClr val="002060"/>
+                </a:solidFill>
+                <a:latin typeface="Khmer OS Battambang" panose="02000500000000020004" pitchFamily="2" charset="77"/>
+                <a:cs typeface="Khmer OS Battambang" panose="02000500000000020004" pitchFamily="2" charset="77"/>
+              </a:rPr>
+              <a:t>methodName</a:t>
+            </a:r>
+            <a:r>
+              <a:rPr lang="en-US" sz="1800" dirty="0">
+                <a:solidFill>
+                  <a:srgbClr val="002060"/>
+                </a:solidFill>
+                <a:latin typeface="Khmer OS Battambang" panose="02000500000000020004" pitchFamily="2" charset="77"/>
+                <a:cs typeface="Khmer OS Battambang" panose="02000500000000020004" pitchFamily="2" charset="77"/>
+              </a:rPr>
+              <a:t>(</a:t>
+            </a:r>
+            <a:r>
+              <a:rPr lang="en-US" sz="1800" dirty="0" err="1">
+                <a:solidFill>
+                  <a:srgbClr val="FF0000"/>
+                </a:solidFill>
+                <a:latin typeface="Khmer OS Battambang" panose="02000500000000020004" pitchFamily="2" charset="77"/>
+                <a:cs typeface="Khmer OS Battambang" panose="02000500000000020004" pitchFamily="2" charset="77"/>
+              </a:rPr>
+              <a:t>dataType</a:t>
+            </a:r>
+            <a:r>
+              <a:rPr lang="en-US" sz="1800" dirty="0">
+                <a:solidFill>
+                  <a:srgbClr val="002060"/>
+                </a:solidFill>
+                <a:latin typeface="Khmer OS Battambang" panose="02000500000000020004" pitchFamily="2" charset="77"/>
+                <a:cs typeface="Khmer OS Battambang" panose="02000500000000020004" pitchFamily="2" charset="77"/>
+              </a:rPr>
+              <a:t> </a:t>
+            </a:r>
+            <a:r>
+              <a:rPr lang="en-US" sz="1800" dirty="0" err="1">
+                <a:solidFill>
+                  <a:srgbClr val="002060"/>
+                </a:solidFill>
+                <a:latin typeface="Khmer OS Battambang" panose="02000500000000020004" pitchFamily="2" charset="77"/>
+                <a:cs typeface="Khmer OS Battambang" panose="02000500000000020004" pitchFamily="2" charset="77"/>
+              </a:rPr>
+              <a:t>parameterName</a:t>
+            </a:r>
+            <a:r>
+              <a:rPr lang="en-US" sz="1800" dirty="0">
+                <a:solidFill>
+                  <a:srgbClr val="002060"/>
+                </a:solidFill>
+                <a:latin typeface="Khmer OS Battambang" panose="02000500000000020004" pitchFamily="2" charset="77"/>
+                <a:cs typeface="Khmer OS Battambang" panose="02000500000000020004" pitchFamily="2" charset="77"/>
+              </a:rPr>
+              <a:t>){</a:t>
+            </a:r>
+          </a:p>
+          <a:p>
+            <a:pPr algn="l">
+              <a:lnSpc>
+                <a:spcPct val="100000"/>
+              </a:lnSpc>
+              <a:spcBef>
+                <a:spcPts val="1500"/>
+              </a:spcBef>
+            </a:pPr>
+            <a:r>
+              <a:rPr lang="en-US" sz="1800" dirty="0">
+                <a:solidFill>
+                  <a:srgbClr val="002060"/>
+                </a:solidFill>
+                <a:latin typeface="Khmer OS Battambang" panose="02000500000000020004" pitchFamily="2" charset="77"/>
+                <a:cs typeface="Khmer OS Battambang" panose="02000500000000020004" pitchFamily="2" charset="77"/>
+              </a:rPr>
+              <a:t>	//</a:t>
+            </a:r>
+            <a:r>
+              <a:rPr lang="en-US" sz="1800" dirty="0" err="1">
+                <a:solidFill>
+                  <a:srgbClr val="0070C0"/>
+                </a:solidFill>
+                <a:latin typeface="Khmer OS Battambang" panose="02000500000000020004" pitchFamily="2" charset="77"/>
+                <a:cs typeface="Khmer OS Battambang" panose="02000500000000020004" pitchFamily="2" charset="77"/>
+              </a:rPr>
+              <a:t>ប្លុក</a:t>
+            </a:r>
+            <a:r>
+              <a:rPr lang="en-US" sz="1800" dirty="0">
+                <a:solidFill>
+                  <a:srgbClr val="002060"/>
+                </a:solidFill>
+                <a:latin typeface="Khmer OS Battambang" panose="02000500000000020004" pitchFamily="2" charset="77"/>
+                <a:cs typeface="Khmer OS Battambang" panose="02000500000000020004" pitchFamily="2" charset="77"/>
+              </a:rPr>
+              <a:t> </a:t>
+            </a:r>
+            <a:r>
+              <a:rPr lang="en-US" sz="1800" dirty="0">
+                <a:solidFill>
+                  <a:srgbClr val="0070C0"/>
+                </a:solidFill>
+                <a:latin typeface="Khmer OS Battambang" panose="02000500000000020004" pitchFamily="2" charset="77"/>
+                <a:cs typeface="Khmer OS Battambang" panose="02000500000000020004" pitchFamily="2" charset="77"/>
+              </a:rPr>
+              <a:t>code </a:t>
+            </a:r>
+            <a:r>
+              <a:rPr lang="en-US" sz="1800" dirty="0" err="1">
+                <a:solidFill>
+                  <a:srgbClr val="0070C0"/>
+                </a:solidFill>
+                <a:latin typeface="Khmer OS Battambang" panose="02000500000000020004" pitchFamily="2" charset="77"/>
+                <a:cs typeface="Khmer OS Battambang" panose="02000500000000020004" pitchFamily="2" charset="77"/>
+              </a:rPr>
+              <a:t>ដែលត្រូវប្រតិបត្តិ</a:t>
+            </a:r>
+            <a:r>
+              <a:rPr lang="en-US" sz="1800" dirty="0">
+                <a:solidFill>
+                  <a:srgbClr val="0070C0"/>
+                </a:solidFill>
+                <a:latin typeface="Khmer OS Battambang" panose="02000500000000020004" pitchFamily="2" charset="77"/>
+                <a:cs typeface="Khmer OS Battambang" panose="02000500000000020004" pitchFamily="2" charset="77"/>
+              </a:rPr>
+              <a:t>(execute)</a:t>
+            </a:r>
+          </a:p>
+          <a:p>
+            <a:pPr algn="l">
+              <a:lnSpc>
+                <a:spcPct val="150000"/>
+              </a:lnSpc>
+              <a:spcBef>
+                <a:spcPts val="1500"/>
+              </a:spcBef>
+            </a:pPr>
+            <a:r>
+              <a:rPr lang="en-US" sz="1800" dirty="0">
+                <a:solidFill>
+                  <a:srgbClr val="002060"/>
+                </a:solidFill>
+                <a:latin typeface="Khmer OS Battambang" panose="02000500000000020004" pitchFamily="2" charset="77"/>
+                <a:cs typeface="Khmer OS Battambang" panose="02000500000000020004" pitchFamily="2" charset="77"/>
+              </a:rPr>
+              <a:t>     }</a:t>
+            </a:r>
+            <a:br>
+              <a:rPr lang="en-US" dirty="0">
+                <a:solidFill>
+                  <a:srgbClr val="002060"/>
+                </a:solidFill>
+                <a:latin typeface="Khmer OS Battambang" panose="02000500000000020004" pitchFamily="2" charset="77"/>
+                <a:cs typeface="Khmer OS Battambang" panose="02000500000000020004" pitchFamily="2" charset="77"/>
+              </a:rPr>
+            </a:br>
+            <a:r>
+              <a:rPr lang="en-KH" sz="2000" dirty="0"/>
+              <a:t>✍️ </a:t>
+            </a:r>
+            <a:r>
+              <a:rPr lang="en-KH" sz="2000" dirty="0">
+                <a:solidFill>
+                  <a:srgbClr val="002060"/>
+                </a:solidFill>
+                <a:latin typeface="Khmer OS Battambang" panose="02000500000000020004" pitchFamily="2" charset="77"/>
+                <a:cs typeface="Khmer OS Battambang" panose="02000500000000020004" pitchFamily="2" charset="77"/>
+              </a:rPr>
+              <a:t>ចំណាំ៖ </a:t>
+            </a:r>
+            <a:r>
+              <a:rPr lang="en-KH" sz="2000" dirty="0">
+                <a:solidFill>
+                  <a:srgbClr val="0070C0"/>
+                </a:solidFill>
+                <a:latin typeface="Khmer OS Battambang" panose="02000500000000020004" pitchFamily="2" charset="77"/>
+                <a:cs typeface="Khmer OS Battambang" panose="02000500000000020004" pitchFamily="2" charset="77"/>
+              </a:rPr>
+              <a:t>ការបង្កើត </a:t>
+            </a:r>
+            <a:r>
+              <a:rPr lang="en-KH" sz="2000" dirty="0">
+                <a:solidFill>
+                  <a:srgbClr val="002060"/>
+                </a:solidFill>
+                <a:latin typeface="Khmer OS Battambang" panose="02000500000000020004" pitchFamily="2" charset="77"/>
+                <a:cs typeface="Khmer OS Battambang" panose="02000500000000020004" pitchFamily="2" charset="77"/>
+              </a:rPr>
+              <a:t>method</a:t>
+            </a:r>
+            <a:r>
+              <a:rPr lang="en-KH" sz="2000" dirty="0">
+                <a:solidFill>
+                  <a:srgbClr val="0070C0"/>
+                </a:solidFill>
+                <a:latin typeface="Khmer OS Battambang" panose="02000500000000020004" pitchFamily="2" charset="77"/>
+                <a:cs typeface="Khmer OS Battambang" panose="02000500000000020004" pitchFamily="2" charset="77"/>
+              </a:rPr>
+              <a:t> អាចធ្វើការដាក់ </a:t>
+            </a:r>
+            <a:r>
+              <a:rPr lang="en-KH" sz="2000" dirty="0">
+                <a:solidFill>
+                  <a:srgbClr val="002060"/>
+                </a:solidFill>
+                <a:latin typeface="Khmer OS Battambang" panose="02000500000000020004" pitchFamily="2" charset="77"/>
+                <a:cs typeface="Khmer OS Battambang" panose="02000500000000020004" pitchFamily="2" charset="77"/>
+              </a:rPr>
+              <a:t>parameter</a:t>
+            </a:r>
+            <a:r>
+              <a:rPr lang="en-KH" sz="2000" dirty="0">
+                <a:solidFill>
+                  <a:srgbClr val="0070C0"/>
+                </a:solidFill>
+                <a:latin typeface="Khmer OS Battambang" panose="02000500000000020004" pitchFamily="2" charset="77"/>
+                <a:cs typeface="Khmer OS Battambang" panose="02000500000000020004" pitchFamily="2" charset="77"/>
+              </a:rPr>
+              <a:t> ច្រើនបន្តបន្ទាប់គ្នាដោយប្រើសញ្ញា ”</a:t>
+            </a:r>
+            <a:r>
+              <a:rPr lang="en-KH" sz="2000" dirty="0">
+                <a:solidFill>
+                  <a:srgbClr val="FF0000"/>
+                </a:solidFill>
+                <a:latin typeface="Khmer OS Battambang" panose="02000500000000020004" pitchFamily="2" charset="77"/>
+                <a:cs typeface="Khmer OS Battambang" panose="02000500000000020004" pitchFamily="2" charset="77"/>
+              </a:rPr>
+              <a:t>,</a:t>
+            </a:r>
+            <a:r>
+              <a:rPr lang="en-KH" sz="2000" dirty="0">
+                <a:solidFill>
+                  <a:srgbClr val="0070C0"/>
+                </a:solidFill>
+                <a:latin typeface="Khmer OS Battambang" panose="02000500000000020004" pitchFamily="2" charset="77"/>
+                <a:cs typeface="Khmer OS Battambang" panose="02000500000000020004" pitchFamily="2" charset="77"/>
+              </a:rPr>
+              <a:t>” នៅចំកណ្តាលរវៀង parameter ពីរ ឫច្រើន ឫមិនដាក់ </a:t>
+            </a:r>
+            <a:r>
+              <a:rPr lang="en-KH" sz="2000" dirty="0">
+                <a:solidFill>
+                  <a:srgbClr val="002060"/>
+                </a:solidFill>
+                <a:latin typeface="Khmer OS Battambang" panose="02000500000000020004" pitchFamily="2" charset="77"/>
+                <a:cs typeface="Khmer OS Battambang" panose="02000500000000020004" pitchFamily="2" charset="77"/>
+              </a:rPr>
+              <a:t>parameter</a:t>
+            </a:r>
+            <a:r>
+              <a:rPr lang="en-KH" sz="2000" dirty="0">
+                <a:solidFill>
+                  <a:srgbClr val="0070C0"/>
+                </a:solidFill>
+                <a:latin typeface="Khmer OS Battambang" panose="02000500000000020004" pitchFamily="2" charset="77"/>
+                <a:cs typeface="Khmer OS Battambang" panose="02000500000000020004" pitchFamily="2" charset="77"/>
+              </a:rPr>
+              <a:t> ក៍បាន។</a:t>
+            </a:r>
+            <a:br>
+              <a:rPr lang="en-KH" dirty="0">
+                <a:solidFill>
+                  <a:srgbClr val="0070C0"/>
+                </a:solidFill>
+                <a:latin typeface="Khmer OS Battambang" panose="02000500000000020004" pitchFamily="2" charset="77"/>
+                <a:cs typeface="Khmer OS Battambang" panose="02000500000000020004" pitchFamily="2" charset="77"/>
+              </a:rPr>
+            </a:br>
+            <a:r>
+              <a:rPr lang="en-KH" dirty="0">
+                <a:solidFill>
+                  <a:srgbClr val="0070C0"/>
+                </a:solidFill>
+                <a:latin typeface="Khmer OS Battambang" panose="02000500000000020004" pitchFamily="2" charset="77"/>
+                <a:cs typeface="Khmer OS Battambang" panose="02000500000000020004" pitchFamily="2" charset="77"/>
+              </a:rPr>
+              <a:t>  ​</a:t>
+            </a:r>
+            <a:r>
+              <a:rPr lang="en-KH" sz="2000" dirty="0">
+                <a:solidFill>
+                  <a:srgbClr val="002060"/>
+                </a:solidFill>
+                <a:latin typeface="Khmer OS Battambang" panose="02000500000000020004" pitchFamily="2" charset="77"/>
+                <a:cs typeface="Khmer OS Battambang" panose="02000500000000020004" pitchFamily="2" charset="77"/>
+              </a:rPr>
+              <a:t>ឧទាហរណ៍ទី១៖ </a:t>
+            </a:r>
+            <a:r>
+              <a:rPr lang="en-US" sz="2000" dirty="0" err="1">
+                <a:solidFill>
+                  <a:srgbClr val="002060"/>
+                </a:solidFill>
+                <a:latin typeface="Khmer OS Battambang" panose="02000500000000020004" pitchFamily="2" charset="77"/>
+                <a:cs typeface="Khmer OS Battambang" panose="02000500000000020004" pitchFamily="2" charset="77"/>
+              </a:rPr>
+              <a:t>methodName</a:t>
+            </a:r>
+            <a:r>
+              <a:rPr lang="en-US" sz="2000" dirty="0">
+                <a:solidFill>
+                  <a:srgbClr val="002060"/>
+                </a:solidFill>
+                <a:latin typeface="Khmer OS Battambang" panose="02000500000000020004" pitchFamily="2" charset="77"/>
+                <a:cs typeface="Khmer OS Battambang" panose="02000500000000020004" pitchFamily="2" charset="77"/>
+              </a:rPr>
+              <a:t>(</a:t>
+            </a:r>
+            <a:r>
+              <a:rPr lang="en-US" sz="2000" dirty="0" err="1">
+                <a:solidFill>
+                  <a:srgbClr val="FF0000"/>
+                </a:solidFill>
+                <a:latin typeface="Khmer OS Battambang" panose="02000500000000020004" pitchFamily="2" charset="77"/>
+                <a:cs typeface="Khmer OS Battambang" panose="02000500000000020004" pitchFamily="2" charset="77"/>
+              </a:rPr>
+              <a:t>dataType</a:t>
+            </a:r>
+            <a:r>
+              <a:rPr lang="en-US" sz="2000" dirty="0">
+                <a:solidFill>
+                  <a:srgbClr val="002060"/>
+                </a:solidFill>
+                <a:latin typeface="Khmer OS Battambang" panose="02000500000000020004" pitchFamily="2" charset="77"/>
+                <a:cs typeface="Khmer OS Battambang" panose="02000500000000020004" pitchFamily="2" charset="77"/>
+              </a:rPr>
+              <a:t> </a:t>
+            </a:r>
+            <a:r>
+              <a:rPr lang="en-US" sz="2000" dirty="0" err="1">
+                <a:solidFill>
+                  <a:srgbClr val="002060"/>
+                </a:solidFill>
+                <a:latin typeface="Khmer OS Battambang" panose="02000500000000020004" pitchFamily="2" charset="77"/>
+                <a:cs typeface="Khmer OS Battambang" panose="02000500000000020004" pitchFamily="2" charset="77"/>
+              </a:rPr>
+              <a:t>parameterName</a:t>
+            </a:r>
+            <a:r>
+              <a:rPr lang="en-US" sz="2000" dirty="0">
+                <a:solidFill>
+                  <a:srgbClr val="002060"/>
+                </a:solidFill>
+                <a:latin typeface="Khmer OS Battambang" panose="02000500000000020004" pitchFamily="2" charset="77"/>
+                <a:cs typeface="Khmer OS Battambang" panose="02000500000000020004" pitchFamily="2" charset="77"/>
+              </a:rPr>
+              <a:t>, </a:t>
+            </a:r>
+            <a:r>
+              <a:rPr lang="en-US" sz="2000" dirty="0" err="1">
+                <a:solidFill>
+                  <a:srgbClr val="FF0000"/>
+                </a:solidFill>
+                <a:latin typeface="Khmer OS Battambang" panose="02000500000000020004" pitchFamily="2" charset="77"/>
+                <a:cs typeface="Khmer OS Battambang" panose="02000500000000020004" pitchFamily="2" charset="77"/>
+              </a:rPr>
+              <a:t>dataType</a:t>
+            </a:r>
+            <a:r>
+              <a:rPr lang="en-US" sz="2000" dirty="0">
+                <a:solidFill>
+                  <a:srgbClr val="002060"/>
+                </a:solidFill>
+                <a:latin typeface="Khmer OS Battambang" panose="02000500000000020004" pitchFamily="2" charset="77"/>
+                <a:cs typeface="Khmer OS Battambang" panose="02000500000000020004" pitchFamily="2" charset="77"/>
+              </a:rPr>
+              <a:t> parameterName2){}</a:t>
+            </a:r>
+            <a:br>
+              <a:rPr lang="en-US" sz="2000" dirty="0">
+                <a:solidFill>
+                  <a:srgbClr val="002060"/>
+                </a:solidFill>
+                <a:latin typeface="Khmer OS Battambang" panose="02000500000000020004" pitchFamily="2" charset="77"/>
+                <a:cs typeface="Khmer OS Battambang" panose="02000500000000020004" pitchFamily="2" charset="77"/>
+              </a:rPr>
+            </a:br>
+            <a:r>
+              <a:rPr lang="en-US" sz="2000" dirty="0">
+                <a:solidFill>
+                  <a:srgbClr val="002060"/>
+                </a:solidFill>
+                <a:latin typeface="Khmer OS Battambang" panose="02000500000000020004" pitchFamily="2" charset="77"/>
+                <a:cs typeface="Khmer OS Battambang" panose="02000500000000020004" pitchFamily="2" charset="77"/>
+              </a:rPr>
+              <a:t>   </a:t>
+            </a:r>
+            <a:r>
+              <a:rPr lang="en-KH" sz="2000" dirty="0">
+                <a:solidFill>
+                  <a:srgbClr val="002060"/>
+                </a:solidFill>
+                <a:latin typeface="Khmer OS Battambang" panose="02000500000000020004" pitchFamily="2" charset="77"/>
+                <a:cs typeface="Khmer OS Battambang" panose="02000500000000020004" pitchFamily="2" charset="77"/>
+              </a:rPr>
+              <a:t>ឧទាហរណ៍ទី២៖ </a:t>
+            </a:r>
+            <a:r>
+              <a:rPr lang="en-US" sz="2000" dirty="0" err="1">
+                <a:solidFill>
+                  <a:srgbClr val="002060"/>
+                </a:solidFill>
+                <a:latin typeface="Khmer OS Battambang" panose="02000500000000020004" pitchFamily="2" charset="77"/>
+                <a:cs typeface="Khmer OS Battambang" panose="02000500000000020004" pitchFamily="2" charset="77"/>
+              </a:rPr>
+              <a:t>methodName</a:t>
+            </a:r>
+            <a:r>
+              <a:rPr lang="en-US" sz="2000" dirty="0">
+                <a:solidFill>
+                  <a:srgbClr val="002060"/>
+                </a:solidFill>
+                <a:latin typeface="Khmer OS Battambang" panose="02000500000000020004" pitchFamily="2" charset="77"/>
+                <a:cs typeface="Khmer OS Battambang" panose="02000500000000020004" pitchFamily="2" charset="77"/>
+              </a:rPr>
+              <a:t>(){}</a:t>
+            </a:r>
+            <a:br>
+              <a:rPr lang="en-US" dirty="0">
+                <a:solidFill>
+                  <a:srgbClr val="002060"/>
+                </a:solidFill>
+                <a:latin typeface="Khmer OS Battambang" panose="02000500000000020004" pitchFamily="2" charset="77"/>
+                <a:cs typeface="Khmer OS Battambang" panose="02000500000000020004" pitchFamily="2" charset="77"/>
+              </a:rPr>
+            </a:br>
+            <a:endParaRPr lang="en-US" dirty="0">
+              <a:solidFill>
+                <a:srgbClr val="002060"/>
+              </a:solidFill>
+              <a:latin typeface="Khmer OS Battambang" panose="02000500000000020004" pitchFamily="2" charset="77"/>
+              <a:cs typeface="Khmer OS Battambang" panose="02000500000000020004" pitchFamily="2" charset="77"/>
+            </a:endParaRPr>
+          </a:p>
+        </p:txBody>
+      </p:sp>
+    </p:spTree>
+    <p:extLst>
+      <p:ext uri="{BB962C8B-B14F-4D97-AF65-F5344CB8AC3E}">
+        <p14:creationId xmlns:p14="http://schemas.microsoft.com/office/powerpoint/2010/main" val="396997750"/>
       </p:ext>
     </p:extLst>
   </p:cSld>
@@ -32108,6 +35283,1717 @@
       <p:bldP spid="3" grpId="0" build="p"/>
     </p:bldLst>
   </p:timing>
+</p:sld>
+</file>
+
+<file path=ppt/slides/slide40.xml><?xml version="1.0" encoding="utf-8"?>
+<p:sld xmlns:a="http://schemas.openxmlformats.org/drawingml/2006/main" xmlns:r="http://schemas.openxmlformats.org/officeDocument/2006/relationships" xmlns:p="http://schemas.openxmlformats.org/presentationml/2006/main">
+  <p:cSld>
+    <p:bg>
+      <p:bgPr>
+        <a:solidFill>
+          <a:schemeClr val="bg1"/>
+        </a:solidFill>
+        <a:effectLst/>
+      </p:bgPr>
+    </p:bg>
+    <p:spTree>
+      <p:nvGrpSpPr>
+        <p:cNvPr id="1" name="">
+          <a:extLst>
+            <a:ext uri="{FF2B5EF4-FFF2-40B4-BE49-F238E27FC236}">
+              <a16:creationId xmlns:a16="http://schemas.microsoft.com/office/drawing/2014/main" id="{A4D82939-474D-9AF5-7DA6-AE243BB31B96}"/>
+            </a:ext>
+          </a:extLst>
+        </p:cNvPr>
+        <p:cNvGrpSpPr/>
+        <p:nvPr/>
+      </p:nvGrpSpPr>
+      <p:grpSpPr>
+        <a:xfrm>
+          <a:off x="0" y="0"/>
+          <a:ext cx="0" cy="0"/>
+          <a:chOff x="0" y="0"/>
+          <a:chExt cx="0" cy="0"/>
+        </a:xfrm>
+      </p:grpSpPr>
+      <p:sp>
+        <p:nvSpPr>
+          <p:cNvPr id="2" name="Title 1">
+            <a:extLst>
+              <a:ext uri="{FF2B5EF4-FFF2-40B4-BE49-F238E27FC236}">
+                <a16:creationId xmlns:a16="http://schemas.microsoft.com/office/drawing/2014/main" id="{598D42D5-55CB-C1B8-BD47-3591EB2B22EB}"/>
+              </a:ext>
+            </a:extLst>
+          </p:cNvPr>
+          <p:cNvSpPr>
+            <a:spLocks noGrp="1"/>
+          </p:cNvSpPr>
+          <p:nvPr>
+            <p:ph type="ctrTitle"/>
+          </p:nvPr>
+        </p:nvSpPr>
+        <p:spPr>
+          <a:xfrm>
+            <a:off x="1701800" y="119781"/>
+            <a:ext cx="9144000" cy="789373"/>
+          </a:xfrm>
+        </p:spPr>
+        <p:txBody>
+          <a:bodyPr>
+            <a:normAutofit/>
+          </a:bodyPr>
+          <a:lstStyle/>
+          <a:p>
+            <a:pPr algn="l"/>
+            <a:r>
+              <a:rPr lang="en-US" sz="3600" dirty="0">
+                <a:solidFill>
+                  <a:srgbClr val="002060"/>
+                </a:solidFill>
+                <a:latin typeface="Khmer OS Battambang" panose="02000500000000020004" pitchFamily="2" charset="77"/>
+                <a:cs typeface="Khmer OS Battambang" panose="02000500000000020004" pitchFamily="2" charset="77"/>
+              </a:rPr>
+              <a:t>Methods </a:t>
+            </a:r>
+            <a:r>
+              <a:rPr lang="en-US" sz="3600" dirty="0" err="1">
+                <a:solidFill>
+                  <a:srgbClr val="002060"/>
+                </a:solidFill>
+                <a:latin typeface="Khmer OS Battambang" panose="02000500000000020004" pitchFamily="2" charset="77"/>
+                <a:cs typeface="Khmer OS Battambang" panose="02000500000000020004" pitchFamily="2" charset="77"/>
+              </a:rPr>
+              <a:t>និងParameters</a:t>
+            </a:r>
+            <a:endParaRPr lang="en-KH" sz="3600" dirty="0">
+              <a:solidFill>
+                <a:srgbClr val="002060"/>
+              </a:solidFill>
+              <a:latin typeface="Khmer OS Battambang" panose="02000500000000020004" pitchFamily="2" charset="77"/>
+              <a:cs typeface="Khmer OS Battambang" panose="02000500000000020004" pitchFamily="2" charset="77"/>
+            </a:endParaRPr>
+          </a:p>
+        </p:txBody>
+      </p:sp>
+      <p:cxnSp>
+        <p:nvCxnSpPr>
+          <p:cNvPr id="8" name="Straight Connector 7">
+            <a:extLst>
+              <a:ext uri="{FF2B5EF4-FFF2-40B4-BE49-F238E27FC236}">
+                <a16:creationId xmlns:a16="http://schemas.microsoft.com/office/drawing/2014/main" id="{BCB24296-590A-6AFB-B54C-F2E440627724}"/>
+              </a:ext>
+            </a:extLst>
+          </p:cNvPr>
+          <p:cNvCxnSpPr/>
+          <p:nvPr/>
+        </p:nvCxnSpPr>
+        <p:spPr>
+          <a:xfrm>
+            <a:off x="0" y="1050468"/>
+            <a:ext cx="12192000" cy="0"/>
+          </a:xfrm>
+          <a:prstGeom prst="line">
+            <a:avLst/>
+          </a:prstGeom>
+          <a:ln w="57150">
+            <a:solidFill>
+              <a:srgbClr val="D49B06"/>
+            </a:solidFill>
+          </a:ln>
+        </p:spPr>
+        <p:style>
+          <a:lnRef idx="2">
+            <a:schemeClr val="accent1"/>
+          </a:lnRef>
+          <a:fillRef idx="0">
+            <a:schemeClr val="accent1"/>
+          </a:fillRef>
+          <a:effectRef idx="1">
+            <a:schemeClr val="accent1"/>
+          </a:effectRef>
+          <a:fontRef idx="minor">
+            <a:schemeClr val="tx1"/>
+          </a:fontRef>
+        </p:style>
+      </p:cxnSp>
+      <p:cxnSp>
+        <p:nvCxnSpPr>
+          <p:cNvPr id="10" name="Straight Connector 9">
+            <a:extLst>
+              <a:ext uri="{FF2B5EF4-FFF2-40B4-BE49-F238E27FC236}">
+                <a16:creationId xmlns:a16="http://schemas.microsoft.com/office/drawing/2014/main" id="{55C66718-FBD5-D9C3-443D-C38CEA87EF0C}"/>
+              </a:ext>
+            </a:extLst>
+          </p:cNvPr>
+          <p:cNvCxnSpPr>
+            <a:cxnSpLocks/>
+          </p:cNvCxnSpPr>
+          <p:nvPr/>
+        </p:nvCxnSpPr>
+        <p:spPr>
+          <a:xfrm>
+            <a:off x="0" y="979812"/>
+            <a:ext cx="12192000" cy="0"/>
+          </a:xfrm>
+          <a:prstGeom prst="line">
+            <a:avLst/>
+          </a:prstGeom>
+          <a:ln w="57150">
+            <a:solidFill>
+              <a:srgbClr val="1C27CF"/>
+            </a:solidFill>
+          </a:ln>
+        </p:spPr>
+        <p:style>
+          <a:lnRef idx="2">
+            <a:schemeClr val="accent1"/>
+          </a:lnRef>
+          <a:fillRef idx="0">
+            <a:schemeClr val="accent1"/>
+          </a:fillRef>
+          <a:effectRef idx="1">
+            <a:schemeClr val="accent1"/>
+          </a:effectRef>
+          <a:fontRef idx="minor">
+            <a:schemeClr val="tx1"/>
+          </a:fontRef>
+        </p:style>
+      </p:cxnSp>
+      <p:pic>
+        <p:nvPicPr>
+          <p:cNvPr id="47" name="Picture 46" descr="A blue circle with a yellow and white bird in it&#10;&#10;AI-generated content may be incorrect.">
+            <a:extLst>
+              <a:ext uri="{FF2B5EF4-FFF2-40B4-BE49-F238E27FC236}">
+                <a16:creationId xmlns:a16="http://schemas.microsoft.com/office/drawing/2014/main" id="{CDA8D571-EA15-D167-F3E3-AA91075859BF}"/>
+              </a:ext>
+            </a:extLst>
+          </p:cNvPr>
+          <p:cNvPicPr>
+            <a:picLocks noChangeAspect="1"/>
+          </p:cNvPicPr>
+          <p:nvPr/>
+        </p:nvPicPr>
+        <p:blipFill>
+          <a:blip r:embed="rId3"/>
+          <a:stretch>
+            <a:fillRect/>
+          </a:stretch>
+        </p:blipFill>
+        <p:spPr>
+          <a:xfrm>
+            <a:off x="325438" y="219712"/>
+            <a:ext cx="606500" cy="606500"/>
+          </a:xfrm>
+          <a:prstGeom prst="rect">
+            <a:avLst/>
+          </a:prstGeom>
+        </p:spPr>
+      </p:pic>
+      <p:sp>
+        <p:nvSpPr>
+          <p:cNvPr id="7" name="Subtitle 2">
+            <a:extLst>
+              <a:ext uri="{FF2B5EF4-FFF2-40B4-BE49-F238E27FC236}">
+                <a16:creationId xmlns:a16="http://schemas.microsoft.com/office/drawing/2014/main" id="{4750D091-B569-4A1A-8380-9C4650A2F662}"/>
+              </a:ext>
+            </a:extLst>
+          </p:cNvPr>
+          <p:cNvSpPr>
+            <a:spLocks noGrp="1"/>
+          </p:cNvSpPr>
+          <p:nvPr>
+            <p:ph type="subTitle" idx="1"/>
+          </p:nvPr>
+        </p:nvSpPr>
+        <p:spPr>
+          <a:xfrm>
+            <a:off x="651353" y="1156582"/>
+            <a:ext cx="10459234" cy="5181579"/>
+          </a:xfrm>
+        </p:spPr>
+        <p:txBody>
+          <a:bodyPr>
+            <a:noAutofit/>
+          </a:bodyPr>
+          <a:lstStyle/>
+          <a:p>
+            <a:pPr algn="l">
+              <a:lnSpc>
+                <a:spcPct val="150000"/>
+              </a:lnSpc>
+              <a:spcBef>
+                <a:spcPts val="1500"/>
+              </a:spcBef>
+            </a:pPr>
+            <a:r>
+              <a:rPr lang="en-US" sz="1800" dirty="0">
+                <a:solidFill>
+                  <a:srgbClr val="002060"/>
+                </a:solidFill>
+                <a:latin typeface="Khmer OS Battambang" panose="02000500000000020004" pitchFamily="2" charset="77"/>
+                <a:cs typeface="Khmer OS Battambang" panose="02000500000000020004" pitchFamily="2" charset="77"/>
+              </a:rPr>
+              <a:t>​</a:t>
+            </a:r>
+            <a:r>
+              <a:rPr lang="en-KH" dirty="0"/>
+              <a:t>👉</a:t>
+            </a:r>
+            <a:r>
+              <a:rPr lang="en-KH" dirty="0">
+                <a:solidFill>
+                  <a:srgbClr val="002060"/>
+                </a:solidFill>
+                <a:latin typeface="Khmer OS Battambang" panose="02000500000000020004" pitchFamily="2" charset="77"/>
+                <a:cs typeface="Khmer OS Battambang" panose="02000500000000020004" pitchFamily="2" charset="77"/>
+              </a:rPr>
+              <a:t> </a:t>
+            </a:r>
+            <a:r>
+              <a:rPr lang="en-KH" sz="2800" dirty="0">
+                <a:solidFill>
+                  <a:srgbClr val="002060"/>
+                </a:solidFill>
+                <a:latin typeface="Khmer OS Battambang" panose="02000500000000020004" pitchFamily="2" charset="77"/>
+                <a:cs typeface="Khmer OS Battambang" panose="02000500000000020004" pitchFamily="2" charset="77"/>
+              </a:rPr>
+              <a:t>វិសាលភាព​នៃ Access Modifier</a:t>
+            </a:r>
+            <a:r>
+              <a:rPr lang="en-US" sz="2800" dirty="0">
+                <a:solidFill>
+                  <a:srgbClr val="002060"/>
+                </a:solidFill>
+                <a:latin typeface="Khmer OS Battambang" panose="02000500000000020004" pitchFamily="2" charset="77"/>
+                <a:cs typeface="Khmer OS Battambang" panose="02000500000000020004" pitchFamily="2" charset="77"/>
+              </a:rPr>
+              <a:t>៖</a:t>
+            </a:r>
+          </a:p>
+          <a:p>
+            <a:pPr marL="914400" lvl="1" indent="-457200" algn="l">
+              <a:lnSpc>
+                <a:spcPct val="150000"/>
+              </a:lnSpc>
+              <a:spcBef>
+                <a:spcPts val="1500"/>
+              </a:spcBef>
+              <a:buFont typeface="Wingdings" pitchFamily="2" charset="2"/>
+              <a:buChar char="Ø"/>
+            </a:pPr>
+            <a:r>
+              <a:rPr lang="en-US" sz="2200" dirty="0">
+                <a:solidFill>
+                  <a:srgbClr val="FF0000"/>
+                </a:solidFill>
+                <a:latin typeface="Khmer OS Battambang" panose="02000500000000020004" pitchFamily="2" charset="77"/>
+                <a:cs typeface="Khmer OS Battambang" panose="02000500000000020004" pitchFamily="2" charset="77"/>
+              </a:rPr>
+              <a:t>private</a:t>
+            </a:r>
+            <a:r>
+              <a:rPr lang="en-US" sz="2200" dirty="0">
+                <a:solidFill>
+                  <a:srgbClr val="002060"/>
+                </a:solidFill>
+                <a:latin typeface="Khmer OS Battambang" panose="02000500000000020004" pitchFamily="2" charset="77"/>
+                <a:cs typeface="Khmer OS Battambang" panose="02000500000000020004" pitchFamily="2" charset="77"/>
+              </a:rPr>
+              <a:t>: </a:t>
+            </a:r>
+            <a:r>
+              <a:rPr lang="en-US" sz="2200" dirty="0" err="1">
+                <a:solidFill>
+                  <a:srgbClr val="0070C0"/>
+                </a:solidFill>
+                <a:latin typeface="Khmer OS Battambang" panose="02000500000000020004" pitchFamily="2" charset="77"/>
+                <a:cs typeface="Khmer OS Battambang" panose="02000500000000020004" pitchFamily="2" charset="77"/>
+              </a:rPr>
+              <a:t>អាចហៅ</a:t>
+            </a:r>
+            <a:r>
+              <a:rPr lang="en-US" sz="2200" dirty="0">
+                <a:solidFill>
+                  <a:srgbClr val="0070C0"/>
+                </a:solidFill>
+                <a:latin typeface="Khmer OS Battambang" panose="02000500000000020004" pitchFamily="2" charset="77"/>
+                <a:cs typeface="Khmer OS Battambang" panose="02000500000000020004" pitchFamily="2" charset="77"/>
+              </a:rPr>
+              <a:t> method​ </a:t>
+            </a:r>
+            <a:r>
+              <a:rPr lang="en-US" sz="2200" dirty="0" err="1">
+                <a:solidFill>
+                  <a:srgbClr val="0070C0"/>
+                </a:solidFill>
+                <a:latin typeface="Khmer OS Battambang" panose="02000500000000020004" pitchFamily="2" charset="77"/>
+                <a:cs typeface="Khmer OS Battambang" panose="02000500000000020004" pitchFamily="2" charset="77"/>
+              </a:rPr>
+              <a:t>ឫ</a:t>
+            </a:r>
+            <a:r>
+              <a:rPr lang="en-US" sz="2200" dirty="0">
+                <a:solidFill>
+                  <a:srgbClr val="0070C0"/>
+                </a:solidFill>
+                <a:latin typeface="Khmer OS Battambang" panose="02000500000000020004" pitchFamily="2" charset="77"/>
+                <a:cs typeface="Khmer OS Battambang" panose="02000500000000020004" pitchFamily="2" charset="77"/>
+              </a:rPr>
+              <a:t> member </a:t>
+            </a:r>
+            <a:r>
+              <a:rPr lang="en-US" sz="2200" dirty="0" err="1">
+                <a:solidFill>
+                  <a:srgbClr val="0070C0"/>
+                </a:solidFill>
+                <a:latin typeface="Khmer OS Battambang" panose="02000500000000020004" pitchFamily="2" charset="77"/>
+                <a:cs typeface="Khmer OS Battambang" panose="02000500000000020004" pitchFamily="2" charset="77"/>
+              </a:rPr>
+              <a:t>បានតែនៅក្នុង</a:t>
+            </a:r>
+            <a:r>
+              <a:rPr lang="en-US" sz="2200" dirty="0">
+                <a:solidFill>
+                  <a:srgbClr val="0070C0"/>
+                </a:solidFill>
+                <a:latin typeface="Khmer OS Battambang" panose="02000500000000020004" pitchFamily="2" charset="77"/>
+                <a:cs typeface="Khmer OS Battambang" panose="02000500000000020004" pitchFamily="2" charset="77"/>
+              </a:rPr>
+              <a:t> class </a:t>
+            </a:r>
+            <a:r>
+              <a:rPr lang="en-US" sz="2200" dirty="0" err="1">
+                <a:solidFill>
+                  <a:srgbClr val="0070C0"/>
+                </a:solidFill>
+                <a:latin typeface="Khmer OS Battambang" panose="02000500000000020004" pitchFamily="2" charset="77"/>
+                <a:cs typeface="Khmer OS Battambang" panose="02000500000000020004" pitchFamily="2" charset="77"/>
+              </a:rPr>
+              <a:t>ជាមួយគ្នាប៉ុណ្ណោះ</a:t>
+            </a:r>
+            <a:r>
+              <a:rPr lang="en-US" sz="2200" dirty="0">
+                <a:solidFill>
+                  <a:srgbClr val="0070C0"/>
+                </a:solidFill>
+                <a:latin typeface="Khmer OS Battambang" panose="02000500000000020004" pitchFamily="2" charset="77"/>
+                <a:cs typeface="Khmer OS Battambang" panose="02000500000000020004" pitchFamily="2" charset="77"/>
+              </a:rPr>
+              <a:t>។</a:t>
+            </a:r>
+          </a:p>
+          <a:p>
+            <a:pPr marL="914400" lvl="1" indent="-457200" algn="l">
+              <a:lnSpc>
+                <a:spcPct val="150000"/>
+              </a:lnSpc>
+              <a:spcBef>
+                <a:spcPts val="1500"/>
+              </a:spcBef>
+              <a:buFont typeface="Wingdings" pitchFamily="2" charset="2"/>
+              <a:buChar char="Ø"/>
+            </a:pPr>
+            <a:r>
+              <a:rPr lang="en-US" sz="2200" dirty="0">
+                <a:solidFill>
+                  <a:srgbClr val="FF0000"/>
+                </a:solidFill>
+                <a:latin typeface="Khmer OS Battambang" panose="02000500000000020004" pitchFamily="2" charset="77"/>
+                <a:cs typeface="Khmer OS Battambang" panose="02000500000000020004" pitchFamily="2" charset="77"/>
+              </a:rPr>
+              <a:t>default</a:t>
+            </a:r>
+            <a:r>
+              <a:rPr lang="en-US" sz="2200" dirty="0">
+                <a:solidFill>
+                  <a:srgbClr val="002060"/>
+                </a:solidFill>
+                <a:latin typeface="Khmer OS Battambang" panose="02000500000000020004" pitchFamily="2" charset="77"/>
+                <a:cs typeface="Khmer OS Battambang" panose="02000500000000020004" pitchFamily="2" charset="77"/>
+              </a:rPr>
+              <a:t>: </a:t>
+            </a:r>
+            <a:r>
+              <a:rPr lang="en-US" sz="2200" dirty="0" err="1">
+                <a:solidFill>
+                  <a:srgbClr val="0070C0"/>
+                </a:solidFill>
+                <a:latin typeface="Khmer OS Battambang" panose="02000500000000020004" pitchFamily="2" charset="77"/>
+                <a:cs typeface="Khmer OS Battambang" panose="02000500000000020004" pitchFamily="2" charset="77"/>
+              </a:rPr>
+              <a:t>អាចហៅ</a:t>
+            </a:r>
+            <a:r>
+              <a:rPr lang="en-US" sz="2200" dirty="0">
+                <a:solidFill>
+                  <a:srgbClr val="0070C0"/>
+                </a:solidFill>
+                <a:latin typeface="Khmer OS Battambang" panose="02000500000000020004" pitchFamily="2" charset="77"/>
+                <a:cs typeface="Khmer OS Battambang" panose="02000500000000020004" pitchFamily="2" charset="77"/>
+              </a:rPr>
+              <a:t> method​ </a:t>
+            </a:r>
+            <a:r>
+              <a:rPr lang="en-US" sz="2200" dirty="0" err="1">
+                <a:solidFill>
+                  <a:srgbClr val="0070C0"/>
+                </a:solidFill>
+                <a:latin typeface="Khmer OS Battambang" panose="02000500000000020004" pitchFamily="2" charset="77"/>
+                <a:cs typeface="Khmer OS Battambang" panose="02000500000000020004" pitchFamily="2" charset="77"/>
+              </a:rPr>
+              <a:t>ឫ</a:t>
+            </a:r>
+            <a:r>
+              <a:rPr lang="en-US" sz="2200" dirty="0">
+                <a:solidFill>
+                  <a:srgbClr val="0070C0"/>
+                </a:solidFill>
+                <a:latin typeface="Khmer OS Battambang" panose="02000500000000020004" pitchFamily="2" charset="77"/>
+                <a:cs typeface="Khmer OS Battambang" panose="02000500000000020004" pitchFamily="2" charset="77"/>
+              </a:rPr>
+              <a:t> member </a:t>
+            </a:r>
+            <a:r>
+              <a:rPr lang="en-US" sz="2200" dirty="0" err="1">
+                <a:solidFill>
+                  <a:srgbClr val="0070C0"/>
+                </a:solidFill>
+                <a:latin typeface="Khmer OS Battambang" panose="02000500000000020004" pitchFamily="2" charset="77"/>
+                <a:cs typeface="Khmer OS Battambang" panose="02000500000000020004" pitchFamily="2" charset="77"/>
+              </a:rPr>
+              <a:t>បានតែនៅក្នុង</a:t>
+            </a:r>
+            <a:r>
+              <a:rPr lang="en-US" sz="2200" dirty="0">
+                <a:solidFill>
+                  <a:srgbClr val="0070C0"/>
+                </a:solidFill>
+                <a:latin typeface="Khmer OS Battambang" panose="02000500000000020004" pitchFamily="2" charset="77"/>
+                <a:cs typeface="Khmer OS Battambang" panose="02000500000000020004" pitchFamily="2" charset="77"/>
+              </a:rPr>
+              <a:t> class </a:t>
+            </a:r>
+            <a:r>
+              <a:rPr lang="en-US" sz="2200" dirty="0" err="1">
+                <a:solidFill>
+                  <a:srgbClr val="0070C0"/>
+                </a:solidFill>
+                <a:latin typeface="Khmer OS Battambang" panose="02000500000000020004" pitchFamily="2" charset="77"/>
+                <a:cs typeface="Khmer OS Battambang" panose="02000500000000020004" pitchFamily="2" charset="77"/>
+              </a:rPr>
+              <a:t>ឫ</a:t>
+            </a:r>
+            <a:r>
+              <a:rPr lang="en-US" sz="2200" dirty="0">
+                <a:solidFill>
+                  <a:srgbClr val="0070C0"/>
+                </a:solidFill>
+                <a:latin typeface="Khmer OS Battambang" panose="02000500000000020004" pitchFamily="2" charset="77"/>
+                <a:cs typeface="Khmer OS Battambang" panose="02000500000000020004" pitchFamily="2" charset="77"/>
+              </a:rPr>
+              <a:t> package </a:t>
+            </a:r>
+            <a:r>
+              <a:rPr lang="en-US" sz="2200" dirty="0" err="1">
+                <a:solidFill>
+                  <a:srgbClr val="0070C0"/>
+                </a:solidFill>
+                <a:latin typeface="Khmer OS Battambang" panose="02000500000000020004" pitchFamily="2" charset="77"/>
+                <a:cs typeface="Khmer OS Battambang" panose="02000500000000020004" pitchFamily="2" charset="77"/>
+              </a:rPr>
+              <a:t>ជាមួយគ្នាប៉ុណ្ណោះ</a:t>
+            </a:r>
+            <a:r>
+              <a:rPr lang="en-US" sz="2200" dirty="0">
+                <a:solidFill>
+                  <a:srgbClr val="0070C0"/>
+                </a:solidFill>
+                <a:latin typeface="Khmer OS Battambang" panose="02000500000000020004" pitchFamily="2" charset="77"/>
+                <a:cs typeface="Khmer OS Battambang" panose="02000500000000020004" pitchFamily="2" charset="77"/>
+              </a:rPr>
+              <a:t>។</a:t>
+            </a:r>
+          </a:p>
+          <a:p>
+            <a:pPr marL="914400" lvl="1" indent="-457200" algn="l">
+              <a:lnSpc>
+                <a:spcPct val="150000"/>
+              </a:lnSpc>
+              <a:spcBef>
+                <a:spcPts val="1500"/>
+              </a:spcBef>
+              <a:buFont typeface="Wingdings" pitchFamily="2" charset="2"/>
+              <a:buChar char="Ø"/>
+            </a:pPr>
+            <a:r>
+              <a:rPr lang="en-US" sz="2200" dirty="0">
+                <a:solidFill>
+                  <a:srgbClr val="FF0000"/>
+                </a:solidFill>
+                <a:latin typeface="Khmer OS Battambang" panose="02000500000000020004" pitchFamily="2" charset="77"/>
+                <a:cs typeface="Khmer OS Battambang" panose="02000500000000020004" pitchFamily="2" charset="77"/>
+              </a:rPr>
+              <a:t>protected</a:t>
+            </a:r>
+            <a:r>
+              <a:rPr lang="en-US" sz="2200" dirty="0">
+                <a:solidFill>
+                  <a:srgbClr val="002060"/>
+                </a:solidFill>
+                <a:latin typeface="Khmer OS Battambang" panose="02000500000000020004" pitchFamily="2" charset="77"/>
+                <a:cs typeface="Khmer OS Battambang" panose="02000500000000020004" pitchFamily="2" charset="77"/>
+              </a:rPr>
+              <a:t>: </a:t>
+            </a:r>
+            <a:r>
+              <a:rPr lang="en-US" sz="2200" dirty="0" err="1">
+                <a:solidFill>
+                  <a:srgbClr val="0070C0"/>
+                </a:solidFill>
+                <a:latin typeface="Khmer OS Battambang" panose="02000500000000020004" pitchFamily="2" charset="77"/>
+                <a:cs typeface="Khmer OS Battambang" panose="02000500000000020004" pitchFamily="2" charset="77"/>
+              </a:rPr>
+              <a:t>អាចហៅ</a:t>
+            </a:r>
+            <a:r>
+              <a:rPr lang="en-US" sz="2200" dirty="0">
+                <a:solidFill>
+                  <a:srgbClr val="0070C0"/>
+                </a:solidFill>
+                <a:latin typeface="Khmer OS Battambang" panose="02000500000000020004" pitchFamily="2" charset="77"/>
+                <a:cs typeface="Khmer OS Battambang" panose="02000500000000020004" pitchFamily="2" charset="77"/>
+              </a:rPr>
+              <a:t> method​ </a:t>
+            </a:r>
+            <a:r>
+              <a:rPr lang="en-US" sz="2200" dirty="0" err="1">
+                <a:solidFill>
+                  <a:srgbClr val="0070C0"/>
+                </a:solidFill>
+                <a:latin typeface="Khmer OS Battambang" panose="02000500000000020004" pitchFamily="2" charset="77"/>
+                <a:cs typeface="Khmer OS Battambang" panose="02000500000000020004" pitchFamily="2" charset="77"/>
+              </a:rPr>
+              <a:t>ឫmember</a:t>
+            </a:r>
+            <a:r>
+              <a:rPr lang="en-US" sz="2200" dirty="0">
+                <a:solidFill>
+                  <a:srgbClr val="0070C0"/>
+                </a:solidFill>
+                <a:latin typeface="Khmer OS Battambang" panose="02000500000000020004" pitchFamily="2" charset="77"/>
+                <a:cs typeface="Khmer OS Battambang" panose="02000500000000020004" pitchFamily="2" charset="77"/>
+              </a:rPr>
+              <a:t> </a:t>
+            </a:r>
+            <a:r>
+              <a:rPr lang="en-US" sz="2200" dirty="0" err="1">
+                <a:solidFill>
+                  <a:srgbClr val="0070C0"/>
+                </a:solidFill>
+                <a:latin typeface="Khmer OS Battambang" panose="02000500000000020004" pitchFamily="2" charset="77"/>
+                <a:cs typeface="Khmer OS Battambang" panose="02000500000000020004" pitchFamily="2" charset="77"/>
+              </a:rPr>
+              <a:t>បានតែនៅក្នុង</a:t>
+            </a:r>
+            <a:r>
+              <a:rPr lang="en-US" sz="2200" dirty="0">
+                <a:solidFill>
+                  <a:srgbClr val="0070C0"/>
+                </a:solidFill>
+                <a:latin typeface="Khmer OS Battambang" panose="02000500000000020004" pitchFamily="2" charset="77"/>
+                <a:cs typeface="Khmer OS Battambang" panose="02000500000000020004" pitchFamily="2" charset="77"/>
+              </a:rPr>
+              <a:t> package </a:t>
+            </a:r>
+            <a:r>
+              <a:rPr lang="en-US" sz="2200" dirty="0" err="1">
+                <a:solidFill>
+                  <a:srgbClr val="0070C0"/>
+                </a:solidFill>
+                <a:latin typeface="Khmer OS Battambang" panose="02000500000000020004" pitchFamily="2" charset="77"/>
+                <a:cs typeface="Khmer OS Battambang" panose="02000500000000020004" pitchFamily="2" charset="77"/>
+              </a:rPr>
+              <a:t>ជាមួយគ្នា</a:t>
+            </a:r>
+            <a:r>
+              <a:rPr lang="en-US" sz="2200" dirty="0">
+                <a:solidFill>
+                  <a:srgbClr val="0070C0"/>
+                </a:solidFill>
+                <a:latin typeface="Khmer OS Battambang" panose="02000500000000020004" pitchFamily="2" charset="77"/>
+                <a:cs typeface="Khmer OS Battambang" panose="02000500000000020004" pitchFamily="2" charset="77"/>
+              </a:rPr>
+              <a:t> </a:t>
+            </a:r>
+            <a:r>
+              <a:rPr lang="en-US" sz="2200" dirty="0" err="1">
+                <a:solidFill>
+                  <a:srgbClr val="0070C0"/>
+                </a:solidFill>
+                <a:latin typeface="Khmer OS Battambang" panose="02000500000000020004" pitchFamily="2" charset="77"/>
+                <a:cs typeface="Khmer OS Battambang" panose="02000500000000020004" pitchFamily="2" charset="77"/>
+              </a:rPr>
+              <a:t>និង</a:t>
+            </a:r>
+            <a:r>
+              <a:rPr lang="en-US" sz="2200" dirty="0">
+                <a:solidFill>
+                  <a:srgbClr val="0070C0"/>
+                </a:solidFill>
+                <a:latin typeface="Khmer OS Battambang" panose="02000500000000020004" pitchFamily="2" charset="77"/>
+                <a:cs typeface="Khmer OS Battambang" panose="02000500000000020004" pitchFamily="2" charset="77"/>
+              </a:rPr>
+              <a:t> subclasses </a:t>
+            </a:r>
+            <a:r>
+              <a:rPr lang="en-US" sz="2200" dirty="0" err="1">
+                <a:solidFill>
+                  <a:srgbClr val="0070C0"/>
+                </a:solidFill>
+                <a:latin typeface="Khmer OS Battambang" panose="02000500000000020004" pitchFamily="2" charset="77"/>
+                <a:cs typeface="Khmer OS Battambang" panose="02000500000000020004" pitchFamily="2" charset="77"/>
+              </a:rPr>
+              <a:t>ប៉ុណ្ណោះ</a:t>
+            </a:r>
+            <a:r>
+              <a:rPr lang="en-US" sz="2200" dirty="0">
+                <a:solidFill>
+                  <a:srgbClr val="0070C0"/>
+                </a:solidFill>
+                <a:latin typeface="Khmer OS Battambang" panose="02000500000000020004" pitchFamily="2" charset="77"/>
+                <a:cs typeface="Khmer OS Battambang" panose="02000500000000020004" pitchFamily="2" charset="77"/>
+              </a:rPr>
+              <a:t>។</a:t>
+            </a:r>
+          </a:p>
+          <a:p>
+            <a:pPr marL="914400" lvl="1" indent="-457200" algn="l">
+              <a:lnSpc>
+                <a:spcPct val="150000"/>
+              </a:lnSpc>
+              <a:spcBef>
+                <a:spcPts val="1500"/>
+              </a:spcBef>
+              <a:buFont typeface="Wingdings" pitchFamily="2" charset="2"/>
+              <a:buChar char="Ø"/>
+            </a:pPr>
+            <a:r>
+              <a:rPr lang="en-US" sz="2200" dirty="0">
+                <a:solidFill>
+                  <a:srgbClr val="FF0000"/>
+                </a:solidFill>
+                <a:latin typeface="Khmer OS Battambang" panose="02000500000000020004" pitchFamily="2" charset="77"/>
+                <a:cs typeface="Khmer OS Battambang" panose="02000500000000020004" pitchFamily="2" charset="77"/>
+              </a:rPr>
+              <a:t>public</a:t>
+            </a:r>
+            <a:r>
+              <a:rPr lang="en-US" sz="2200" dirty="0">
+                <a:solidFill>
+                  <a:srgbClr val="002060"/>
+                </a:solidFill>
+                <a:latin typeface="Khmer OS Battambang" panose="02000500000000020004" pitchFamily="2" charset="77"/>
+                <a:cs typeface="Khmer OS Battambang" panose="02000500000000020004" pitchFamily="2" charset="77"/>
+              </a:rPr>
+              <a:t>: </a:t>
+            </a:r>
+            <a:r>
+              <a:rPr lang="en-US" sz="2200" dirty="0" err="1">
+                <a:solidFill>
+                  <a:srgbClr val="0070C0"/>
+                </a:solidFill>
+                <a:latin typeface="Khmer OS Battambang" panose="02000500000000020004" pitchFamily="2" charset="77"/>
+                <a:cs typeface="Khmer OS Battambang" panose="02000500000000020004" pitchFamily="2" charset="77"/>
+              </a:rPr>
+              <a:t>អាចហៅ</a:t>
+            </a:r>
+            <a:r>
+              <a:rPr lang="en-US" sz="2200" dirty="0">
+                <a:solidFill>
+                  <a:srgbClr val="0070C0"/>
+                </a:solidFill>
+                <a:latin typeface="Khmer OS Battambang" panose="02000500000000020004" pitchFamily="2" charset="77"/>
+                <a:cs typeface="Khmer OS Battambang" panose="02000500000000020004" pitchFamily="2" charset="77"/>
+              </a:rPr>
+              <a:t> method​ </a:t>
+            </a:r>
+            <a:r>
+              <a:rPr lang="en-US" sz="2200" dirty="0" err="1">
+                <a:solidFill>
+                  <a:srgbClr val="0070C0"/>
+                </a:solidFill>
+                <a:latin typeface="Khmer OS Battambang" panose="02000500000000020004" pitchFamily="2" charset="77"/>
+                <a:cs typeface="Khmer OS Battambang" panose="02000500000000020004" pitchFamily="2" charset="77"/>
+              </a:rPr>
+              <a:t>ឫ</a:t>
+            </a:r>
+            <a:r>
+              <a:rPr lang="en-US" sz="2200" dirty="0">
+                <a:solidFill>
+                  <a:srgbClr val="0070C0"/>
+                </a:solidFill>
+                <a:latin typeface="Khmer OS Battambang" panose="02000500000000020004" pitchFamily="2" charset="77"/>
+                <a:cs typeface="Khmer OS Battambang" panose="02000500000000020004" pitchFamily="2" charset="77"/>
+              </a:rPr>
+              <a:t> member </a:t>
+            </a:r>
+            <a:r>
+              <a:rPr lang="en-US" sz="2200" dirty="0" err="1">
+                <a:solidFill>
+                  <a:srgbClr val="0070C0"/>
+                </a:solidFill>
+                <a:latin typeface="Khmer OS Battambang" panose="02000500000000020004" pitchFamily="2" charset="77"/>
+                <a:cs typeface="Khmer OS Battambang" panose="02000500000000020004" pitchFamily="2" charset="77"/>
+              </a:rPr>
+              <a:t>បានទាំងក្នុង</a:t>
+            </a:r>
+            <a:r>
+              <a:rPr lang="en-US" sz="2200" dirty="0">
+                <a:solidFill>
+                  <a:srgbClr val="0070C0"/>
+                </a:solidFill>
+                <a:latin typeface="Khmer OS Battambang" panose="02000500000000020004" pitchFamily="2" charset="77"/>
+                <a:cs typeface="Khmer OS Battambang" panose="02000500000000020004" pitchFamily="2" charset="77"/>
+              </a:rPr>
+              <a:t> class  </a:t>
+            </a:r>
+            <a:r>
+              <a:rPr lang="en-US" sz="2200" dirty="0" err="1">
+                <a:solidFill>
+                  <a:srgbClr val="0070C0"/>
+                </a:solidFill>
+                <a:latin typeface="Khmer OS Battambang" panose="02000500000000020004" pitchFamily="2" charset="77"/>
+                <a:cs typeface="Khmer OS Battambang" panose="02000500000000020004" pitchFamily="2" charset="77"/>
+              </a:rPr>
+              <a:t>ឫ</a:t>
+            </a:r>
+            <a:r>
+              <a:rPr lang="en-US" sz="2200" dirty="0">
+                <a:solidFill>
+                  <a:srgbClr val="0070C0"/>
+                </a:solidFill>
+                <a:latin typeface="Khmer OS Battambang" panose="02000500000000020004" pitchFamily="2" charset="77"/>
+                <a:cs typeface="Khmer OS Battambang" panose="02000500000000020004" pitchFamily="2" charset="77"/>
+              </a:rPr>
+              <a:t> package </a:t>
+            </a:r>
+            <a:r>
+              <a:rPr lang="en-US" sz="2200" dirty="0" err="1">
+                <a:solidFill>
+                  <a:srgbClr val="0070C0"/>
+                </a:solidFill>
+                <a:latin typeface="Khmer OS Battambang" panose="02000500000000020004" pitchFamily="2" charset="77"/>
+                <a:cs typeface="Khmer OS Battambang" panose="02000500000000020004" pitchFamily="2" charset="77"/>
+              </a:rPr>
+              <a:t>ជាមួយគ្នា</a:t>
+            </a:r>
+            <a:r>
+              <a:rPr lang="en-US" sz="2200" dirty="0">
+                <a:solidFill>
+                  <a:srgbClr val="0070C0"/>
+                </a:solidFill>
+                <a:latin typeface="Khmer OS Battambang" panose="02000500000000020004" pitchFamily="2" charset="77"/>
+                <a:cs typeface="Khmer OS Battambang" panose="02000500000000020004" pitchFamily="2" charset="77"/>
+              </a:rPr>
+              <a:t>​ </a:t>
+            </a:r>
+            <a:r>
+              <a:rPr lang="en-US" sz="2200" dirty="0" err="1">
+                <a:solidFill>
+                  <a:srgbClr val="0070C0"/>
+                </a:solidFill>
+                <a:latin typeface="Khmer OS Battambang" panose="02000500000000020004" pitchFamily="2" charset="77"/>
+                <a:cs typeface="Khmer OS Battambang" panose="02000500000000020004" pitchFamily="2" charset="77"/>
+              </a:rPr>
+              <a:t>និងpackage</a:t>
+            </a:r>
+            <a:r>
+              <a:rPr lang="en-US" sz="2200" dirty="0">
+                <a:solidFill>
+                  <a:srgbClr val="0070C0"/>
+                </a:solidFill>
+                <a:latin typeface="Khmer OS Battambang" panose="02000500000000020004" pitchFamily="2" charset="77"/>
+                <a:cs typeface="Khmer OS Battambang" panose="02000500000000020004" pitchFamily="2" charset="77"/>
+              </a:rPr>
+              <a:t> </a:t>
+            </a:r>
+            <a:r>
+              <a:rPr lang="en-US" sz="2200" dirty="0" err="1">
+                <a:solidFill>
+                  <a:srgbClr val="0070C0"/>
+                </a:solidFill>
+                <a:latin typeface="Khmer OS Battambang" panose="02000500000000020004" pitchFamily="2" charset="77"/>
+                <a:cs typeface="Khmer OS Battambang" panose="02000500000000020004" pitchFamily="2" charset="77"/>
+              </a:rPr>
+              <a:t>ផ្សេងគ្នា</a:t>
+            </a:r>
+            <a:r>
+              <a:rPr lang="en-US" sz="2200" dirty="0">
+                <a:solidFill>
+                  <a:srgbClr val="0070C0"/>
+                </a:solidFill>
+                <a:latin typeface="Khmer OS Battambang" panose="02000500000000020004" pitchFamily="2" charset="77"/>
+                <a:cs typeface="Khmer OS Battambang" panose="02000500000000020004" pitchFamily="2" charset="77"/>
+              </a:rPr>
+              <a:t>។</a:t>
+            </a:r>
+            <a:br>
+              <a:rPr lang="en-US" sz="2400" dirty="0">
+                <a:solidFill>
+                  <a:srgbClr val="0070C0"/>
+                </a:solidFill>
+                <a:latin typeface="Khmer OS Battambang" panose="02000500000000020004" pitchFamily="2" charset="77"/>
+                <a:cs typeface="Khmer OS Battambang" panose="02000500000000020004" pitchFamily="2" charset="77"/>
+              </a:rPr>
+            </a:br>
+            <a:endParaRPr lang="en-US" sz="2400" dirty="0">
+              <a:solidFill>
+                <a:srgbClr val="0070C0"/>
+              </a:solidFill>
+              <a:latin typeface="Khmer OS Battambang" panose="02000500000000020004" pitchFamily="2" charset="77"/>
+              <a:cs typeface="Khmer OS Battambang" panose="02000500000000020004" pitchFamily="2" charset="77"/>
+            </a:endParaRPr>
+          </a:p>
+        </p:txBody>
+      </p:sp>
+    </p:spTree>
+    <p:extLst>
+      <p:ext uri="{BB962C8B-B14F-4D97-AF65-F5344CB8AC3E}">
+        <p14:creationId xmlns:p14="http://schemas.microsoft.com/office/powerpoint/2010/main" val="104116749"/>
+      </p:ext>
+    </p:extLst>
+  </p:cSld>
+  <p:clrMapOvr>
+    <a:masterClrMapping/>
+  </p:clrMapOvr>
+</p:sld>
+</file>
+
+<file path=ppt/slides/slide41.xml><?xml version="1.0" encoding="utf-8"?>
+<p:sld xmlns:a="http://schemas.openxmlformats.org/drawingml/2006/main" xmlns:r="http://schemas.openxmlformats.org/officeDocument/2006/relationships" xmlns:p="http://schemas.openxmlformats.org/presentationml/2006/main">
+  <p:cSld>
+    <p:bg>
+      <p:bgPr>
+        <a:solidFill>
+          <a:schemeClr val="bg1"/>
+        </a:solidFill>
+        <a:effectLst/>
+      </p:bgPr>
+    </p:bg>
+    <p:spTree>
+      <p:nvGrpSpPr>
+        <p:cNvPr id="1" name="">
+          <a:extLst>
+            <a:ext uri="{FF2B5EF4-FFF2-40B4-BE49-F238E27FC236}">
+              <a16:creationId xmlns:a16="http://schemas.microsoft.com/office/drawing/2014/main" id="{D9136489-92E5-AA56-A601-E4FDCF7C0F75}"/>
+            </a:ext>
+          </a:extLst>
+        </p:cNvPr>
+        <p:cNvGrpSpPr/>
+        <p:nvPr/>
+      </p:nvGrpSpPr>
+      <p:grpSpPr>
+        <a:xfrm>
+          <a:off x="0" y="0"/>
+          <a:ext cx="0" cy="0"/>
+          <a:chOff x="0" y="0"/>
+          <a:chExt cx="0" cy="0"/>
+        </a:xfrm>
+      </p:grpSpPr>
+      <p:sp>
+        <p:nvSpPr>
+          <p:cNvPr id="2" name="Title 1">
+            <a:extLst>
+              <a:ext uri="{FF2B5EF4-FFF2-40B4-BE49-F238E27FC236}">
+                <a16:creationId xmlns:a16="http://schemas.microsoft.com/office/drawing/2014/main" id="{DC7269EF-0971-363A-37DD-DBE780D3C7A9}"/>
+              </a:ext>
+            </a:extLst>
+          </p:cNvPr>
+          <p:cNvSpPr>
+            <a:spLocks noGrp="1"/>
+          </p:cNvSpPr>
+          <p:nvPr>
+            <p:ph type="ctrTitle"/>
+          </p:nvPr>
+        </p:nvSpPr>
+        <p:spPr>
+          <a:xfrm>
+            <a:off x="1701800" y="119781"/>
+            <a:ext cx="9144000" cy="789373"/>
+          </a:xfrm>
+        </p:spPr>
+        <p:txBody>
+          <a:bodyPr>
+            <a:normAutofit/>
+          </a:bodyPr>
+          <a:lstStyle/>
+          <a:p>
+            <a:pPr algn="l"/>
+            <a:r>
+              <a:rPr lang="en-US" sz="3600" dirty="0">
+                <a:solidFill>
+                  <a:srgbClr val="002060"/>
+                </a:solidFill>
+                <a:latin typeface="Khmer OS Battambang" panose="02000500000000020004" pitchFamily="2" charset="77"/>
+                <a:cs typeface="Khmer OS Battambang" panose="02000500000000020004" pitchFamily="2" charset="77"/>
+              </a:rPr>
+              <a:t>Arrays</a:t>
+            </a:r>
+            <a:endParaRPr lang="en-KH" sz="3600" dirty="0">
+              <a:solidFill>
+                <a:srgbClr val="002060"/>
+              </a:solidFill>
+              <a:latin typeface="Khmer OS Battambang" panose="02000500000000020004" pitchFamily="2" charset="77"/>
+              <a:cs typeface="Khmer OS Battambang" panose="02000500000000020004" pitchFamily="2" charset="77"/>
+            </a:endParaRPr>
+          </a:p>
+        </p:txBody>
+      </p:sp>
+      <p:cxnSp>
+        <p:nvCxnSpPr>
+          <p:cNvPr id="8" name="Straight Connector 7">
+            <a:extLst>
+              <a:ext uri="{FF2B5EF4-FFF2-40B4-BE49-F238E27FC236}">
+                <a16:creationId xmlns:a16="http://schemas.microsoft.com/office/drawing/2014/main" id="{89B832F0-880A-10E2-3951-DF73C2C0ABD6}"/>
+              </a:ext>
+            </a:extLst>
+          </p:cNvPr>
+          <p:cNvCxnSpPr/>
+          <p:nvPr/>
+        </p:nvCxnSpPr>
+        <p:spPr>
+          <a:xfrm>
+            <a:off x="0" y="1050468"/>
+            <a:ext cx="12192000" cy="0"/>
+          </a:xfrm>
+          <a:prstGeom prst="line">
+            <a:avLst/>
+          </a:prstGeom>
+          <a:ln w="57150">
+            <a:solidFill>
+              <a:srgbClr val="D49B06"/>
+            </a:solidFill>
+          </a:ln>
+        </p:spPr>
+        <p:style>
+          <a:lnRef idx="2">
+            <a:schemeClr val="accent1"/>
+          </a:lnRef>
+          <a:fillRef idx="0">
+            <a:schemeClr val="accent1"/>
+          </a:fillRef>
+          <a:effectRef idx="1">
+            <a:schemeClr val="accent1"/>
+          </a:effectRef>
+          <a:fontRef idx="minor">
+            <a:schemeClr val="tx1"/>
+          </a:fontRef>
+        </p:style>
+      </p:cxnSp>
+      <p:cxnSp>
+        <p:nvCxnSpPr>
+          <p:cNvPr id="10" name="Straight Connector 9">
+            <a:extLst>
+              <a:ext uri="{FF2B5EF4-FFF2-40B4-BE49-F238E27FC236}">
+                <a16:creationId xmlns:a16="http://schemas.microsoft.com/office/drawing/2014/main" id="{285ACEAD-5F73-1745-9165-A23D73687CC7}"/>
+              </a:ext>
+            </a:extLst>
+          </p:cNvPr>
+          <p:cNvCxnSpPr>
+            <a:cxnSpLocks/>
+          </p:cNvCxnSpPr>
+          <p:nvPr/>
+        </p:nvCxnSpPr>
+        <p:spPr>
+          <a:xfrm>
+            <a:off x="0" y="979812"/>
+            <a:ext cx="12192000" cy="0"/>
+          </a:xfrm>
+          <a:prstGeom prst="line">
+            <a:avLst/>
+          </a:prstGeom>
+          <a:ln w="57150">
+            <a:solidFill>
+              <a:srgbClr val="1C27CF"/>
+            </a:solidFill>
+          </a:ln>
+        </p:spPr>
+        <p:style>
+          <a:lnRef idx="2">
+            <a:schemeClr val="accent1"/>
+          </a:lnRef>
+          <a:fillRef idx="0">
+            <a:schemeClr val="accent1"/>
+          </a:fillRef>
+          <a:effectRef idx="1">
+            <a:schemeClr val="accent1"/>
+          </a:effectRef>
+          <a:fontRef idx="minor">
+            <a:schemeClr val="tx1"/>
+          </a:fontRef>
+        </p:style>
+      </p:cxnSp>
+      <p:pic>
+        <p:nvPicPr>
+          <p:cNvPr id="47" name="Picture 46" descr="A blue circle with a yellow and white bird in it&#10;&#10;AI-generated content may be incorrect.">
+            <a:extLst>
+              <a:ext uri="{FF2B5EF4-FFF2-40B4-BE49-F238E27FC236}">
+                <a16:creationId xmlns:a16="http://schemas.microsoft.com/office/drawing/2014/main" id="{0538804B-BBE5-0539-7C77-C9772E79982B}"/>
+              </a:ext>
+            </a:extLst>
+          </p:cNvPr>
+          <p:cNvPicPr>
+            <a:picLocks noChangeAspect="1"/>
+          </p:cNvPicPr>
+          <p:nvPr/>
+        </p:nvPicPr>
+        <p:blipFill>
+          <a:blip r:embed="rId3"/>
+          <a:stretch>
+            <a:fillRect/>
+          </a:stretch>
+        </p:blipFill>
+        <p:spPr>
+          <a:xfrm>
+            <a:off x="325438" y="219712"/>
+            <a:ext cx="606500" cy="606500"/>
+          </a:xfrm>
+          <a:prstGeom prst="rect">
+            <a:avLst/>
+          </a:prstGeom>
+        </p:spPr>
+      </p:pic>
+      <p:sp>
+        <p:nvSpPr>
+          <p:cNvPr id="7" name="Subtitle 2">
+            <a:extLst>
+              <a:ext uri="{FF2B5EF4-FFF2-40B4-BE49-F238E27FC236}">
+                <a16:creationId xmlns:a16="http://schemas.microsoft.com/office/drawing/2014/main" id="{6B30923D-D914-BD8E-B0FB-9E5D1E200850}"/>
+              </a:ext>
+            </a:extLst>
+          </p:cNvPr>
+          <p:cNvSpPr>
+            <a:spLocks noGrp="1"/>
+          </p:cNvSpPr>
+          <p:nvPr>
+            <p:ph type="subTitle" idx="1"/>
+          </p:nvPr>
+        </p:nvSpPr>
+        <p:spPr>
+          <a:xfrm>
+            <a:off x="651353" y="1133413"/>
+            <a:ext cx="10459234" cy="5204749"/>
+          </a:xfrm>
+        </p:spPr>
+        <p:txBody>
+          <a:bodyPr>
+            <a:noAutofit/>
+          </a:bodyPr>
+          <a:lstStyle/>
+          <a:p>
+            <a:pPr algn="l">
+              <a:lnSpc>
+                <a:spcPct val="150000"/>
+              </a:lnSpc>
+              <a:spcBef>
+                <a:spcPts val="1500"/>
+              </a:spcBef>
+            </a:pPr>
+            <a:r>
+              <a:rPr lang="en-US" sz="1800" dirty="0">
+                <a:solidFill>
+                  <a:srgbClr val="002060"/>
+                </a:solidFill>
+                <a:latin typeface="Khmer OS Battambang" panose="02000500000000020004" pitchFamily="2" charset="77"/>
+                <a:cs typeface="Khmer OS Battambang" panose="02000500000000020004" pitchFamily="2" charset="77"/>
+              </a:rPr>
+              <a:t>	</a:t>
+            </a:r>
+            <a:r>
+              <a:rPr lang="en-US" dirty="0">
+                <a:solidFill>
+                  <a:srgbClr val="002060"/>
+                </a:solidFill>
+                <a:latin typeface="Khmer OS Battambang" panose="02000500000000020004" pitchFamily="2" charset="77"/>
+                <a:cs typeface="Khmer OS Battambang" panose="02000500000000020004" pitchFamily="2" charset="77"/>
+              </a:rPr>
+              <a:t>Array : </a:t>
+            </a:r>
+            <a:r>
+              <a:rPr lang="en-US" dirty="0" err="1">
+                <a:solidFill>
+                  <a:srgbClr val="0070C0"/>
+                </a:solidFill>
+                <a:latin typeface="Khmer OS Battambang" panose="02000500000000020004" pitchFamily="2" charset="77"/>
+                <a:cs typeface="Khmer OS Battambang" panose="02000500000000020004" pitchFamily="2" charset="77"/>
+              </a:rPr>
+              <a:t>គឺជាវត្ថុមួយសម្រាប់ផ្ទុកចំនួនថេរនៃតម្លៃ</a:t>
+            </a:r>
+            <a:r>
+              <a:rPr lang="en-US" dirty="0">
+                <a:solidFill>
+                  <a:srgbClr val="0070C0"/>
+                </a:solidFill>
+                <a:latin typeface="Khmer OS Battambang" panose="02000500000000020004" pitchFamily="2" charset="77"/>
+                <a:cs typeface="Khmer OS Battambang" panose="02000500000000020004" pitchFamily="2" charset="77"/>
+              </a:rPr>
+              <a:t> </a:t>
+            </a:r>
+            <a:r>
+              <a:rPr lang="en-US" dirty="0" err="1">
+                <a:solidFill>
+                  <a:srgbClr val="0070C0"/>
+                </a:solidFill>
+                <a:latin typeface="Khmer OS Battambang" panose="02000500000000020004" pitchFamily="2" charset="77"/>
+                <a:cs typeface="Khmer OS Battambang" panose="02000500000000020004" pitchFamily="2" charset="77"/>
+              </a:rPr>
+              <a:t>នៃប្រភេទទិន្នន័យតែមួយដូចគ្នា</a:t>
+            </a:r>
+            <a:r>
+              <a:rPr lang="en-US" dirty="0">
+                <a:solidFill>
+                  <a:srgbClr val="0070C0"/>
+                </a:solidFill>
+                <a:latin typeface="Khmer OS Battambang" panose="02000500000000020004" pitchFamily="2" charset="77"/>
+                <a:cs typeface="Khmer OS Battambang" panose="02000500000000020004" pitchFamily="2" charset="77"/>
+              </a:rPr>
+              <a:t>។</a:t>
+            </a:r>
+            <a:endParaRPr lang="en-US" dirty="0">
+              <a:solidFill>
+                <a:srgbClr val="002060"/>
+              </a:solidFill>
+              <a:latin typeface="Khmer OS Battambang" panose="02000500000000020004" pitchFamily="2" charset="77"/>
+              <a:cs typeface="Khmer OS Battambang" panose="02000500000000020004" pitchFamily="2" charset="77"/>
+            </a:endParaRPr>
+          </a:p>
+          <a:p>
+            <a:pPr algn="l">
+              <a:lnSpc>
+                <a:spcPct val="150000"/>
+              </a:lnSpc>
+              <a:spcBef>
+                <a:spcPts val="1500"/>
+              </a:spcBef>
+            </a:pPr>
+            <a:r>
+              <a:rPr lang="en-US" dirty="0">
+                <a:solidFill>
+                  <a:srgbClr val="002060"/>
+                </a:solidFill>
+                <a:latin typeface="Khmer OS Battambang" panose="02000500000000020004" pitchFamily="2" charset="77"/>
+                <a:cs typeface="Khmer OS Battambang" panose="02000500000000020004" pitchFamily="2" charset="77"/>
+              </a:rPr>
+              <a:t>     Array​</a:t>
+            </a:r>
+            <a:r>
+              <a:rPr lang="en-US" dirty="0">
+                <a:solidFill>
+                  <a:srgbClr val="0070C0"/>
+                </a:solidFill>
+                <a:latin typeface="Khmer OS Battambang" panose="02000500000000020004" pitchFamily="2" charset="77"/>
+                <a:cs typeface="Khmer OS Battambang" panose="02000500000000020004" pitchFamily="2" charset="77"/>
+              </a:rPr>
+              <a:t> </a:t>
+            </a:r>
+            <a:r>
+              <a:rPr lang="en-US" dirty="0" err="1">
+                <a:solidFill>
+                  <a:srgbClr val="0070C0"/>
+                </a:solidFill>
+                <a:latin typeface="Khmer OS Battambang" panose="02000500000000020004" pitchFamily="2" charset="77"/>
+                <a:cs typeface="Khmer OS Battambang" panose="02000500000000020004" pitchFamily="2" charset="77"/>
+              </a:rPr>
+              <a:t>ត្រូវបានចែកជាពីរប្រភេទគឺ</a:t>
+            </a:r>
+            <a:r>
+              <a:rPr lang="en-US" dirty="0">
+                <a:solidFill>
+                  <a:srgbClr val="0070C0"/>
+                </a:solidFill>
+                <a:latin typeface="Khmer OS Battambang" panose="02000500000000020004" pitchFamily="2" charset="77"/>
+                <a:cs typeface="Khmer OS Battambang" panose="02000500000000020004" pitchFamily="2" charset="77"/>
+              </a:rPr>
+              <a:t>៖</a:t>
+            </a:r>
+          </a:p>
+          <a:p>
+            <a:pPr marL="800100" lvl="1" indent="-342900" algn="l">
+              <a:lnSpc>
+                <a:spcPct val="150000"/>
+              </a:lnSpc>
+              <a:spcBef>
+                <a:spcPts val="1500"/>
+              </a:spcBef>
+              <a:buFont typeface="Wingdings" pitchFamily="2" charset="2"/>
+              <a:buChar char="Ø"/>
+            </a:pPr>
+            <a:r>
+              <a:rPr lang="en-US" sz="2400" dirty="0">
+                <a:solidFill>
+                  <a:srgbClr val="002060"/>
+                </a:solidFill>
+                <a:latin typeface="Khmer OS Battambang" panose="02000500000000020004" pitchFamily="2" charset="77"/>
+                <a:cs typeface="Khmer OS Battambang" panose="02000500000000020004" pitchFamily="2" charset="77"/>
+              </a:rPr>
+              <a:t>Single-Dimensional Array </a:t>
+            </a:r>
+            <a:r>
+              <a:rPr lang="en-US" sz="2400" dirty="0" err="1">
+                <a:solidFill>
+                  <a:srgbClr val="0070C0"/>
+                </a:solidFill>
+                <a:latin typeface="Khmer OS Battambang" panose="02000500000000020004" pitchFamily="2" charset="77"/>
+                <a:cs typeface="Khmer OS Battambang" panose="02000500000000020004" pitchFamily="2" charset="77"/>
+              </a:rPr>
+              <a:t>គឺរចនាសម្ព័ន្ធទិន្នន័យមួយជួរ</a:t>
+            </a:r>
+            <a:r>
+              <a:rPr lang="en-US" sz="2400" dirty="0">
+                <a:solidFill>
+                  <a:srgbClr val="0070C0"/>
+                </a:solidFill>
+                <a:latin typeface="Khmer OS Battambang" panose="02000500000000020004" pitchFamily="2" charset="77"/>
+                <a:cs typeface="Khmer OS Battambang" panose="02000500000000020004" pitchFamily="2" charset="77"/>
+              </a:rPr>
+              <a:t> </a:t>
+            </a:r>
+            <a:r>
+              <a:rPr lang="en-US" sz="2400" dirty="0" err="1">
+                <a:solidFill>
+                  <a:srgbClr val="0070C0"/>
+                </a:solidFill>
+                <a:latin typeface="Khmer OS Battambang" panose="02000500000000020004" pitchFamily="2" charset="77"/>
+                <a:cs typeface="Khmer OS Battambang" panose="02000500000000020004" pitchFamily="2" charset="77"/>
+              </a:rPr>
+              <a:t>ដែលផ្ទុកតារាងនៃធាតុជាច្រើនមានប្រភេទទិន្នន័យដូចគ្នា</a:t>
+            </a:r>
+            <a:r>
+              <a:rPr lang="en-US" sz="2400" dirty="0">
+                <a:solidFill>
+                  <a:srgbClr val="0070C0"/>
+                </a:solidFill>
+                <a:latin typeface="Khmer OS Battambang" panose="02000500000000020004" pitchFamily="2" charset="77"/>
+                <a:cs typeface="Khmer OS Battambang" panose="02000500000000020004" pitchFamily="2" charset="77"/>
+              </a:rPr>
+              <a:t> </a:t>
+            </a:r>
+            <a:r>
+              <a:rPr lang="en-US" sz="2400" dirty="0" err="1">
+                <a:solidFill>
+                  <a:srgbClr val="0070C0"/>
+                </a:solidFill>
+                <a:latin typeface="Khmer OS Battambang" panose="02000500000000020004" pitchFamily="2" charset="77"/>
+                <a:cs typeface="Khmer OS Battambang" panose="02000500000000020004" pitchFamily="2" charset="77"/>
+              </a:rPr>
+              <a:t>ហើយធាតុនីមួយៗត្រូវបានចូលប្រើតាមរយៈ</a:t>
+            </a:r>
+            <a:r>
+              <a:rPr lang="en-US" sz="2400" dirty="0">
+                <a:solidFill>
+                  <a:srgbClr val="0070C0"/>
+                </a:solidFill>
+                <a:latin typeface="Khmer OS Battambang" panose="02000500000000020004" pitchFamily="2" charset="77"/>
+                <a:cs typeface="Khmer OS Battambang" panose="02000500000000020004" pitchFamily="2" charset="77"/>
+              </a:rPr>
+              <a:t> index </a:t>
+            </a:r>
+            <a:r>
+              <a:rPr lang="en-US" sz="2400" dirty="0" err="1">
+                <a:solidFill>
+                  <a:srgbClr val="0070C0"/>
+                </a:solidFill>
+                <a:latin typeface="Khmer OS Battambang" panose="02000500000000020004" pitchFamily="2" charset="77"/>
+                <a:cs typeface="Khmer OS Battambang" panose="02000500000000020004" pitchFamily="2" charset="77"/>
+              </a:rPr>
+              <a:t>មួយ</a:t>
+            </a:r>
+            <a:r>
+              <a:rPr lang="en-US" sz="2400" dirty="0">
+                <a:solidFill>
+                  <a:srgbClr val="0070C0"/>
+                </a:solidFill>
+                <a:latin typeface="Khmer OS Battambang" panose="02000500000000020004" pitchFamily="2" charset="77"/>
+                <a:cs typeface="Khmer OS Battambang" panose="02000500000000020004" pitchFamily="2" charset="77"/>
+              </a:rPr>
+              <a:t>។ </a:t>
+            </a:r>
+            <a:r>
+              <a:rPr lang="en-US" sz="2400" dirty="0" err="1">
+                <a:solidFill>
+                  <a:srgbClr val="002060"/>
+                </a:solidFill>
+                <a:latin typeface="Khmer OS Content" panose="02000500000000020004" pitchFamily="2" charset="77"/>
+                <a:cs typeface="Khmer OS Content" panose="02000500000000020004" pitchFamily="2" charset="77"/>
+              </a:rPr>
+              <a:t>ឧទាហរណ</a:t>
+            </a:r>
+            <a:r>
+              <a:rPr lang="en-US" sz="2400" dirty="0">
+                <a:solidFill>
+                  <a:srgbClr val="002060"/>
+                </a:solidFill>
+                <a:latin typeface="Khmer OS Content" panose="02000500000000020004" pitchFamily="2" charset="77"/>
+                <a:cs typeface="Khmer OS Content" panose="02000500000000020004" pitchFamily="2" charset="77"/>
+              </a:rPr>
+              <a:t>៍៖</a:t>
+            </a:r>
+            <a:r>
+              <a:rPr lang="en-US" sz="2400" dirty="0">
+                <a:solidFill>
+                  <a:srgbClr val="0070C0"/>
+                </a:solidFill>
+                <a:latin typeface="Khmer OS Battambang" panose="02000500000000020004" pitchFamily="2" charset="77"/>
+                <a:cs typeface="Khmer OS Battambang" panose="02000500000000020004" pitchFamily="2" charset="77"/>
+              </a:rPr>
+              <a:t> </a:t>
+            </a:r>
+            <a:r>
+              <a:rPr lang="en-US" sz="2400" dirty="0">
+                <a:solidFill>
+                  <a:srgbClr val="FF0000"/>
+                </a:solidFill>
+                <a:latin typeface="Khmer OS Battambang" panose="02000500000000020004" pitchFamily="2" charset="77"/>
+                <a:cs typeface="Khmer OS Battambang" panose="02000500000000020004" pitchFamily="2" charset="77"/>
+              </a:rPr>
+              <a:t>String[] </a:t>
+            </a:r>
+            <a:r>
+              <a:rPr lang="en-US" sz="2400" dirty="0" err="1">
+                <a:solidFill>
+                  <a:srgbClr val="002060"/>
+                </a:solidFill>
+                <a:latin typeface="Khmer OS Battambang" panose="02000500000000020004" pitchFamily="2" charset="77"/>
+                <a:cs typeface="Khmer OS Battambang" panose="02000500000000020004" pitchFamily="2" charset="77"/>
+              </a:rPr>
+              <a:t>capitalLetters</a:t>
+            </a:r>
+            <a:r>
+              <a:rPr lang="en-US" sz="2400" dirty="0">
+                <a:solidFill>
+                  <a:srgbClr val="FF0000"/>
+                </a:solidFill>
+                <a:latin typeface="Khmer OS Battambang" panose="02000500000000020004" pitchFamily="2" charset="77"/>
+                <a:cs typeface="Khmer OS Battambang" panose="02000500000000020004" pitchFamily="2" charset="77"/>
+              </a:rPr>
+              <a:t> </a:t>
+            </a:r>
+            <a:r>
+              <a:rPr lang="en-US" sz="2400" dirty="0">
+                <a:solidFill>
+                  <a:srgbClr val="002060"/>
+                </a:solidFill>
+                <a:latin typeface="Khmer OS Battambang" panose="02000500000000020004" pitchFamily="2" charset="77"/>
+                <a:cs typeface="Khmer OS Battambang" panose="02000500000000020004" pitchFamily="2" charset="77"/>
+              </a:rPr>
+              <a:t>=</a:t>
+            </a:r>
+            <a:r>
+              <a:rPr lang="en-US" sz="2400" dirty="0">
+                <a:solidFill>
+                  <a:srgbClr val="FF0000"/>
+                </a:solidFill>
+                <a:latin typeface="Khmer OS Battambang" panose="02000500000000020004" pitchFamily="2" charset="77"/>
+                <a:cs typeface="Khmer OS Battambang" panose="02000500000000020004" pitchFamily="2" charset="77"/>
+              </a:rPr>
+              <a:t> {"A", "B", "C"};</a:t>
+            </a:r>
+          </a:p>
+          <a:p>
+            <a:pPr marL="800100" lvl="1" indent="-342900" algn="l">
+              <a:lnSpc>
+                <a:spcPct val="150000"/>
+              </a:lnSpc>
+              <a:spcBef>
+                <a:spcPts val="1500"/>
+              </a:spcBef>
+              <a:buFont typeface="Wingdings" pitchFamily="2" charset="2"/>
+              <a:buChar char="Ø"/>
+            </a:pPr>
+            <a:r>
+              <a:rPr lang="en-US" sz="2400" dirty="0">
+                <a:solidFill>
+                  <a:srgbClr val="002060"/>
+                </a:solidFill>
+                <a:latin typeface="Khmer OS Battambang" panose="02000500000000020004" pitchFamily="2" charset="77"/>
+                <a:cs typeface="Khmer OS Battambang" panose="02000500000000020004" pitchFamily="2" charset="77"/>
+              </a:rPr>
+              <a:t>Multi-Dimensional Array </a:t>
+            </a:r>
+            <a:r>
+              <a:rPr lang="en-US" sz="2400" dirty="0" err="1">
+                <a:solidFill>
+                  <a:srgbClr val="0070C0"/>
+                </a:solidFill>
+                <a:latin typeface="Khmer OS Battambang" panose="02000500000000020004" pitchFamily="2" charset="77"/>
+                <a:cs typeface="Khmer OS Battambang" panose="02000500000000020004" pitchFamily="2" charset="77"/>
+              </a:rPr>
+              <a:t>គឺជា</a:t>
+            </a:r>
+            <a:r>
+              <a:rPr lang="en-US" sz="2400" dirty="0">
+                <a:solidFill>
+                  <a:srgbClr val="0070C0"/>
+                </a:solidFill>
+                <a:latin typeface="Khmer OS Battambang" panose="02000500000000020004" pitchFamily="2" charset="77"/>
+                <a:cs typeface="Khmer OS Battambang" panose="02000500000000020004" pitchFamily="2" charset="77"/>
+              </a:rPr>
+              <a:t> </a:t>
+            </a:r>
+            <a:r>
+              <a:rPr lang="en-US" sz="2400" dirty="0">
+                <a:solidFill>
+                  <a:srgbClr val="002060"/>
+                </a:solidFill>
+                <a:latin typeface="Khmer OS Battambang" panose="02000500000000020004" pitchFamily="2" charset="77"/>
+                <a:cs typeface="Khmer OS Battambang" panose="02000500000000020004" pitchFamily="2" charset="77"/>
+              </a:rPr>
+              <a:t>Arrays</a:t>
+            </a:r>
+            <a:r>
+              <a:rPr lang="en-US" sz="2400" dirty="0">
+                <a:solidFill>
+                  <a:srgbClr val="0070C0"/>
+                </a:solidFill>
+                <a:latin typeface="Khmer OS Battambang" panose="02000500000000020004" pitchFamily="2" charset="77"/>
+                <a:cs typeface="Khmer OS Battambang" panose="02000500000000020004" pitchFamily="2" charset="77"/>
+              </a:rPr>
+              <a:t> </a:t>
+            </a:r>
+            <a:r>
+              <a:rPr lang="en-US" sz="2400" dirty="0" err="1">
+                <a:solidFill>
+                  <a:srgbClr val="0070C0"/>
+                </a:solidFill>
+                <a:latin typeface="Khmer OS Battambang" panose="02000500000000020004" pitchFamily="2" charset="77"/>
+                <a:cs typeface="Khmer OS Battambang" panose="02000500000000020004" pitchFamily="2" charset="77"/>
+              </a:rPr>
+              <a:t>នៃ</a:t>
+            </a:r>
+            <a:r>
+              <a:rPr lang="en-US" sz="2400" dirty="0">
+                <a:solidFill>
+                  <a:srgbClr val="0070C0"/>
+                </a:solidFill>
+                <a:latin typeface="Khmer OS Battambang" panose="02000500000000020004" pitchFamily="2" charset="77"/>
+                <a:cs typeface="Khmer OS Battambang" panose="02000500000000020004" pitchFamily="2" charset="77"/>
+              </a:rPr>
+              <a:t> </a:t>
+            </a:r>
+            <a:r>
+              <a:rPr lang="en-US" sz="2400" dirty="0">
+                <a:solidFill>
+                  <a:srgbClr val="002060"/>
+                </a:solidFill>
+                <a:latin typeface="Khmer OS Battambang" panose="02000500000000020004" pitchFamily="2" charset="77"/>
+                <a:cs typeface="Khmer OS Battambang" panose="02000500000000020004" pitchFamily="2" charset="77"/>
+              </a:rPr>
+              <a:t>Arrays</a:t>
+            </a:r>
+            <a:r>
+              <a:rPr lang="en-US" dirty="0">
+                <a:solidFill>
+                  <a:srgbClr val="0070C0"/>
+                </a:solidFill>
+                <a:latin typeface="Khmer OS Battambang" panose="02000500000000020004" pitchFamily="2" charset="77"/>
+                <a:cs typeface="Khmer OS Battambang" panose="02000500000000020004" pitchFamily="2" charset="77"/>
+              </a:rPr>
+              <a:t> </a:t>
+            </a:r>
+            <a:r>
+              <a:rPr lang="en-US" sz="2400" dirty="0">
+                <a:solidFill>
+                  <a:srgbClr val="0070C0"/>
+                </a:solidFill>
+                <a:latin typeface="Khmer OS Battambang" panose="02000500000000020004" pitchFamily="2" charset="77"/>
+                <a:cs typeface="Khmer OS Battambang" panose="02000500000000020004" pitchFamily="2" charset="77"/>
+              </a:rPr>
+              <a:t>។ </a:t>
+            </a:r>
+            <a:r>
+              <a:rPr lang="en-US" sz="2400" dirty="0" err="1">
+                <a:solidFill>
+                  <a:srgbClr val="0070C0"/>
+                </a:solidFill>
+                <a:latin typeface="Khmer OS Battambang" panose="02000500000000020004" pitchFamily="2" charset="77"/>
+                <a:cs typeface="Khmer OS Battambang" panose="02000500000000020004" pitchFamily="2" charset="77"/>
+              </a:rPr>
+              <a:t>វាត្រូវបានគេប្រើដើម្បីផ្ទុកទិន្នន័យជាទម្រង</a:t>
+            </a:r>
+            <a:r>
+              <a:rPr lang="en-US" sz="2400" dirty="0">
+                <a:solidFill>
+                  <a:srgbClr val="0070C0"/>
+                </a:solidFill>
+                <a:latin typeface="Khmer OS Battambang" panose="02000500000000020004" pitchFamily="2" charset="77"/>
+                <a:cs typeface="Khmer OS Battambang" panose="02000500000000020004" pitchFamily="2" charset="77"/>
+              </a:rPr>
+              <a:t>់ </a:t>
+            </a:r>
+            <a:r>
+              <a:rPr lang="en-US" sz="2400" dirty="0">
+                <a:solidFill>
+                  <a:srgbClr val="002060"/>
+                </a:solidFill>
+                <a:latin typeface="Khmer OS Battambang" panose="02000500000000020004" pitchFamily="2" charset="77"/>
+                <a:cs typeface="Khmer OS Battambang" panose="02000500000000020004" pitchFamily="2" charset="77"/>
+              </a:rPr>
+              <a:t>grid</a:t>
+            </a:r>
+            <a:r>
+              <a:rPr lang="en-US" sz="2400" dirty="0">
+                <a:solidFill>
+                  <a:srgbClr val="0070C0"/>
+                </a:solidFill>
+                <a:latin typeface="Khmer OS Battambang" panose="02000500000000020004" pitchFamily="2" charset="77"/>
+                <a:cs typeface="Khmer OS Battambang" panose="02000500000000020004" pitchFamily="2" charset="77"/>
+              </a:rPr>
+              <a:t> </a:t>
+            </a:r>
+            <a:r>
+              <a:rPr lang="en-US" sz="2400" dirty="0" err="1">
+                <a:solidFill>
+                  <a:srgbClr val="0070C0"/>
+                </a:solidFill>
+                <a:latin typeface="Khmer OS Battambang" panose="02000500000000020004" pitchFamily="2" charset="77"/>
+                <a:cs typeface="Khmer OS Battambang" panose="02000500000000020004" pitchFamily="2" charset="77"/>
+              </a:rPr>
+              <a:t>ឫ</a:t>
+            </a:r>
+            <a:r>
+              <a:rPr lang="en-US" sz="2400" dirty="0">
+                <a:solidFill>
+                  <a:srgbClr val="0070C0"/>
+                </a:solidFill>
+                <a:latin typeface="Khmer OS Battambang" panose="02000500000000020004" pitchFamily="2" charset="77"/>
+                <a:cs typeface="Khmer OS Battambang" panose="02000500000000020004" pitchFamily="2" charset="77"/>
+              </a:rPr>
+              <a:t> </a:t>
+            </a:r>
+            <a:r>
+              <a:rPr lang="en-US" sz="2400" dirty="0">
+                <a:solidFill>
+                  <a:srgbClr val="002060"/>
+                </a:solidFill>
+                <a:latin typeface="Khmer OS Battambang" panose="02000500000000020004" pitchFamily="2" charset="77"/>
+                <a:cs typeface="Khmer OS Battambang" panose="02000500000000020004" pitchFamily="2" charset="77"/>
+              </a:rPr>
+              <a:t>table </a:t>
+            </a:r>
+            <a:r>
+              <a:rPr lang="en-US" sz="2400" dirty="0">
+                <a:solidFill>
+                  <a:srgbClr val="0070C0"/>
+                </a:solidFill>
+                <a:latin typeface="Khmer OS Battambang" panose="02000500000000020004" pitchFamily="2" charset="77"/>
+                <a:cs typeface="Khmer OS Battambang" panose="02000500000000020004" pitchFamily="2" charset="77"/>
+              </a:rPr>
+              <a:t>។ </a:t>
+            </a:r>
+          </a:p>
+          <a:p>
+            <a:pPr lvl="1" algn="l">
+              <a:lnSpc>
+                <a:spcPct val="150000"/>
+              </a:lnSpc>
+              <a:spcBef>
+                <a:spcPts val="1500"/>
+              </a:spcBef>
+            </a:pPr>
+            <a:r>
+              <a:rPr lang="en-US" sz="2400" dirty="0">
+                <a:solidFill>
+                  <a:srgbClr val="FF0000"/>
+                </a:solidFill>
+                <a:latin typeface="Khmer OS Battambang" panose="02000500000000020004" pitchFamily="2" charset="77"/>
+                <a:cs typeface="Khmer OS Battambang" panose="02000500000000020004" pitchFamily="2" charset="77"/>
+              </a:rPr>
+              <a:t>     </a:t>
+            </a:r>
+            <a:r>
+              <a:rPr lang="en-US" sz="2400" dirty="0" err="1">
+                <a:solidFill>
+                  <a:srgbClr val="002060"/>
+                </a:solidFill>
+                <a:latin typeface="Khmer OS Content" panose="02000500000000020004" pitchFamily="2" charset="77"/>
+                <a:cs typeface="Khmer OS Content" panose="02000500000000020004" pitchFamily="2" charset="77"/>
+              </a:rPr>
+              <a:t>ឧទាហរណ</a:t>
+            </a:r>
+            <a:r>
+              <a:rPr lang="en-US" sz="2400" dirty="0">
+                <a:solidFill>
+                  <a:srgbClr val="002060"/>
+                </a:solidFill>
+                <a:latin typeface="Khmer OS Content" panose="02000500000000020004" pitchFamily="2" charset="77"/>
+                <a:cs typeface="Khmer OS Content" panose="02000500000000020004" pitchFamily="2" charset="77"/>
+              </a:rPr>
+              <a:t>៍៖ </a:t>
+            </a:r>
+            <a:r>
+              <a:rPr lang="en-US" sz="2400" dirty="0">
+                <a:solidFill>
+                  <a:srgbClr val="FF0000"/>
+                </a:solidFill>
+                <a:latin typeface="Khmer OS Battambang" panose="02000500000000020004" pitchFamily="2" charset="77"/>
+                <a:cs typeface="Khmer OS Battambang" panose="02000500000000020004" pitchFamily="2" charset="77"/>
+              </a:rPr>
+              <a:t>String[][] </a:t>
+            </a:r>
+            <a:r>
+              <a:rPr lang="en-US" sz="2400" dirty="0">
+                <a:solidFill>
+                  <a:srgbClr val="002060"/>
+                </a:solidFill>
+                <a:latin typeface="Khmer OS Battambang" panose="02000500000000020004" pitchFamily="2" charset="77"/>
+                <a:cs typeface="Khmer OS Battambang" panose="02000500000000020004" pitchFamily="2" charset="77"/>
+              </a:rPr>
+              <a:t>letters =</a:t>
+            </a:r>
+            <a:r>
+              <a:rPr lang="en-US" dirty="0"/>
+              <a:t> </a:t>
+            </a:r>
+            <a:r>
+              <a:rPr lang="en-US" sz="2400" dirty="0">
+                <a:solidFill>
+                  <a:srgbClr val="FF0000"/>
+                </a:solidFill>
+                <a:latin typeface="Khmer OS Battambang" panose="02000500000000020004" pitchFamily="2" charset="77"/>
+                <a:cs typeface="Khmer OS Battambang" panose="02000500000000020004" pitchFamily="2" charset="77"/>
+              </a:rPr>
+              <a:t>{{"A", "B", "C"}, {"a", "b", "c"}};</a:t>
+            </a:r>
+            <a:br>
+              <a:rPr lang="en-US" dirty="0">
+                <a:solidFill>
+                  <a:srgbClr val="0070C0"/>
+                </a:solidFill>
+                <a:latin typeface="Khmer OS Battambang" panose="02000500000000020004" pitchFamily="2" charset="77"/>
+                <a:cs typeface="Khmer OS Battambang" panose="02000500000000020004" pitchFamily="2" charset="77"/>
+              </a:rPr>
+            </a:br>
+            <a:endParaRPr lang="en-US" dirty="0">
+              <a:solidFill>
+                <a:srgbClr val="0070C0"/>
+              </a:solidFill>
+              <a:latin typeface="Khmer OS Battambang" panose="02000500000000020004" pitchFamily="2" charset="77"/>
+              <a:cs typeface="Khmer OS Battambang" panose="02000500000000020004" pitchFamily="2" charset="77"/>
+            </a:endParaRPr>
+          </a:p>
+        </p:txBody>
+      </p:sp>
+    </p:spTree>
+    <p:extLst>
+      <p:ext uri="{BB962C8B-B14F-4D97-AF65-F5344CB8AC3E}">
+        <p14:creationId xmlns:p14="http://schemas.microsoft.com/office/powerpoint/2010/main" val="1719729952"/>
+      </p:ext>
+    </p:extLst>
+  </p:cSld>
+  <p:clrMapOvr>
+    <a:masterClrMapping/>
+  </p:clrMapOvr>
 </p:sld>
 </file>
 

--- a/Java For Beginer Lession.pptx
+++ b/Java For Beginer Lession.pptx
@@ -5,7 +5,7 @@
     <p:sldMasterId id="2147483648" r:id="rId1"/>
   </p:sldMasterIdLst>
   <p:notesMasterIdLst>
-    <p:notesMasterId r:id="rId43"/>
+    <p:notesMasterId r:id="rId47"/>
   </p:notesMasterIdLst>
   <p:sldIdLst>
     <p:sldId id="257" r:id="rId2"/>
@@ -49,6 +49,10 @@
     <p:sldId id="295" r:id="rId40"/>
     <p:sldId id="296" r:id="rId41"/>
     <p:sldId id="297" r:id="rId42"/>
+    <p:sldId id="298" r:id="rId43"/>
+    <p:sldId id="299" r:id="rId44"/>
+    <p:sldId id="300" r:id="rId45"/>
+    <p:sldId id="301" r:id="rId46"/>
   </p:sldIdLst>
   <p:sldSz cx="12192000" cy="6858000"/>
   <p:notesSz cx="6858000" cy="9144000"/>
@@ -237,7 +241,7 @@
           <a:p>
             <a:fld id="{A4B2FDEF-09AE-D841-82B5-B8C57D3BE67B}" type="datetimeFigureOut">
               <a:rPr lang="en-KH" smtClean="0"/>
-              <a:t>22/1/26</a:t>
+              <a:t>26/1/26</a:t>
             </a:fld>
             <a:endParaRPr lang="en-KH"/>
           </a:p>
@@ -580,6 +584,438 @@
     <p:extLst>
       <p:ext uri="{BB962C8B-B14F-4D97-AF65-F5344CB8AC3E}">
         <p14:creationId xmlns:p14="http://schemas.microsoft.com/office/powerpoint/2010/main" val="714169618"/>
+      </p:ext>
+    </p:extLst>
+  </p:cSld>
+  <p:clrMapOvr>
+    <a:masterClrMapping/>
+  </p:clrMapOvr>
+</p:notes>
+</file>
+
+<file path=ppt/notesSlides/notesSlide10.xml><?xml version="1.0" encoding="utf-8"?>
+<p:notes xmlns:a="http://schemas.openxmlformats.org/drawingml/2006/main" xmlns:r="http://schemas.openxmlformats.org/officeDocument/2006/relationships" xmlns:p="http://schemas.openxmlformats.org/presentationml/2006/main">
+  <p:cSld>
+    <p:spTree>
+      <p:nvGrpSpPr>
+        <p:cNvPr id="1" name="">
+          <a:extLst>
+            <a:ext uri="{FF2B5EF4-FFF2-40B4-BE49-F238E27FC236}">
+              <a16:creationId xmlns:a16="http://schemas.microsoft.com/office/drawing/2014/main" id="{AA873601-A223-BAE3-6ED2-B605EDAECF06}"/>
+            </a:ext>
+          </a:extLst>
+        </p:cNvPr>
+        <p:cNvGrpSpPr/>
+        <p:nvPr/>
+      </p:nvGrpSpPr>
+      <p:grpSpPr>
+        <a:xfrm>
+          <a:off x="0" y="0"/>
+          <a:ext cx="0" cy="0"/>
+          <a:chOff x="0" y="0"/>
+          <a:chExt cx="0" cy="0"/>
+        </a:xfrm>
+      </p:grpSpPr>
+      <p:sp>
+        <p:nvSpPr>
+          <p:cNvPr id="2" name="Slide Image Placeholder 1">
+            <a:extLst>
+              <a:ext uri="{FF2B5EF4-FFF2-40B4-BE49-F238E27FC236}">
+                <a16:creationId xmlns:a16="http://schemas.microsoft.com/office/drawing/2014/main" id="{773AFCA3-60DD-09BE-EBA8-A2021E7F5EF3}"/>
+              </a:ext>
+            </a:extLst>
+          </p:cNvPr>
+          <p:cNvSpPr>
+            <a:spLocks noGrp="1" noRot="1" noChangeAspect="1"/>
+          </p:cNvSpPr>
+          <p:nvPr>
+            <p:ph type="sldImg"/>
+          </p:nvPr>
+        </p:nvSpPr>
+        <p:spPr/>
+      </p:sp>
+      <p:sp>
+        <p:nvSpPr>
+          <p:cNvPr id="3" name="Notes Placeholder 2">
+            <a:extLst>
+              <a:ext uri="{FF2B5EF4-FFF2-40B4-BE49-F238E27FC236}">
+                <a16:creationId xmlns:a16="http://schemas.microsoft.com/office/drawing/2014/main" id="{543E2ED4-D1C0-A138-8A7D-4C4E2646371B}"/>
+              </a:ext>
+            </a:extLst>
+          </p:cNvPr>
+          <p:cNvSpPr>
+            <a:spLocks noGrp="1"/>
+          </p:cNvSpPr>
+          <p:nvPr>
+            <p:ph type="body" idx="1"/>
+          </p:nvPr>
+        </p:nvSpPr>
+        <p:spPr/>
+        <p:txBody>
+          <a:bodyPr/>
+          <a:lstStyle/>
+          <a:p>
+            <a:endParaRPr lang="en-KH" dirty="0"/>
+          </a:p>
+        </p:txBody>
+      </p:sp>
+      <p:sp>
+        <p:nvSpPr>
+          <p:cNvPr id="4" name="Slide Number Placeholder 3">
+            <a:extLst>
+              <a:ext uri="{FF2B5EF4-FFF2-40B4-BE49-F238E27FC236}">
+                <a16:creationId xmlns:a16="http://schemas.microsoft.com/office/drawing/2014/main" id="{69DDF1FD-8DB3-DDC6-E160-E123FC0AC644}"/>
+              </a:ext>
+            </a:extLst>
+          </p:cNvPr>
+          <p:cNvSpPr>
+            <a:spLocks noGrp="1"/>
+          </p:cNvSpPr>
+          <p:nvPr>
+            <p:ph type="sldNum" sz="quarter" idx="5"/>
+          </p:nvPr>
+        </p:nvSpPr>
+        <p:spPr/>
+        <p:txBody>
+          <a:bodyPr/>
+          <a:lstStyle/>
+          <a:p>
+            <a:fld id="{84DABFE7-2B72-E34A-B8CF-9CC2D7D3F47E}" type="slidenum">
+              <a:rPr lang="en-KH" smtClean="0"/>
+              <a:t>42</a:t>
+            </a:fld>
+            <a:endParaRPr lang="en-KH"/>
+          </a:p>
+        </p:txBody>
+      </p:sp>
+    </p:spTree>
+    <p:extLst>
+      <p:ext uri="{BB962C8B-B14F-4D97-AF65-F5344CB8AC3E}">
+        <p14:creationId xmlns:p14="http://schemas.microsoft.com/office/powerpoint/2010/main" val="558506598"/>
+      </p:ext>
+    </p:extLst>
+  </p:cSld>
+  <p:clrMapOvr>
+    <a:masterClrMapping/>
+  </p:clrMapOvr>
+</p:notes>
+</file>
+
+<file path=ppt/notesSlides/notesSlide11.xml><?xml version="1.0" encoding="utf-8"?>
+<p:notes xmlns:a="http://schemas.openxmlformats.org/drawingml/2006/main" xmlns:r="http://schemas.openxmlformats.org/officeDocument/2006/relationships" xmlns:p="http://schemas.openxmlformats.org/presentationml/2006/main">
+  <p:cSld>
+    <p:spTree>
+      <p:nvGrpSpPr>
+        <p:cNvPr id="1" name="">
+          <a:extLst>
+            <a:ext uri="{FF2B5EF4-FFF2-40B4-BE49-F238E27FC236}">
+              <a16:creationId xmlns:a16="http://schemas.microsoft.com/office/drawing/2014/main" id="{91BBE7EB-43AF-C2E4-36ED-D4DC00DB6F20}"/>
+            </a:ext>
+          </a:extLst>
+        </p:cNvPr>
+        <p:cNvGrpSpPr/>
+        <p:nvPr/>
+      </p:nvGrpSpPr>
+      <p:grpSpPr>
+        <a:xfrm>
+          <a:off x="0" y="0"/>
+          <a:ext cx="0" cy="0"/>
+          <a:chOff x="0" y="0"/>
+          <a:chExt cx="0" cy="0"/>
+        </a:xfrm>
+      </p:grpSpPr>
+      <p:sp>
+        <p:nvSpPr>
+          <p:cNvPr id="2" name="Slide Image Placeholder 1">
+            <a:extLst>
+              <a:ext uri="{FF2B5EF4-FFF2-40B4-BE49-F238E27FC236}">
+                <a16:creationId xmlns:a16="http://schemas.microsoft.com/office/drawing/2014/main" id="{DC5C7A92-A94D-7CB6-4767-6A44B94B1BAE}"/>
+              </a:ext>
+            </a:extLst>
+          </p:cNvPr>
+          <p:cNvSpPr>
+            <a:spLocks noGrp="1" noRot="1" noChangeAspect="1"/>
+          </p:cNvSpPr>
+          <p:nvPr>
+            <p:ph type="sldImg"/>
+          </p:nvPr>
+        </p:nvSpPr>
+        <p:spPr/>
+      </p:sp>
+      <p:sp>
+        <p:nvSpPr>
+          <p:cNvPr id="3" name="Notes Placeholder 2">
+            <a:extLst>
+              <a:ext uri="{FF2B5EF4-FFF2-40B4-BE49-F238E27FC236}">
+                <a16:creationId xmlns:a16="http://schemas.microsoft.com/office/drawing/2014/main" id="{B131E1AC-8E5F-BECD-91D8-ABDEBDE99948}"/>
+              </a:ext>
+            </a:extLst>
+          </p:cNvPr>
+          <p:cNvSpPr>
+            <a:spLocks noGrp="1"/>
+          </p:cNvSpPr>
+          <p:nvPr>
+            <p:ph type="body" idx="1"/>
+          </p:nvPr>
+        </p:nvSpPr>
+        <p:spPr/>
+        <p:txBody>
+          <a:bodyPr/>
+          <a:lstStyle/>
+          <a:p>
+            <a:endParaRPr lang="en-KH" dirty="0"/>
+          </a:p>
+        </p:txBody>
+      </p:sp>
+      <p:sp>
+        <p:nvSpPr>
+          <p:cNvPr id="4" name="Slide Number Placeholder 3">
+            <a:extLst>
+              <a:ext uri="{FF2B5EF4-FFF2-40B4-BE49-F238E27FC236}">
+                <a16:creationId xmlns:a16="http://schemas.microsoft.com/office/drawing/2014/main" id="{212761C0-D103-476C-545E-92355F1DF262}"/>
+              </a:ext>
+            </a:extLst>
+          </p:cNvPr>
+          <p:cNvSpPr>
+            <a:spLocks noGrp="1"/>
+          </p:cNvSpPr>
+          <p:nvPr>
+            <p:ph type="sldNum" sz="quarter" idx="5"/>
+          </p:nvPr>
+        </p:nvSpPr>
+        <p:spPr/>
+        <p:txBody>
+          <a:bodyPr/>
+          <a:lstStyle/>
+          <a:p>
+            <a:fld id="{84DABFE7-2B72-E34A-B8CF-9CC2D7D3F47E}" type="slidenum">
+              <a:rPr lang="en-KH" smtClean="0"/>
+              <a:t>43</a:t>
+            </a:fld>
+            <a:endParaRPr lang="en-KH"/>
+          </a:p>
+        </p:txBody>
+      </p:sp>
+    </p:spTree>
+    <p:extLst>
+      <p:ext uri="{BB962C8B-B14F-4D97-AF65-F5344CB8AC3E}">
+        <p14:creationId xmlns:p14="http://schemas.microsoft.com/office/powerpoint/2010/main" val="3739066981"/>
+      </p:ext>
+    </p:extLst>
+  </p:cSld>
+  <p:clrMapOvr>
+    <a:masterClrMapping/>
+  </p:clrMapOvr>
+</p:notes>
+</file>
+
+<file path=ppt/notesSlides/notesSlide12.xml><?xml version="1.0" encoding="utf-8"?>
+<p:notes xmlns:a="http://schemas.openxmlformats.org/drawingml/2006/main" xmlns:r="http://schemas.openxmlformats.org/officeDocument/2006/relationships" xmlns:p="http://schemas.openxmlformats.org/presentationml/2006/main">
+  <p:cSld>
+    <p:spTree>
+      <p:nvGrpSpPr>
+        <p:cNvPr id="1" name="">
+          <a:extLst>
+            <a:ext uri="{FF2B5EF4-FFF2-40B4-BE49-F238E27FC236}">
+              <a16:creationId xmlns:a16="http://schemas.microsoft.com/office/drawing/2014/main" id="{4AD4DA4E-AC9B-6B5A-6C2E-19EDC89606E4}"/>
+            </a:ext>
+          </a:extLst>
+        </p:cNvPr>
+        <p:cNvGrpSpPr/>
+        <p:nvPr/>
+      </p:nvGrpSpPr>
+      <p:grpSpPr>
+        <a:xfrm>
+          <a:off x="0" y="0"/>
+          <a:ext cx="0" cy="0"/>
+          <a:chOff x="0" y="0"/>
+          <a:chExt cx="0" cy="0"/>
+        </a:xfrm>
+      </p:grpSpPr>
+      <p:sp>
+        <p:nvSpPr>
+          <p:cNvPr id="2" name="Slide Image Placeholder 1">
+            <a:extLst>
+              <a:ext uri="{FF2B5EF4-FFF2-40B4-BE49-F238E27FC236}">
+                <a16:creationId xmlns:a16="http://schemas.microsoft.com/office/drawing/2014/main" id="{9B7521A7-6F5B-3267-4476-9A1DF6A156C0}"/>
+              </a:ext>
+            </a:extLst>
+          </p:cNvPr>
+          <p:cNvSpPr>
+            <a:spLocks noGrp="1" noRot="1" noChangeAspect="1"/>
+          </p:cNvSpPr>
+          <p:nvPr>
+            <p:ph type="sldImg"/>
+          </p:nvPr>
+        </p:nvSpPr>
+        <p:spPr/>
+      </p:sp>
+      <p:sp>
+        <p:nvSpPr>
+          <p:cNvPr id="3" name="Notes Placeholder 2">
+            <a:extLst>
+              <a:ext uri="{FF2B5EF4-FFF2-40B4-BE49-F238E27FC236}">
+                <a16:creationId xmlns:a16="http://schemas.microsoft.com/office/drawing/2014/main" id="{7B192D46-32A6-D480-060D-78F03D364A4B}"/>
+              </a:ext>
+            </a:extLst>
+          </p:cNvPr>
+          <p:cNvSpPr>
+            <a:spLocks noGrp="1"/>
+          </p:cNvSpPr>
+          <p:nvPr>
+            <p:ph type="body" idx="1"/>
+          </p:nvPr>
+        </p:nvSpPr>
+        <p:spPr/>
+        <p:txBody>
+          <a:bodyPr/>
+          <a:lstStyle/>
+          <a:p>
+            <a:endParaRPr lang="en-KH" dirty="0"/>
+          </a:p>
+        </p:txBody>
+      </p:sp>
+      <p:sp>
+        <p:nvSpPr>
+          <p:cNvPr id="4" name="Slide Number Placeholder 3">
+            <a:extLst>
+              <a:ext uri="{FF2B5EF4-FFF2-40B4-BE49-F238E27FC236}">
+                <a16:creationId xmlns:a16="http://schemas.microsoft.com/office/drawing/2014/main" id="{A6E395BE-9677-4790-7858-513151E647C6}"/>
+              </a:ext>
+            </a:extLst>
+          </p:cNvPr>
+          <p:cNvSpPr>
+            <a:spLocks noGrp="1"/>
+          </p:cNvSpPr>
+          <p:nvPr>
+            <p:ph type="sldNum" sz="quarter" idx="5"/>
+          </p:nvPr>
+        </p:nvSpPr>
+        <p:spPr/>
+        <p:txBody>
+          <a:bodyPr/>
+          <a:lstStyle/>
+          <a:p>
+            <a:fld id="{84DABFE7-2B72-E34A-B8CF-9CC2D7D3F47E}" type="slidenum">
+              <a:rPr lang="en-KH" smtClean="0"/>
+              <a:t>44</a:t>
+            </a:fld>
+            <a:endParaRPr lang="en-KH"/>
+          </a:p>
+        </p:txBody>
+      </p:sp>
+    </p:spTree>
+    <p:extLst>
+      <p:ext uri="{BB962C8B-B14F-4D97-AF65-F5344CB8AC3E}">
+        <p14:creationId xmlns:p14="http://schemas.microsoft.com/office/powerpoint/2010/main" val="3575924583"/>
+      </p:ext>
+    </p:extLst>
+  </p:cSld>
+  <p:clrMapOvr>
+    <a:masterClrMapping/>
+  </p:clrMapOvr>
+</p:notes>
+</file>
+
+<file path=ppt/notesSlides/notesSlide13.xml><?xml version="1.0" encoding="utf-8"?>
+<p:notes xmlns:a="http://schemas.openxmlformats.org/drawingml/2006/main" xmlns:r="http://schemas.openxmlformats.org/officeDocument/2006/relationships" xmlns:p="http://schemas.openxmlformats.org/presentationml/2006/main">
+  <p:cSld>
+    <p:spTree>
+      <p:nvGrpSpPr>
+        <p:cNvPr id="1" name="">
+          <a:extLst>
+            <a:ext uri="{FF2B5EF4-FFF2-40B4-BE49-F238E27FC236}">
+              <a16:creationId xmlns:a16="http://schemas.microsoft.com/office/drawing/2014/main" id="{6F0D41F5-4DAF-CDEB-11C2-8436EDA3E29E}"/>
+            </a:ext>
+          </a:extLst>
+        </p:cNvPr>
+        <p:cNvGrpSpPr/>
+        <p:nvPr/>
+      </p:nvGrpSpPr>
+      <p:grpSpPr>
+        <a:xfrm>
+          <a:off x="0" y="0"/>
+          <a:ext cx="0" cy="0"/>
+          <a:chOff x="0" y="0"/>
+          <a:chExt cx="0" cy="0"/>
+        </a:xfrm>
+      </p:grpSpPr>
+      <p:sp>
+        <p:nvSpPr>
+          <p:cNvPr id="2" name="Slide Image Placeholder 1">
+            <a:extLst>
+              <a:ext uri="{FF2B5EF4-FFF2-40B4-BE49-F238E27FC236}">
+                <a16:creationId xmlns:a16="http://schemas.microsoft.com/office/drawing/2014/main" id="{A46D71B7-A8E8-4A3E-BBBB-02374FD058F0}"/>
+              </a:ext>
+            </a:extLst>
+          </p:cNvPr>
+          <p:cNvSpPr>
+            <a:spLocks noGrp="1" noRot="1" noChangeAspect="1"/>
+          </p:cNvSpPr>
+          <p:nvPr>
+            <p:ph type="sldImg"/>
+          </p:nvPr>
+        </p:nvSpPr>
+        <p:spPr/>
+      </p:sp>
+      <p:sp>
+        <p:nvSpPr>
+          <p:cNvPr id="3" name="Notes Placeholder 2">
+            <a:extLst>
+              <a:ext uri="{FF2B5EF4-FFF2-40B4-BE49-F238E27FC236}">
+                <a16:creationId xmlns:a16="http://schemas.microsoft.com/office/drawing/2014/main" id="{E7546D64-630E-435F-8910-0215ACF4137C}"/>
+              </a:ext>
+            </a:extLst>
+          </p:cNvPr>
+          <p:cNvSpPr>
+            <a:spLocks noGrp="1"/>
+          </p:cNvSpPr>
+          <p:nvPr>
+            <p:ph type="body" idx="1"/>
+          </p:nvPr>
+        </p:nvSpPr>
+        <p:spPr/>
+        <p:txBody>
+          <a:bodyPr/>
+          <a:lstStyle/>
+          <a:p>
+            <a:endParaRPr lang="en-KH" dirty="0"/>
+          </a:p>
+        </p:txBody>
+      </p:sp>
+      <p:sp>
+        <p:nvSpPr>
+          <p:cNvPr id="4" name="Slide Number Placeholder 3">
+            <a:extLst>
+              <a:ext uri="{FF2B5EF4-FFF2-40B4-BE49-F238E27FC236}">
+                <a16:creationId xmlns:a16="http://schemas.microsoft.com/office/drawing/2014/main" id="{2720DADF-EA0E-61F6-E4B1-AB5C3E122661}"/>
+              </a:ext>
+            </a:extLst>
+          </p:cNvPr>
+          <p:cNvSpPr>
+            <a:spLocks noGrp="1"/>
+          </p:cNvSpPr>
+          <p:nvPr>
+            <p:ph type="sldNum" sz="quarter" idx="5"/>
+          </p:nvPr>
+        </p:nvSpPr>
+        <p:spPr/>
+        <p:txBody>
+          <a:bodyPr/>
+          <a:lstStyle/>
+          <a:p>
+            <a:fld id="{84DABFE7-2B72-E34A-B8CF-9CC2D7D3F47E}" type="slidenum">
+              <a:rPr lang="en-KH" smtClean="0"/>
+              <a:t>45</a:t>
+            </a:fld>
+            <a:endParaRPr lang="en-KH"/>
+          </a:p>
+        </p:txBody>
+      </p:sp>
+    </p:spTree>
+    <p:extLst>
+      <p:ext uri="{BB962C8B-B14F-4D97-AF65-F5344CB8AC3E}">
+        <p14:creationId xmlns:p14="http://schemas.microsoft.com/office/powerpoint/2010/main" val="3545734754"/>
       </p:ext>
     </p:extLst>
   </p:cSld>
@@ -1554,7 +1990,7 @@
           <a:p>
             <a:fld id="{8F7A51AF-933C-9446-AB7C-4A14F59AF2F3}" type="datetimeFigureOut">
               <a:rPr lang="en-KH" smtClean="0"/>
-              <a:t>22/1/26</a:t>
+              <a:t>26/1/26</a:t>
             </a:fld>
             <a:endParaRPr lang="en-KH"/>
           </a:p>
@@ -1754,7 +2190,7 @@
           <a:p>
             <a:fld id="{8F7A51AF-933C-9446-AB7C-4A14F59AF2F3}" type="datetimeFigureOut">
               <a:rPr lang="en-KH" smtClean="0"/>
-              <a:t>22/1/26</a:t>
+              <a:t>26/1/26</a:t>
             </a:fld>
             <a:endParaRPr lang="en-KH"/>
           </a:p>
@@ -1964,7 +2400,7 @@
           <a:p>
             <a:fld id="{8F7A51AF-933C-9446-AB7C-4A14F59AF2F3}" type="datetimeFigureOut">
               <a:rPr lang="en-KH" smtClean="0"/>
-              <a:t>22/1/26</a:t>
+              <a:t>26/1/26</a:t>
             </a:fld>
             <a:endParaRPr lang="en-KH"/>
           </a:p>
@@ -2164,7 +2600,7 @@
           <a:p>
             <a:fld id="{8F7A51AF-933C-9446-AB7C-4A14F59AF2F3}" type="datetimeFigureOut">
               <a:rPr lang="en-KH" smtClean="0"/>
-              <a:t>22/1/26</a:t>
+              <a:t>26/1/26</a:t>
             </a:fld>
             <a:endParaRPr lang="en-KH"/>
           </a:p>
@@ -2440,7 +2876,7 @@
           <a:p>
             <a:fld id="{8F7A51AF-933C-9446-AB7C-4A14F59AF2F3}" type="datetimeFigureOut">
               <a:rPr lang="en-KH" smtClean="0"/>
-              <a:t>22/1/26</a:t>
+              <a:t>26/1/26</a:t>
             </a:fld>
             <a:endParaRPr lang="en-KH"/>
           </a:p>
@@ -2708,7 +3144,7 @@
           <a:p>
             <a:fld id="{8F7A51AF-933C-9446-AB7C-4A14F59AF2F3}" type="datetimeFigureOut">
               <a:rPr lang="en-KH" smtClean="0"/>
-              <a:t>22/1/26</a:t>
+              <a:t>26/1/26</a:t>
             </a:fld>
             <a:endParaRPr lang="en-KH"/>
           </a:p>
@@ -3123,7 +3559,7 @@
           <a:p>
             <a:fld id="{8F7A51AF-933C-9446-AB7C-4A14F59AF2F3}" type="datetimeFigureOut">
               <a:rPr lang="en-KH" smtClean="0"/>
-              <a:t>22/1/26</a:t>
+              <a:t>26/1/26</a:t>
             </a:fld>
             <a:endParaRPr lang="en-KH"/>
           </a:p>
@@ -3265,7 +3701,7 @@
           <a:p>
             <a:fld id="{8F7A51AF-933C-9446-AB7C-4A14F59AF2F3}" type="datetimeFigureOut">
               <a:rPr lang="en-KH" smtClean="0"/>
-              <a:t>22/1/26</a:t>
+              <a:t>26/1/26</a:t>
             </a:fld>
             <a:endParaRPr lang="en-KH"/>
           </a:p>
@@ -3378,7 +3814,7 @@
           <a:p>
             <a:fld id="{8F7A51AF-933C-9446-AB7C-4A14F59AF2F3}" type="datetimeFigureOut">
               <a:rPr lang="en-KH" smtClean="0"/>
-              <a:t>22/1/26</a:t>
+              <a:t>26/1/26</a:t>
             </a:fld>
             <a:endParaRPr lang="en-KH"/>
           </a:p>
@@ -3691,7 +4127,7 @@
           <a:p>
             <a:fld id="{8F7A51AF-933C-9446-AB7C-4A14F59AF2F3}" type="datetimeFigureOut">
               <a:rPr lang="en-KH" smtClean="0"/>
-              <a:t>22/1/26</a:t>
+              <a:t>26/1/26</a:t>
             </a:fld>
             <a:endParaRPr lang="en-KH"/>
           </a:p>
@@ -3980,7 +4416,7 @@
           <a:p>
             <a:fld id="{8F7A51AF-933C-9446-AB7C-4A14F59AF2F3}" type="datetimeFigureOut">
               <a:rPr lang="en-KH" smtClean="0"/>
-              <a:t>22/1/26</a:t>
+              <a:t>26/1/26</a:t>
             </a:fld>
             <a:endParaRPr lang="en-KH"/>
           </a:p>
@@ -4223,7 +4659,7 @@
           <a:p>
             <a:fld id="{8F7A51AF-933C-9446-AB7C-4A14F59AF2F3}" type="datetimeFigureOut">
               <a:rPr lang="en-KH" smtClean="0"/>
-              <a:t>22/1/26</a:t>
+              <a:t>26/1/26</a:t>
             </a:fld>
             <a:endParaRPr lang="en-KH"/>
           </a:p>
@@ -31363,7 +31799,7 @@
                 <a:latin typeface="Khmer OS Battambang" panose="02000500000000020004" pitchFamily="2" charset="77"/>
                 <a:cs typeface="Khmer OS Battambang" panose="02000500000000020004" pitchFamily="2" charset="77"/>
               </a:rPr>
-              <a:t>គឺជាដំណើរការជាជំហានៗនៃការចាប់ផ្តើមរបស</a:t>
+              <a:t>គឺជាជំហាននៃដំណើរការក្នុងការចាប់ផ្តើមរបស</a:t>
             </a:r>
             <a:r>
               <a:rPr lang="en-US" sz="2000" dirty="0">
@@ -31403,7 +31839,7 @@
                 <a:latin typeface="Khmer OS Battambang" panose="02000500000000020004" pitchFamily="2" charset="77"/>
                 <a:cs typeface="Khmer OS Battambang" panose="02000500000000020004" pitchFamily="2" charset="77"/>
               </a:rPr>
-              <a:t>នៅពេលដែលវាបានកើតឡើង</a:t>
+              <a:t>នៅពេលដែលវាត្រូវបានបង្កើតឡើង</a:t>
             </a:r>
             <a:r>
               <a:rPr lang="en-US" sz="2000" dirty="0">
@@ -36408,17 +36844,37 @@
                 <a:latin typeface="Khmer OS Battambang" panose="02000500000000020004" pitchFamily="2" charset="77"/>
                 <a:cs typeface="Khmer OS Battambang" panose="02000500000000020004" pitchFamily="2" charset="77"/>
               </a:rPr>
-              <a:t>	</a:t>
+              <a:t>    </a:t>
             </a:r>
             <a:r>
               <a:rPr lang="en-US" dirty="0">
                 <a:solidFill>
                   <a:srgbClr val="002060"/>
                 </a:solidFill>
-                <a:latin typeface="Khmer OS Battambang" panose="02000500000000020004" pitchFamily="2" charset="77"/>
-                <a:cs typeface="Khmer OS Battambang" panose="02000500000000020004" pitchFamily="2" charset="77"/>
-              </a:rPr>
-              <a:t>Array : </a:t>
+                <a:latin typeface="Khmer OS Content" panose="02000500000000020004" pitchFamily="2" charset="77"/>
+                <a:cs typeface="Khmer OS Content" panose="02000500000000020004" pitchFamily="2" charset="77"/>
+              </a:rPr>
+              <a:t>Arrays</a:t>
+            </a:r>
+            <a:r>
+              <a:rPr lang="en-US" sz="2000" dirty="0">
+                <a:solidFill>
+                  <a:srgbClr val="002060"/>
+                </a:solidFill>
+                <a:latin typeface="Khmer OS Battambang" panose="02000500000000020004" pitchFamily="2" charset="77"/>
+                <a:cs typeface="Khmer OS Battambang" panose="02000500000000020004" pitchFamily="2" charset="77"/>
+              </a:rPr>
+              <a:t> </a:t>
+            </a:r>
+            <a:r>
+              <a:rPr lang="en-US" dirty="0">
+                <a:solidFill>
+                  <a:srgbClr val="002060"/>
+                </a:solidFill>
+                <a:latin typeface="Khmer OS Battambang" panose="02000500000000020004" pitchFamily="2" charset="77"/>
+                <a:cs typeface="Khmer OS Battambang" panose="02000500000000020004" pitchFamily="2" charset="77"/>
+              </a:rPr>
+              <a:t>: </a:t>
             </a:r>
             <a:r>
               <a:rPr lang="en-US" dirty="0" err="1">
@@ -36428,7 +36884,7 @@
                 <a:latin typeface="Khmer OS Battambang" panose="02000500000000020004" pitchFamily="2" charset="77"/>
                 <a:cs typeface="Khmer OS Battambang" panose="02000500000000020004" pitchFamily="2" charset="77"/>
               </a:rPr>
-              <a:t>គឺជាវត្ថុមួយសម្រាប់ផ្ទុកចំនួនថេរនៃតម្លៃ</a:t>
+              <a:t>គឺជាវត្ថុសម្រាប់ផ្ទុកសំណុំនៃតម្លៃដែលមានចំនួនថេរ</a:t>
             </a:r>
             <a:r>
               <a:rPr lang="en-US" dirty="0">
@@ -36448,7 +36904,7 @@
                 <a:latin typeface="Khmer OS Battambang" panose="02000500000000020004" pitchFamily="2" charset="77"/>
                 <a:cs typeface="Khmer OS Battambang" panose="02000500000000020004" pitchFamily="2" charset="77"/>
               </a:rPr>
-              <a:t>នៃប្រភេទទិន្នន័យតែមួយដូចគ្នា</a:t>
+              <a:t>និងប្រភេទទិន្នន័យដូចគ្នា</a:t>
             </a:r>
             <a:r>
               <a:rPr lang="en-US" dirty="0">
@@ -36458,25 +36914,28 @@
                 <a:latin typeface="Khmer OS Battambang" panose="02000500000000020004" pitchFamily="2" charset="77"/>
                 <a:cs typeface="Khmer OS Battambang" panose="02000500000000020004" pitchFamily="2" charset="77"/>
               </a:rPr>
+              <a:t> </a:t>
+            </a:r>
+            <a:r>
+              <a:rPr lang="en-US" dirty="0" err="1">
+                <a:solidFill>
+                  <a:srgbClr val="0070C0"/>
+                </a:solidFill>
+                <a:latin typeface="Khmer OS Battambang" panose="02000500000000020004" pitchFamily="2" charset="77"/>
+                <a:cs typeface="Khmer OS Battambang" panose="02000500000000020004" pitchFamily="2" charset="77"/>
+              </a:rPr>
+              <a:t>ដែលតម្លៃនីមួយៗហៅថាធាតុ</a:t>
+            </a:r>
+            <a:r>
+              <a:rPr lang="en-US" dirty="0">
+                <a:solidFill>
+                  <a:srgbClr val="0070C0"/>
+                </a:solidFill>
+                <a:latin typeface="Khmer OS Battambang" panose="02000500000000020004" pitchFamily="2" charset="77"/>
+                <a:cs typeface="Khmer OS Battambang" panose="02000500000000020004" pitchFamily="2" charset="77"/>
+              </a:rPr>
               <a:t>។</a:t>
             </a:r>
-            <a:endParaRPr lang="en-US" dirty="0">
-              <a:solidFill>
-                <a:srgbClr val="002060"/>
-              </a:solidFill>
-              <a:latin typeface="Khmer OS Battambang" panose="02000500000000020004" pitchFamily="2" charset="77"/>
-              <a:cs typeface="Khmer OS Battambang" panose="02000500000000020004" pitchFamily="2" charset="77"/>
-            </a:endParaRPr>
-          </a:p>
-          <a:p>
-            <a:pPr algn="l">
-              <a:lnSpc>
-                <a:spcPct val="150000"/>
-              </a:lnSpc>
-              <a:spcBef>
-                <a:spcPts val="1500"/>
-              </a:spcBef>
-            </a:pPr>
             <a:r>
               <a:rPr lang="en-US" dirty="0">
                 <a:solidFill>
@@ -36485,7 +36944,7 @@
                 <a:latin typeface="Khmer OS Battambang" panose="02000500000000020004" pitchFamily="2" charset="77"/>
                 <a:cs typeface="Khmer OS Battambang" panose="02000500000000020004" pitchFamily="2" charset="77"/>
               </a:rPr>
-              <a:t>     Array​</a:t>
+              <a:t> Array​</a:t>
             </a:r>
             <a:r>
               <a:rPr lang="en-US" dirty="0">
@@ -36534,109 +36993,149 @@
                 <a:solidFill>
                   <a:srgbClr val="002060"/>
                 </a:solidFill>
-                <a:latin typeface="Khmer OS Battambang" panose="02000500000000020004" pitchFamily="2" charset="77"/>
-                <a:cs typeface="Khmer OS Battambang" panose="02000500000000020004" pitchFamily="2" charset="77"/>
-              </a:rPr>
-              <a:t>Single-Dimensional Array </a:t>
-            </a:r>
-            <a:r>
-              <a:rPr lang="en-US" sz="2400" dirty="0" err="1">
-                <a:solidFill>
-                  <a:srgbClr val="0070C0"/>
-                </a:solidFill>
-                <a:latin typeface="Khmer OS Battambang" panose="02000500000000020004" pitchFamily="2" charset="77"/>
-                <a:cs typeface="Khmer OS Battambang" panose="02000500000000020004" pitchFamily="2" charset="77"/>
-              </a:rPr>
-              <a:t>គឺរចនាសម្ព័ន្ធទិន្នន័យមួយជួរ</a:t>
-            </a:r>
-            <a:r>
-              <a:rPr lang="en-US" sz="2400" dirty="0">
-                <a:solidFill>
-                  <a:srgbClr val="0070C0"/>
-                </a:solidFill>
-                <a:latin typeface="Khmer OS Battambang" panose="02000500000000020004" pitchFamily="2" charset="77"/>
-                <a:cs typeface="Khmer OS Battambang" panose="02000500000000020004" pitchFamily="2" charset="77"/>
-              </a:rPr>
-              <a:t> </a:t>
-            </a:r>
-            <a:r>
-              <a:rPr lang="en-US" sz="2400" dirty="0" err="1">
-                <a:solidFill>
-                  <a:srgbClr val="0070C0"/>
-                </a:solidFill>
-                <a:latin typeface="Khmer OS Battambang" panose="02000500000000020004" pitchFamily="2" charset="77"/>
-                <a:cs typeface="Khmer OS Battambang" panose="02000500000000020004" pitchFamily="2" charset="77"/>
-              </a:rPr>
-              <a:t>ដែលផ្ទុកតារាងនៃធាតុជាច្រើនមានប្រភេទទិន្នន័យដូចគ្នា</a:t>
-            </a:r>
-            <a:r>
-              <a:rPr lang="en-US" sz="2400" dirty="0">
-                <a:solidFill>
-                  <a:srgbClr val="0070C0"/>
-                </a:solidFill>
-                <a:latin typeface="Khmer OS Battambang" panose="02000500000000020004" pitchFamily="2" charset="77"/>
-                <a:cs typeface="Khmer OS Battambang" panose="02000500000000020004" pitchFamily="2" charset="77"/>
-              </a:rPr>
-              <a:t> </a:t>
-            </a:r>
-            <a:r>
-              <a:rPr lang="en-US" sz="2400" dirty="0" err="1">
-                <a:solidFill>
-                  <a:srgbClr val="0070C0"/>
-                </a:solidFill>
-                <a:latin typeface="Khmer OS Battambang" panose="02000500000000020004" pitchFamily="2" charset="77"/>
-                <a:cs typeface="Khmer OS Battambang" panose="02000500000000020004" pitchFamily="2" charset="77"/>
-              </a:rPr>
-              <a:t>ហើយធាតុនីមួយៗត្រូវបានចូលប្រើតាមរយៈ</a:t>
-            </a:r>
-            <a:r>
-              <a:rPr lang="en-US" sz="2400" dirty="0">
-                <a:solidFill>
-                  <a:srgbClr val="0070C0"/>
-                </a:solidFill>
-                <a:latin typeface="Khmer OS Battambang" panose="02000500000000020004" pitchFamily="2" charset="77"/>
-                <a:cs typeface="Khmer OS Battambang" panose="02000500000000020004" pitchFamily="2" charset="77"/>
-              </a:rPr>
-              <a:t> index </a:t>
-            </a:r>
-            <a:r>
-              <a:rPr lang="en-US" sz="2400" dirty="0" err="1">
-                <a:solidFill>
-                  <a:srgbClr val="0070C0"/>
-                </a:solidFill>
-                <a:latin typeface="Khmer OS Battambang" panose="02000500000000020004" pitchFamily="2" charset="77"/>
-                <a:cs typeface="Khmer OS Battambang" panose="02000500000000020004" pitchFamily="2" charset="77"/>
-              </a:rPr>
-              <a:t>មួយ</a:t>
-            </a:r>
-            <a:r>
-              <a:rPr lang="en-US" sz="2400" dirty="0">
-                <a:solidFill>
-                  <a:srgbClr val="0070C0"/>
-                </a:solidFill>
-                <a:latin typeface="Khmer OS Battambang" panose="02000500000000020004" pitchFamily="2" charset="77"/>
-                <a:cs typeface="Khmer OS Battambang" panose="02000500000000020004" pitchFamily="2" charset="77"/>
-              </a:rPr>
-              <a:t>។ </a:t>
-            </a:r>
-            <a:r>
-              <a:rPr lang="en-US" sz="2400" dirty="0" err="1">
-                <a:solidFill>
-                  <a:srgbClr val="002060"/>
-                </a:solidFill>
                 <a:latin typeface="Khmer OS Content" panose="02000500000000020004" pitchFamily="2" charset="77"/>
                 <a:cs typeface="Khmer OS Content" panose="02000500000000020004" pitchFamily="2" charset="77"/>
               </a:rPr>
-              <a:t>ឧទាហរណ</a:t>
-            </a:r>
-            <a:r>
-              <a:rPr lang="en-US" sz="2400" dirty="0">
+              <a:t>Array </a:t>
+            </a:r>
+            <a:r>
+              <a:rPr lang="en-US" sz="2400" dirty="0" err="1">
                 <a:solidFill>
                   <a:srgbClr val="002060"/>
                 </a:solidFill>
                 <a:latin typeface="Khmer OS Content" panose="02000500000000020004" pitchFamily="2" charset="77"/>
                 <a:cs typeface="Khmer OS Content" panose="02000500000000020004" pitchFamily="2" charset="77"/>
               </a:rPr>
+              <a:t>មួយវិមាត្រ</a:t>
+            </a:r>
+            <a:r>
+              <a:rPr lang="en-US" sz="2400" dirty="0">
+                <a:solidFill>
+                  <a:srgbClr val="002060"/>
+                </a:solidFill>
+                <a:latin typeface="Khmer OS Content" panose="02000500000000020004" pitchFamily="2" charset="77"/>
+                <a:cs typeface="Khmer OS Content" panose="02000500000000020004" pitchFamily="2" charset="77"/>
+              </a:rPr>
+              <a:t>​(Single-Dimensional Array): </a:t>
+            </a:r>
+            <a:r>
+              <a:rPr lang="en-US" sz="2400" dirty="0" err="1">
+                <a:solidFill>
+                  <a:srgbClr val="0070C0"/>
+                </a:solidFill>
+                <a:latin typeface="Khmer OS Content" panose="02000500000000020004" pitchFamily="2" charset="77"/>
+                <a:cs typeface="Khmer OS Content" panose="02000500000000020004" pitchFamily="2" charset="77"/>
+              </a:rPr>
+              <a:t>គឺរចនាសម្ព័ន្ធទិន្នន័យមួយជួរ</a:t>
+            </a:r>
+            <a:r>
+              <a:rPr lang="en-US" sz="2400" dirty="0">
+                <a:solidFill>
+                  <a:srgbClr val="0070C0"/>
+                </a:solidFill>
+                <a:latin typeface="Khmer OS Content" panose="02000500000000020004" pitchFamily="2" charset="77"/>
+                <a:cs typeface="Khmer OS Content" panose="02000500000000020004" pitchFamily="2" charset="77"/>
+              </a:rPr>
+              <a:t> </a:t>
+            </a:r>
+            <a:r>
+              <a:rPr lang="en-US" sz="2400" dirty="0" err="1">
+                <a:solidFill>
+                  <a:srgbClr val="0070C0"/>
+                </a:solidFill>
+                <a:latin typeface="Khmer OS Content" panose="02000500000000020004" pitchFamily="2" charset="77"/>
+                <a:cs typeface="Khmer OS Content" panose="02000500000000020004" pitchFamily="2" charset="77"/>
+              </a:rPr>
+              <a:t>ដែលផ្ទុកតារាងនៃធាតុជាច្រើនមានប្រភេទទិន្នន័យដូចគ្នា</a:t>
+            </a:r>
+            <a:r>
+              <a:rPr lang="en-US" sz="2400" dirty="0">
+                <a:solidFill>
+                  <a:srgbClr val="0070C0"/>
+                </a:solidFill>
+                <a:latin typeface="Khmer OS Content" panose="02000500000000020004" pitchFamily="2" charset="77"/>
+                <a:cs typeface="Khmer OS Content" panose="02000500000000020004" pitchFamily="2" charset="77"/>
+              </a:rPr>
+              <a:t> </a:t>
+            </a:r>
+            <a:r>
+              <a:rPr lang="en-US" sz="2400" dirty="0" err="1">
+                <a:solidFill>
+                  <a:srgbClr val="0070C0"/>
+                </a:solidFill>
+                <a:latin typeface="Khmer OS Content" panose="02000500000000020004" pitchFamily="2" charset="77"/>
+                <a:cs typeface="Khmer OS Content" panose="02000500000000020004" pitchFamily="2" charset="77"/>
+              </a:rPr>
+              <a:t>ហើយធាតុនីមួយៗត្រូវបានចូលប្រើតាមរយៈ</a:t>
+            </a:r>
+            <a:r>
+              <a:rPr lang="en-US" sz="2400" dirty="0">
+                <a:solidFill>
+                  <a:srgbClr val="0070C0"/>
+                </a:solidFill>
+                <a:latin typeface="Khmer OS Content" panose="02000500000000020004" pitchFamily="2" charset="77"/>
+                <a:cs typeface="Khmer OS Content" panose="02000500000000020004" pitchFamily="2" charset="77"/>
+              </a:rPr>
+              <a:t> index </a:t>
+            </a:r>
+            <a:r>
+              <a:rPr lang="en-US" sz="2400" dirty="0" err="1">
+                <a:solidFill>
+                  <a:srgbClr val="0070C0"/>
+                </a:solidFill>
+                <a:latin typeface="Khmer OS Content" panose="02000500000000020004" pitchFamily="2" charset="77"/>
+                <a:cs typeface="Khmer OS Content" panose="02000500000000020004" pitchFamily="2" charset="77"/>
+              </a:rPr>
+              <a:t>មួយ</a:t>
+            </a:r>
+            <a:r>
+              <a:rPr lang="en-US" sz="2400" dirty="0">
+                <a:solidFill>
+                  <a:srgbClr val="0070C0"/>
+                </a:solidFill>
+                <a:latin typeface="Khmer OS Content" panose="02000500000000020004" pitchFamily="2" charset="77"/>
+                <a:cs typeface="Khmer OS Content" panose="02000500000000020004" pitchFamily="2" charset="77"/>
+              </a:rPr>
+              <a:t>។ </a:t>
+            </a:r>
+          </a:p>
+          <a:p>
+            <a:pPr lvl="1" algn="l">
+              <a:lnSpc>
+                <a:spcPct val="100000"/>
+              </a:lnSpc>
+              <a:spcBef>
+                <a:spcPts val="1500"/>
+              </a:spcBef>
+            </a:pPr>
+            <a:r>
+              <a:rPr lang="en-US" sz="2400" dirty="0">
+                <a:solidFill>
+                  <a:srgbClr val="0070C0"/>
+                </a:solidFill>
+                <a:latin typeface="Khmer OS Content" panose="02000500000000020004" pitchFamily="2" charset="77"/>
+                <a:cs typeface="Khmer OS Content" panose="02000500000000020004" pitchFamily="2" charset="77"/>
+              </a:rPr>
+              <a:t>	</a:t>
+            </a:r>
+            <a:r>
+              <a:rPr lang="en-US" sz="2400" dirty="0" err="1">
+                <a:solidFill>
+                  <a:srgbClr val="002060"/>
+                </a:solidFill>
+                <a:latin typeface="Khmer OS Content" panose="02000500000000020004" pitchFamily="2" charset="77"/>
+                <a:cs typeface="Khmer OS Content" panose="02000500000000020004" pitchFamily="2" charset="77"/>
+              </a:rPr>
+              <a:t>ឧទាហរណ</a:t>
+            </a:r>
+            <a:r>
+              <a:rPr lang="en-US" sz="2400" dirty="0">
+                <a:solidFill>
+                  <a:srgbClr val="002060"/>
+                </a:solidFill>
+                <a:latin typeface="Khmer OS Content" panose="02000500000000020004" pitchFamily="2" charset="77"/>
+                <a:cs typeface="Khmer OS Content" panose="02000500000000020004" pitchFamily="2" charset="77"/>
+              </a:rPr>
               <a:t>៍៖</a:t>
             </a:r>
             <a:r>
@@ -36644,8 +37143,8 @@
                 <a:solidFill>
                   <a:srgbClr val="0070C0"/>
                 </a:solidFill>
-                <a:latin typeface="Khmer OS Battambang" panose="02000500000000020004" pitchFamily="2" charset="77"/>
-                <a:cs typeface="Khmer OS Battambang" panose="02000500000000020004" pitchFamily="2" charset="77"/>
+                <a:latin typeface="Khmer OS Content" panose="02000500000000020004" pitchFamily="2" charset="77"/>
+                <a:cs typeface="Khmer OS Content" panose="02000500000000020004" pitchFamily="2" charset="77"/>
               </a:rPr>
               <a:t> </a:t>
             </a:r>
@@ -36654,8 +37153,8 @@
                 <a:solidFill>
                   <a:srgbClr val="FF0000"/>
                 </a:solidFill>
-                <a:latin typeface="Khmer OS Battambang" panose="02000500000000020004" pitchFamily="2" charset="77"/>
-                <a:cs typeface="Khmer OS Battambang" panose="02000500000000020004" pitchFamily="2" charset="77"/>
+                <a:latin typeface="Khmer OS Content" panose="02000500000000020004" pitchFamily="2" charset="77"/>
+                <a:cs typeface="Khmer OS Content" panose="02000500000000020004" pitchFamily="2" charset="77"/>
               </a:rPr>
               <a:t>String[] </a:t>
             </a:r>
@@ -36664,8 +37163,8 @@
                 <a:solidFill>
                   <a:srgbClr val="002060"/>
                 </a:solidFill>
-                <a:latin typeface="Khmer OS Battambang" panose="02000500000000020004" pitchFamily="2" charset="77"/>
-                <a:cs typeface="Khmer OS Battambang" panose="02000500000000020004" pitchFamily="2" charset="77"/>
+                <a:latin typeface="Khmer OS Content" panose="02000500000000020004" pitchFamily="2" charset="77"/>
+                <a:cs typeface="Khmer OS Content" panose="02000500000000020004" pitchFamily="2" charset="77"/>
               </a:rPr>
               <a:t>capitalLetters</a:t>
             </a:r>
@@ -36674,8 +37173,8 @@
                 <a:solidFill>
                   <a:srgbClr val="FF0000"/>
                 </a:solidFill>
-                <a:latin typeface="Khmer OS Battambang" panose="02000500000000020004" pitchFamily="2" charset="77"/>
-                <a:cs typeface="Khmer OS Battambang" panose="02000500000000020004" pitchFamily="2" charset="77"/>
+                <a:latin typeface="Khmer OS Content" panose="02000500000000020004" pitchFamily="2" charset="77"/>
+                <a:cs typeface="Khmer OS Content" panose="02000500000000020004" pitchFamily="2" charset="77"/>
               </a:rPr>
               <a:t> </a:t>
             </a:r>
@@ -36684,8 +37183,8 @@
                 <a:solidFill>
                   <a:srgbClr val="002060"/>
                 </a:solidFill>
-                <a:latin typeface="Khmer OS Battambang" panose="02000500000000020004" pitchFamily="2" charset="77"/>
-                <a:cs typeface="Khmer OS Battambang" panose="02000500000000020004" pitchFamily="2" charset="77"/>
+                <a:latin typeface="Khmer OS Content" panose="02000500000000020004" pitchFamily="2" charset="77"/>
+                <a:cs typeface="Khmer OS Content" panose="02000500000000020004" pitchFamily="2" charset="77"/>
               </a:rPr>
               <a:t>=</a:t>
             </a:r>
@@ -36694,8 +37193,8 @@
                 <a:solidFill>
                   <a:srgbClr val="FF0000"/>
                 </a:solidFill>
-                <a:latin typeface="Khmer OS Battambang" panose="02000500000000020004" pitchFamily="2" charset="77"/>
-                <a:cs typeface="Khmer OS Battambang" panose="02000500000000020004" pitchFamily="2" charset="77"/>
+                <a:latin typeface="Khmer OS Content" panose="02000500000000020004" pitchFamily="2" charset="77"/>
+                <a:cs typeface="Khmer OS Content" panose="02000500000000020004" pitchFamily="2" charset="77"/>
               </a:rPr>
               <a:t> {"A", "B", "C"};</a:t>
             </a:r>
@@ -36716,18 +37215,38 @@
                 <a:solidFill>
                   <a:srgbClr val="002060"/>
                 </a:solidFill>
-                <a:latin typeface="Khmer OS Battambang" panose="02000500000000020004" pitchFamily="2" charset="77"/>
-                <a:cs typeface="Khmer OS Battambang" panose="02000500000000020004" pitchFamily="2" charset="77"/>
-              </a:rPr>
-              <a:t>Multi-Dimensional Array </a:t>
+                <a:latin typeface="Khmer OS Content" panose="02000500000000020004" pitchFamily="2" charset="77"/>
+                <a:cs typeface="Khmer OS Content" panose="02000500000000020004" pitchFamily="2" charset="77"/>
+              </a:rPr>
+              <a:t>Array </a:t>
             </a:r>
             <a:r>
               <a:rPr lang="en-US" sz="2400" dirty="0" err="1">
                 <a:solidFill>
-                  <a:srgbClr val="0070C0"/>
-                </a:solidFill>
-                <a:latin typeface="Khmer OS Battambang" panose="02000500000000020004" pitchFamily="2" charset="77"/>
-                <a:cs typeface="Khmer OS Battambang" panose="02000500000000020004" pitchFamily="2" charset="77"/>
+                  <a:srgbClr val="002060"/>
+                </a:solidFill>
+                <a:latin typeface="Khmer OS Content" panose="02000500000000020004" pitchFamily="2" charset="77"/>
+                <a:cs typeface="Khmer OS Content" panose="02000500000000020004" pitchFamily="2" charset="77"/>
+              </a:rPr>
+              <a:t>ច្រើនវិមាត្រ</a:t>
+            </a:r>
+            <a:r>
+              <a:rPr lang="en-US" sz="2400" dirty="0">
+                <a:solidFill>
+                  <a:srgbClr val="002060"/>
+                </a:solidFill>
+                <a:latin typeface="Khmer OS Content" panose="02000500000000020004" pitchFamily="2" charset="77"/>
+                <a:cs typeface="Khmer OS Content" panose="02000500000000020004" pitchFamily="2" charset="77"/>
+              </a:rPr>
+              <a:t>(Multi-Dimensional Array): </a:t>
+            </a:r>
+            <a:r>
+              <a:rPr lang="en-US" sz="2400" dirty="0" err="1">
+                <a:solidFill>
+                  <a:srgbClr val="0070C0"/>
+                </a:solidFill>
+                <a:latin typeface="Khmer OS Content" panose="02000500000000020004" pitchFamily="2" charset="77"/>
+                <a:cs typeface="Khmer OS Content" panose="02000500000000020004" pitchFamily="2" charset="77"/>
               </a:rPr>
               <a:t>គឺជា</a:t>
             </a:r>
@@ -36736,8 +37255,8 @@
                 <a:solidFill>
                   <a:srgbClr val="0070C0"/>
                 </a:solidFill>
-                <a:latin typeface="Khmer OS Battambang" panose="02000500000000020004" pitchFamily="2" charset="77"/>
-                <a:cs typeface="Khmer OS Battambang" panose="02000500000000020004" pitchFamily="2" charset="77"/>
+                <a:latin typeface="Khmer OS Content" panose="02000500000000020004" pitchFamily="2" charset="77"/>
+                <a:cs typeface="Khmer OS Content" panose="02000500000000020004" pitchFamily="2" charset="77"/>
               </a:rPr>
               <a:t> </a:t>
             </a:r>
@@ -36746,8 +37265,8 @@
                 <a:solidFill>
                   <a:srgbClr val="002060"/>
                 </a:solidFill>
-                <a:latin typeface="Khmer OS Battambang" panose="02000500000000020004" pitchFamily="2" charset="77"/>
-                <a:cs typeface="Khmer OS Battambang" panose="02000500000000020004" pitchFamily="2" charset="77"/>
+                <a:latin typeface="Khmer OS Content" panose="02000500000000020004" pitchFamily="2" charset="77"/>
+                <a:cs typeface="Khmer OS Content" panose="02000500000000020004" pitchFamily="2" charset="77"/>
               </a:rPr>
               <a:t>Arrays</a:t>
             </a:r>
@@ -36756,8 +37275,8 @@
                 <a:solidFill>
                   <a:srgbClr val="0070C0"/>
                 </a:solidFill>
-                <a:latin typeface="Khmer OS Battambang" panose="02000500000000020004" pitchFamily="2" charset="77"/>
-                <a:cs typeface="Khmer OS Battambang" panose="02000500000000020004" pitchFamily="2" charset="77"/>
+                <a:latin typeface="Khmer OS Content" panose="02000500000000020004" pitchFamily="2" charset="77"/>
+                <a:cs typeface="Khmer OS Content" panose="02000500000000020004" pitchFamily="2" charset="77"/>
               </a:rPr>
               <a:t> </a:t>
             </a:r>
@@ -36766,8 +37285,8 @@
                 <a:solidFill>
                   <a:srgbClr val="0070C0"/>
                 </a:solidFill>
-                <a:latin typeface="Khmer OS Battambang" panose="02000500000000020004" pitchFamily="2" charset="77"/>
-                <a:cs typeface="Khmer OS Battambang" panose="02000500000000020004" pitchFamily="2" charset="77"/>
+                <a:latin typeface="Khmer OS Content" panose="02000500000000020004" pitchFamily="2" charset="77"/>
+                <a:cs typeface="Khmer OS Content" panose="02000500000000020004" pitchFamily="2" charset="77"/>
               </a:rPr>
               <a:t>នៃ</a:t>
             </a:r>
@@ -36776,8 +37295,8 @@
                 <a:solidFill>
                   <a:srgbClr val="0070C0"/>
                 </a:solidFill>
-                <a:latin typeface="Khmer OS Battambang" panose="02000500000000020004" pitchFamily="2" charset="77"/>
-                <a:cs typeface="Khmer OS Battambang" panose="02000500000000020004" pitchFamily="2" charset="77"/>
+                <a:latin typeface="Khmer OS Content" panose="02000500000000020004" pitchFamily="2" charset="77"/>
+                <a:cs typeface="Khmer OS Content" panose="02000500000000020004" pitchFamily="2" charset="77"/>
               </a:rPr>
               <a:t> </a:t>
             </a:r>
@@ -36786,8 +37305,8 @@
                 <a:solidFill>
                   <a:srgbClr val="002060"/>
                 </a:solidFill>
-                <a:latin typeface="Khmer OS Battambang" panose="02000500000000020004" pitchFamily="2" charset="77"/>
-                <a:cs typeface="Khmer OS Battambang" panose="02000500000000020004" pitchFamily="2" charset="77"/>
+                <a:latin typeface="Khmer OS Content" panose="02000500000000020004" pitchFamily="2" charset="77"/>
+                <a:cs typeface="Khmer OS Content" panose="02000500000000020004" pitchFamily="2" charset="77"/>
               </a:rPr>
               <a:t>Arrays</a:t>
             </a:r>
@@ -36796,8 +37315,8 @@
                 <a:solidFill>
                   <a:srgbClr val="0070C0"/>
                 </a:solidFill>
-                <a:latin typeface="Khmer OS Battambang" panose="02000500000000020004" pitchFamily="2" charset="77"/>
-                <a:cs typeface="Khmer OS Battambang" panose="02000500000000020004" pitchFamily="2" charset="77"/>
+                <a:latin typeface="Khmer OS Content" panose="02000500000000020004" pitchFamily="2" charset="77"/>
+                <a:cs typeface="Khmer OS Content" panose="02000500000000020004" pitchFamily="2" charset="77"/>
               </a:rPr>
               <a:t> </a:t>
             </a:r>
@@ -36806,8 +37325,8 @@
                 <a:solidFill>
                   <a:srgbClr val="0070C0"/>
                 </a:solidFill>
-                <a:latin typeface="Khmer OS Battambang" panose="02000500000000020004" pitchFamily="2" charset="77"/>
-                <a:cs typeface="Khmer OS Battambang" panose="02000500000000020004" pitchFamily="2" charset="77"/>
+                <a:latin typeface="Khmer OS Content" panose="02000500000000020004" pitchFamily="2" charset="77"/>
+                <a:cs typeface="Khmer OS Content" panose="02000500000000020004" pitchFamily="2" charset="77"/>
               </a:rPr>
               <a:t>។ </a:t>
             </a:r>
@@ -36816,8 +37335,8 @@
                 <a:solidFill>
                   <a:srgbClr val="0070C0"/>
                 </a:solidFill>
-                <a:latin typeface="Khmer OS Battambang" panose="02000500000000020004" pitchFamily="2" charset="77"/>
-                <a:cs typeface="Khmer OS Battambang" panose="02000500000000020004" pitchFamily="2" charset="77"/>
+                <a:latin typeface="Khmer OS Content" panose="02000500000000020004" pitchFamily="2" charset="77"/>
+                <a:cs typeface="Khmer OS Content" panose="02000500000000020004" pitchFamily="2" charset="77"/>
               </a:rPr>
               <a:t>វាត្រូវបានគេប្រើដើម្បីផ្ទុកទិន្នន័យជាទម្រង</a:t>
             </a:r>
@@ -36826,8 +37345,8 @@
                 <a:solidFill>
                   <a:srgbClr val="0070C0"/>
                 </a:solidFill>
-                <a:latin typeface="Khmer OS Battambang" panose="02000500000000020004" pitchFamily="2" charset="77"/>
-                <a:cs typeface="Khmer OS Battambang" panose="02000500000000020004" pitchFamily="2" charset="77"/>
+                <a:latin typeface="Khmer OS Content" panose="02000500000000020004" pitchFamily="2" charset="77"/>
+                <a:cs typeface="Khmer OS Content" panose="02000500000000020004" pitchFamily="2" charset="77"/>
               </a:rPr>
               <a:t>់ </a:t>
             </a:r>
@@ -36836,8 +37355,8 @@
                 <a:solidFill>
                   <a:srgbClr val="002060"/>
                 </a:solidFill>
-                <a:latin typeface="Khmer OS Battambang" panose="02000500000000020004" pitchFamily="2" charset="77"/>
-                <a:cs typeface="Khmer OS Battambang" panose="02000500000000020004" pitchFamily="2" charset="77"/>
+                <a:latin typeface="Khmer OS Content" panose="02000500000000020004" pitchFamily="2" charset="77"/>
+                <a:cs typeface="Khmer OS Content" panose="02000500000000020004" pitchFamily="2" charset="77"/>
               </a:rPr>
               <a:t>grid</a:t>
             </a:r>
@@ -36846,8 +37365,8 @@
                 <a:solidFill>
                   <a:srgbClr val="0070C0"/>
                 </a:solidFill>
-                <a:latin typeface="Khmer OS Battambang" panose="02000500000000020004" pitchFamily="2" charset="77"/>
-                <a:cs typeface="Khmer OS Battambang" panose="02000500000000020004" pitchFamily="2" charset="77"/>
+                <a:latin typeface="Khmer OS Content" panose="02000500000000020004" pitchFamily="2" charset="77"/>
+                <a:cs typeface="Khmer OS Content" panose="02000500000000020004" pitchFamily="2" charset="77"/>
               </a:rPr>
               <a:t> </a:t>
             </a:r>
@@ -36856,8 +37375,8 @@
                 <a:solidFill>
                   <a:srgbClr val="0070C0"/>
                 </a:solidFill>
-                <a:latin typeface="Khmer OS Battambang" panose="02000500000000020004" pitchFamily="2" charset="77"/>
-                <a:cs typeface="Khmer OS Battambang" panose="02000500000000020004" pitchFamily="2" charset="77"/>
+                <a:latin typeface="Khmer OS Content" panose="02000500000000020004" pitchFamily="2" charset="77"/>
+                <a:cs typeface="Khmer OS Content" panose="02000500000000020004" pitchFamily="2" charset="77"/>
               </a:rPr>
               <a:t>ឫ</a:t>
             </a:r>
@@ -36866,8 +37385,8 @@
                 <a:solidFill>
                   <a:srgbClr val="0070C0"/>
                 </a:solidFill>
-                <a:latin typeface="Khmer OS Battambang" panose="02000500000000020004" pitchFamily="2" charset="77"/>
-                <a:cs typeface="Khmer OS Battambang" panose="02000500000000020004" pitchFamily="2" charset="77"/>
+                <a:latin typeface="Khmer OS Content" panose="02000500000000020004" pitchFamily="2" charset="77"/>
+                <a:cs typeface="Khmer OS Content" panose="02000500000000020004" pitchFamily="2" charset="77"/>
               </a:rPr>
               <a:t> </a:t>
             </a:r>
@@ -36876,8 +37395,8 @@
                 <a:solidFill>
                   <a:srgbClr val="002060"/>
                 </a:solidFill>
-                <a:latin typeface="Khmer OS Battambang" panose="02000500000000020004" pitchFamily="2" charset="77"/>
-                <a:cs typeface="Khmer OS Battambang" panose="02000500000000020004" pitchFamily="2" charset="77"/>
+                <a:latin typeface="Khmer OS Content" panose="02000500000000020004" pitchFamily="2" charset="77"/>
+                <a:cs typeface="Khmer OS Content" panose="02000500000000020004" pitchFamily="2" charset="77"/>
               </a:rPr>
               <a:t>table </a:t>
             </a:r>
@@ -36886,8 +37405,8 @@
                 <a:solidFill>
                   <a:srgbClr val="0070C0"/>
                 </a:solidFill>
-                <a:latin typeface="Khmer OS Battambang" panose="02000500000000020004" pitchFamily="2" charset="77"/>
-                <a:cs typeface="Khmer OS Battambang" panose="02000500000000020004" pitchFamily="2" charset="77"/>
+                <a:latin typeface="Khmer OS Content" panose="02000500000000020004" pitchFamily="2" charset="77"/>
+                <a:cs typeface="Khmer OS Content" panose="02000500000000020004" pitchFamily="2" charset="77"/>
               </a:rPr>
               <a:t>។ </a:t>
             </a:r>
@@ -36895,7 +37414,7 @@
           <a:p>
             <a:pPr lvl="1" algn="l">
               <a:lnSpc>
-                <a:spcPct val="150000"/>
+                <a:spcPct val="100000"/>
               </a:lnSpc>
               <a:spcBef>
                 <a:spcPts val="1500"/>
@@ -36906,29 +37425,29 @@
                 <a:solidFill>
                   <a:srgbClr val="FF0000"/>
                 </a:solidFill>
-                <a:latin typeface="Khmer OS Battambang" panose="02000500000000020004" pitchFamily="2" charset="77"/>
-                <a:cs typeface="Khmer OS Battambang" panose="02000500000000020004" pitchFamily="2" charset="77"/>
-              </a:rPr>
-              <a:t>     </a:t>
-            </a:r>
-            <a:r>
-              <a:rPr lang="en-US" sz="2400" dirty="0" err="1">
-                <a:solidFill>
-                  <a:srgbClr val="002060"/>
-                </a:solidFill>
                 <a:latin typeface="Khmer OS Content" panose="02000500000000020004" pitchFamily="2" charset="77"/>
                 <a:cs typeface="Khmer OS Content" panose="02000500000000020004" pitchFamily="2" charset="77"/>
               </a:rPr>
-              <a:t>ឧទាហរណ</a:t>
-            </a:r>
-            <a:r>
-              <a:rPr lang="en-US" sz="2400" dirty="0">
+              <a:t>     </a:t>
+            </a:r>
+            <a:r>
+              <a:rPr lang="en-US" sz="2400" dirty="0" err="1">
                 <a:solidFill>
                   <a:srgbClr val="002060"/>
                 </a:solidFill>
                 <a:latin typeface="Khmer OS Content" panose="02000500000000020004" pitchFamily="2" charset="77"/>
                 <a:cs typeface="Khmer OS Content" panose="02000500000000020004" pitchFamily="2" charset="77"/>
               </a:rPr>
+              <a:t>ឧទាហរណ</a:t>
+            </a:r>
+            <a:r>
+              <a:rPr lang="en-US" sz="2400" dirty="0">
+                <a:solidFill>
+                  <a:srgbClr val="002060"/>
+                </a:solidFill>
+                <a:latin typeface="Khmer OS Content" panose="02000500000000020004" pitchFamily="2" charset="77"/>
+                <a:cs typeface="Khmer OS Content" panose="02000500000000020004" pitchFamily="2" charset="77"/>
+              </a:rPr>
               <a:t>៍៖ </a:t>
             </a:r>
             <a:r>
@@ -36936,8 +37455,8 @@
                 <a:solidFill>
                   <a:srgbClr val="FF0000"/>
                 </a:solidFill>
-                <a:latin typeface="Khmer OS Battambang" panose="02000500000000020004" pitchFamily="2" charset="77"/>
-                <a:cs typeface="Khmer OS Battambang" panose="02000500000000020004" pitchFamily="2" charset="77"/>
+                <a:latin typeface="Khmer OS Content" panose="02000500000000020004" pitchFamily="2" charset="77"/>
+                <a:cs typeface="Khmer OS Content" panose="02000500000000020004" pitchFamily="2" charset="77"/>
               </a:rPr>
               <a:t>String[][] </a:t>
             </a:r>
@@ -36946,13 +37465,16 @@
                 <a:solidFill>
                   <a:srgbClr val="002060"/>
                 </a:solidFill>
-                <a:latin typeface="Khmer OS Battambang" panose="02000500000000020004" pitchFamily="2" charset="77"/>
-                <a:cs typeface="Khmer OS Battambang" panose="02000500000000020004" pitchFamily="2" charset="77"/>
+                <a:latin typeface="Khmer OS Content" panose="02000500000000020004" pitchFamily="2" charset="77"/>
+                <a:cs typeface="Khmer OS Content" panose="02000500000000020004" pitchFamily="2" charset="77"/>
               </a:rPr>
               <a:t>letters =</a:t>
             </a:r>
             <a:r>
-              <a:rPr lang="en-US" dirty="0"/>
+              <a:rPr lang="en-US" dirty="0">
+                <a:latin typeface="Khmer OS Content" panose="02000500000000020004" pitchFamily="2" charset="77"/>
+                <a:cs typeface="Khmer OS Content" panose="02000500000000020004" pitchFamily="2" charset="77"/>
+              </a:rPr>
               <a:t> </a:t>
             </a:r>
             <a:r>
@@ -36960,8 +37482,8 @@
                 <a:solidFill>
                   <a:srgbClr val="FF0000"/>
                 </a:solidFill>
-                <a:latin typeface="Khmer OS Battambang" panose="02000500000000020004" pitchFamily="2" charset="77"/>
-                <a:cs typeface="Khmer OS Battambang" panose="02000500000000020004" pitchFamily="2" charset="77"/>
+                <a:latin typeface="Khmer OS Content" panose="02000500000000020004" pitchFamily="2" charset="77"/>
+                <a:cs typeface="Khmer OS Content" panose="02000500000000020004" pitchFamily="2" charset="77"/>
               </a:rPr>
               <a:t>{{"A", "B", "C"}, {"a", "b", "c"}};</a:t>
             </a:r>
@@ -36988,6 +37510,3525 @@
     <p:extLst>
       <p:ext uri="{BB962C8B-B14F-4D97-AF65-F5344CB8AC3E}">
         <p14:creationId xmlns:p14="http://schemas.microsoft.com/office/powerpoint/2010/main" val="1719729952"/>
+      </p:ext>
+    </p:extLst>
+  </p:cSld>
+  <p:clrMapOvr>
+    <a:masterClrMapping/>
+  </p:clrMapOvr>
+</p:sld>
+</file>
+
+<file path=ppt/slides/slide42.xml><?xml version="1.0" encoding="utf-8"?>
+<p:sld xmlns:a="http://schemas.openxmlformats.org/drawingml/2006/main" xmlns:r="http://schemas.openxmlformats.org/officeDocument/2006/relationships" xmlns:p="http://schemas.openxmlformats.org/presentationml/2006/main">
+  <p:cSld>
+    <p:bg>
+      <p:bgPr>
+        <a:solidFill>
+          <a:schemeClr val="bg1"/>
+        </a:solidFill>
+        <a:effectLst/>
+      </p:bgPr>
+    </p:bg>
+    <p:spTree>
+      <p:nvGrpSpPr>
+        <p:cNvPr id="1" name="">
+          <a:extLst>
+            <a:ext uri="{FF2B5EF4-FFF2-40B4-BE49-F238E27FC236}">
+              <a16:creationId xmlns:a16="http://schemas.microsoft.com/office/drawing/2014/main" id="{7F9ECFA5-4EB5-AD29-7EA1-AB2428E28EC1}"/>
+            </a:ext>
+          </a:extLst>
+        </p:cNvPr>
+        <p:cNvGrpSpPr/>
+        <p:nvPr/>
+      </p:nvGrpSpPr>
+      <p:grpSpPr>
+        <a:xfrm>
+          <a:off x="0" y="0"/>
+          <a:ext cx="0" cy="0"/>
+          <a:chOff x="0" y="0"/>
+          <a:chExt cx="0" cy="0"/>
+        </a:xfrm>
+      </p:grpSpPr>
+      <p:sp>
+        <p:nvSpPr>
+          <p:cNvPr id="2" name="Title 1">
+            <a:extLst>
+              <a:ext uri="{FF2B5EF4-FFF2-40B4-BE49-F238E27FC236}">
+                <a16:creationId xmlns:a16="http://schemas.microsoft.com/office/drawing/2014/main" id="{E8EE562F-DAD3-0719-E28D-45A980850BB5}"/>
+              </a:ext>
+            </a:extLst>
+          </p:cNvPr>
+          <p:cNvSpPr>
+            <a:spLocks noGrp="1"/>
+          </p:cNvSpPr>
+          <p:nvPr>
+            <p:ph type="ctrTitle"/>
+          </p:nvPr>
+        </p:nvSpPr>
+        <p:spPr>
+          <a:xfrm>
+            <a:off x="1701800" y="119781"/>
+            <a:ext cx="9144000" cy="789373"/>
+          </a:xfrm>
+        </p:spPr>
+        <p:txBody>
+          <a:bodyPr>
+            <a:normAutofit/>
+          </a:bodyPr>
+          <a:lstStyle/>
+          <a:p>
+            <a:pPr algn="l"/>
+            <a:r>
+              <a:rPr lang="en-US" sz="3600" dirty="0">
+                <a:solidFill>
+                  <a:srgbClr val="002060"/>
+                </a:solidFill>
+                <a:latin typeface="Khmer OS Battambang" panose="02000500000000020004" pitchFamily="2" charset="77"/>
+                <a:cs typeface="Khmer OS Battambang" panose="02000500000000020004" pitchFamily="2" charset="77"/>
+              </a:rPr>
+              <a:t>Arrays (</a:t>
+            </a:r>
+            <a:r>
+              <a:rPr lang="en-US" sz="3600" dirty="0" err="1">
+                <a:solidFill>
+                  <a:srgbClr val="002060"/>
+                </a:solidFill>
+                <a:latin typeface="Khmer OS Battambang" panose="02000500000000020004" pitchFamily="2" charset="77"/>
+                <a:cs typeface="Khmer OS Battambang" panose="02000500000000020004" pitchFamily="2" charset="77"/>
+              </a:rPr>
+              <a:t>ត</a:t>
+            </a:r>
+            <a:r>
+              <a:rPr lang="en-US" sz="3600" dirty="0">
+                <a:solidFill>
+                  <a:srgbClr val="002060"/>
+                </a:solidFill>
+                <a:latin typeface="Khmer OS Battambang" panose="02000500000000020004" pitchFamily="2" charset="77"/>
+                <a:cs typeface="Khmer OS Battambang" panose="02000500000000020004" pitchFamily="2" charset="77"/>
+              </a:rPr>
+              <a:t>)</a:t>
+            </a:r>
+            <a:endParaRPr lang="en-KH" sz="3600" dirty="0">
+              <a:solidFill>
+                <a:srgbClr val="002060"/>
+              </a:solidFill>
+              <a:latin typeface="Khmer OS Battambang" panose="02000500000000020004" pitchFamily="2" charset="77"/>
+              <a:cs typeface="Khmer OS Battambang" panose="02000500000000020004" pitchFamily="2" charset="77"/>
+            </a:endParaRPr>
+          </a:p>
+        </p:txBody>
+      </p:sp>
+      <p:cxnSp>
+        <p:nvCxnSpPr>
+          <p:cNvPr id="8" name="Straight Connector 7">
+            <a:extLst>
+              <a:ext uri="{FF2B5EF4-FFF2-40B4-BE49-F238E27FC236}">
+                <a16:creationId xmlns:a16="http://schemas.microsoft.com/office/drawing/2014/main" id="{34BC4279-303C-3BA7-EDAF-236C3D36265A}"/>
+              </a:ext>
+            </a:extLst>
+          </p:cNvPr>
+          <p:cNvCxnSpPr/>
+          <p:nvPr/>
+        </p:nvCxnSpPr>
+        <p:spPr>
+          <a:xfrm>
+            <a:off x="0" y="1050468"/>
+            <a:ext cx="12192000" cy="0"/>
+          </a:xfrm>
+          <a:prstGeom prst="line">
+            <a:avLst/>
+          </a:prstGeom>
+          <a:ln w="57150">
+            <a:solidFill>
+              <a:srgbClr val="D49B06"/>
+            </a:solidFill>
+          </a:ln>
+        </p:spPr>
+        <p:style>
+          <a:lnRef idx="2">
+            <a:schemeClr val="accent1"/>
+          </a:lnRef>
+          <a:fillRef idx="0">
+            <a:schemeClr val="accent1"/>
+          </a:fillRef>
+          <a:effectRef idx="1">
+            <a:schemeClr val="accent1"/>
+          </a:effectRef>
+          <a:fontRef idx="minor">
+            <a:schemeClr val="tx1"/>
+          </a:fontRef>
+        </p:style>
+      </p:cxnSp>
+      <p:cxnSp>
+        <p:nvCxnSpPr>
+          <p:cNvPr id="10" name="Straight Connector 9">
+            <a:extLst>
+              <a:ext uri="{FF2B5EF4-FFF2-40B4-BE49-F238E27FC236}">
+                <a16:creationId xmlns:a16="http://schemas.microsoft.com/office/drawing/2014/main" id="{A1AF5D61-4872-E942-CBE0-5559FFB3C2CC}"/>
+              </a:ext>
+            </a:extLst>
+          </p:cNvPr>
+          <p:cNvCxnSpPr>
+            <a:cxnSpLocks/>
+          </p:cNvCxnSpPr>
+          <p:nvPr/>
+        </p:nvCxnSpPr>
+        <p:spPr>
+          <a:xfrm>
+            <a:off x="0" y="979812"/>
+            <a:ext cx="12192000" cy="0"/>
+          </a:xfrm>
+          <a:prstGeom prst="line">
+            <a:avLst/>
+          </a:prstGeom>
+          <a:ln w="57150">
+            <a:solidFill>
+              <a:srgbClr val="1C27CF"/>
+            </a:solidFill>
+          </a:ln>
+        </p:spPr>
+        <p:style>
+          <a:lnRef idx="2">
+            <a:schemeClr val="accent1"/>
+          </a:lnRef>
+          <a:fillRef idx="0">
+            <a:schemeClr val="accent1"/>
+          </a:fillRef>
+          <a:effectRef idx="1">
+            <a:schemeClr val="accent1"/>
+          </a:effectRef>
+          <a:fontRef idx="minor">
+            <a:schemeClr val="tx1"/>
+          </a:fontRef>
+        </p:style>
+      </p:cxnSp>
+      <p:pic>
+        <p:nvPicPr>
+          <p:cNvPr id="47" name="Picture 46" descr="A blue circle with a yellow and white bird in it&#10;&#10;AI-generated content may be incorrect.">
+            <a:extLst>
+              <a:ext uri="{FF2B5EF4-FFF2-40B4-BE49-F238E27FC236}">
+                <a16:creationId xmlns:a16="http://schemas.microsoft.com/office/drawing/2014/main" id="{EE987755-B07A-FC08-D17A-E7338F9C2B22}"/>
+              </a:ext>
+            </a:extLst>
+          </p:cNvPr>
+          <p:cNvPicPr>
+            <a:picLocks noChangeAspect="1"/>
+          </p:cNvPicPr>
+          <p:nvPr/>
+        </p:nvPicPr>
+        <p:blipFill>
+          <a:blip r:embed="rId3"/>
+          <a:stretch>
+            <a:fillRect/>
+          </a:stretch>
+        </p:blipFill>
+        <p:spPr>
+          <a:xfrm>
+            <a:off x="325438" y="219712"/>
+            <a:ext cx="606500" cy="606500"/>
+          </a:xfrm>
+          <a:prstGeom prst="rect">
+            <a:avLst/>
+          </a:prstGeom>
+        </p:spPr>
+      </p:pic>
+      <p:sp>
+        <p:nvSpPr>
+          <p:cNvPr id="7" name="Subtitle 2">
+            <a:extLst>
+              <a:ext uri="{FF2B5EF4-FFF2-40B4-BE49-F238E27FC236}">
+                <a16:creationId xmlns:a16="http://schemas.microsoft.com/office/drawing/2014/main" id="{5455605F-748D-610D-528A-9F3AEAC6EF34}"/>
+              </a:ext>
+            </a:extLst>
+          </p:cNvPr>
+          <p:cNvSpPr>
+            <a:spLocks noGrp="1"/>
+          </p:cNvSpPr>
+          <p:nvPr>
+            <p:ph type="subTitle" idx="1"/>
+          </p:nvPr>
+        </p:nvSpPr>
+        <p:spPr>
+          <a:xfrm>
+            <a:off x="651353" y="1133413"/>
+            <a:ext cx="10459234" cy="5204749"/>
+          </a:xfrm>
+        </p:spPr>
+        <p:txBody>
+          <a:bodyPr>
+            <a:noAutofit/>
+          </a:bodyPr>
+          <a:lstStyle/>
+          <a:p>
+            <a:pPr algn="l">
+              <a:lnSpc>
+                <a:spcPct val="150000"/>
+              </a:lnSpc>
+              <a:spcBef>
+                <a:spcPts val="1500"/>
+              </a:spcBef>
+            </a:pPr>
+            <a:r>
+              <a:rPr lang="en-US" dirty="0">
+                <a:solidFill>
+                  <a:srgbClr val="002060"/>
+                </a:solidFill>
+                <a:latin typeface="Khmer OS Battambang" panose="02000500000000020004" pitchFamily="2" charset="77"/>
+                <a:cs typeface="Khmer OS Battambang" panose="02000500000000020004" pitchFamily="2" charset="77"/>
+              </a:rPr>
+              <a:t> </a:t>
+            </a:r>
+            <a:r>
+              <a:rPr lang="en-KH" dirty="0"/>
+              <a:t>👉 </a:t>
+            </a:r>
+            <a:r>
+              <a:rPr lang="en-US" dirty="0" err="1">
+                <a:solidFill>
+                  <a:srgbClr val="002060"/>
+                </a:solidFill>
+                <a:latin typeface="Khmer OS Battambang" panose="02000500000000020004" pitchFamily="2" charset="77"/>
+                <a:cs typeface="Khmer OS Battambang" panose="02000500000000020004" pitchFamily="2" charset="77"/>
+              </a:rPr>
+              <a:t>ការប្រកាស</a:t>
+            </a:r>
+            <a:r>
+              <a:rPr lang="en-US" dirty="0">
+                <a:solidFill>
+                  <a:srgbClr val="002060"/>
+                </a:solidFill>
+                <a:latin typeface="Khmer OS Battambang" panose="02000500000000020004" pitchFamily="2" charset="77"/>
+                <a:cs typeface="Khmer OS Battambang" panose="02000500000000020004" pitchFamily="2" charset="77"/>
+              </a:rPr>
+              <a:t> </a:t>
+            </a:r>
+            <a:r>
+              <a:rPr lang="en-US" dirty="0" err="1">
+                <a:solidFill>
+                  <a:srgbClr val="002060"/>
+                </a:solidFill>
+                <a:latin typeface="Khmer OS Battambang" panose="02000500000000020004" pitchFamily="2" charset="77"/>
+                <a:cs typeface="Khmer OS Battambang" panose="02000500000000020004" pitchFamily="2" charset="77"/>
+              </a:rPr>
+              <a:t>និងការកំណត់តម្លៃចាប់ផ្តើមនៅលើ</a:t>
+            </a:r>
+            <a:r>
+              <a:rPr lang="en-US" dirty="0">
+                <a:solidFill>
+                  <a:srgbClr val="002060"/>
+                </a:solidFill>
+                <a:latin typeface="Khmer OS Battambang" panose="02000500000000020004" pitchFamily="2" charset="77"/>
+                <a:cs typeface="Khmer OS Battambang" panose="02000500000000020004" pitchFamily="2" charset="77"/>
+              </a:rPr>
+              <a:t> Variable </a:t>
+            </a:r>
+            <a:r>
+              <a:rPr lang="en-US" dirty="0">
+                <a:solidFill>
+                  <a:srgbClr val="0070C0"/>
+                </a:solidFill>
+                <a:latin typeface="Khmer OS Battambang" panose="02000500000000020004" pitchFamily="2" charset="77"/>
+                <a:cs typeface="Khmer OS Battambang" panose="02000500000000020004" pitchFamily="2" charset="77"/>
+              </a:rPr>
+              <a:t>៖</a:t>
+            </a:r>
+          </a:p>
+          <a:p>
+            <a:pPr marL="800100" lvl="1" indent="-342900" algn="l">
+              <a:lnSpc>
+                <a:spcPct val="150000"/>
+              </a:lnSpc>
+              <a:spcBef>
+                <a:spcPts val="1500"/>
+              </a:spcBef>
+              <a:buFont typeface="Wingdings" pitchFamily="2" charset="2"/>
+              <a:buChar char="Ø"/>
+            </a:pPr>
+            <a:r>
+              <a:rPr lang="en-US" sz="2400" dirty="0" err="1">
+                <a:solidFill>
+                  <a:srgbClr val="002060"/>
+                </a:solidFill>
+                <a:latin typeface="Khmer OS Battambang" panose="02000500000000020004" pitchFamily="2" charset="77"/>
+                <a:cs typeface="Khmer OS Battambang" panose="02000500000000020004" pitchFamily="2" charset="77"/>
+              </a:rPr>
+              <a:t>ប្រកាស</a:t>
+            </a:r>
+            <a:r>
+              <a:rPr lang="en-US" sz="2400" dirty="0">
+                <a:solidFill>
+                  <a:srgbClr val="002060"/>
+                </a:solidFill>
+                <a:latin typeface="Khmer OS Battambang" panose="02000500000000020004" pitchFamily="2" charset="77"/>
+                <a:cs typeface="Khmer OS Battambang" panose="02000500000000020004" pitchFamily="2" charset="77"/>
+              </a:rPr>
+              <a:t> </a:t>
+            </a:r>
+            <a:r>
+              <a:rPr lang="en-US" sz="2400" dirty="0" err="1">
+                <a:solidFill>
+                  <a:srgbClr val="002060"/>
+                </a:solidFill>
+                <a:latin typeface="Khmer OS Battambang" panose="02000500000000020004" pitchFamily="2" charset="77"/>
+                <a:cs typeface="Khmer OS Battambang" panose="02000500000000020004" pitchFamily="2" charset="77"/>
+              </a:rPr>
+              <a:t>ដោយកំណត់ចំនួនធាតុ</a:t>
+            </a:r>
+            <a:r>
+              <a:rPr lang="en-US" sz="2400" dirty="0">
+                <a:solidFill>
+                  <a:srgbClr val="002060"/>
+                </a:solidFill>
+                <a:latin typeface="Khmer OS Battambang" panose="02000500000000020004" pitchFamily="2" charset="77"/>
+                <a:cs typeface="Khmer OS Battambang" panose="02000500000000020004" pitchFamily="2" charset="77"/>
+              </a:rPr>
+              <a:t>: </a:t>
+            </a:r>
+          </a:p>
+          <a:p>
+            <a:pPr lvl="1" algn="l">
+              <a:lnSpc>
+                <a:spcPct val="150000"/>
+              </a:lnSpc>
+              <a:spcBef>
+                <a:spcPts val="1500"/>
+              </a:spcBef>
+            </a:pPr>
+            <a:r>
+              <a:rPr lang="en-US" sz="2400" dirty="0">
+                <a:solidFill>
+                  <a:srgbClr val="002060"/>
+                </a:solidFill>
+                <a:latin typeface="Khmer OS Battambang" panose="02000500000000020004" pitchFamily="2" charset="77"/>
+                <a:cs typeface="Khmer OS Battambang" panose="02000500000000020004" pitchFamily="2" charset="77"/>
+              </a:rPr>
+              <a:t>	</a:t>
+            </a:r>
+            <a:r>
+              <a:rPr lang="en-US" sz="2400" dirty="0" err="1">
+                <a:solidFill>
+                  <a:srgbClr val="FF0000"/>
+                </a:solidFill>
+                <a:latin typeface="Khmer OS Content" panose="02000500000000020004" pitchFamily="2" charset="77"/>
+                <a:cs typeface="Khmer OS Content" panose="02000500000000020004" pitchFamily="2" charset="77"/>
+              </a:rPr>
+              <a:t>ប្រភេទទិន្នន័យ</a:t>
+            </a:r>
+            <a:r>
+              <a:rPr lang="en-US" sz="2400" dirty="0">
+                <a:solidFill>
+                  <a:srgbClr val="0070C0"/>
+                </a:solidFill>
+                <a:latin typeface="Khmer OS Content" panose="02000500000000020004" pitchFamily="2" charset="77"/>
+                <a:cs typeface="Khmer OS Content" panose="02000500000000020004" pitchFamily="2" charset="77"/>
+              </a:rPr>
+              <a:t> </a:t>
+            </a:r>
+            <a:r>
+              <a:rPr lang="en-US" sz="2400" dirty="0">
+                <a:solidFill>
+                  <a:srgbClr val="FF0000"/>
+                </a:solidFill>
+                <a:latin typeface="Khmer OS Content" panose="02000500000000020004" pitchFamily="2" charset="77"/>
+                <a:cs typeface="Khmer OS Content" panose="02000500000000020004" pitchFamily="2" charset="77"/>
+              </a:rPr>
+              <a:t>[ ]</a:t>
+            </a:r>
+            <a:r>
+              <a:rPr lang="en-US" sz="2400" dirty="0">
+                <a:solidFill>
+                  <a:srgbClr val="0070C0"/>
+                </a:solidFill>
+                <a:latin typeface="Khmer OS Content" panose="02000500000000020004" pitchFamily="2" charset="77"/>
+                <a:cs typeface="Khmer OS Content" panose="02000500000000020004" pitchFamily="2" charset="77"/>
+              </a:rPr>
+              <a:t> </a:t>
+            </a:r>
+            <a:r>
+              <a:rPr lang="en-US" sz="2400" dirty="0" err="1">
+                <a:solidFill>
+                  <a:srgbClr val="0070C0"/>
+                </a:solidFill>
+                <a:latin typeface="Khmer OS Content" panose="02000500000000020004" pitchFamily="2" charset="77"/>
+                <a:cs typeface="Khmer OS Content" panose="02000500000000020004" pitchFamily="2" charset="77"/>
+              </a:rPr>
+              <a:t>variableName</a:t>
+            </a:r>
+            <a:r>
+              <a:rPr lang="en-US" sz="2400" dirty="0">
+                <a:solidFill>
+                  <a:srgbClr val="0070C0"/>
+                </a:solidFill>
+                <a:latin typeface="Khmer OS Content" panose="02000500000000020004" pitchFamily="2" charset="77"/>
+                <a:cs typeface="Khmer OS Content" panose="02000500000000020004" pitchFamily="2" charset="77"/>
+              </a:rPr>
+              <a:t> = </a:t>
+            </a:r>
+            <a:r>
+              <a:rPr lang="en-US" sz="2400" dirty="0">
+                <a:solidFill>
+                  <a:srgbClr val="FF0000"/>
+                </a:solidFill>
+                <a:latin typeface="Khmer OS Content" panose="02000500000000020004" pitchFamily="2" charset="77"/>
+                <a:cs typeface="Khmer OS Content" panose="02000500000000020004" pitchFamily="2" charset="77"/>
+              </a:rPr>
+              <a:t>new</a:t>
+            </a:r>
+            <a:r>
+              <a:rPr lang="en-US" sz="2400" dirty="0">
+                <a:solidFill>
+                  <a:srgbClr val="0070C0"/>
+                </a:solidFill>
+                <a:latin typeface="Khmer OS Content" panose="02000500000000020004" pitchFamily="2" charset="77"/>
+                <a:cs typeface="Khmer OS Content" panose="02000500000000020004" pitchFamily="2" charset="77"/>
+              </a:rPr>
+              <a:t> </a:t>
+            </a:r>
+            <a:r>
+              <a:rPr lang="en-US" sz="2400" dirty="0" err="1">
+                <a:solidFill>
+                  <a:srgbClr val="FF0000"/>
+                </a:solidFill>
+                <a:latin typeface="Khmer OS Content" panose="02000500000000020004" pitchFamily="2" charset="77"/>
+                <a:cs typeface="Khmer OS Content" panose="02000500000000020004" pitchFamily="2" charset="77"/>
+              </a:rPr>
+              <a:t>ប្រភេទទិន្នន័យ</a:t>
+            </a:r>
+            <a:r>
+              <a:rPr lang="en-US" sz="2400" dirty="0">
+                <a:solidFill>
+                  <a:srgbClr val="0070C0"/>
+                </a:solidFill>
+                <a:latin typeface="Khmer OS Content" panose="02000500000000020004" pitchFamily="2" charset="77"/>
+                <a:cs typeface="Khmer OS Content" panose="02000500000000020004" pitchFamily="2" charset="77"/>
+              </a:rPr>
+              <a:t> </a:t>
+            </a:r>
+            <a:r>
+              <a:rPr lang="en-US" sz="2400" dirty="0">
+                <a:solidFill>
+                  <a:srgbClr val="FF0000"/>
+                </a:solidFill>
+                <a:latin typeface="Khmer OS Content" panose="02000500000000020004" pitchFamily="2" charset="77"/>
+                <a:cs typeface="Khmer OS Content" panose="02000500000000020004" pitchFamily="2" charset="77"/>
+              </a:rPr>
+              <a:t>[ </a:t>
+            </a:r>
+            <a:r>
+              <a:rPr lang="en-US" sz="2400" dirty="0" err="1">
+                <a:solidFill>
+                  <a:srgbClr val="002060"/>
+                </a:solidFill>
+                <a:latin typeface="Khmer OS Content" panose="02000500000000020004" pitchFamily="2" charset="77"/>
+                <a:cs typeface="Khmer OS Content" panose="02000500000000020004" pitchFamily="2" charset="77"/>
+              </a:rPr>
+              <a:t>ចំនួនធាតុ</a:t>
+            </a:r>
+            <a:r>
+              <a:rPr lang="en-US" sz="2400" dirty="0">
+                <a:solidFill>
+                  <a:srgbClr val="002060"/>
+                </a:solidFill>
+                <a:latin typeface="Khmer OS Content" panose="02000500000000020004" pitchFamily="2" charset="77"/>
+                <a:cs typeface="Khmer OS Content" panose="02000500000000020004" pitchFamily="2" charset="77"/>
+              </a:rPr>
+              <a:t> </a:t>
+            </a:r>
+            <a:r>
+              <a:rPr lang="en-US" sz="2400" dirty="0">
+                <a:solidFill>
+                  <a:srgbClr val="FF0000"/>
+                </a:solidFill>
+                <a:latin typeface="Khmer OS Content" panose="02000500000000020004" pitchFamily="2" charset="77"/>
+                <a:cs typeface="Khmer OS Content" panose="02000500000000020004" pitchFamily="2" charset="77"/>
+              </a:rPr>
+              <a:t>]</a:t>
+            </a:r>
+            <a:r>
+              <a:rPr lang="en-US" sz="2400" dirty="0">
+                <a:solidFill>
+                  <a:srgbClr val="002060"/>
+                </a:solidFill>
+                <a:latin typeface="Khmer OS Content" panose="02000500000000020004" pitchFamily="2" charset="77"/>
+                <a:cs typeface="Khmer OS Content" panose="02000500000000020004" pitchFamily="2" charset="77"/>
+              </a:rPr>
+              <a:t>;</a:t>
+            </a:r>
+          </a:p>
+          <a:p>
+            <a:pPr lvl="1" algn="l">
+              <a:lnSpc>
+                <a:spcPct val="150000"/>
+              </a:lnSpc>
+              <a:spcBef>
+                <a:spcPts val="1500"/>
+              </a:spcBef>
+            </a:pPr>
+            <a:r>
+              <a:rPr lang="en-US" sz="2400" dirty="0">
+                <a:solidFill>
+                  <a:srgbClr val="0070C0"/>
+                </a:solidFill>
+                <a:latin typeface="Khmer OS Content" panose="02000500000000020004" pitchFamily="2" charset="77"/>
+                <a:cs typeface="Khmer OS Content" panose="02000500000000020004" pitchFamily="2" charset="77"/>
+              </a:rPr>
+              <a:t>	</a:t>
+            </a:r>
+            <a:r>
+              <a:rPr lang="en-US" sz="2400" dirty="0" err="1">
+                <a:solidFill>
+                  <a:srgbClr val="002060"/>
+                </a:solidFill>
+                <a:latin typeface="Khmer OS Content" panose="02000500000000020004" pitchFamily="2" charset="77"/>
+                <a:cs typeface="Khmer OS Content" panose="02000500000000020004" pitchFamily="2" charset="77"/>
+              </a:rPr>
+              <a:t>ឧទាហរណ</a:t>
+            </a:r>
+            <a:r>
+              <a:rPr lang="en-US" sz="2400" dirty="0">
+                <a:solidFill>
+                  <a:srgbClr val="002060"/>
+                </a:solidFill>
+                <a:latin typeface="Khmer OS Content" panose="02000500000000020004" pitchFamily="2" charset="77"/>
+                <a:cs typeface="Khmer OS Content" panose="02000500000000020004" pitchFamily="2" charset="77"/>
+              </a:rPr>
+              <a:t>៍៖</a:t>
+            </a:r>
+            <a:r>
+              <a:rPr lang="en-US" sz="2400" dirty="0">
+                <a:solidFill>
+                  <a:srgbClr val="0070C0"/>
+                </a:solidFill>
+                <a:latin typeface="Khmer OS Content" panose="02000500000000020004" pitchFamily="2" charset="77"/>
+                <a:cs typeface="Khmer OS Content" panose="02000500000000020004" pitchFamily="2" charset="77"/>
+              </a:rPr>
+              <a:t> </a:t>
+            </a:r>
+            <a:r>
+              <a:rPr lang="en-US" sz="2400" dirty="0">
+                <a:solidFill>
+                  <a:srgbClr val="FF0000"/>
+                </a:solidFill>
+                <a:latin typeface="Khmer OS Content" panose="02000500000000020004" pitchFamily="2" charset="77"/>
+                <a:cs typeface="Khmer OS Content" panose="02000500000000020004" pitchFamily="2" charset="77"/>
+              </a:rPr>
+              <a:t>int[] </a:t>
+            </a:r>
+            <a:r>
+              <a:rPr lang="en-US" sz="2400" dirty="0" err="1">
+                <a:solidFill>
+                  <a:srgbClr val="0070C0"/>
+                </a:solidFill>
+                <a:latin typeface="Khmer OS Content" panose="02000500000000020004" pitchFamily="2" charset="77"/>
+                <a:cs typeface="Khmer OS Content" panose="02000500000000020004" pitchFamily="2" charset="77"/>
+              </a:rPr>
+              <a:t>studentIds</a:t>
+            </a:r>
+            <a:r>
+              <a:rPr lang="en-US" sz="2400" dirty="0">
+                <a:solidFill>
+                  <a:srgbClr val="FF0000"/>
+                </a:solidFill>
+                <a:latin typeface="Khmer OS Content" panose="02000500000000020004" pitchFamily="2" charset="77"/>
+                <a:cs typeface="Khmer OS Content" panose="02000500000000020004" pitchFamily="2" charset="77"/>
+              </a:rPr>
+              <a:t> </a:t>
+            </a:r>
+            <a:r>
+              <a:rPr lang="en-US" sz="2400" dirty="0">
+                <a:solidFill>
+                  <a:srgbClr val="0070C0"/>
+                </a:solidFill>
+                <a:latin typeface="Khmer OS Content" panose="02000500000000020004" pitchFamily="2" charset="77"/>
+                <a:cs typeface="Khmer OS Content" panose="02000500000000020004" pitchFamily="2" charset="77"/>
+              </a:rPr>
+              <a:t>=</a:t>
+            </a:r>
+            <a:r>
+              <a:rPr lang="en-US" sz="2400" dirty="0">
+                <a:solidFill>
+                  <a:srgbClr val="FF0000"/>
+                </a:solidFill>
+                <a:latin typeface="Khmer OS Content" panose="02000500000000020004" pitchFamily="2" charset="77"/>
+                <a:cs typeface="Khmer OS Content" panose="02000500000000020004" pitchFamily="2" charset="77"/>
+              </a:rPr>
+              <a:t> new int[10];</a:t>
+            </a:r>
+          </a:p>
+          <a:p>
+            <a:pPr marL="800100" lvl="1" indent="-342900" algn="l">
+              <a:lnSpc>
+                <a:spcPct val="150000"/>
+              </a:lnSpc>
+              <a:spcBef>
+                <a:spcPts val="1500"/>
+              </a:spcBef>
+              <a:buFont typeface="Wingdings" pitchFamily="2" charset="2"/>
+              <a:buChar char="Ø"/>
+            </a:pPr>
+            <a:r>
+              <a:rPr lang="en-US" sz="2400" dirty="0" err="1">
+                <a:solidFill>
+                  <a:srgbClr val="002060"/>
+                </a:solidFill>
+                <a:latin typeface="Khmer OS Battambang" panose="02000500000000020004" pitchFamily="2" charset="77"/>
+                <a:cs typeface="Khmer OS Battambang" panose="02000500000000020004" pitchFamily="2" charset="77"/>
+              </a:rPr>
+              <a:t>ប្រកាស</a:t>
+            </a:r>
+            <a:r>
+              <a:rPr lang="en-US" sz="2400" dirty="0">
+                <a:solidFill>
+                  <a:srgbClr val="002060"/>
+                </a:solidFill>
+                <a:latin typeface="Khmer OS Battambang" panose="02000500000000020004" pitchFamily="2" charset="77"/>
+                <a:cs typeface="Khmer OS Battambang" panose="02000500000000020004" pitchFamily="2" charset="77"/>
+              </a:rPr>
+              <a:t> </a:t>
+            </a:r>
+            <a:r>
+              <a:rPr lang="en-US" sz="2400" dirty="0" err="1">
+                <a:solidFill>
+                  <a:srgbClr val="002060"/>
+                </a:solidFill>
+                <a:latin typeface="Khmer OS Battambang" panose="02000500000000020004" pitchFamily="2" charset="77"/>
+                <a:cs typeface="Khmer OS Battambang" panose="02000500000000020004" pitchFamily="2" charset="77"/>
+              </a:rPr>
+              <a:t>ដោយកំណត់តម្លៃជា</a:t>
+            </a:r>
+            <a:r>
+              <a:rPr lang="en-US" sz="2400" dirty="0">
+                <a:solidFill>
+                  <a:srgbClr val="002060"/>
+                </a:solidFill>
+                <a:latin typeface="Khmer OS Battambang" panose="02000500000000020004" pitchFamily="2" charset="77"/>
+                <a:cs typeface="Khmer OS Battambang" panose="02000500000000020004" pitchFamily="2" charset="77"/>
+              </a:rPr>
+              <a:t> literal</a:t>
+            </a:r>
+            <a:r>
+              <a:rPr lang="en-US" sz="2400" dirty="0">
+                <a:solidFill>
+                  <a:srgbClr val="002060"/>
+                </a:solidFill>
+                <a:latin typeface="Khmer OS Content" panose="02000500000000020004" pitchFamily="2" charset="77"/>
+                <a:cs typeface="Khmer OS Content" panose="02000500000000020004" pitchFamily="2" charset="77"/>
+              </a:rPr>
+              <a:t>:</a:t>
+            </a:r>
+          </a:p>
+          <a:p>
+            <a:pPr lvl="1" algn="l">
+              <a:lnSpc>
+                <a:spcPct val="150000"/>
+              </a:lnSpc>
+              <a:spcBef>
+                <a:spcPts val="1500"/>
+              </a:spcBef>
+            </a:pPr>
+            <a:r>
+              <a:rPr lang="en-US" sz="2400" dirty="0">
+                <a:solidFill>
+                  <a:srgbClr val="002060"/>
+                </a:solidFill>
+                <a:latin typeface="Khmer OS Content" panose="02000500000000020004" pitchFamily="2" charset="77"/>
+                <a:cs typeface="Khmer OS Content" panose="02000500000000020004" pitchFamily="2" charset="77"/>
+              </a:rPr>
+              <a:t>	</a:t>
+            </a:r>
+            <a:r>
+              <a:rPr lang="en-US" sz="2400" dirty="0" err="1">
+                <a:solidFill>
+                  <a:srgbClr val="FF0000"/>
+                </a:solidFill>
+                <a:latin typeface="Khmer OS Content" panose="02000500000000020004" pitchFamily="2" charset="77"/>
+                <a:cs typeface="Khmer OS Content" panose="02000500000000020004" pitchFamily="2" charset="77"/>
+              </a:rPr>
+              <a:t>ប្រភេទទិន្នន័យ</a:t>
+            </a:r>
+            <a:r>
+              <a:rPr lang="en-US" sz="2400" dirty="0">
+                <a:solidFill>
+                  <a:srgbClr val="0070C0"/>
+                </a:solidFill>
+                <a:latin typeface="Khmer OS Content" panose="02000500000000020004" pitchFamily="2" charset="77"/>
+                <a:cs typeface="Khmer OS Content" panose="02000500000000020004" pitchFamily="2" charset="77"/>
+              </a:rPr>
+              <a:t> </a:t>
+            </a:r>
+            <a:r>
+              <a:rPr lang="en-US" sz="2400" dirty="0">
+                <a:solidFill>
+                  <a:srgbClr val="FF0000"/>
+                </a:solidFill>
+                <a:latin typeface="Khmer OS Content" panose="02000500000000020004" pitchFamily="2" charset="77"/>
+                <a:cs typeface="Khmer OS Content" panose="02000500000000020004" pitchFamily="2" charset="77"/>
+              </a:rPr>
+              <a:t>[ ]</a:t>
+            </a:r>
+            <a:r>
+              <a:rPr lang="en-US" sz="2400" dirty="0">
+                <a:solidFill>
+                  <a:srgbClr val="0070C0"/>
+                </a:solidFill>
+                <a:latin typeface="Khmer OS Content" panose="02000500000000020004" pitchFamily="2" charset="77"/>
+                <a:cs typeface="Khmer OS Content" panose="02000500000000020004" pitchFamily="2" charset="77"/>
+              </a:rPr>
+              <a:t> </a:t>
+            </a:r>
+            <a:r>
+              <a:rPr lang="en-US" sz="2400" dirty="0" err="1">
+                <a:solidFill>
+                  <a:srgbClr val="0070C0"/>
+                </a:solidFill>
+                <a:latin typeface="Khmer OS Content" panose="02000500000000020004" pitchFamily="2" charset="77"/>
+                <a:cs typeface="Khmer OS Content" panose="02000500000000020004" pitchFamily="2" charset="77"/>
+              </a:rPr>
+              <a:t>variableName</a:t>
+            </a:r>
+            <a:r>
+              <a:rPr lang="en-US" sz="2400" dirty="0">
+                <a:solidFill>
+                  <a:srgbClr val="0070C0"/>
+                </a:solidFill>
+                <a:latin typeface="Khmer OS Content" panose="02000500000000020004" pitchFamily="2" charset="77"/>
+                <a:cs typeface="Khmer OS Content" panose="02000500000000020004" pitchFamily="2" charset="77"/>
+              </a:rPr>
+              <a:t> = </a:t>
+            </a:r>
+            <a:r>
+              <a:rPr lang="en-US" sz="2400" dirty="0">
+                <a:solidFill>
+                  <a:srgbClr val="FF0000"/>
+                </a:solidFill>
+                <a:latin typeface="Khmer OS Content" panose="02000500000000020004" pitchFamily="2" charset="77"/>
+                <a:cs typeface="Khmer OS Content" panose="02000500000000020004" pitchFamily="2" charset="77"/>
+              </a:rPr>
+              <a:t>{</a:t>
+            </a:r>
+            <a:r>
+              <a:rPr lang="en-US" sz="2400" dirty="0" err="1">
+                <a:solidFill>
+                  <a:srgbClr val="002060"/>
+                </a:solidFill>
+                <a:latin typeface="Khmer OS Content" panose="02000500000000020004" pitchFamily="2" charset="77"/>
+                <a:cs typeface="Khmer OS Content" panose="02000500000000020004" pitchFamily="2" charset="77"/>
+              </a:rPr>
+              <a:t>ធាតុ</a:t>
+            </a:r>
+            <a:r>
+              <a:rPr lang="en-US" sz="2400" dirty="0">
+                <a:solidFill>
+                  <a:srgbClr val="FF0000"/>
+                </a:solidFill>
+                <a:latin typeface="Khmer OS Content" panose="02000500000000020004" pitchFamily="2" charset="77"/>
+                <a:cs typeface="Khmer OS Content" panose="02000500000000020004" pitchFamily="2" charset="77"/>
+              </a:rPr>
+              <a:t>,</a:t>
+            </a:r>
+            <a:r>
+              <a:rPr lang="en-US" sz="2400" dirty="0">
+                <a:solidFill>
+                  <a:srgbClr val="002060"/>
+                </a:solidFill>
+                <a:latin typeface="Khmer OS Content" panose="02000500000000020004" pitchFamily="2" charset="77"/>
+                <a:cs typeface="Khmer OS Content" panose="02000500000000020004" pitchFamily="2" charset="77"/>
+              </a:rPr>
+              <a:t> </a:t>
+            </a:r>
+            <a:r>
+              <a:rPr lang="en-US" sz="2400" dirty="0" err="1">
+                <a:solidFill>
+                  <a:srgbClr val="002060"/>
+                </a:solidFill>
+                <a:latin typeface="Khmer OS Content" panose="02000500000000020004" pitchFamily="2" charset="77"/>
+                <a:cs typeface="Khmer OS Content" panose="02000500000000020004" pitchFamily="2" charset="77"/>
+              </a:rPr>
+              <a:t>ធាតុ</a:t>
+            </a:r>
+            <a:r>
+              <a:rPr lang="en-US" sz="2400" dirty="0">
+                <a:solidFill>
+                  <a:srgbClr val="FF0000"/>
+                </a:solidFill>
+                <a:latin typeface="Khmer OS Content" panose="02000500000000020004" pitchFamily="2" charset="77"/>
+                <a:cs typeface="Khmer OS Content" panose="02000500000000020004" pitchFamily="2" charset="77"/>
+              </a:rPr>
+              <a:t>, …}</a:t>
+            </a:r>
+            <a:r>
+              <a:rPr lang="en-US" sz="2400" dirty="0">
+                <a:solidFill>
+                  <a:srgbClr val="002060"/>
+                </a:solidFill>
+                <a:latin typeface="Khmer OS Content" panose="02000500000000020004" pitchFamily="2" charset="77"/>
+                <a:cs typeface="Khmer OS Content" panose="02000500000000020004" pitchFamily="2" charset="77"/>
+              </a:rPr>
+              <a:t>;</a:t>
+            </a:r>
+            <a:endParaRPr lang="en-US" sz="2400" dirty="0">
+              <a:solidFill>
+                <a:srgbClr val="0070C0"/>
+              </a:solidFill>
+              <a:latin typeface="Khmer OS Content" panose="02000500000000020004" pitchFamily="2" charset="77"/>
+              <a:cs typeface="Khmer OS Content" panose="02000500000000020004" pitchFamily="2" charset="77"/>
+            </a:endParaRPr>
+          </a:p>
+          <a:p>
+            <a:pPr lvl="1" algn="l">
+              <a:lnSpc>
+                <a:spcPct val="150000"/>
+              </a:lnSpc>
+              <a:spcBef>
+                <a:spcPts val="1500"/>
+              </a:spcBef>
+            </a:pPr>
+            <a:r>
+              <a:rPr lang="en-US" sz="2400" dirty="0">
+                <a:solidFill>
+                  <a:srgbClr val="FF0000"/>
+                </a:solidFill>
+                <a:latin typeface="Khmer OS Content" panose="02000500000000020004" pitchFamily="2" charset="77"/>
+                <a:cs typeface="Khmer OS Content" panose="02000500000000020004" pitchFamily="2" charset="77"/>
+              </a:rPr>
+              <a:t>     </a:t>
+            </a:r>
+            <a:r>
+              <a:rPr lang="en-US" sz="2400" dirty="0" err="1">
+                <a:solidFill>
+                  <a:srgbClr val="002060"/>
+                </a:solidFill>
+                <a:latin typeface="Khmer OS Content" panose="02000500000000020004" pitchFamily="2" charset="77"/>
+                <a:cs typeface="Khmer OS Content" panose="02000500000000020004" pitchFamily="2" charset="77"/>
+              </a:rPr>
+              <a:t>ឧទាហរណ</a:t>
+            </a:r>
+            <a:r>
+              <a:rPr lang="en-US" sz="2400" dirty="0">
+                <a:solidFill>
+                  <a:srgbClr val="002060"/>
+                </a:solidFill>
+                <a:latin typeface="Khmer OS Content" panose="02000500000000020004" pitchFamily="2" charset="77"/>
+                <a:cs typeface="Khmer OS Content" panose="02000500000000020004" pitchFamily="2" charset="77"/>
+              </a:rPr>
+              <a:t>៍៖ </a:t>
+            </a:r>
+            <a:r>
+              <a:rPr lang="en-US" sz="2400" dirty="0">
+                <a:solidFill>
+                  <a:srgbClr val="002060"/>
+                </a:solidFill>
+                <a:latin typeface="Khmer OS Battambang" panose="02000500000000020004" pitchFamily="2" charset="77"/>
+                <a:cs typeface="Khmer OS Battambang" panose="02000500000000020004" pitchFamily="2" charset="77"/>
+              </a:rPr>
+              <a:t>String</a:t>
+            </a:r>
+            <a:r>
+              <a:rPr lang="en-US" sz="2400" dirty="0">
+                <a:solidFill>
+                  <a:srgbClr val="FF0000"/>
+                </a:solidFill>
+                <a:latin typeface="Khmer OS Content" panose="02000500000000020004" pitchFamily="2" charset="77"/>
+                <a:cs typeface="Khmer OS Content" panose="02000500000000020004" pitchFamily="2" charset="77"/>
+              </a:rPr>
+              <a:t>[] </a:t>
+            </a:r>
+            <a:r>
+              <a:rPr lang="en-US" sz="2400" dirty="0">
+                <a:solidFill>
+                  <a:srgbClr val="0070C0"/>
+                </a:solidFill>
+                <a:latin typeface="Khmer OS Content" panose="02000500000000020004" pitchFamily="2" charset="77"/>
+                <a:cs typeface="Khmer OS Content" panose="02000500000000020004" pitchFamily="2" charset="77"/>
+              </a:rPr>
+              <a:t>letters</a:t>
+            </a:r>
+            <a:r>
+              <a:rPr lang="en-US" sz="2400" dirty="0">
+                <a:solidFill>
+                  <a:srgbClr val="002060"/>
+                </a:solidFill>
+                <a:latin typeface="Khmer OS Content" panose="02000500000000020004" pitchFamily="2" charset="77"/>
+                <a:cs typeface="Khmer OS Content" panose="02000500000000020004" pitchFamily="2" charset="77"/>
+              </a:rPr>
+              <a:t> </a:t>
+            </a:r>
+            <a:r>
+              <a:rPr lang="en-US" sz="2400" dirty="0">
+                <a:solidFill>
+                  <a:srgbClr val="0070C0"/>
+                </a:solidFill>
+                <a:latin typeface="Khmer OS Content" panose="02000500000000020004" pitchFamily="2" charset="77"/>
+                <a:cs typeface="Khmer OS Content" panose="02000500000000020004" pitchFamily="2" charset="77"/>
+              </a:rPr>
+              <a:t>=</a:t>
+            </a:r>
+            <a:r>
+              <a:rPr lang="en-US" dirty="0">
+                <a:latin typeface="Khmer OS Content" panose="02000500000000020004" pitchFamily="2" charset="77"/>
+                <a:cs typeface="Khmer OS Content" panose="02000500000000020004" pitchFamily="2" charset="77"/>
+              </a:rPr>
+              <a:t> </a:t>
+            </a:r>
+            <a:r>
+              <a:rPr lang="en-US" sz="2400" dirty="0">
+                <a:solidFill>
+                  <a:srgbClr val="FF0000"/>
+                </a:solidFill>
+                <a:latin typeface="Khmer OS Content" panose="02000500000000020004" pitchFamily="2" charset="77"/>
+                <a:cs typeface="Khmer OS Content" panose="02000500000000020004" pitchFamily="2" charset="77"/>
+              </a:rPr>
+              <a:t>{"A", "B", "C"};</a:t>
+            </a:r>
+            <a:br>
+              <a:rPr lang="en-US" dirty="0">
+                <a:solidFill>
+                  <a:srgbClr val="0070C0"/>
+                </a:solidFill>
+                <a:latin typeface="Khmer OS Battambang" panose="02000500000000020004" pitchFamily="2" charset="77"/>
+                <a:cs typeface="Khmer OS Battambang" panose="02000500000000020004" pitchFamily="2" charset="77"/>
+              </a:rPr>
+            </a:br>
+            <a:endParaRPr lang="en-US" dirty="0">
+              <a:solidFill>
+                <a:srgbClr val="0070C0"/>
+              </a:solidFill>
+              <a:latin typeface="Khmer OS Battambang" panose="02000500000000020004" pitchFamily="2" charset="77"/>
+              <a:cs typeface="Khmer OS Battambang" panose="02000500000000020004" pitchFamily="2" charset="77"/>
+            </a:endParaRPr>
+          </a:p>
+        </p:txBody>
+      </p:sp>
+    </p:spTree>
+    <p:extLst>
+      <p:ext uri="{BB962C8B-B14F-4D97-AF65-F5344CB8AC3E}">
+        <p14:creationId xmlns:p14="http://schemas.microsoft.com/office/powerpoint/2010/main" val="4065258671"/>
+      </p:ext>
+    </p:extLst>
+  </p:cSld>
+  <p:clrMapOvr>
+    <a:masterClrMapping/>
+  </p:clrMapOvr>
+</p:sld>
+</file>
+
+<file path=ppt/slides/slide43.xml><?xml version="1.0" encoding="utf-8"?>
+<p:sld xmlns:a="http://schemas.openxmlformats.org/drawingml/2006/main" xmlns:r="http://schemas.openxmlformats.org/officeDocument/2006/relationships" xmlns:p="http://schemas.openxmlformats.org/presentationml/2006/main">
+  <p:cSld>
+    <p:bg>
+      <p:bgPr>
+        <a:solidFill>
+          <a:schemeClr val="bg1"/>
+        </a:solidFill>
+        <a:effectLst/>
+      </p:bgPr>
+    </p:bg>
+    <p:spTree>
+      <p:nvGrpSpPr>
+        <p:cNvPr id="1" name="">
+          <a:extLst>
+            <a:ext uri="{FF2B5EF4-FFF2-40B4-BE49-F238E27FC236}">
+              <a16:creationId xmlns:a16="http://schemas.microsoft.com/office/drawing/2014/main" id="{915A2EA9-4A5D-F977-B56B-7FC5A135FAF8}"/>
+            </a:ext>
+          </a:extLst>
+        </p:cNvPr>
+        <p:cNvGrpSpPr/>
+        <p:nvPr/>
+      </p:nvGrpSpPr>
+      <p:grpSpPr>
+        <a:xfrm>
+          <a:off x="0" y="0"/>
+          <a:ext cx="0" cy="0"/>
+          <a:chOff x="0" y="0"/>
+          <a:chExt cx="0" cy="0"/>
+        </a:xfrm>
+      </p:grpSpPr>
+      <p:sp>
+        <p:nvSpPr>
+          <p:cNvPr id="2" name="Title 1">
+            <a:extLst>
+              <a:ext uri="{FF2B5EF4-FFF2-40B4-BE49-F238E27FC236}">
+                <a16:creationId xmlns:a16="http://schemas.microsoft.com/office/drawing/2014/main" id="{90C34CB7-D26B-5B44-6588-540C5680ACB7}"/>
+              </a:ext>
+            </a:extLst>
+          </p:cNvPr>
+          <p:cNvSpPr>
+            <a:spLocks noGrp="1"/>
+          </p:cNvSpPr>
+          <p:nvPr>
+            <p:ph type="ctrTitle"/>
+          </p:nvPr>
+        </p:nvSpPr>
+        <p:spPr>
+          <a:xfrm>
+            <a:off x="1701800" y="119781"/>
+            <a:ext cx="9144000" cy="789373"/>
+          </a:xfrm>
+        </p:spPr>
+        <p:txBody>
+          <a:bodyPr>
+            <a:normAutofit/>
+          </a:bodyPr>
+          <a:lstStyle/>
+          <a:p>
+            <a:pPr algn="l"/>
+            <a:r>
+              <a:rPr lang="en-US" sz="3600" dirty="0">
+                <a:solidFill>
+                  <a:srgbClr val="002060"/>
+                </a:solidFill>
+                <a:latin typeface="Khmer OS Battambang" panose="02000500000000020004" pitchFamily="2" charset="77"/>
+                <a:cs typeface="Khmer OS Battambang" panose="02000500000000020004" pitchFamily="2" charset="77"/>
+              </a:rPr>
+              <a:t>Arrays (</a:t>
+            </a:r>
+            <a:r>
+              <a:rPr lang="en-US" sz="3600" dirty="0" err="1">
+                <a:solidFill>
+                  <a:srgbClr val="002060"/>
+                </a:solidFill>
+                <a:latin typeface="Khmer OS Battambang" panose="02000500000000020004" pitchFamily="2" charset="77"/>
+                <a:cs typeface="Khmer OS Battambang" panose="02000500000000020004" pitchFamily="2" charset="77"/>
+              </a:rPr>
+              <a:t>ត</a:t>
+            </a:r>
+            <a:r>
+              <a:rPr lang="en-US" sz="3600" dirty="0">
+                <a:solidFill>
+                  <a:srgbClr val="002060"/>
+                </a:solidFill>
+                <a:latin typeface="Khmer OS Battambang" panose="02000500000000020004" pitchFamily="2" charset="77"/>
+                <a:cs typeface="Khmer OS Battambang" panose="02000500000000020004" pitchFamily="2" charset="77"/>
+              </a:rPr>
+              <a:t>)</a:t>
+            </a:r>
+            <a:endParaRPr lang="en-KH" sz="3600" dirty="0">
+              <a:solidFill>
+                <a:srgbClr val="002060"/>
+              </a:solidFill>
+              <a:latin typeface="Khmer OS Battambang" panose="02000500000000020004" pitchFamily="2" charset="77"/>
+              <a:cs typeface="Khmer OS Battambang" panose="02000500000000020004" pitchFamily="2" charset="77"/>
+            </a:endParaRPr>
+          </a:p>
+        </p:txBody>
+      </p:sp>
+      <p:cxnSp>
+        <p:nvCxnSpPr>
+          <p:cNvPr id="8" name="Straight Connector 7">
+            <a:extLst>
+              <a:ext uri="{FF2B5EF4-FFF2-40B4-BE49-F238E27FC236}">
+                <a16:creationId xmlns:a16="http://schemas.microsoft.com/office/drawing/2014/main" id="{1BC6EA60-B827-FB04-C401-76B8CA667A92}"/>
+              </a:ext>
+            </a:extLst>
+          </p:cNvPr>
+          <p:cNvCxnSpPr/>
+          <p:nvPr/>
+        </p:nvCxnSpPr>
+        <p:spPr>
+          <a:xfrm>
+            <a:off x="0" y="1050468"/>
+            <a:ext cx="12192000" cy="0"/>
+          </a:xfrm>
+          <a:prstGeom prst="line">
+            <a:avLst/>
+          </a:prstGeom>
+          <a:ln w="57150">
+            <a:solidFill>
+              <a:srgbClr val="D49B06"/>
+            </a:solidFill>
+          </a:ln>
+        </p:spPr>
+        <p:style>
+          <a:lnRef idx="2">
+            <a:schemeClr val="accent1"/>
+          </a:lnRef>
+          <a:fillRef idx="0">
+            <a:schemeClr val="accent1"/>
+          </a:fillRef>
+          <a:effectRef idx="1">
+            <a:schemeClr val="accent1"/>
+          </a:effectRef>
+          <a:fontRef idx="minor">
+            <a:schemeClr val="tx1"/>
+          </a:fontRef>
+        </p:style>
+      </p:cxnSp>
+      <p:cxnSp>
+        <p:nvCxnSpPr>
+          <p:cNvPr id="10" name="Straight Connector 9">
+            <a:extLst>
+              <a:ext uri="{FF2B5EF4-FFF2-40B4-BE49-F238E27FC236}">
+                <a16:creationId xmlns:a16="http://schemas.microsoft.com/office/drawing/2014/main" id="{3D914093-D2FD-8E99-476A-C18A7E74ED59}"/>
+              </a:ext>
+            </a:extLst>
+          </p:cNvPr>
+          <p:cNvCxnSpPr>
+            <a:cxnSpLocks/>
+          </p:cNvCxnSpPr>
+          <p:nvPr/>
+        </p:nvCxnSpPr>
+        <p:spPr>
+          <a:xfrm>
+            <a:off x="0" y="979812"/>
+            <a:ext cx="12192000" cy="0"/>
+          </a:xfrm>
+          <a:prstGeom prst="line">
+            <a:avLst/>
+          </a:prstGeom>
+          <a:ln w="57150">
+            <a:solidFill>
+              <a:srgbClr val="1C27CF"/>
+            </a:solidFill>
+          </a:ln>
+        </p:spPr>
+        <p:style>
+          <a:lnRef idx="2">
+            <a:schemeClr val="accent1"/>
+          </a:lnRef>
+          <a:fillRef idx="0">
+            <a:schemeClr val="accent1"/>
+          </a:fillRef>
+          <a:effectRef idx="1">
+            <a:schemeClr val="accent1"/>
+          </a:effectRef>
+          <a:fontRef idx="minor">
+            <a:schemeClr val="tx1"/>
+          </a:fontRef>
+        </p:style>
+      </p:cxnSp>
+      <p:pic>
+        <p:nvPicPr>
+          <p:cNvPr id="47" name="Picture 46" descr="A blue circle with a yellow and white bird in it&#10;&#10;AI-generated content may be incorrect.">
+            <a:extLst>
+              <a:ext uri="{FF2B5EF4-FFF2-40B4-BE49-F238E27FC236}">
+                <a16:creationId xmlns:a16="http://schemas.microsoft.com/office/drawing/2014/main" id="{A770A8F7-9B7B-6BA9-B205-2453EE4E654D}"/>
+              </a:ext>
+            </a:extLst>
+          </p:cNvPr>
+          <p:cNvPicPr>
+            <a:picLocks noChangeAspect="1"/>
+          </p:cNvPicPr>
+          <p:nvPr/>
+        </p:nvPicPr>
+        <p:blipFill>
+          <a:blip r:embed="rId3"/>
+          <a:stretch>
+            <a:fillRect/>
+          </a:stretch>
+        </p:blipFill>
+        <p:spPr>
+          <a:xfrm>
+            <a:off x="325438" y="219712"/>
+            <a:ext cx="606500" cy="606500"/>
+          </a:xfrm>
+          <a:prstGeom prst="rect">
+            <a:avLst/>
+          </a:prstGeom>
+        </p:spPr>
+      </p:pic>
+      <p:sp>
+        <p:nvSpPr>
+          <p:cNvPr id="7" name="Subtitle 2">
+            <a:extLst>
+              <a:ext uri="{FF2B5EF4-FFF2-40B4-BE49-F238E27FC236}">
+                <a16:creationId xmlns:a16="http://schemas.microsoft.com/office/drawing/2014/main" id="{31E856E0-2C67-432D-334C-A32FBD8EDB02}"/>
+              </a:ext>
+            </a:extLst>
+          </p:cNvPr>
+          <p:cNvSpPr>
+            <a:spLocks noGrp="1"/>
+          </p:cNvSpPr>
+          <p:nvPr>
+            <p:ph type="subTitle" idx="1"/>
+          </p:nvPr>
+        </p:nvSpPr>
+        <p:spPr>
+          <a:xfrm>
+            <a:off x="651353" y="1133413"/>
+            <a:ext cx="10459234" cy="5204749"/>
+          </a:xfrm>
+        </p:spPr>
+        <p:txBody>
+          <a:bodyPr>
+            <a:noAutofit/>
+          </a:bodyPr>
+          <a:lstStyle/>
+          <a:p>
+            <a:pPr algn="l">
+              <a:lnSpc>
+                <a:spcPct val="150000"/>
+              </a:lnSpc>
+              <a:spcBef>
+                <a:spcPts val="1500"/>
+              </a:spcBef>
+            </a:pPr>
+            <a:r>
+              <a:rPr lang="en-US" dirty="0">
+                <a:solidFill>
+                  <a:srgbClr val="002060"/>
+                </a:solidFill>
+                <a:latin typeface="Khmer OS Battambang" panose="02000500000000020004" pitchFamily="2" charset="77"/>
+                <a:cs typeface="Khmer OS Battambang" panose="02000500000000020004" pitchFamily="2" charset="77"/>
+              </a:rPr>
+              <a:t>    </a:t>
+            </a:r>
+            <a:r>
+              <a:rPr lang="en-KH" dirty="0"/>
+              <a:t>👉 </a:t>
+            </a:r>
+            <a:r>
+              <a:rPr lang="en-US" dirty="0" err="1">
+                <a:solidFill>
+                  <a:srgbClr val="002060"/>
+                </a:solidFill>
+                <a:latin typeface="Khmer OS Battambang" panose="02000500000000020004" pitchFamily="2" charset="77"/>
+                <a:cs typeface="Khmer OS Battambang" panose="02000500000000020004" pitchFamily="2" charset="77"/>
+              </a:rPr>
+              <a:t>ការចូលប្រើ</a:t>
+            </a:r>
+            <a:r>
+              <a:rPr lang="en-US" dirty="0">
+                <a:solidFill>
+                  <a:srgbClr val="002060"/>
+                </a:solidFill>
+                <a:latin typeface="Khmer OS Battambang" panose="02000500000000020004" pitchFamily="2" charset="77"/>
+                <a:cs typeface="Khmer OS Battambang" panose="02000500000000020004" pitchFamily="2" charset="77"/>
+              </a:rPr>
+              <a:t> </a:t>
+            </a:r>
+            <a:r>
+              <a:rPr lang="en-US" dirty="0" err="1">
+                <a:solidFill>
+                  <a:srgbClr val="002060"/>
+                </a:solidFill>
+                <a:latin typeface="Khmer OS Battambang" panose="02000500000000020004" pitchFamily="2" charset="77"/>
+                <a:cs typeface="Khmer OS Battambang" panose="02000500000000020004" pitchFamily="2" charset="77"/>
+              </a:rPr>
+              <a:t>និងការកែប្រែតម្លៃនៃធាតុនីមួយ</a:t>
+            </a:r>
+            <a:r>
+              <a:rPr lang="en-US" dirty="0">
+                <a:solidFill>
+                  <a:srgbClr val="002060"/>
+                </a:solidFill>
+                <a:latin typeface="Khmer OS Battambang" panose="02000500000000020004" pitchFamily="2" charset="77"/>
+                <a:cs typeface="Khmer OS Battambang" panose="02000500000000020004" pitchFamily="2" charset="77"/>
+              </a:rPr>
+              <a:t> </a:t>
+            </a:r>
+            <a:r>
+              <a:rPr lang="en-US" dirty="0">
+                <a:solidFill>
+                  <a:srgbClr val="0070C0"/>
+                </a:solidFill>
+                <a:latin typeface="Khmer OS Battambang" panose="02000500000000020004" pitchFamily="2" charset="77"/>
+                <a:cs typeface="Khmer OS Battambang" panose="02000500000000020004" pitchFamily="2" charset="77"/>
+              </a:rPr>
+              <a:t>៖</a:t>
+            </a:r>
+          </a:p>
+          <a:p>
+            <a:pPr marL="800100" lvl="1" indent="-342900" algn="l">
+              <a:lnSpc>
+                <a:spcPct val="150000"/>
+              </a:lnSpc>
+              <a:spcBef>
+                <a:spcPts val="1500"/>
+              </a:spcBef>
+              <a:buFont typeface="Wingdings" pitchFamily="2" charset="2"/>
+              <a:buChar char="Ø"/>
+            </a:pPr>
+            <a:r>
+              <a:rPr lang="en-US" sz="2400" dirty="0" err="1">
+                <a:solidFill>
+                  <a:srgbClr val="002060"/>
+                </a:solidFill>
+                <a:latin typeface="Khmer OS Battambang" panose="02000500000000020004" pitchFamily="2" charset="77"/>
+                <a:cs typeface="Khmer OS Battambang" panose="02000500000000020004" pitchFamily="2" charset="77"/>
+              </a:rPr>
+              <a:t>ទម្រង់នៃការចូលប្រើ</a:t>
+            </a:r>
+            <a:r>
+              <a:rPr lang="en-US" sz="2400" dirty="0">
+                <a:solidFill>
+                  <a:srgbClr val="002060"/>
+                </a:solidFill>
+                <a:latin typeface="Khmer OS Battambang" panose="02000500000000020004" pitchFamily="2" charset="77"/>
+                <a:cs typeface="Khmer OS Battambang" panose="02000500000000020004" pitchFamily="2" charset="77"/>
+              </a:rPr>
+              <a:t>:  </a:t>
+            </a:r>
+            <a:r>
+              <a:rPr lang="en-US" sz="2400" dirty="0">
+                <a:solidFill>
+                  <a:srgbClr val="FF0000"/>
+                </a:solidFill>
+                <a:latin typeface="Khmer OS Content" panose="02000500000000020004" pitchFamily="2" charset="77"/>
+                <a:cs typeface="Khmer OS Content" panose="02000500000000020004" pitchFamily="2" charset="77"/>
+              </a:rPr>
+              <a:t>arrays[ </a:t>
+            </a:r>
+            <a:r>
+              <a:rPr lang="km-KH" sz="2400" dirty="0">
+                <a:solidFill>
+                  <a:srgbClr val="002060"/>
+                </a:solidFill>
+                <a:latin typeface="Khmer OS Content" panose="02000500000000020004" pitchFamily="2" charset="77"/>
+                <a:cs typeface="Khmer OS Content" panose="02000500000000020004" pitchFamily="2" charset="77"/>
+              </a:rPr>
+              <a:t>សន្ទស្សន៍</a:t>
+            </a:r>
+            <a:r>
+              <a:rPr lang="en-US" sz="2400" dirty="0">
+                <a:solidFill>
+                  <a:srgbClr val="002060"/>
+                </a:solidFill>
+                <a:latin typeface="Khmer OS Content" panose="02000500000000020004" pitchFamily="2" charset="77"/>
+                <a:cs typeface="Khmer OS Content" panose="02000500000000020004" pitchFamily="2" charset="77"/>
+              </a:rPr>
+              <a:t> </a:t>
+            </a:r>
+            <a:r>
+              <a:rPr lang="en-US" sz="2400" dirty="0" err="1">
+                <a:solidFill>
+                  <a:srgbClr val="002060"/>
+                </a:solidFill>
+                <a:latin typeface="Khmer OS Content" panose="02000500000000020004" pitchFamily="2" charset="77"/>
+                <a:cs typeface="Khmer OS Content" panose="02000500000000020004" pitchFamily="2" charset="77"/>
+              </a:rPr>
+              <a:t>ឫ</a:t>
+            </a:r>
+            <a:r>
+              <a:rPr lang="en-US" sz="2400" dirty="0">
+                <a:solidFill>
+                  <a:srgbClr val="002060"/>
+                </a:solidFill>
+                <a:latin typeface="Khmer OS Content" panose="02000500000000020004" pitchFamily="2" charset="77"/>
+                <a:cs typeface="Khmer OS Content" panose="02000500000000020004" pitchFamily="2" charset="77"/>
+              </a:rPr>
+              <a:t> index </a:t>
+            </a:r>
+            <a:r>
+              <a:rPr lang="en-US" sz="2400" dirty="0">
+                <a:solidFill>
+                  <a:srgbClr val="FF0000"/>
+                </a:solidFill>
+                <a:latin typeface="Khmer OS Content" panose="02000500000000020004" pitchFamily="2" charset="77"/>
+                <a:cs typeface="Khmer OS Content" panose="02000500000000020004" pitchFamily="2" charset="77"/>
+              </a:rPr>
+              <a:t>]</a:t>
+            </a:r>
+            <a:r>
+              <a:rPr lang="en-US" sz="2400" dirty="0">
+                <a:solidFill>
+                  <a:srgbClr val="002060"/>
+                </a:solidFill>
+                <a:latin typeface="Khmer OS Content" panose="02000500000000020004" pitchFamily="2" charset="77"/>
+                <a:cs typeface="Khmer OS Content" panose="02000500000000020004" pitchFamily="2" charset="77"/>
+              </a:rPr>
+              <a:t>;</a:t>
+            </a:r>
+          </a:p>
+          <a:p>
+            <a:pPr lvl="1" algn="l">
+              <a:lnSpc>
+                <a:spcPct val="150000"/>
+              </a:lnSpc>
+              <a:spcBef>
+                <a:spcPts val="1500"/>
+              </a:spcBef>
+            </a:pPr>
+            <a:r>
+              <a:rPr lang="en-US" sz="2400" dirty="0">
+                <a:solidFill>
+                  <a:srgbClr val="0070C0"/>
+                </a:solidFill>
+                <a:latin typeface="Khmer OS Content" panose="02000500000000020004" pitchFamily="2" charset="77"/>
+                <a:cs typeface="Khmer OS Content" panose="02000500000000020004" pitchFamily="2" charset="77"/>
+              </a:rPr>
+              <a:t>	</a:t>
+            </a:r>
+            <a:r>
+              <a:rPr lang="en-US" sz="2400" dirty="0" err="1">
+                <a:solidFill>
+                  <a:srgbClr val="002060"/>
+                </a:solidFill>
+                <a:latin typeface="Khmer OS Content" panose="02000500000000020004" pitchFamily="2" charset="77"/>
+                <a:cs typeface="Khmer OS Content" panose="02000500000000020004" pitchFamily="2" charset="77"/>
+              </a:rPr>
+              <a:t>ឧទាហរណ</a:t>
+            </a:r>
+            <a:r>
+              <a:rPr lang="en-US" sz="2400" dirty="0">
+                <a:solidFill>
+                  <a:srgbClr val="002060"/>
+                </a:solidFill>
+                <a:latin typeface="Khmer OS Content" panose="02000500000000020004" pitchFamily="2" charset="77"/>
+                <a:cs typeface="Khmer OS Content" panose="02000500000000020004" pitchFamily="2" charset="77"/>
+              </a:rPr>
+              <a:t>៍៖</a:t>
+            </a:r>
+            <a:r>
+              <a:rPr lang="en-US" sz="2400" dirty="0">
+                <a:solidFill>
+                  <a:srgbClr val="0070C0"/>
+                </a:solidFill>
+                <a:latin typeface="Khmer OS Content" panose="02000500000000020004" pitchFamily="2" charset="77"/>
+                <a:cs typeface="Khmer OS Content" panose="02000500000000020004" pitchFamily="2" charset="77"/>
+              </a:rPr>
+              <a:t> </a:t>
+            </a:r>
+            <a:r>
+              <a:rPr lang="en-US" sz="2400" dirty="0">
+                <a:solidFill>
+                  <a:srgbClr val="FF0000"/>
+                </a:solidFill>
+                <a:latin typeface="Khmer OS Content" panose="02000500000000020004" pitchFamily="2" charset="77"/>
+                <a:cs typeface="Khmer OS Content" panose="02000500000000020004" pitchFamily="2" charset="77"/>
+              </a:rPr>
+              <a:t>int </a:t>
+            </a:r>
+            <a:r>
+              <a:rPr lang="en-US" sz="2400" dirty="0" err="1">
+                <a:solidFill>
+                  <a:srgbClr val="0070C0"/>
+                </a:solidFill>
+                <a:latin typeface="Khmer OS Content" panose="02000500000000020004" pitchFamily="2" charset="77"/>
+                <a:cs typeface="Khmer OS Content" panose="02000500000000020004" pitchFamily="2" charset="77"/>
+              </a:rPr>
+              <a:t>studentId</a:t>
+            </a:r>
+            <a:r>
+              <a:rPr lang="en-US" sz="2400" dirty="0">
+                <a:solidFill>
+                  <a:srgbClr val="FF0000"/>
+                </a:solidFill>
+                <a:latin typeface="Khmer OS Content" panose="02000500000000020004" pitchFamily="2" charset="77"/>
+                <a:cs typeface="Khmer OS Content" panose="02000500000000020004" pitchFamily="2" charset="77"/>
+              </a:rPr>
+              <a:t> </a:t>
+            </a:r>
+            <a:r>
+              <a:rPr lang="en-US" sz="2400" dirty="0">
+                <a:solidFill>
+                  <a:srgbClr val="0070C0"/>
+                </a:solidFill>
+                <a:latin typeface="Khmer OS Content" panose="02000500000000020004" pitchFamily="2" charset="77"/>
+                <a:cs typeface="Khmer OS Content" panose="02000500000000020004" pitchFamily="2" charset="77"/>
+              </a:rPr>
+              <a:t>=</a:t>
+            </a:r>
+            <a:r>
+              <a:rPr lang="en-US" sz="2400" dirty="0">
+                <a:solidFill>
+                  <a:srgbClr val="FF0000"/>
+                </a:solidFill>
+                <a:latin typeface="Khmer OS Content" panose="02000500000000020004" pitchFamily="2" charset="77"/>
+                <a:cs typeface="Khmer OS Content" panose="02000500000000020004" pitchFamily="2" charset="77"/>
+              </a:rPr>
+              <a:t> </a:t>
+            </a:r>
+            <a:r>
+              <a:rPr lang="en-US" sz="2400" dirty="0" err="1">
+                <a:solidFill>
+                  <a:srgbClr val="FF0000"/>
+                </a:solidFill>
+                <a:latin typeface="Khmer OS Content" panose="02000500000000020004" pitchFamily="2" charset="77"/>
+                <a:cs typeface="Khmer OS Content" panose="02000500000000020004" pitchFamily="2" charset="77"/>
+              </a:rPr>
+              <a:t>studentIds</a:t>
+            </a:r>
+            <a:r>
+              <a:rPr lang="en-US" sz="2400" dirty="0">
+                <a:solidFill>
+                  <a:srgbClr val="FF0000"/>
+                </a:solidFill>
+                <a:latin typeface="Khmer OS Content" panose="02000500000000020004" pitchFamily="2" charset="77"/>
+                <a:cs typeface="Khmer OS Content" panose="02000500000000020004" pitchFamily="2" charset="77"/>
+              </a:rPr>
+              <a:t>[</a:t>
+            </a:r>
+            <a:r>
+              <a:rPr lang="en-US" sz="2400" dirty="0">
+                <a:solidFill>
+                  <a:srgbClr val="002060"/>
+                </a:solidFill>
+                <a:latin typeface="Khmer OS Content" panose="02000500000000020004" pitchFamily="2" charset="77"/>
+                <a:cs typeface="Khmer OS Content" panose="02000500000000020004" pitchFamily="2" charset="77"/>
+              </a:rPr>
+              <a:t>0</a:t>
+            </a:r>
+            <a:r>
+              <a:rPr lang="en-US" sz="2400" dirty="0">
+                <a:solidFill>
+                  <a:srgbClr val="FF0000"/>
+                </a:solidFill>
+                <a:latin typeface="Khmer OS Content" panose="02000500000000020004" pitchFamily="2" charset="77"/>
+                <a:cs typeface="Khmer OS Content" panose="02000500000000020004" pitchFamily="2" charset="77"/>
+              </a:rPr>
+              <a:t>]</a:t>
+            </a:r>
+            <a:r>
+              <a:rPr lang="en-US" sz="2400" dirty="0">
+                <a:solidFill>
+                  <a:srgbClr val="002060"/>
+                </a:solidFill>
+                <a:latin typeface="Khmer OS Content" panose="02000500000000020004" pitchFamily="2" charset="77"/>
+                <a:cs typeface="Khmer OS Content" panose="02000500000000020004" pitchFamily="2" charset="77"/>
+              </a:rPr>
+              <a:t>;</a:t>
+            </a:r>
+          </a:p>
+          <a:p>
+            <a:pPr marL="800100" lvl="1" indent="-342900" algn="l">
+              <a:lnSpc>
+                <a:spcPct val="150000"/>
+              </a:lnSpc>
+              <a:spcBef>
+                <a:spcPts val="1500"/>
+              </a:spcBef>
+              <a:buFont typeface="Wingdings" pitchFamily="2" charset="2"/>
+              <a:buChar char="Ø"/>
+            </a:pPr>
+            <a:r>
+              <a:rPr lang="en-US" sz="2400" dirty="0" err="1">
+                <a:solidFill>
+                  <a:srgbClr val="002060"/>
+                </a:solidFill>
+                <a:latin typeface="Khmer OS Battambang" panose="02000500000000020004" pitchFamily="2" charset="77"/>
+                <a:cs typeface="Khmer OS Battambang" panose="02000500000000020004" pitchFamily="2" charset="77"/>
+              </a:rPr>
+              <a:t>ទម្រង់នៃការកែប្រែតម្លៃ</a:t>
+            </a:r>
+            <a:r>
+              <a:rPr lang="en-US" sz="2400" dirty="0">
+                <a:solidFill>
+                  <a:srgbClr val="002060"/>
+                </a:solidFill>
+                <a:latin typeface="Khmer OS Battambang" panose="02000500000000020004" pitchFamily="2" charset="77"/>
+                <a:cs typeface="Khmer OS Battambang" panose="02000500000000020004" pitchFamily="2" charset="77"/>
+              </a:rPr>
+              <a:t>: </a:t>
+            </a:r>
+            <a:r>
+              <a:rPr lang="en-US" sz="2400" dirty="0">
+                <a:solidFill>
+                  <a:srgbClr val="FF0000"/>
+                </a:solidFill>
+                <a:latin typeface="Khmer OS Content" panose="02000500000000020004" pitchFamily="2" charset="77"/>
+                <a:cs typeface="Khmer OS Content" panose="02000500000000020004" pitchFamily="2" charset="77"/>
+              </a:rPr>
+              <a:t>arrays[ </a:t>
+            </a:r>
+            <a:r>
+              <a:rPr lang="km-KH" sz="2400" dirty="0">
+                <a:solidFill>
+                  <a:srgbClr val="002060"/>
+                </a:solidFill>
+                <a:latin typeface="Khmer OS Content" panose="02000500000000020004" pitchFamily="2" charset="77"/>
+                <a:cs typeface="Khmer OS Content" panose="02000500000000020004" pitchFamily="2" charset="77"/>
+              </a:rPr>
+              <a:t>សន្ទស្សន៍</a:t>
+            </a:r>
+            <a:r>
+              <a:rPr lang="en-US" sz="2400" dirty="0">
+                <a:solidFill>
+                  <a:srgbClr val="002060"/>
+                </a:solidFill>
+                <a:latin typeface="Khmer OS Content" panose="02000500000000020004" pitchFamily="2" charset="77"/>
+                <a:cs typeface="Khmer OS Content" panose="02000500000000020004" pitchFamily="2" charset="77"/>
+              </a:rPr>
+              <a:t> </a:t>
+            </a:r>
+            <a:r>
+              <a:rPr lang="en-US" sz="2400" dirty="0" err="1">
+                <a:solidFill>
+                  <a:srgbClr val="002060"/>
+                </a:solidFill>
+                <a:latin typeface="Khmer OS Content" panose="02000500000000020004" pitchFamily="2" charset="77"/>
+                <a:cs typeface="Khmer OS Content" panose="02000500000000020004" pitchFamily="2" charset="77"/>
+              </a:rPr>
+              <a:t>ឫ</a:t>
+            </a:r>
+            <a:r>
+              <a:rPr lang="en-US" sz="2400" dirty="0">
+                <a:solidFill>
+                  <a:srgbClr val="002060"/>
+                </a:solidFill>
+                <a:latin typeface="Khmer OS Content" panose="02000500000000020004" pitchFamily="2" charset="77"/>
+                <a:cs typeface="Khmer OS Content" panose="02000500000000020004" pitchFamily="2" charset="77"/>
+              </a:rPr>
+              <a:t> index </a:t>
+            </a:r>
+            <a:r>
+              <a:rPr lang="en-US" sz="2400" dirty="0">
+                <a:solidFill>
+                  <a:srgbClr val="FF0000"/>
+                </a:solidFill>
+                <a:latin typeface="Khmer OS Content" panose="02000500000000020004" pitchFamily="2" charset="77"/>
+                <a:cs typeface="Khmer OS Content" panose="02000500000000020004" pitchFamily="2" charset="77"/>
+              </a:rPr>
+              <a:t>] </a:t>
+            </a:r>
+            <a:r>
+              <a:rPr lang="en-US" sz="2400" dirty="0">
+                <a:solidFill>
+                  <a:srgbClr val="0070C0"/>
+                </a:solidFill>
+                <a:latin typeface="Khmer OS Content" panose="02000500000000020004" pitchFamily="2" charset="77"/>
+                <a:cs typeface="Khmer OS Content" panose="02000500000000020004" pitchFamily="2" charset="77"/>
+              </a:rPr>
+              <a:t>=</a:t>
+            </a:r>
+            <a:r>
+              <a:rPr lang="en-US" sz="2400" dirty="0">
+                <a:solidFill>
+                  <a:srgbClr val="FF0000"/>
+                </a:solidFill>
+                <a:latin typeface="Khmer OS Content" panose="02000500000000020004" pitchFamily="2" charset="77"/>
+                <a:cs typeface="Khmer OS Content" panose="02000500000000020004" pitchFamily="2" charset="77"/>
+              </a:rPr>
+              <a:t> </a:t>
+            </a:r>
+            <a:r>
+              <a:rPr lang="en-US" sz="2400" dirty="0" err="1">
+                <a:solidFill>
+                  <a:srgbClr val="FF0000"/>
+                </a:solidFill>
+                <a:latin typeface="Khmer OS Content" panose="02000500000000020004" pitchFamily="2" charset="77"/>
+                <a:cs typeface="Khmer OS Content" panose="02000500000000020004" pitchFamily="2" charset="77"/>
+              </a:rPr>
+              <a:t>តម្លៃថ្មី</a:t>
+            </a:r>
+            <a:r>
+              <a:rPr lang="en-US" sz="2400" dirty="0">
+                <a:solidFill>
+                  <a:srgbClr val="002060"/>
+                </a:solidFill>
+                <a:latin typeface="Khmer OS Content" panose="02000500000000020004" pitchFamily="2" charset="77"/>
+                <a:cs typeface="Khmer OS Content" panose="02000500000000020004" pitchFamily="2" charset="77"/>
+              </a:rPr>
+              <a:t>;</a:t>
+            </a:r>
+            <a:endParaRPr lang="en-US" sz="2400" dirty="0">
+              <a:solidFill>
+                <a:srgbClr val="0070C0"/>
+              </a:solidFill>
+              <a:latin typeface="Khmer OS Content" panose="02000500000000020004" pitchFamily="2" charset="77"/>
+              <a:cs typeface="Khmer OS Content" panose="02000500000000020004" pitchFamily="2" charset="77"/>
+            </a:endParaRPr>
+          </a:p>
+          <a:p>
+            <a:pPr lvl="1" algn="l">
+              <a:lnSpc>
+                <a:spcPct val="150000"/>
+              </a:lnSpc>
+              <a:spcBef>
+                <a:spcPts val="1500"/>
+              </a:spcBef>
+            </a:pPr>
+            <a:r>
+              <a:rPr lang="en-US" sz="2400" dirty="0">
+                <a:solidFill>
+                  <a:srgbClr val="FF0000"/>
+                </a:solidFill>
+                <a:latin typeface="Khmer OS Content" panose="02000500000000020004" pitchFamily="2" charset="77"/>
+                <a:cs typeface="Khmer OS Content" panose="02000500000000020004" pitchFamily="2" charset="77"/>
+              </a:rPr>
+              <a:t>     </a:t>
+            </a:r>
+            <a:r>
+              <a:rPr lang="en-US" sz="2400" dirty="0" err="1">
+                <a:solidFill>
+                  <a:srgbClr val="002060"/>
+                </a:solidFill>
+                <a:latin typeface="Khmer OS Content" panose="02000500000000020004" pitchFamily="2" charset="77"/>
+                <a:cs typeface="Khmer OS Content" panose="02000500000000020004" pitchFamily="2" charset="77"/>
+              </a:rPr>
+              <a:t>ឧទាហរណ</a:t>
+            </a:r>
+            <a:r>
+              <a:rPr lang="en-US" sz="2400" dirty="0">
+                <a:solidFill>
+                  <a:srgbClr val="002060"/>
+                </a:solidFill>
+                <a:latin typeface="Khmer OS Content" panose="02000500000000020004" pitchFamily="2" charset="77"/>
+                <a:cs typeface="Khmer OS Content" panose="02000500000000020004" pitchFamily="2" charset="77"/>
+              </a:rPr>
+              <a:t>៍៖ </a:t>
+            </a:r>
+            <a:r>
+              <a:rPr lang="en-US" sz="2400" dirty="0" err="1">
+                <a:solidFill>
+                  <a:srgbClr val="FF0000"/>
+                </a:solidFill>
+                <a:latin typeface="Khmer OS Content" panose="02000500000000020004" pitchFamily="2" charset="77"/>
+                <a:cs typeface="Khmer OS Content" panose="02000500000000020004" pitchFamily="2" charset="77"/>
+              </a:rPr>
+              <a:t>studentIds</a:t>
+            </a:r>
+            <a:r>
+              <a:rPr lang="en-US" sz="2400" dirty="0">
+                <a:solidFill>
+                  <a:srgbClr val="FF0000"/>
+                </a:solidFill>
+                <a:latin typeface="Khmer OS Content" panose="02000500000000020004" pitchFamily="2" charset="77"/>
+                <a:cs typeface="Khmer OS Content" panose="02000500000000020004" pitchFamily="2" charset="77"/>
+              </a:rPr>
+              <a:t>[</a:t>
+            </a:r>
+            <a:r>
+              <a:rPr lang="en-US" sz="2400" dirty="0">
+                <a:solidFill>
+                  <a:srgbClr val="002060"/>
+                </a:solidFill>
+                <a:latin typeface="Khmer OS Content" panose="02000500000000020004" pitchFamily="2" charset="77"/>
+                <a:cs typeface="Khmer OS Content" panose="02000500000000020004" pitchFamily="2" charset="77"/>
+              </a:rPr>
+              <a:t>0</a:t>
+            </a:r>
+            <a:r>
+              <a:rPr lang="en-US" sz="2400" dirty="0">
+                <a:solidFill>
+                  <a:srgbClr val="FF0000"/>
+                </a:solidFill>
+                <a:latin typeface="Khmer OS Content" panose="02000500000000020004" pitchFamily="2" charset="77"/>
+                <a:cs typeface="Khmer OS Content" panose="02000500000000020004" pitchFamily="2" charset="77"/>
+              </a:rPr>
+              <a:t>] </a:t>
+            </a:r>
+            <a:r>
+              <a:rPr lang="en-US" sz="2400" dirty="0">
+                <a:solidFill>
+                  <a:srgbClr val="0070C0"/>
+                </a:solidFill>
+                <a:latin typeface="Khmer OS Content" panose="02000500000000020004" pitchFamily="2" charset="77"/>
+                <a:cs typeface="Khmer OS Content" panose="02000500000000020004" pitchFamily="2" charset="77"/>
+              </a:rPr>
+              <a:t>= </a:t>
+            </a:r>
+            <a:r>
+              <a:rPr lang="en-US" sz="2400" dirty="0">
+                <a:solidFill>
+                  <a:srgbClr val="FF0000"/>
+                </a:solidFill>
+                <a:latin typeface="Khmer OS Content" panose="02000500000000020004" pitchFamily="2" charset="77"/>
+                <a:cs typeface="Khmer OS Content" panose="02000500000000020004" pitchFamily="2" charset="77"/>
+              </a:rPr>
+              <a:t>1</a:t>
+            </a:r>
+            <a:r>
+              <a:rPr lang="en-US" sz="2400" dirty="0">
+                <a:solidFill>
+                  <a:srgbClr val="002060"/>
+                </a:solidFill>
+                <a:latin typeface="Khmer OS Content" panose="02000500000000020004" pitchFamily="2" charset="77"/>
+                <a:cs typeface="Khmer OS Content" panose="02000500000000020004" pitchFamily="2" charset="77"/>
+              </a:rPr>
+              <a:t>;</a:t>
+            </a:r>
+          </a:p>
+          <a:p>
+            <a:pPr lvl="1" algn="l">
+              <a:lnSpc>
+                <a:spcPct val="150000"/>
+              </a:lnSpc>
+              <a:spcBef>
+                <a:spcPts val="1500"/>
+              </a:spcBef>
+            </a:pPr>
+            <a:r>
+              <a:rPr lang="en-KH" sz="2400" dirty="0"/>
+              <a:t>👉 </a:t>
+            </a:r>
+            <a:r>
+              <a:rPr lang="en-US" sz="2400" dirty="0" err="1">
+                <a:solidFill>
+                  <a:srgbClr val="002060"/>
+                </a:solidFill>
+                <a:latin typeface="Khmer OS Battambang" panose="02000500000000020004" pitchFamily="2" charset="77"/>
+                <a:cs typeface="Khmer OS Battambang" panose="02000500000000020004" pitchFamily="2" charset="77"/>
+              </a:rPr>
+              <a:t>ដើម្បីពិនិត្យចំនួនធាតុនៃ</a:t>
+            </a:r>
+            <a:r>
+              <a:rPr lang="en-US" sz="2400" dirty="0">
+                <a:solidFill>
+                  <a:srgbClr val="002060"/>
+                </a:solidFill>
+                <a:latin typeface="Khmer OS Battambang" panose="02000500000000020004" pitchFamily="2" charset="77"/>
+                <a:cs typeface="Khmer OS Battambang" panose="02000500000000020004" pitchFamily="2" charset="77"/>
+              </a:rPr>
+              <a:t> Arrays </a:t>
+            </a:r>
+            <a:r>
+              <a:rPr lang="en-US" sz="2400" dirty="0" err="1">
+                <a:solidFill>
+                  <a:srgbClr val="002060"/>
+                </a:solidFill>
+                <a:latin typeface="Khmer OS Battambang" panose="02000500000000020004" pitchFamily="2" charset="77"/>
+                <a:cs typeface="Khmer OS Battambang" panose="02000500000000020004" pitchFamily="2" charset="77"/>
+              </a:rPr>
+              <a:t>យើងត្រូវប្រើ</a:t>
+            </a:r>
+            <a:r>
+              <a:rPr lang="en-US" sz="2400" dirty="0">
+                <a:solidFill>
+                  <a:srgbClr val="002060"/>
+                </a:solidFill>
+                <a:latin typeface="Khmer OS Battambang" panose="02000500000000020004" pitchFamily="2" charset="77"/>
+                <a:cs typeface="Khmer OS Battambang" panose="02000500000000020004" pitchFamily="2" charset="77"/>
+              </a:rPr>
+              <a:t> method  “</a:t>
+            </a:r>
+            <a:r>
+              <a:rPr lang="en-US" sz="2400" dirty="0">
+                <a:solidFill>
+                  <a:srgbClr val="FF0000"/>
+                </a:solidFill>
+                <a:latin typeface="Khmer OS Battambang" panose="02000500000000020004" pitchFamily="2" charset="77"/>
+                <a:cs typeface="Khmer OS Battambang" panose="02000500000000020004" pitchFamily="2" charset="77"/>
+              </a:rPr>
+              <a:t>length</a:t>
+            </a:r>
+            <a:r>
+              <a:rPr lang="en-US" sz="2400" dirty="0">
+                <a:solidFill>
+                  <a:srgbClr val="002060"/>
+                </a:solidFill>
+                <a:latin typeface="Khmer OS Battambang" panose="02000500000000020004" pitchFamily="2" charset="77"/>
+                <a:cs typeface="Khmer OS Battambang" panose="02000500000000020004" pitchFamily="2" charset="77"/>
+              </a:rPr>
+              <a:t>” ។</a:t>
+            </a:r>
+            <a:endParaRPr lang="en-US" dirty="0">
+              <a:solidFill>
+                <a:srgbClr val="FF0000"/>
+              </a:solidFill>
+              <a:latin typeface="Khmer OS Battambang" panose="02000500000000020004" pitchFamily="2" charset="77"/>
+              <a:cs typeface="Khmer OS Battambang" panose="02000500000000020004" pitchFamily="2" charset="77"/>
+            </a:endParaRPr>
+          </a:p>
+          <a:p>
+            <a:pPr lvl="1" algn="l">
+              <a:lnSpc>
+                <a:spcPct val="150000"/>
+              </a:lnSpc>
+              <a:spcBef>
+                <a:spcPts val="1500"/>
+              </a:spcBef>
+            </a:pPr>
+            <a:r>
+              <a:rPr lang="en-US" dirty="0">
+                <a:solidFill>
+                  <a:srgbClr val="FF0000"/>
+                </a:solidFill>
+                <a:latin typeface="Khmer OS Battambang" panose="02000500000000020004" pitchFamily="2" charset="77"/>
+                <a:cs typeface="Khmer OS Battambang" panose="02000500000000020004" pitchFamily="2" charset="77"/>
+              </a:rPr>
+              <a:t>	</a:t>
+            </a:r>
+            <a:r>
+              <a:rPr lang="en-US" dirty="0">
+                <a:solidFill>
+                  <a:srgbClr val="002060"/>
+                </a:solidFill>
+                <a:latin typeface="Khmer OS Content" panose="02000500000000020004" pitchFamily="2" charset="77"/>
+                <a:cs typeface="Khmer OS Content" panose="02000500000000020004" pitchFamily="2" charset="77"/>
+              </a:rPr>
+              <a:t> </a:t>
+            </a:r>
+            <a:r>
+              <a:rPr lang="en-US" dirty="0" err="1">
+                <a:solidFill>
+                  <a:srgbClr val="002060"/>
+                </a:solidFill>
+                <a:latin typeface="Khmer OS Content" panose="02000500000000020004" pitchFamily="2" charset="77"/>
+                <a:cs typeface="Khmer OS Content" panose="02000500000000020004" pitchFamily="2" charset="77"/>
+              </a:rPr>
+              <a:t>ឧទាហរណ</a:t>
+            </a:r>
+            <a:r>
+              <a:rPr lang="en-US" dirty="0">
+                <a:solidFill>
+                  <a:srgbClr val="002060"/>
+                </a:solidFill>
+                <a:latin typeface="Khmer OS Content" panose="02000500000000020004" pitchFamily="2" charset="77"/>
+                <a:cs typeface="Khmer OS Content" panose="02000500000000020004" pitchFamily="2" charset="77"/>
+              </a:rPr>
+              <a:t>៍៖ </a:t>
+            </a:r>
+            <a:r>
+              <a:rPr lang="en-US" dirty="0" err="1">
+                <a:solidFill>
+                  <a:srgbClr val="FF0000"/>
+                </a:solidFill>
+                <a:latin typeface="Khmer OS Content" panose="02000500000000020004" pitchFamily="2" charset="77"/>
+                <a:cs typeface="Khmer OS Content" panose="02000500000000020004" pitchFamily="2" charset="77"/>
+              </a:rPr>
+              <a:t>studentIds</a:t>
+            </a:r>
+            <a:r>
+              <a:rPr lang="en-US" dirty="0" err="1">
+                <a:solidFill>
+                  <a:srgbClr val="FF0000"/>
+                </a:solidFill>
+                <a:latin typeface="Khmer OS Battambang" panose="02000500000000020004" pitchFamily="2" charset="77"/>
+                <a:cs typeface="Khmer OS Battambang" panose="02000500000000020004" pitchFamily="2" charset="77"/>
+              </a:rPr>
+              <a:t>.length</a:t>
+            </a:r>
+            <a:r>
+              <a:rPr lang="en-US" dirty="0">
+                <a:solidFill>
+                  <a:srgbClr val="002060"/>
+                </a:solidFill>
+                <a:latin typeface="Khmer OS Content" panose="02000500000000020004" pitchFamily="2" charset="77"/>
+                <a:cs typeface="Khmer OS Content" panose="02000500000000020004" pitchFamily="2" charset="77"/>
+              </a:rPr>
+              <a:t>;</a:t>
+            </a:r>
+            <a:endParaRPr lang="en-US" dirty="0">
+              <a:solidFill>
+                <a:srgbClr val="FF0000"/>
+              </a:solidFill>
+              <a:latin typeface="Khmer OS Battambang" panose="02000500000000020004" pitchFamily="2" charset="77"/>
+              <a:cs typeface="Khmer OS Battambang" panose="02000500000000020004" pitchFamily="2" charset="77"/>
+            </a:endParaRPr>
+          </a:p>
+          <a:p>
+            <a:pPr lvl="1" algn="l">
+              <a:lnSpc>
+                <a:spcPct val="150000"/>
+              </a:lnSpc>
+              <a:spcBef>
+                <a:spcPts val="1500"/>
+              </a:spcBef>
+            </a:pPr>
+            <a:r>
+              <a:rPr lang="en-US" dirty="0">
+                <a:solidFill>
+                  <a:srgbClr val="0070C0"/>
+                </a:solidFill>
+                <a:latin typeface="Khmer OS Battambang" panose="02000500000000020004" pitchFamily="2" charset="77"/>
+                <a:cs typeface="Khmer OS Battambang" panose="02000500000000020004" pitchFamily="2" charset="77"/>
+              </a:rPr>
+              <a:t>	</a:t>
+            </a:r>
+          </a:p>
+        </p:txBody>
+      </p:sp>
+    </p:spTree>
+    <p:extLst>
+      <p:ext uri="{BB962C8B-B14F-4D97-AF65-F5344CB8AC3E}">
+        <p14:creationId xmlns:p14="http://schemas.microsoft.com/office/powerpoint/2010/main" val="1658285622"/>
+      </p:ext>
+    </p:extLst>
+  </p:cSld>
+  <p:clrMapOvr>
+    <a:masterClrMapping/>
+  </p:clrMapOvr>
+</p:sld>
+</file>
+
+<file path=ppt/slides/slide44.xml><?xml version="1.0" encoding="utf-8"?>
+<p:sld xmlns:a="http://schemas.openxmlformats.org/drawingml/2006/main" xmlns:r="http://schemas.openxmlformats.org/officeDocument/2006/relationships" xmlns:p="http://schemas.openxmlformats.org/presentationml/2006/main">
+  <p:cSld>
+    <p:bg>
+      <p:bgPr>
+        <a:solidFill>
+          <a:schemeClr val="bg1"/>
+        </a:solidFill>
+        <a:effectLst/>
+      </p:bgPr>
+    </p:bg>
+    <p:spTree>
+      <p:nvGrpSpPr>
+        <p:cNvPr id="1" name="">
+          <a:extLst>
+            <a:ext uri="{FF2B5EF4-FFF2-40B4-BE49-F238E27FC236}">
+              <a16:creationId xmlns:a16="http://schemas.microsoft.com/office/drawing/2014/main" id="{A1009183-08C5-FE65-02DC-71F962302FF4}"/>
+            </a:ext>
+          </a:extLst>
+        </p:cNvPr>
+        <p:cNvGrpSpPr/>
+        <p:nvPr/>
+      </p:nvGrpSpPr>
+      <p:grpSpPr>
+        <a:xfrm>
+          <a:off x="0" y="0"/>
+          <a:ext cx="0" cy="0"/>
+          <a:chOff x="0" y="0"/>
+          <a:chExt cx="0" cy="0"/>
+        </a:xfrm>
+      </p:grpSpPr>
+      <p:sp>
+        <p:nvSpPr>
+          <p:cNvPr id="2" name="Title 1">
+            <a:extLst>
+              <a:ext uri="{FF2B5EF4-FFF2-40B4-BE49-F238E27FC236}">
+                <a16:creationId xmlns:a16="http://schemas.microsoft.com/office/drawing/2014/main" id="{D350CD83-6202-5A4E-3C8C-F5F2B9601714}"/>
+              </a:ext>
+            </a:extLst>
+          </p:cNvPr>
+          <p:cNvSpPr>
+            <a:spLocks noGrp="1"/>
+          </p:cNvSpPr>
+          <p:nvPr>
+            <p:ph type="ctrTitle"/>
+          </p:nvPr>
+        </p:nvSpPr>
+        <p:spPr>
+          <a:xfrm>
+            <a:off x="1701800" y="119781"/>
+            <a:ext cx="9144000" cy="789373"/>
+          </a:xfrm>
+        </p:spPr>
+        <p:txBody>
+          <a:bodyPr>
+            <a:normAutofit/>
+          </a:bodyPr>
+          <a:lstStyle/>
+          <a:p>
+            <a:pPr algn="l"/>
+            <a:r>
+              <a:rPr lang="en-US" sz="3600" dirty="0">
+                <a:solidFill>
+                  <a:srgbClr val="002060"/>
+                </a:solidFill>
+                <a:latin typeface="Khmer OS Battambang" panose="02000500000000020004" pitchFamily="2" charset="77"/>
+                <a:cs typeface="Khmer OS Battambang" panose="02000500000000020004" pitchFamily="2" charset="77"/>
+              </a:rPr>
+              <a:t>Arrays (</a:t>
+            </a:r>
+            <a:r>
+              <a:rPr lang="en-US" sz="3600" dirty="0" err="1">
+                <a:solidFill>
+                  <a:srgbClr val="002060"/>
+                </a:solidFill>
+                <a:latin typeface="Khmer OS Battambang" panose="02000500000000020004" pitchFamily="2" charset="77"/>
+                <a:cs typeface="Khmer OS Battambang" panose="02000500000000020004" pitchFamily="2" charset="77"/>
+              </a:rPr>
+              <a:t>ត</a:t>
+            </a:r>
+            <a:r>
+              <a:rPr lang="en-US" sz="3600" dirty="0">
+                <a:solidFill>
+                  <a:srgbClr val="002060"/>
+                </a:solidFill>
+                <a:latin typeface="Khmer OS Battambang" panose="02000500000000020004" pitchFamily="2" charset="77"/>
+                <a:cs typeface="Khmer OS Battambang" panose="02000500000000020004" pitchFamily="2" charset="77"/>
+              </a:rPr>
+              <a:t>)</a:t>
+            </a:r>
+            <a:endParaRPr lang="en-KH" sz="3600" dirty="0">
+              <a:solidFill>
+                <a:srgbClr val="002060"/>
+              </a:solidFill>
+              <a:latin typeface="Khmer OS Battambang" panose="02000500000000020004" pitchFamily="2" charset="77"/>
+              <a:cs typeface="Khmer OS Battambang" panose="02000500000000020004" pitchFamily="2" charset="77"/>
+            </a:endParaRPr>
+          </a:p>
+        </p:txBody>
+      </p:sp>
+      <p:cxnSp>
+        <p:nvCxnSpPr>
+          <p:cNvPr id="8" name="Straight Connector 7">
+            <a:extLst>
+              <a:ext uri="{FF2B5EF4-FFF2-40B4-BE49-F238E27FC236}">
+                <a16:creationId xmlns:a16="http://schemas.microsoft.com/office/drawing/2014/main" id="{49E71593-B715-BCEA-46F2-84C54601C885}"/>
+              </a:ext>
+            </a:extLst>
+          </p:cNvPr>
+          <p:cNvCxnSpPr/>
+          <p:nvPr/>
+        </p:nvCxnSpPr>
+        <p:spPr>
+          <a:xfrm>
+            <a:off x="0" y="1050468"/>
+            <a:ext cx="12192000" cy="0"/>
+          </a:xfrm>
+          <a:prstGeom prst="line">
+            <a:avLst/>
+          </a:prstGeom>
+          <a:ln w="57150">
+            <a:solidFill>
+              <a:srgbClr val="D49B06"/>
+            </a:solidFill>
+          </a:ln>
+        </p:spPr>
+        <p:style>
+          <a:lnRef idx="2">
+            <a:schemeClr val="accent1"/>
+          </a:lnRef>
+          <a:fillRef idx="0">
+            <a:schemeClr val="accent1"/>
+          </a:fillRef>
+          <a:effectRef idx="1">
+            <a:schemeClr val="accent1"/>
+          </a:effectRef>
+          <a:fontRef idx="minor">
+            <a:schemeClr val="tx1"/>
+          </a:fontRef>
+        </p:style>
+      </p:cxnSp>
+      <p:cxnSp>
+        <p:nvCxnSpPr>
+          <p:cNvPr id="10" name="Straight Connector 9">
+            <a:extLst>
+              <a:ext uri="{FF2B5EF4-FFF2-40B4-BE49-F238E27FC236}">
+                <a16:creationId xmlns:a16="http://schemas.microsoft.com/office/drawing/2014/main" id="{830723D0-0790-137B-4BBA-59F6D05382F7}"/>
+              </a:ext>
+            </a:extLst>
+          </p:cNvPr>
+          <p:cNvCxnSpPr>
+            <a:cxnSpLocks/>
+          </p:cNvCxnSpPr>
+          <p:nvPr/>
+        </p:nvCxnSpPr>
+        <p:spPr>
+          <a:xfrm>
+            <a:off x="0" y="979812"/>
+            <a:ext cx="12192000" cy="0"/>
+          </a:xfrm>
+          <a:prstGeom prst="line">
+            <a:avLst/>
+          </a:prstGeom>
+          <a:ln w="57150">
+            <a:solidFill>
+              <a:srgbClr val="1C27CF"/>
+            </a:solidFill>
+          </a:ln>
+        </p:spPr>
+        <p:style>
+          <a:lnRef idx="2">
+            <a:schemeClr val="accent1"/>
+          </a:lnRef>
+          <a:fillRef idx="0">
+            <a:schemeClr val="accent1"/>
+          </a:fillRef>
+          <a:effectRef idx="1">
+            <a:schemeClr val="accent1"/>
+          </a:effectRef>
+          <a:fontRef idx="minor">
+            <a:schemeClr val="tx1"/>
+          </a:fontRef>
+        </p:style>
+      </p:cxnSp>
+      <p:pic>
+        <p:nvPicPr>
+          <p:cNvPr id="47" name="Picture 46" descr="A blue circle with a yellow and white bird in it&#10;&#10;AI-generated content may be incorrect.">
+            <a:extLst>
+              <a:ext uri="{FF2B5EF4-FFF2-40B4-BE49-F238E27FC236}">
+                <a16:creationId xmlns:a16="http://schemas.microsoft.com/office/drawing/2014/main" id="{C9D35385-B7A4-45D0-0C61-9607D17E0299}"/>
+              </a:ext>
+            </a:extLst>
+          </p:cNvPr>
+          <p:cNvPicPr>
+            <a:picLocks noChangeAspect="1"/>
+          </p:cNvPicPr>
+          <p:nvPr/>
+        </p:nvPicPr>
+        <p:blipFill>
+          <a:blip r:embed="rId3"/>
+          <a:stretch>
+            <a:fillRect/>
+          </a:stretch>
+        </p:blipFill>
+        <p:spPr>
+          <a:xfrm>
+            <a:off x="325438" y="219712"/>
+            <a:ext cx="606500" cy="606500"/>
+          </a:xfrm>
+          <a:prstGeom prst="rect">
+            <a:avLst/>
+          </a:prstGeom>
+        </p:spPr>
+      </p:pic>
+      <p:sp>
+        <p:nvSpPr>
+          <p:cNvPr id="7" name="Subtitle 2">
+            <a:extLst>
+              <a:ext uri="{FF2B5EF4-FFF2-40B4-BE49-F238E27FC236}">
+                <a16:creationId xmlns:a16="http://schemas.microsoft.com/office/drawing/2014/main" id="{03298875-D3EA-F93E-A8C5-72729A566A8C}"/>
+              </a:ext>
+            </a:extLst>
+          </p:cNvPr>
+          <p:cNvSpPr>
+            <a:spLocks noGrp="1"/>
+          </p:cNvSpPr>
+          <p:nvPr>
+            <p:ph type="subTitle" idx="1"/>
+          </p:nvPr>
+        </p:nvSpPr>
+        <p:spPr>
+          <a:xfrm>
+            <a:off x="651353" y="1133413"/>
+            <a:ext cx="10459234" cy="5204749"/>
+          </a:xfrm>
+        </p:spPr>
+        <p:txBody>
+          <a:bodyPr>
+            <a:noAutofit/>
+          </a:bodyPr>
+          <a:lstStyle/>
+          <a:p>
+            <a:pPr algn="l">
+              <a:lnSpc>
+                <a:spcPct val="150000"/>
+              </a:lnSpc>
+              <a:spcBef>
+                <a:spcPts val="1500"/>
+              </a:spcBef>
+            </a:pPr>
+            <a:r>
+              <a:rPr lang="en-US" dirty="0">
+                <a:solidFill>
+                  <a:srgbClr val="002060"/>
+                </a:solidFill>
+                <a:latin typeface="Khmer OS Battambang" panose="02000500000000020004" pitchFamily="2" charset="77"/>
+                <a:cs typeface="Khmer OS Battambang" panose="02000500000000020004" pitchFamily="2" charset="77"/>
+              </a:rPr>
+              <a:t> </a:t>
+            </a:r>
+            <a:r>
+              <a:rPr lang="en-KH" dirty="0"/>
+              <a:t>👉 </a:t>
+            </a:r>
+            <a:r>
+              <a:rPr lang="en-US" dirty="0" err="1">
+                <a:solidFill>
+                  <a:srgbClr val="002060"/>
+                </a:solidFill>
+                <a:latin typeface="Khmer OS Battambang" panose="02000500000000020004" pitchFamily="2" charset="77"/>
+                <a:cs typeface="Khmer OS Battambang" panose="02000500000000020004" pitchFamily="2" charset="77"/>
+              </a:rPr>
+              <a:t>ការចូលប្រើតម្លៃនៃធាតុនីមួយដោយប្រើ</a:t>
+            </a:r>
+            <a:r>
+              <a:rPr lang="en-US" dirty="0">
+                <a:solidFill>
+                  <a:srgbClr val="002060"/>
+                </a:solidFill>
+                <a:latin typeface="Khmer OS Battambang" panose="02000500000000020004" pitchFamily="2" charset="77"/>
+                <a:cs typeface="Khmer OS Battambang" panose="02000500000000020004" pitchFamily="2" charset="77"/>
+              </a:rPr>
+              <a:t> loop</a:t>
+            </a:r>
+            <a:r>
+              <a:rPr lang="en-US" dirty="0">
+                <a:solidFill>
+                  <a:srgbClr val="0070C0"/>
+                </a:solidFill>
+                <a:latin typeface="Khmer OS Battambang" panose="02000500000000020004" pitchFamily="2" charset="77"/>
+                <a:cs typeface="Khmer OS Battambang" panose="02000500000000020004" pitchFamily="2" charset="77"/>
+              </a:rPr>
+              <a:t>៖</a:t>
+            </a:r>
+          </a:p>
+          <a:p>
+            <a:pPr marL="800100" lvl="1" indent="-342900" algn="l">
+              <a:lnSpc>
+                <a:spcPct val="150000"/>
+              </a:lnSpc>
+              <a:spcBef>
+                <a:spcPts val="1500"/>
+              </a:spcBef>
+              <a:buFont typeface="Wingdings" pitchFamily="2" charset="2"/>
+              <a:buChar char="Ø"/>
+            </a:pPr>
+            <a:r>
+              <a:rPr lang="en-US" sz="2400" dirty="0">
+                <a:solidFill>
+                  <a:srgbClr val="002060"/>
+                </a:solidFill>
+                <a:latin typeface="Khmer OS Content" panose="02000500000000020004" pitchFamily="2" charset="77"/>
+                <a:cs typeface="Khmer OS Content" panose="02000500000000020004" pitchFamily="2" charset="77"/>
+              </a:rPr>
+              <a:t>ឧទាហរណ៍ទី១​ (for loop)៖</a:t>
+            </a:r>
+            <a:r>
+              <a:rPr lang="en-US" sz="2400" dirty="0">
+                <a:solidFill>
+                  <a:srgbClr val="0070C0"/>
+                </a:solidFill>
+                <a:latin typeface="Khmer OS Content" panose="02000500000000020004" pitchFamily="2" charset="77"/>
+                <a:cs typeface="Khmer OS Content" panose="02000500000000020004" pitchFamily="2" charset="77"/>
+              </a:rPr>
+              <a:t> </a:t>
+            </a:r>
+            <a:endParaRPr lang="en-US" sz="2400" dirty="0">
+              <a:solidFill>
+                <a:srgbClr val="FF0000"/>
+              </a:solidFill>
+              <a:latin typeface="Khmer OS Content" panose="02000500000000020004" pitchFamily="2" charset="77"/>
+              <a:cs typeface="Khmer OS Content" panose="02000500000000020004" pitchFamily="2" charset="77"/>
+            </a:endParaRPr>
+          </a:p>
+          <a:p>
+            <a:pPr lvl="1" algn="l">
+              <a:lnSpc>
+                <a:spcPct val="150000"/>
+              </a:lnSpc>
+              <a:spcBef>
+                <a:spcPts val="1500"/>
+              </a:spcBef>
+            </a:pPr>
+            <a:r>
+              <a:rPr lang="en-US" sz="2400" dirty="0">
+                <a:solidFill>
+                  <a:srgbClr val="FF0000"/>
+                </a:solidFill>
+                <a:latin typeface="Khmer OS Content" panose="02000500000000020004" pitchFamily="2" charset="77"/>
+                <a:cs typeface="Khmer OS Content" panose="02000500000000020004" pitchFamily="2" charset="77"/>
+              </a:rPr>
+              <a:t>	 int[] </a:t>
+            </a:r>
+            <a:r>
+              <a:rPr lang="en-US" sz="2400" dirty="0" err="1">
+                <a:solidFill>
+                  <a:srgbClr val="0070C0"/>
+                </a:solidFill>
+                <a:latin typeface="Khmer OS Content" panose="02000500000000020004" pitchFamily="2" charset="77"/>
+                <a:cs typeface="Khmer OS Content" panose="02000500000000020004" pitchFamily="2" charset="77"/>
+              </a:rPr>
+              <a:t>studentIds</a:t>
+            </a:r>
+            <a:r>
+              <a:rPr lang="en-US" sz="2400" dirty="0">
+                <a:solidFill>
+                  <a:srgbClr val="FF0000"/>
+                </a:solidFill>
+                <a:latin typeface="Khmer OS Content" panose="02000500000000020004" pitchFamily="2" charset="77"/>
+                <a:cs typeface="Khmer OS Content" panose="02000500000000020004" pitchFamily="2" charset="77"/>
+              </a:rPr>
+              <a:t> </a:t>
+            </a:r>
+            <a:r>
+              <a:rPr lang="en-US" sz="2400" dirty="0">
+                <a:solidFill>
+                  <a:srgbClr val="0070C0"/>
+                </a:solidFill>
+                <a:latin typeface="Khmer OS Content" panose="02000500000000020004" pitchFamily="2" charset="77"/>
+                <a:cs typeface="Khmer OS Content" panose="02000500000000020004" pitchFamily="2" charset="77"/>
+              </a:rPr>
+              <a:t>=</a:t>
+            </a:r>
+            <a:r>
+              <a:rPr lang="en-US" sz="2400" dirty="0">
+                <a:solidFill>
+                  <a:srgbClr val="FF0000"/>
+                </a:solidFill>
+                <a:latin typeface="Khmer OS Content" panose="02000500000000020004" pitchFamily="2" charset="77"/>
+                <a:cs typeface="Khmer OS Content" panose="02000500000000020004" pitchFamily="2" charset="77"/>
+              </a:rPr>
+              <a:t> {</a:t>
+            </a:r>
+            <a:r>
+              <a:rPr lang="en-US" sz="2400" dirty="0">
+                <a:solidFill>
+                  <a:srgbClr val="002060"/>
+                </a:solidFill>
+                <a:latin typeface="Khmer OS Content" panose="02000500000000020004" pitchFamily="2" charset="77"/>
+                <a:cs typeface="Khmer OS Content" panose="02000500000000020004" pitchFamily="2" charset="77"/>
+              </a:rPr>
+              <a:t>1</a:t>
+            </a:r>
+            <a:r>
+              <a:rPr lang="en-US" sz="2400" dirty="0">
+                <a:solidFill>
+                  <a:srgbClr val="FF0000"/>
+                </a:solidFill>
+                <a:latin typeface="Khmer OS Content" panose="02000500000000020004" pitchFamily="2" charset="77"/>
+                <a:cs typeface="Khmer OS Content" panose="02000500000000020004" pitchFamily="2" charset="77"/>
+              </a:rPr>
+              <a:t>, </a:t>
+            </a:r>
+            <a:r>
+              <a:rPr lang="en-US" sz="2400" dirty="0">
+                <a:solidFill>
+                  <a:srgbClr val="002060"/>
+                </a:solidFill>
+                <a:latin typeface="Khmer OS Content" panose="02000500000000020004" pitchFamily="2" charset="77"/>
+                <a:cs typeface="Khmer OS Content" panose="02000500000000020004" pitchFamily="2" charset="77"/>
+              </a:rPr>
+              <a:t>3</a:t>
+            </a:r>
+            <a:r>
+              <a:rPr lang="en-US" sz="2400" dirty="0">
+                <a:solidFill>
+                  <a:srgbClr val="FF0000"/>
+                </a:solidFill>
+                <a:latin typeface="Khmer OS Content" panose="02000500000000020004" pitchFamily="2" charset="77"/>
+                <a:cs typeface="Khmer OS Content" panose="02000500000000020004" pitchFamily="2" charset="77"/>
+              </a:rPr>
+              <a:t>, </a:t>
+            </a:r>
+            <a:r>
+              <a:rPr lang="en-US" sz="2400" dirty="0">
+                <a:solidFill>
+                  <a:srgbClr val="002060"/>
+                </a:solidFill>
+                <a:latin typeface="Khmer OS Content" panose="02000500000000020004" pitchFamily="2" charset="77"/>
+                <a:cs typeface="Khmer OS Content" panose="02000500000000020004" pitchFamily="2" charset="77"/>
+              </a:rPr>
+              <a:t>5</a:t>
+            </a:r>
+            <a:r>
+              <a:rPr lang="en-US" sz="2400" dirty="0">
+                <a:solidFill>
+                  <a:srgbClr val="FF0000"/>
+                </a:solidFill>
+                <a:latin typeface="Khmer OS Content" panose="02000500000000020004" pitchFamily="2" charset="77"/>
+                <a:cs typeface="Khmer OS Content" panose="02000500000000020004" pitchFamily="2" charset="77"/>
+              </a:rPr>
+              <a:t>}</a:t>
+            </a:r>
+            <a:r>
+              <a:rPr lang="en-US" sz="2400" dirty="0">
+                <a:solidFill>
+                  <a:srgbClr val="002060"/>
+                </a:solidFill>
+                <a:latin typeface="Khmer OS Content" panose="02000500000000020004" pitchFamily="2" charset="77"/>
+                <a:cs typeface="Khmer OS Content" panose="02000500000000020004" pitchFamily="2" charset="77"/>
+              </a:rPr>
+              <a:t>;</a:t>
+            </a:r>
+          </a:p>
+          <a:p>
+            <a:pPr lvl="1" algn="l">
+              <a:lnSpc>
+                <a:spcPct val="150000"/>
+              </a:lnSpc>
+              <a:spcBef>
+                <a:spcPts val="1500"/>
+              </a:spcBef>
+            </a:pPr>
+            <a:r>
+              <a:rPr lang="en-US" sz="2400" dirty="0">
+                <a:solidFill>
+                  <a:srgbClr val="002060"/>
+                </a:solidFill>
+                <a:latin typeface="Khmer OS Content" panose="02000500000000020004" pitchFamily="2" charset="77"/>
+                <a:cs typeface="Khmer OS Content" panose="02000500000000020004" pitchFamily="2" charset="77"/>
+              </a:rPr>
+              <a:t>      for(</a:t>
+            </a:r>
+            <a:r>
+              <a:rPr lang="en-US" sz="2400" dirty="0">
+                <a:solidFill>
+                  <a:srgbClr val="FF0000"/>
+                </a:solidFill>
+                <a:latin typeface="Khmer OS Content" panose="02000500000000020004" pitchFamily="2" charset="77"/>
+                <a:cs typeface="Khmer OS Content" panose="02000500000000020004" pitchFamily="2" charset="77"/>
+              </a:rPr>
+              <a:t>int</a:t>
+            </a:r>
+            <a:r>
+              <a:rPr lang="en-US" sz="2400" dirty="0">
+                <a:solidFill>
+                  <a:srgbClr val="002060"/>
+                </a:solidFill>
+                <a:latin typeface="Khmer OS Content" panose="02000500000000020004" pitchFamily="2" charset="77"/>
+                <a:cs typeface="Khmer OS Content" panose="02000500000000020004" pitchFamily="2" charset="77"/>
+              </a:rPr>
+              <a:t> </a:t>
+            </a:r>
+            <a:r>
+              <a:rPr lang="en-US" sz="2400" dirty="0" err="1">
+                <a:solidFill>
+                  <a:srgbClr val="002060"/>
+                </a:solidFill>
+                <a:latin typeface="Khmer OS Content" panose="02000500000000020004" pitchFamily="2" charset="77"/>
+                <a:cs typeface="Khmer OS Content" panose="02000500000000020004" pitchFamily="2" charset="77"/>
+              </a:rPr>
+              <a:t>i</a:t>
+            </a:r>
+            <a:r>
+              <a:rPr lang="en-US" sz="2400" dirty="0">
+                <a:solidFill>
+                  <a:srgbClr val="002060"/>
+                </a:solidFill>
+                <a:latin typeface="Khmer OS Content" panose="02000500000000020004" pitchFamily="2" charset="77"/>
+                <a:cs typeface="Khmer OS Content" panose="02000500000000020004" pitchFamily="2" charset="77"/>
+              </a:rPr>
+              <a:t>=</a:t>
+            </a:r>
+            <a:r>
+              <a:rPr lang="en-US" sz="2400" dirty="0">
+                <a:solidFill>
+                  <a:srgbClr val="FF0000"/>
+                </a:solidFill>
+                <a:latin typeface="Khmer OS Content" panose="02000500000000020004" pitchFamily="2" charset="77"/>
+                <a:cs typeface="Khmer OS Content" panose="02000500000000020004" pitchFamily="2" charset="77"/>
+              </a:rPr>
+              <a:t>0</a:t>
+            </a:r>
+            <a:r>
+              <a:rPr lang="en-US" sz="2400" dirty="0">
+                <a:solidFill>
+                  <a:srgbClr val="002060"/>
+                </a:solidFill>
+                <a:latin typeface="Khmer OS Content" panose="02000500000000020004" pitchFamily="2" charset="77"/>
+                <a:cs typeface="Khmer OS Content" panose="02000500000000020004" pitchFamily="2" charset="77"/>
+              </a:rPr>
+              <a:t>; </a:t>
+            </a:r>
+            <a:r>
+              <a:rPr lang="en-US" sz="2400" dirty="0" err="1">
+                <a:solidFill>
+                  <a:srgbClr val="002060"/>
+                </a:solidFill>
+                <a:latin typeface="Khmer OS Content" panose="02000500000000020004" pitchFamily="2" charset="77"/>
+                <a:cs typeface="Khmer OS Content" panose="02000500000000020004" pitchFamily="2" charset="77"/>
+              </a:rPr>
+              <a:t>i</a:t>
+            </a:r>
+            <a:r>
+              <a:rPr lang="en-US" sz="2400" dirty="0">
+                <a:solidFill>
+                  <a:srgbClr val="002060"/>
+                </a:solidFill>
+                <a:latin typeface="Khmer OS Content" panose="02000500000000020004" pitchFamily="2" charset="77"/>
+                <a:cs typeface="Khmer OS Content" panose="02000500000000020004" pitchFamily="2" charset="77"/>
+              </a:rPr>
+              <a:t> </a:t>
+            </a:r>
+            <a:r>
+              <a:rPr lang="en-US" sz="2400" dirty="0">
+                <a:solidFill>
+                  <a:srgbClr val="FF0000"/>
+                </a:solidFill>
+                <a:latin typeface="Khmer OS Content" panose="02000500000000020004" pitchFamily="2" charset="77"/>
+                <a:cs typeface="Khmer OS Content" panose="02000500000000020004" pitchFamily="2" charset="77"/>
+              </a:rPr>
+              <a:t>&lt;</a:t>
+            </a:r>
+            <a:r>
+              <a:rPr lang="en-US" sz="2400" dirty="0">
+                <a:solidFill>
+                  <a:srgbClr val="002060"/>
+                </a:solidFill>
+                <a:latin typeface="Khmer OS Content" panose="02000500000000020004" pitchFamily="2" charset="77"/>
+                <a:cs typeface="Khmer OS Content" panose="02000500000000020004" pitchFamily="2" charset="77"/>
+              </a:rPr>
+              <a:t> </a:t>
+            </a:r>
+            <a:r>
+              <a:rPr lang="en-US" sz="2400" dirty="0" err="1">
+                <a:solidFill>
+                  <a:srgbClr val="0070C0"/>
+                </a:solidFill>
+                <a:latin typeface="Khmer OS Content" panose="02000500000000020004" pitchFamily="2" charset="77"/>
+                <a:cs typeface="Khmer OS Content" panose="02000500000000020004" pitchFamily="2" charset="77"/>
+              </a:rPr>
+              <a:t>studentIds</a:t>
+            </a:r>
+            <a:r>
+              <a:rPr lang="en-US" sz="2400" dirty="0" err="1">
+                <a:solidFill>
+                  <a:srgbClr val="002060"/>
+                </a:solidFill>
+                <a:latin typeface="Khmer OS Content" panose="02000500000000020004" pitchFamily="2" charset="77"/>
+                <a:cs typeface="Khmer OS Content" panose="02000500000000020004" pitchFamily="2" charset="77"/>
+              </a:rPr>
+              <a:t>.length</a:t>
+            </a:r>
+            <a:r>
+              <a:rPr lang="en-US" sz="2400" dirty="0">
+                <a:solidFill>
+                  <a:srgbClr val="002060"/>
+                </a:solidFill>
+                <a:latin typeface="Khmer OS Content" panose="02000500000000020004" pitchFamily="2" charset="77"/>
+                <a:cs typeface="Khmer OS Content" panose="02000500000000020004" pitchFamily="2" charset="77"/>
+              </a:rPr>
+              <a:t>; </a:t>
+            </a:r>
+            <a:r>
+              <a:rPr lang="en-US" sz="2400" dirty="0" err="1">
+                <a:solidFill>
+                  <a:srgbClr val="002060"/>
+                </a:solidFill>
+                <a:latin typeface="Khmer OS Content" panose="02000500000000020004" pitchFamily="2" charset="77"/>
+                <a:cs typeface="Khmer OS Content" panose="02000500000000020004" pitchFamily="2" charset="77"/>
+              </a:rPr>
+              <a:t>i</a:t>
+            </a:r>
+            <a:r>
+              <a:rPr lang="en-US" sz="2400" dirty="0">
+                <a:solidFill>
+                  <a:srgbClr val="FF0000"/>
+                </a:solidFill>
+                <a:latin typeface="Khmer OS Content" panose="02000500000000020004" pitchFamily="2" charset="77"/>
+                <a:cs typeface="Khmer OS Content" panose="02000500000000020004" pitchFamily="2" charset="77"/>
+              </a:rPr>
+              <a:t>++</a:t>
+            </a:r>
+            <a:r>
+              <a:rPr lang="en-US" sz="2400" dirty="0">
+                <a:solidFill>
+                  <a:srgbClr val="002060"/>
+                </a:solidFill>
+                <a:latin typeface="Khmer OS Content" panose="02000500000000020004" pitchFamily="2" charset="77"/>
+                <a:cs typeface="Khmer OS Content" panose="02000500000000020004" pitchFamily="2" charset="77"/>
+              </a:rPr>
+              <a:t>){</a:t>
+            </a:r>
+          </a:p>
+          <a:p>
+            <a:pPr lvl="1" algn="l">
+              <a:lnSpc>
+                <a:spcPct val="150000"/>
+              </a:lnSpc>
+              <a:spcBef>
+                <a:spcPts val="1500"/>
+              </a:spcBef>
+            </a:pPr>
+            <a:r>
+              <a:rPr lang="en-US" sz="2400" dirty="0">
+                <a:solidFill>
+                  <a:srgbClr val="002060"/>
+                </a:solidFill>
+                <a:latin typeface="Khmer OS Content" panose="02000500000000020004" pitchFamily="2" charset="77"/>
+                <a:cs typeface="Khmer OS Content" panose="02000500000000020004" pitchFamily="2" charset="77"/>
+              </a:rPr>
+              <a:t>             </a:t>
+            </a:r>
+            <a:r>
+              <a:rPr lang="en-US" sz="2400" dirty="0" err="1">
+                <a:solidFill>
+                  <a:srgbClr val="002060"/>
+                </a:solidFill>
+                <a:latin typeface="Khmer OS Content" panose="02000500000000020004" pitchFamily="2" charset="77"/>
+                <a:cs typeface="Khmer OS Content" panose="02000500000000020004" pitchFamily="2" charset="77"/>
+              </a:rPr>
+              <a:t>System.out.println</a:t>
+            </a:r>
+            <a:r>
+              <a:rPr lang="en-US" sz="2400" dirty="0">
+                <a:solidFill>
+                  <a:srgbClr val="002060"/>
+                </a:solidFill>
+                <a:latin typeface="Khmer OS Content" panose="02000500000000020004" pitchFamily="2" charset="77"/>
+                <a:cs typeface="Khmer OS Content" panose="02000500000000020004" pitchFamily="2" charset="77"/>
+              </a:rPr>
+              <a:t>(</a:t>
+            </a:r>
+            <a:r>
+              <a:rPr lang="en-US" sz="2400" dirty="0">
+                <a:solidFill>
+                  <a:srgbClr val="FF0000"/>
+                </a:solidFill>
+                <a:latin typeface="Khmer OS Content" panose="02000500000000020004" pitchFamily="2" charset="77"/>
+                <a:cs typeface="Khmer OS Content" panose="02000500000000020004" pitchFamily="2" charset="77"/>
+              </a:rPr>
+              <a:t>"</a:t>
+            </a:r>
+            <a:r>
+              <a:rPr lang="en-US" sz="2400" dirty="0" err="1">
+                <a:solidFill>
+                  <a:srgbClr val="FF0000"/>
+                </a:solidFill>
+                <a:latin typeface="Khmer OS Content" panose="02000500000000020004" pitchFamily="2" charset="77"/>
+                <a:cs typeface="Khmer OS Content" panose="02000500000000020004" pitchFamily="2" charset="77"/>
+              </a:rPr>
+              <a:t>studentId</a:t>
+            </a:r>
+            <a:r>
+              <a:rPr lang="en-US" sz="2400" dirty="0">
+                <a:solidFill>
+                  <a:srgbClr val="FF0000"/>
+                </a:solidFill>
+                <a:latin typeface="Khmer OS Content" panose="02000500000000020004" pitchFamily="2" charset="77"/>
+                <a:cs typeface="Khmer OS Content" panose="02000500000000020004" pitchFamily="2" charset="77"/>
+              </a:rPr>
+              <a:t>["</a:t>
+            </a:r>
+            <a:r>
+              <a:rPr lang="en-US" sz="2400" dirty="0">
+                <a:solidFill>
+                  <a:srgbClr val="002060"/>
+                </a:solidFill>
+                <a:latin typeface="Khmer OS Content" panose="02000500000000020004" pitchFamily="2" charset="77"/>
+                <a:cs typeface="Khmer OS Content" panose="02000500000000020004" pitchFamily="2" charset="77"/>
+              </a:rPr>
+              <a:t>+ </a:t>
+            </a:r>
+            <a:r>
+              <a:rPr lang="en-US" sz="2400" dirty="0" err="1">
+                <a:solidFill>
+                  <a:srgbClr val="002060"/>
+                </a:solidFill>
+                <a:latin typeface="Khmer OS Content" panose="02000500000000020004" pitchFamily="2" charset="77"/>
+                <a:cs typeface="Khmer OS Content" panose="02000500000000020004" pitchFamily="2" charset="77"/>
+              </a:rPr>
+              <a:t>i</a:t>
+            </a:r>
+            <a:r>
+              <a:rPr lang="en-US" sz="2400" dirty="0">
+                <a:solidFill>
+                  <a:srgbClr val="002060"/>
+                </a:solidFill>
+                <a:latin typeface="Khmer OS Content" panose="02000500000000020004" pitchFamily="2" charset="77"/>
+                <a:cs typeface="Khmer OS Content" panose="02000500000000020004" pitchFamily="2" charset="77"/>
+              </a:rPr>
+              <a:t> +</a:t>
+            </a:r>
+            <a:r>
+              <a:rPr lang="en-US" sz="2400" dirty="0">
+                <a:solidFill>
+                  <a:srgbClr val="FF0000"/>
+                </a:solidFill>
+                <a:latin typeface="Khmer OS Content" panose="02000500000000020004" pitchFamily="2" charset="77"/>
+                <a:cs typeface="Khmer OS Content" panose="02000500000000020004" pitchFamily="2" charset="77"/>
+              </a:rPr>
+              <a:t>"]: "</a:t>
+            </a:r>
+            <a:r>
+              <a:rPr lang="en-US" sz="2400" dirty="0">
+                <a:solidFill>
+                  <a:srgbClr val="002060"/>
+                </a:solidFill>
+                <a:latin typeface="Khmer OS Content" panose="02000500000000020004" pitchFamily="2" charset="77"/>
+                <a:cs typeface="Khmer OS Content" panose="02000500000000020004" pitchFamily="2" charset="77"/>
+              </a:rPr>
+              <a:t>+ </a:t>
+            </a:r>
+            <a:r>
+              <a:rPr lang="en-US" sz="2400" dirty="0" err="1">
+                <a:solidFill>
+                  <a:srgbClr val="0070C0"/>
+                </a:solidFill>
+                <a:latin typeface="Khmer OS Content" panose="02000500000000020004" pitchFamily="2" charset="77"/>
+                <a:cs typeface="Khmer OS Content" panose="02000500000000020004" pitchFamily="2" charset="77"/>
+              </a:rPr>
+              <a:t>studentIds</a:t>
+            </a:r>
+            <a:r>
+              <a:rPr lang="en-US" sz="2400" dirty="0">
+                <a:solidFill>
+                  <a:srgbClr val="FF0000"/>
+                </a:solidFill>
+                <a:latin typeface="Khmer OS Content" panose="02000500000000020004" pitchFamily="2" charset="77"/>
+                <a:cs typeface="Khmer OS Content" panose="02000500000000020004" pitchFamily="2" charset="77"/>
+              </a:rPr>
+              <a:t>[</a:t>
+            </a:r>
+            <a:r>
+              <a:rPr lang="en-US" sz="2400" dirty="0" err="1">
+                <a:solidFill>
+                  <a:srgbClr val="002060"/>
+                </a:solidFill>
+                <a:latin typeface="Khmer OS Content" panose="02000500000000020004" pitchFamily="2" charset="77"/>
+                <a:cs typeface="Khmer OS Content" panose="02000500000000020004" pitchFamily="2" charset="77"/>
+              </a:rPr>
+              <a:t>i</a:t>
+            </a:r>
+            <a:r>
+              <a:rPr lang="en-US" sz="2400" dirty="0">
+                <a:solidFill>
+                  <a:srgbClr val="FF0000"/>
+                </a:solidFill>
+                <a:latin typeface="Khmer OS Content" panose="02000500000000020004" pitchFamily="2" charset="77"/>
+                <a:cs typeface="Khmer OS Content" panose="02000500000000020004" pitchFamily="2" charset="77"/>
+              </a:rPr>
+              <a:t>]</a:t>
+            </a:r>
+            <a:r>
+              <a:rPr lang="en-US" sz="2400" dirty="0">
+                <a:solidFill>
+                  <a:srgbClr val="002060"/>
+                </a:solidFill>
+                <a:latin typeface="Khmer OS Content" panose="02000500000000020004" pitchFamily="2" charset="77"/>
+                <a:cs typeface="Khmer OS Content" panose="02000500000000020004" pitchFamily="2" charset="77"/>
+              </a:rPr>
+              <a:t>);</a:t>
+            </a:r>
+          </a:p>
+          <a:p>
+            <a:pPr lvl="1" algn="l">
+              <a:lnSpc>
+                <a:spcPct val="150000"/>
+              </a:lnSpc>
+              <a:spcBef>
+                <a:spcPts val="1500"/>
+              </a:spcBef>
+            </a:pPr>
+            <a:r>
+              <a:rPr lang="en-US" sz="2400" dirty="0">
+                <a:solidFill>
+                  <a:srgbClr val="002060"/>
+                </a:solidFill>
+                <a:latin typeface="Khmer OS Content" panose="02000500000000020004" pitchFamily="2" charset="77"/>
+                <a:cs typeface="Khmer OS Content" panose="02000500000000020004" pitchFamily="2" charset="77"/>
+              </a:rPr>
+              <a:t>      }</a:t>
+            </a:r>
+            <a:br>
+              <a:rPr lang="en-US" dirty="0">
+                <a:solidFill>
+                  <a:srgbClr val="0070C0"/>
+                </a:solidFill>
+                <a:latin typeface="Khmer OS Battambang" panose="02000500000000020004" pitchFamily="2" charset="77"/>
+                <a:cs typeface="Khmer OS Battambang" panose="02000500000000020004" pitchFamily="2" charset="77"/>
+              </a:rPr>
+            </a:br>
+            <a:endParaRPr lang="en-US" dirty="0">
+              <a:solidFill>
+                <a:srgbClr val="0070C0"/>
+              </a:solidFill>
+              <a:latin typeface="Khmer OS Battambang" panose="02000500000000020004" pitchFamily="2" charset="77"/>
+              <a:cs typeface="Khmer OS Battambang" panose="02000500000000020004" pitchFamily="2" charset="77"/>
+            </a:endParaRPr>
+          </a:p>
+        </p:txBody>
+      </p:sp>
+    </p:spTree>
+    <p:extLst>
+      <p:ext uri="{BB962C8B-B14F-4D97-AF65-F5344CB8AC3E}">
+        <p14:creationId xmlns:p14="http://schemas.microsoft.com/office/powerpoint/2010/main" val="93930204"/>
+      </p:ext>
+    </p:extLst>
+  </p:cSld>
+  <p:clrMapOvr>
+    <a:masterClrMapping/>
+  </p:clrMapOvr>
+</p:sld>
+</file>
+
+<file path=ppt/slides/slide45.xml><?xml version="1.0" encoding="utf-8"?>
+<p:sld xmlns:a="http://schemas.openxmlformats.org/drawingml/2006/main" xmlns:r="http://schemas.openxmlformats.org/officeDocument/2006/relationships" xmlns:p="http://schemas.openxmlformats.org/presentationml/2006/main">
+  <p:cSld>
+    <p:bg>
+      <p:bgPr>
+        <a:solidFill>
+          <a:schemeClr val="bg1"/>
+        </a:solidFill>
+        <a:effectLst/>
+      </p:bgPr>
+    </p:bg>
+    <p:spTree>
+      <p:nvGrpSpPr>
+        <p:cNvPr id="1" name="">
+          <a:extLst>
+            <a:ext uri="{FF2B5EF4-FFF2-40B4-BE49-F238E27FC236}">
+              <a16:creationId xmlns:a16="http://schemas.microsoft.com/office/drawing/2014/main" id="{B60D7547-6B57-1118-CC4F-C65DE11E0129}"/>
+            </a:ext>
+          </a:extLst>
+        </p:cNvPr>
+        <p:cNvGrpSpPr/>
+        <p:nvPr/>
+      </p:nvGrpSpPr>
+      <p:grpSpPr>
+        <a:xfrm>
+          <a:off x="0" y="0"/>
+          <a:ext cx="0" cy="0"/>
+          <a:chOff x="0" y="0"/>
+          <a:chExt cx="0" cy="0"/>
+        </a:xfrm>
+      </p:grpSpPr>
+      <p:sp>
+        <p:nvSpPr>
+          <p:cNvPr id="2" name="Title 1">
+            <a:extLst>
+              <a:ext uri="{FF2B5EF4-FFF2-40B4-BE49-F238E27FC236}">
+                <a16:creationId xmlns:a16="http://schemas.microsoft.com/office/drawing/2014/main" id="{FB2F95E9-ECB9-0445-B635-F3C628955687}"/>
+              </a:ext>
+            </a:extLst>
+          </p:cNvPr>
+          <p:cNvSpPr>
+            <a:spLocks noGrp="1"/>
+          </p:cNvSpPr>
+          <p:nvPr>
+            <p:ph type="ctrTitle"/>
+          </p:nvPr>
+        </p:nvSpPr>
+        <p:spPr>
+          <a:xfrm>
+            <a:off x="1701800" y="119781"/>
+            <a:ext cx="9144000" cy="789373"/>
+          </a:xfrm>
+        </p:spPr>
+        <p:txBody>
+          <a:bodyPr>
+            <a:normAutofit/>
+          </a:bodyPr>
+          <a:lstStyle/>
+          <a:p>
+            <a:pPr algn="l"/>
+            <a:r>
+              <a:rPr lang="en-US" sz="3600" dirty="0">
+                <a:solidFill>
+                  <a:srgbClr val="002060"/>
+                </a:solidFill>
+                <a:latin typeface="Khmer OS Battambang" panose="02000500000000020004" pitchFamily="2" charset="77"/>
+                <a:cs typeface="Khmer OS Battambang" panose="02000500000000020004" pitchFamily="2" charset="77"/>
+              </a:rPr>
+              <a:t>Arrays (</a:t>
+            </a:r>
+            <a:r>
+              <a:rPr lang="en-US" sz="3600" dirty="0" err="1">
+                <a:solidFill>
+                  <a:srgbClr val="002060"/>
+                </a:solidFill>
+                <a:latin typeface="Khmer OS Battambang" panose="02000500000000020004" pitchFamily="2" charset="77"/>
+                <a:cs typeface="Khmer OS Battambang" panose="02000500000000020004" pitchFamily="2" charset="77"/>
+              </a:rPr>
+              <a:t>ត</a:t>
+            </a:r>
+            <a:r>
+              <a:rPr lang="en-US" sz="3600" dirty="0">
+                <a:solidFill>
+                  <a:srgbClr val="002060"/>
+                </a:solidFill>
+                <a:latin typeface="Khmer OS Battambang" panose="02000500000000020004" pitchFamily="2" charset="77"/>
+                <a:cs typeface="Khmer OS Battambang" panose="02000500000000020004" pitchFamily="2" charset="77"/>
+              </a:rPr>
+              <a:t>)</a:t>
+            </a:r>
+            <a:endParaRPr lang="en-KH" sz="3600" dirty="0">
+              <a:solidFill>
+                <a:srgbClr val="002060"/>
+              </a:solidFill>
+              <a:latin typeface="Khmer OS Battambang" panose="02000500000000020004" pitchFamily="2" charset="77"/>
+              <a:cs typeface="Khmer OS Battambang" panose="02000500000000020004" pitchFamily="2" charset="77"/>
+            </a:endParaRPr>
+          </a:p>
+        </p:txBody>
+      </p:sp>
+      <p:cxnSp>
+        <p:nvCxnSpPr>
+          <p:cNvPr id="8" name="Straight Connector 7">
+            <a:extLst>
+              <a:ext uri="{FF2B5EF4-FFF2-40B4-BE49-F238E27FC236}">
+                <a16:creationId xmlns:a16="http://schemas.microsoft.com/office/drawing/2014/main" id="{69203C01-97AD-397D-6D61-7B28EBC5F463}"/>
+              </a:ext>
+            </a:extLst>
+          </p:cNvPr>
+          <p:cNvCxnSpPr/>
+          <p:nvPr/>
+        </p:nvCxnSpPr>
+        <p:spPr>
+          <a:xfrm>
+            <a:off x="0" y="1050468"/>
+            <a:ext cx="12192000" cy="0"/>
+          </a:xfrm>
+          <a:prstGeom prst="line">
+            <a:avLst/>
+          </a:prstGeom>
+          <a:ln w="57150">
+            <a:solidFill>
+              <a:srgbClr val="D49B06"/>
+            </a:solidFill>
+          </a:ln>
+        </p:spPr>
+        <p:style>
+          <a:lnRef idx="2">
+            <a:schemeClr val="accent1"/>
+          </a:lnRef>
+          <a:fillRef idx="0">
+            <a:schemeClr val="accent1"/>
+          </a:fillRef>
+          <a:effectRef idx="1">
+            <a:schemeClr val="accent1"/>
+          </a:effectRef>
+          <a:fontRef idx="minor">
+            <a:schemeClr val="tx1"/>
+          </a:fontRef>
+        </p:style>
+      </p:cxnSp>
+      <p:cxnSp>
+        <p:nvCxnSpPr>
+          <p:cNvPr id="10" name="Straight Connector 9">
+            <a:extLst>
+              <a:ext uri="{FF2B5EF4-FFF2-40B4-BE49-F238E27FC236}">
+                <a16:creationId xmlns:a16="http://schemas.microsoft.com/office/drawing/2014/main" id="{9776468C-97E3-5A19-84FE-196BBD30A614}"/>
+              </a:ext>
+            </a:extLst>
+          </p:cNvPr>
+          <p:cNvCxnSpPr>
+            <a:cxnSpLocks/>
+          </p:cNvCxnSpPr>
+          <p:nvPr/>
+        </p:nvCxnSpPr>
+        <p:spPr>
+          <a:xfrm>
+            <a:off x="0" y="979812"/>
+            <a:ext cx="12192000" cy="0"/>
+          </a:xfrm>
+          <a:prstGeom prst="line">
+            <a:avLst/>
+          </a:prstGeom>
+          <a:ln w="57150">
+            <a:solidFill>
+              <a:srgbClr val="1C27CF"/>
+            </a:solidFill>
+          </a:ln>
+        </p:spPr>
+        <p:style>
+          <a:lnRef idx="2">
+            <a:schemeClr val="accent1"/>
+          </a:lnRef>
+          <a:fillRef idx="0">
+            <a:schemeClr val="accent1"/>
+          </a:fillRef>
+          <a:effectRef idx="1">
+            <a:schemeClr val="accent1"/>
+          </a:effectRef>
+          <a:fontRef idx="minor">
+            <a:schemeClr val="tx1"/>
+          </a:fontRef>
+        </p:style>
+      </p:cxnSp>
+      <p:pic>
+        <p:nvPicPr>
+          <p:cNvPr id="47" name="Picture 46" descr="A blue circle with a yellow and white bird in it&#10;&#10;AI-generated content may be incorrect.">
+            <a:extLst>
+              <a:ext uri="{FF2B5EF4-FFF2-40B4-BE49-F238E27FC236}">
+                <a16:creationId xmlns:a16="http://schemas.microsoft.com/office/drawing/2014/main" id="{D9F0867B-1767-C514-6607-E6F98C72B7C0}"/>
+              </a:ext>
+            </a:extLst>
+          </p:cNvPr>
+          <p:cNvPicPr>
+            <a:picLocks noChangeAspect="1"/>
+          </p:cNvPicPr>
+          <p:nvPr/>
+        </p:nvPicPr>
+        <p:blipFill>
+          <a:blip r:embed="rId3"/>
+          <a:stretch>
+            <a:fillRect/>
+          </a:stretch>
+        </p:blipFill>
+        <p:spPr>
+          <a:xfrm>
+            <a:off x="325438" y="219712"/>
+            <a:ext cx="606500" cy="606500"/>
+          </a:xfrm>
+          <a:prstGeom prst="rect">
+            <a:avLst/>
+          </a:prstGeom>
+        </p:spPr>
+      </p:pic>
+      <p:sp>
+        <p:nvSpPr>
+          <p:cNvPr id="7" name="Subtitle 2">
+            <a:extLst>
+              <a:ext uri="{FF2B5EF4-FFF2-40B4-BE49-F238E27FC236}">
+                <a16:creationId xmlns:a16="http://schemas.microsoft.com/office/drawing/2014/main" id="{5F544F2C-6672-9F74-C84A-3BB025FA7FB5}"/>
+              </a:ext>
+            </a:extLst>
+          </p:cNvPr>
+          <p:cNvSpPr>
+            <a:spLocks noGrp="1"/>
+          </p:cNvSpPr>
+          <p:nvPr>
+            <p:ph type="subTitle" idx="1"/>
+          </p:nvPr>
+        </p:nvSpPr>
+        <p:spPr>
+          <a:xfrm>
+            <a:off x="651353" y="1133413"/>
+            <a:ext cx="10459234" cy="5204749"/>
+          </a:xfrm>
+        </p:spPr>
+        <p:txBody>
+          <a:bodyPr>
+            <a:noAutofit/>
+          </a:bodyPr>
+          <a:lstStyle/>
+          <a:p>
+            <a:pPr marL="800100" lvl="1" indent="-342900" algn="l">
+              <a:lnSpc>
+                <a:spcPct val="150000"/>
+              </a:lnSpc>
+              <a:spcBef>
+                <a:spcPts val="1500"/>
+              </a:spcBef>
+              <a:buFont typeface="Wingdings" pitchFamily="2" charset="2"/>
+              <a:buChar char="Ø"/>
+            </a:pPr>
+            <a:r>
+              <a:rPr lang="en-US" sz="2400" dirty="0">
+                <a:solidFill>
+                  <a:srgbClr val="002060"/>
+                </a:solidFill>
+                <a:latin typeface="Khmer OS Content" panose="02000500000000020004" pitchFamily="2" charset="77"/>
+                <a:cs typeface="Khmer OS Content" panose="02000500000000020004" pitchFamily="2" charset="77"/>
+              </a:rPr>
+              <a:t>ឧទាហរណ៍ទី២​ (for-each loop)៖</a:t>
+            </a:r>
+            <a:r>
+              <a:rPr lang="en-US" sz="2400" dirty="0">
+                <a:solidFill>
+                  <a:srgbClr val="0070C0"/>
+                </a:solidFill>
+                <a:latin typeface="Khmer OS Content" panose="02000500000000020004" pitchFamily="2" charset="77"/>
+                <a:cs typeface="Khmer OS Content" panose="02000500000000020004" pitchFamily="2" charset="77"/>
+              </a:rPr>
+              <a:t> </a:t>
+            </a:r>
+            <a:endParaRPr lang="en-US" sz="2400" dirty="0">
+              <a:solidFill>
+                <a:srgbClr val="FF0000"/>
+              </a:solidFill>
+              <a:latin typeface="Khmer OS Content" panose="02000500000000020004" pitchFamily="2" charset="77"/>
+              <a:cs typeface="Khmer OS Content" panose="02000500000000020004" pitchFamily="2" charset="77"/>
+            </a:endParaRPr>
+          </a:p>
+          <a:p>
+            <a:pPr lvl="1" algn="l">
+              <a:lnSpc>
+                <a:spcPct val="150000"/>
+              </a:lnSpc>
+              <a:spcBef>
+                <a:spcPts val="1500"/>
+              </a:spcBef>
+            </a:pPr>
+            <a:r>
+              <a:rPr lang="en-US" sz="2400" dirty="0">
+                <a:solidFill>
+                  <a:srgbClr val="FF0000"/>
+                </a:solidFill>
+                <a:latin typeface="Khmer OS Content" panose="02000500000000020004" pitchFamily="2" charset="77"/>
+                <a:cs typeface="Khmer OS Content" panose="02000500000000020004" pitchFamily="2" charset="77"/>
+              </a:rPr>
+              <a:t>	 String[] </a:t>
+            </a:r>
+            <a:r>
+              <a:rPr lang="en-US" sz="2400" dirty="0" err="1">
+                <a:solidFill>
+                  <a:srgbClr val="FF0000"/>
+                </a:solidFill>
+                <a:latin typeface="Khmer OS Content" panose="02000500000000020004" pitchFamily="2" charset="77"/>
+                <a:cs typeface="Khmer OS Content" panose="02000500000000020004" pitchFamily="2" charset="77"/>
+              </a:rPr>
+              <a:t>studentIds</a:t>
+            </a:r>
+            <a:r>
+              <a:rPr lang="en-US" sz="2400" dirty="0">
+                <a:solidFill>
+                  <a:srgbClr val="FF0000"/>
+                </a:solidFill>
+                <a:latin typeface="Khmer OS Content" panose="02000500000000020004" pitchFamily="2" charset="77"/>
+                <a:cs typeface="Khmer OS Content" panose="02000500000000020004" pitchFamily="2" charset="77"/>
+              </a:rPr>
+              <a:t> </a:t>
+            </a:r>
+            <a:r>
+              <a:rPr lang="en-US" sz="2400" dirty="0">
+                <a:solidFill>
+                  <a:srgbClr val="0070C0"/>
+                </a:solidFill>
+                <a:latin typeface="Khmer OS Content" panose="02000500000000020004" pitchFamily="2" charset="77"/>
+                <a:cs typeface="Khmer OS Content" panose="02000500000000020004" pitchFamily="2" charset="77"/>
+              </a:rPr>
+              <a:t>=</a:t>
+            </a:r>
+            <a:r>
+              <a:rPr lang="en-US" sz="2400" dirty="0">
+                <a:solidFill>
+                  <a:srgbClr val="FF0000"/>
+                </a:solidFill>
+                <a:latin typeface="Khmer OS Content" panose="02000500000000020004" pitchFamily="2" charset="77"/>
+                <a:cs typeface="Khmer OS Content" panose="02000500000000020004" pitchFamily="2" charset="77"/>
+              </a:rPr>
+              <a:t> {</a:t>
+            </a:r>
+            <a:r>
+              <a:rPr lang="en-US" sz="2400" dirty="0">
+                <a:solidFill>
+                  <a:srgbClr val="002060"/>
+                </a:solidFill>
+                <a:latin typeface="Khmer OS Content" panose="02000500000000020004" pitchFamily="2" charset="77"/>
+                <a:cs typeface="Khmer OS Content" panose="02000500000000020004" pitchFamily="2" charset="77"/>
+              </a:rPr>
+              <a:t>1</a:t>
+            </a:r>
+            <a:r>
+              <a:rPr lang="en-US" sz="2400" dirty="0">
+                <a:solidFill>
+                  <a:srgbClr val="FF0000"/>
+                </a:solidFill>
+                <a:latin typeface="Khmer OS Content" panose="02000500000000020004" pitchFamily="2" charset="77"/>
+                <a:cs typeface="Khmer OS Content" panose="02000500000000020004" pitchFamily="2" charset="77"/>
+              </a:rPr>
+              <a:t>, </a:t>
+            </a:r>
+            <a:r>
+              <a:rPr lang="en-US" sz="2400" dirty="0">
+                <a:solidFill>
+                  <a:srgbClr val="002060"/>
+                </a:solidFill>
+                <a:latin typeface="Khmer OS Content" panose="02000500000000020004" pitchFamily="2" charset="77"/>
+                <a:cs typeface="Khmer OS Content" panose="02000500000000020004" pitchFamily="2" charset="77"/>
+              </a:rPr>
+              <a:t>3</a:t>
+            </a:r>
+            <a:r>
+              <a:rPr lang="en-US" sz="2400" dirty="0">
+                <a:solidFill>
+                  <a:srgbClr val="FF0000"/>
+                </a:solidFill>
+                <a:latin typeface="Khmer OS Content" panose="02000500000000020004" pitchFamily="2" charset="77"/>
+                <a:cs typeface="Khmer OS Content" panose="02000500000000020004" pitchFamily="2" charset="77"/>
+              </a:rPr>
+              <a:t>, </a:t>
+            </a:r>
+            <a:r>
+              <a:rPr lang="en-US" sz="2400" dirty="0">
+                <a:solidFill>
+                  <a:srgbClr val="002060"/>
+                </a:solidFill>
+                <a:latin typeface="Khmer OS Content" panose="02000500000000020004" pitchFamily="2" charset="77"/>
+                <a:cs typeface="Khmer OS Content" panose="02000500000000020004" pitchFamily="2" charset="77"/>
+              </a:rPr>
+              <a:t>5</a:t>
+            </a:r>
+            <a:r>
+              <a:rPr lang="en-US" sz="2400" dirty="0">
+                <a:solidFill>
+                  <a:srgbClr val="FF0000"/>
+                </a:solidFill>
+                <a:latin typeface="Khmer OS Content" panose="02000500000000020004" pitchFamily="2" charset="77"/>
+                <a:cs typeface="Khmer OS Content" panose="02000500000000020004" pitchFamily="2" charset="77"/>
+              </a:rPr>
+              <a:t>}</a:t>
+            </a:r>
+            <a:r>
+              <a:rPr lang="en-US" sz="2400" dirty="0">
+                <a:solidFill>
+                  <a:srgbClr val="002060"/>
+                </a:solidFill>
+                <a:latin typeface="Khmer OS Content" panose="02000500000000020004" pitchFamily="2" charset="77"/>
+                <a:cs typeface="Khmer OS Content" panose="02000500000000020004" pitchFamily="2" charset="77"/>
+              </a:rPr>
+              <a:t>;</a:t>
+            </a:r>
+          </a:p>
+          <a:p>
+            <a:pPr lvl="1" algn="l">
+              <a:lnSpc>
+                <a:spcPct val="150000"/>
+              </a:lnSpc>
+              <a:spcBef>
+                <a:spcPts val="1500"/>
+              </a:spcBef>
+            </a:pPr>
+            <a:r>
+              <a:rPr lang="en-US" sz="2400" dirty="0">
+                <a:solidFill>
+                  <a:srgbClr val="002060"/>
+                </a:solidFill>
+                <a:latin typeface="Khmer OS Content" panose="02000500000000020004" pitchFamily="2" charset="77"/>
+                <a:cs typeface="Khmer OS Content" panose="02000500000000020004" pitchFamily="2" charset="77"/>
+              </a:rPr>
+              <a:t>      for(</a:t>
+            </a:r>
+            <a:r>
+              <a:rPr lang="en-US" sz="2400" dirty="0">
+                <a:solidFill>
+                  <a:srgbClr val="FF0000"/>
+                </a:solidFill>
+                <a:latin typeface="Khmer OS Content" panose="02000500000000020004" pitchFamily="2" charset="77"/>
+                <a:cs typeface="Khmer OS Content" panose="02000500000000020004" pitchFamily="2" charset="77"/>
+              </a:rPr>
+              <a:t>int</a:t>
+            </a:r>
+            <a:r>
+              <a:rPr lang="en-US" sz="2400" dirty="0">
+                <a:solidFill>
+                  <a:srgbClr val="002060"/>
+                </a:solidFill>
+                <a:latin typeface="Khmer OS Content" panose="02000500000000020004" pitchFamily="2" charset="77"/>
+                <a:cs typeface="Khmer OS Content" panose="02000500000000020004" pitchFamily="2" charset="77"/>
+              </a:rPr>
+              <a:t> </a:t>
+            </a:r>
+            <a:r>
+              <a:rPr lang="en-US" sz="2400" dirty="0" err="1">
+                <a:solidFill>
+                  <a:srgbClr val="0070C0"/>
+                </a:solidFill>
+                <a:latin typeface="Khmer OS Content" panose="02000500000000020004" pitchFamily="2" charset="77"/>
+                <a:cs typeface="Khmer OS Content" panose="02000500000000020004" pitchFamily="2" charset="77"/>
+              </a:rPr>
+              <a:t>studentId</a:t>
+            </a:r>
+            <a:r>
+              <a:rPr lang="en-US" sz="2400" dirty="0">
+                <a:solidFill>
+                  <a:srgbClr val="0070C0"/>
+                </a:solidFill>
+                <a:latin typeface="Khmer OS Content" panose="02000500000000020004" pitchFamily="2" charset="77"/>
+                <a:cs typeface="Khmer OS Content" panose="02000500000000020004" pitchFamily="2" charset="77"/>
+              </a:rPr>
+              <a:t>: </a:t>
+            </a:r>
+            <a:r>
+              <a:rPr lang="en-US" sz="2400" dirty="0" err="1">
+                <a:solidFill>
+                  <a:srgbClr val="FF0000"/>
+                </a:solidFill>
+                <a:latin typeface="Khmer OS Content" panose="02000500000000020004" pitchFamily="2" charset="77"/>
+                <a:cs typeface="Khmer OS Content" panose="02000500000000020004" pitchFamily="2" charset="77"/>
+              </a:rPr>
+              <a:t>studentIds</a:t>
+            </a:r>
+            <a:r>
+              <a:rPr lang="en-US" sz="2400" dirty="0">
+                <a:solidFill>
+                  <a:srgbClr val="002060"/>
+                </a:solidFill>
+                <a:latin typeface="Khmer OS Content" panose="02000500000000020004" pitchFamily="2" charset="77"/>
+                <a:cs typeface="Khmer OS Content" panose="02000500000000020004" pitchFamily="2" charset="77"/>
+              </a:rPr>
+              <a:t>){</a:t>
+            </a:r>
+          </a:p>
+          <a:p>
+            <a:pPr lvl="1" algn="l">
+              <a:lnSpc>
+                <a:spcPct val="150000"/>
+              </a:lnSpc>
+              <a:spcBef>
+                <a:spcPts val="1500"/>
+              </a:spcBef>
+            </a:pPr>
+            <a:r>
+              <a:rPr lang="en-US" sz="2400" dirty="0">
+                <a:solidFill>
+                  <a:srgbClr val="002060"/>
+                </a:solidFill>
+                <a:latin typeface="Khmer OS Content" panose="02000500000000020004" pitchFamily="2" charset="77"/>
+                <a:cs typeface="Khmer OS Content" panose="02000500000000020004" pitchFamily="2" charset="77"/>
+              </a:rPr>
+              <a:t> 		 </a:t>
+            </a:r>
+            <a:r>
+              <a:rPr lang="en-US" sz="2400" dirty="0" err="1">
+                <a:solidFill>
+                  <a:srgbClr val="002060"/>
+                </a:solidFill>
+                <a:latin typeface="Khmer OS Content" panose="02000500000000020004" pitchFamily="2" charset="77"/>
+                <a:cs typeface="Khmer OS Content" panose="02000500000000020004" pitchFamily="2" charset="77"/>
+              </a:rPr>
+              <a:t>System.out.println</a:t>
+            </a:r>
+            <a:r>
+              <a:rPr lang="en-US" sz="2400" dirty="0">
+                <a:solidFill>
+                  <a:srgbClr val="002060"/>
+                </a:solidFill>
+                <a:latin typeface="Khmer OS Content" panose="02000500000000020004" pitchFamily="2" charset="77"/>
+                <a:cs typeface="Khmer OS Content" panose="02000500000000020004" pitchFamily="2" charset="77"/>
+              </a:rPr>
+              <a:t>(</a:t>
+            </a:r>
+            <a:r>
+              <a:rPr lang="en-US" sz="2400" dirty="0">
+                <a:solidFill>
+                  <a:srgbClr val="FF0000"/>
+                </a:solidFill>
+                <a:latin typeface="Khmer OS Content" panose="02000500000000020004" pitchFamily="2" charset="77"/>
+                <a:cs typeface="Khmer OS Content" panose="02000500000000020004" pitchFamily="2" charset="77"/>
+              </a:rPr>
+              <a:t>"</a:t>
+            </a:r>
+            <a:r>
+              <a:rPr lang="en-US" sz="2400" dirty="0" err="1">
+                <a:solidFill>
+                  <a:srgbClr val="FF0000"/>
+                </a:solidFill>
+                <a:latin typeface="Khmer OS Content" panose="02000500000000020004" pitchFamily="2" charset="77"/>
+                <a:cs typeface="Khmer OS Content" panose="02000500000000020004" pitchFamily="2" charset="77"/>
+              </a:rPr>
+              <a:t>studentId</a:t>
+            </a:r>
+            <a:r>
+              <a:rPr lang="en-US" sz="2400" dirty="0">
+                <a:solidFill>
+                  <a:srgbClr val="FF0000"/>
+                </a:solidFill>
+                <a:latin typeface="Khmer OS Content" panose="02000500000000020004" pitchFamily="2" charset="77"/>
+                <a:cs typeface="Khmer OS Content" panose="02000500000000020004" pitchFamily="2" charset="77"/>
+              </a:rPr>
+              <a:t>: "</a:t>
+            </a:r>
+            <a:r>
+              <a:rPr lang="en-US" sz="2400" dirty="0">
+                <a:solidFill>
+                  <a:srgbClr val="002060"/>
+                </a:solidFill>
+                <a:latin typeface="Khmer OS Content" panose="02000500000000020004" pitchFamily="2" charset="77"/>
+                <a:cs typeface="Khmer OS Content" panose="02000500000000020004" pitchFamily="2" charset="77"/>
+              </a:rPr>
+              <a:t>+ </a:t>
+            </a:r>
+            <a:r>
+              <a:rPr lang="en-US" sz="2400" dirty="0" err="1">
+                <a:solidFill>
+                  <a:srgbClr val="0070C0"/>
+                </a:solidFill>
+                <a:latin typeface="Khmer OS Content" panose="02000500000000020004" pitchFamily="2" charset="77"/>
+                <a:cs typeface="Khmer OS Content" panose="02000500000000020004" pitchFamily="2" charset="77"/>
+              </a:rPr>
+              <a:t>studentId</a:t>
+            </a:r>
+            <a:r>
+              <a:rPr lang="en-US" sz="2400" dirty="0">
+                <a:solidFill>
+                  <a:srgbClr val="002060"/>
+                </a:solidFill>
+                <a:latin typeface="Khmer OS Content" panose="02000500000000020004" pitchFamily="2" charset="77"/>
+                <a:cs typeface="Khmer OS Content" panose="02000500000000020004" pitchFamily="2" charset="77"/>
+              </a:rPr>
+              <a:t>);</a:t>
+            </a:r>
+          </a:p>
+          <a:p>
+            <a:pPr lvl="1" algn="l">
+              <a:lnSpc>
+                <a:spcPct val="150000"/>
+              </a:lnSpc>
+              <a:spcBef>
+                <a:spcPts val="1500"/>
+              </a:spcBef>
+            </a:pPr>
+            <a:r>
+              <a:rPr lang="en-US" sz="2400" dirty="0">
+                <a:solidFill>
+                  <a:srgbClr val="002060"/>
+                </a:solidFill>
+                <a:latin typeface="Khmer OS Content" panose="02000500000000020004" pitchFamily="2" charset="77"/>
+                <a:cs typeface="Khmer OS Content" panose="02000500000000020004" pitchFamily="2" charset="77"/>
+              </a:rPr>
+              <a:t>      }</a:t>
+            </a:r>
+            <a:br>
+              <a:rPr lang="en-US" dirty="0">
+                <a:solidFill>
+                  <a:srgbClr val="0070C0"/>
+                </a:solidFill>
+                <a:latin typeface="Khmer OS Battambang" panose="02000500000000020004" pitchFamily="2" charset="77"/>
+                <a:cs typeface="Khmer OS Battambang" panose="02000500000000020004" pitchFamily="2" charset="77"/>
+              </a:rPr>
+            </a:br>
+            <a:endParaRPr lang="en-US" dirty="0">
+              <a:solidFill>
+                <a:srgbClr val="0070C0"/>
+              </a:solidFill>
+              <a:latin typeface="Khmer OS Battambang" panose="02000500000000020004" pitchFamily="2" charset="77"/>
+              <a:cs typeface="Khmer OS Battambang" panose="02000500000000020004" pitchFamily="2" charset="77"/>
+            </a:endParaRPr>
+          </a:p>
+        </p:txBody>
+      </p:sp>
+    </p:spTree>
+    <p:extLst>
+      <p:ext uri="{BB962C8B-B14F-4D97-AF65-F5344CB8AC3E}">
+        <p14:creationId xmlns:p14="http://schemas.microsoft.com/office/powerpoint/2010/main" val="1446301716"/>
       </p:ext>
     </p:extLst>
   </p:cSld>
